--- a/Poster.pptx
+++ b/Poster.pptx
@@ -4204,6 +4204,65 @@
       </p:grpSpPr>
       <p:sp>
         <p:nvSpPr>
+          <p:cNvPr id="2053" name="Text Box 10"/>
+          <p:cNvSpPr txBox="1">
+            <a:spLocks noChangeArrowheads="1"/>
+          </p:cNvSpPr>
+          <p:nvPr/>
+        </p:nvSpPr>
+        <p:spPr bwMode="auto">
+          <a:xfrm>
+            <a:off x="533400" y="13296900"/>
+            <a:ext cx="26212800" cy="11658599"/>
+          </a:xfrm>
+          <a:prstGeom prst="rect">
+            <a:avLst/>
+          </a:prstGeom>
+          <a:solidFill>
+            <a:schemeClr val="bg1"/>
+          </a:solidFill>
+          <a:ln w="38100">
+            <a:solidFill>
+              <a:schemeClr val="tx1"/>
+            </a:solidFill>
+            <a:miter lim="800000"/>
+            <a:headEnd/>
+            <a:tailEnd/>
+          </a:ln>
+        </p:spPr>
+        <p:txBody>
+          <a:bodyPr lIns="586140" tIns="586140" rIns="586140" bIns="586140"/>
+          <a:lstStyle/>
+          <a:p>
+            <a:pPr marL="287453" indent="-287453" algn="just">
+              <a:buFont typeface="Arial"/>
+              <a:buChar char="•"/>
+            </a:pPr>
+            <a:endParaRPr lang="en-US" sz="3200" dirty="0">
+              <a:latin typeface="Garamond Premr Pro Med"/>
+              <a:cs typeface="Garamond Premr Pro Med"/>
+            </a:endParaRPr>
+          </a:p>
+          <a:p>
+            <a:pPr algn="just"/>
+            <a:endParaRPr lang="en-US" sz="2000" dirty="0"/>
+          </a:p>
+          <a:p>
+            <a:pPr algn="just"/>
+            <a:endParaRPr lang="en-US" sz="1700" dirty="0"/>
+          </a:p>
+          <a:p>
+            <a:pPr algn="just"/>
+            <a:endParaRPr lang="en-US" sz="1700" dirty="0"/>
+          </a:p>
+          <a:p>
+            <a:pPr algn="just"/>
+            <a:endParaRPr lang="en-US" sz="1700" dirty="0"/>
+          </a:p>
+        </p:txBody>
+      </p:sp>
+      <p:sp>
+        <p:nvSpPr>
           <p:cNvPr id="2052" name="Text Box 6"/>
           <p:cNvSpPr txBox="1">
             <a:spLocks noChangeArrowheads="1"/>
@@ -4253,86 +4312,56 @@
               <a:t>  </a:t>
             </a:r>
             <a:r>
-              <a:rPr lang="en-US" sz="3200" dirty="0" err="1">
+              <a:rPr lang="en-US" sz="3200" dirty="0" smtClean="0">
                 <a:latin typeface="Garamond Premr Pro Med"/>
                 <a:cs typeface="Garamond Premr Pro Med"/>
               </a:rPr>
-              <a:t>Ssdfsdf</a:t>
+              <a:t>Dealing with undefined behavior</a:t>
+            </a:r>
+          </a:p>
+          <a:p>
+            <a:pPr lvl="1" algn="just">
+              <a:buFontTx/>
+              <a:buChar char="•"/>
+            </a:pPr>
+            <a:r>
+              <a:rPr lang="en-US" sz="3200" dirty="0">
+                <a:latin typeface="Garamond Premr Pro Med"/>
+                <a:cs typeface="Garamond Premr Pro Med"/>
+              </a:rPr>
+              <a:t> </a:t>
+            </a:r>
+            <a:r>
+              <a:rPr lang="en-US" sz="3200" dirty="0" smtClean="0">
+                <a:latin typeface="Garamond Premr Pro Med"/>
+                <a:cs typeface="Garamond Premr Pro Med"/>
+              </a:rPr>
+              <a:t>Detect it at compile time when possible?</a:t>
+            </a:r>
+          </a:p>
+          <a:p>
+            <a:pPr lvl="1" algn="just">
+              <a:buFontTx/>
+              <a:buChar char="•"/>
+            </a:pPr>
+            <a:r>
+              <a:rPr lang="en-US" sz="3200" dirty="0">
+                <a:latin typeface="Garamond Premr Pro Med"/>
+                <a:cs typeface="Garamond Premr Pro Med"/>
+              </a:rPr>
+              <a:t> </a:t>
+            </a:r>
+            <a:r>
+              <a:rPr lang="en-US" sz="3200" dirty="0" smtClean="0">
+                <a:latin typeface="Garamond Premr Pro Med"/>
+                <a:cs typeface="Garamond Premr Pro Med"/>
+              </a:rPr>
+              <a:t>Or leave it up to the programmer? </a:t>
             </a:r>
             <a:endParaRPr lang="en-US" sz="3200" dirty="0">
               <a:latin typeface="Garamond Premr Pro Med"/>
               <a:cs typeface="Garamond Premr Pro Med"/>
             </a:endParaRPr>
-          </a:p>
-        </p:txBody>
-      </p:sp>
-      <p:sp>
-        <p:nvSpPr>
-          <p:cNvPr id="2053" name="Text Box 10"/>
-          <p:cNvSpPr txBox="1">
-            <a:spLocks noChangeArrowheads="1"/>
-          </p:cNvSpPr>
-          <p:nvPr/>
-        </p:nvSpPr>
-        <p:spPr bwMode="auto">
-          <a:xfrm>
-            <a:off x="533400" y="13563600"/>
-            <a:ext cx="26212800" cy="11658599"/>
-          </a:xfrm>
-          <a:prstGeom prst="rect">
-            <a:avLst/>
-          </a:prstGeom>
-          <a:solidFill>
-            <a:schemeClr val="bg1"/>
-          </a:solidFill>
-          <a:ln w="38100">
-            <a:solidFill>
-              <a:schemeClr val="tx1"/>
-            </a:solidFill>
-            <a:miter lim="800000"/>
-            <a:headEnd/>
-            <a:tailEnd/>
-          </a:ln>
-        </p:spPr>
-        <p:txBody>
-          <a:bodyPr lIns="586140" tIns="586140" rIns="586140" bIns="586140"/>
-          <a:lstStyle/>
-          <a:p>
-            <a:pPr algn="just"/>
-            <a:endParaRPr lang="en-US" sz="1700" dirty="0"/>
-          </a:p>
-          <a:p>
-            <a:pPr marL="287453" indent="-287453" algn="just">
-              <a:buFont typeface="Arial"/>
-              <a:buChar char="•"/>
-            </a:pPr>
-            <a:r>
-              <a:rPr lang="en-US" sz="3200" dirty="0" err="1">
-                <a:latin typeface="Garamond Premr Pro Med"/>
-                <a:cs typeface="Garamond Premr Pro Med"/>
-              </a:rPr>
-              <a:t>Ssdfsdf</a:t>
-            </a:r>
-            <a:endParaRPr lang="en-US" sz="3200" dirty="0">
-              <a:latin typeface="Garamond Premr Pro Med"/>
-              <a:cs typeface="Garamond Premr Pro Med"/>
-            </a:endParaRPr>
-          </a:p>
-          <a:p>
-            <a:pPr algn="just"/>
-            <a:endParaRPr lang="en-US" sz="2000" dirty="0"/>
-          </a:p>
-          <a:p>
-            <a:pPr algn="just"/>
-            <a:endParaRPr lang="en-US" sz="1700" dirty="0"/>
-          </a:p>
-          <a:p>
-            <a:pPr algn="just"/>
-            <a:endParaRPr lang="en-US" sz="1700" dirty="0"/>
-          </a:p>
-          <a:p>
-            <a:pPr algn="just"/>
-            <a:endParaRPr lang="en-US" sz="1700" dirty="0"/>
           </a:p>
         </p:txBody>
       </p:sp>
@@ -4483,15 +4512,1361 @@
               <a:buChar char="•"/>
             </a:pPr>
             <a:r>
-              <a:rPr lang="en-US" sz="3200" dirty="0" err="1">
+              <a:rPr lang="en-US" sz="3600" dirty="0" smtClean="0">
                 <a:latin typeface="Garamond Premr Pro Med"/>
                 <a:cs typeface="Garamond Premr Pro Med"/>
               </a:rPr>
-              <a:t>Sdsdfsdf</a:t>
-            </a:r>
-            <a:endParaRPr lang="en-US" sz="3200" dirty="0">
+              <a:t>Intermediate representations used depends on compiler (e.g., GCC vs. Clang) </a:t>
+            </a:r>
+          </a:p>
+          <a:p>
+            <a:pPr marL="287453" indent="-287453">
+              <a:buFont typeface="Arial"/>
+              <a:buChar char="•"/>
+            </a:pPr>
+            <a:r>
+              <a:rPr lang="en-US" sz="3600" dirty="0" smtClean="0">
+                <a:latin typeface="Garamond Premr Pro Med"/>
+                <a:cs typeface="Garamond Premr Pro Med"/>
+              </a:rPr>
+              <a:t>GCC</a:t>
+            </a:r>
+          </a:p>
+          <a:p>
+            <a:pPr marL="670724" lvl="1" indent="-287453">
+              <a:buFont typeface="Arial"/>
+              <a:buChar char="•"/>
+            </a:pPr>
+            <a:r>
+              <a:rPr lang="en-US" sz="3600" dirty="0" smtClean="0">
+                <a:latin typeface="Garamond Premr Pro Med"/>
+                <a:cs typeface="Garamond Premr Pro Med"/>
+              </a:rPr>
+              <a:t>Register Transfer Language (RTL)</a:t>
+            </a:r>
+          </a:p>
+          <a:p>
+            <a:pPr marL="670724" lvl="1" indent="-287453">
+              <a:buFont typeface="Arial"/>
+              <a:buChar char="•"/>
+            </a:pPr>
+            <a:r>
+              <a:rPr lang="en-US" sz="3600" dirty="0" smtClean="0">
+                <a:latin typeface="Garamond Premr Pro Med"/>
+                <a:cs typeface="Garamond Premr Pro Med"/>
+              </a:rPr>
+              <a:t>GNU GENERIC/GIMPLE</a:t>
+            </a:r>
+          </a:p>
+          <a:p>
+            <a:pPr marL="670724" lvl="1" indent="-287453">
+              <a:buFont typeface="Arial"/>
+              <a:buChar char="•"/>
+            </a:pPr>
+            <a:r>
+              <a:rPr lang="en-US" sz="3600" dirty="0" smtClean="0">
+                <a:latin typeface="Garamond Premr Pro Med"/>
+                <a:cs typeface="Garamond Premr Pro Med"/>
+              </a:rPr>
+              <a:t>LLVM IR</a:t>
+            </a:r>
+          </a:p>
+          <a:p>
+            <a:pPr marL="287453" indent="-287453">
+              <a:buFont typeface="Arial"/>
+              <a:buChar char="•"/>
+            </a:pPr>
+            <a:r>
+              <a:rPr lang="en-US" sz="3600" dirty="0" smtClean="0">
+                <a:latin typeface="Garamond Premr Pro Med"/>
+                <a:cs typeface="Garamond Premr Pro Med"/>
+              </a:rPr>
+              <a:t>Clang</a:t>
+            </a:r>
+          </a:p>
+          <a:p>
+            <a:pPr marL="670724" lvl="1" indent="-287453">
+              <a:buFont typeface="Arial"/>
+              <a:buChar char="•"/>
+            </a:pPr>
+            <a:r>
+              <a:rPr lang="en-US" sz="3600" dirty="0" smtClean="0">
+                <a:latin typeface="Garamond Premr Pro Med"/>
+                <a:cs typeface="Garamond Premr Pro Med"/>
+              </a:rPr>
+              <a:t>All LLVM IR  </a:t>
+            </a:r>
+            <a:endParaRPr lang="en-US" sz="3600" dirty="0">
               <a:latin typeface="Garamond Premr Pro Med"/>
               <a:cs typeface="Garamond Premr Pro Med"/>
+            </a:endParaRPr>
+          </a:p>
+        </p:txBody>
+      </p:sp>
+      <p:sp>
+        <p:nvSpPr>
+          <p:cNvPr id="2057" name="Text Box 16"/>
+          <p:cNvSpPr txBox="1">
+            <a:spLocks noChangeArrowheads="1"/>
+          </p:cNvSpPr>
+          <p:nvPr/>
+        </p:nvSpPr>
+        <p:spPr bwMode="auto">
+          <a:xfrm>
+            <a:off x="653522" y="7888941"/>
+            <a:ext cx="12681478" cy="5141259"/>
+          </a:xfrm>
+          <a:prstGeom prst="rect">
+            <a:avLst/>
+          </a:prstGeom>
+          <a:solidFill>
+            <a:schemeClr val="bg1"/>
+          </a:solidFill>
+          <a:ln w="38100">
+            <a:solidFill>
+              <a:schemeClr val="tx1"/>
+            </a:solidFill>
+            <a:miter lim="800000"/>
+            <a:headEnd/>
+            <a:tailEnd/>
+          </a:ln>
+        </p:spPr>
+        <p:txBody>
+          <a:bodyPr lIns="586140" tIns="586140" rIns="586140" bIns="586140"/>
+          <a:lstStyle/>
+          <a:p>
+            <a:pPr marL="383271" indent="-383271" defTabSz="735934"/>
+            <a:endParaRPr lang="en-US" sz="2000" dirty="0"/>
+          </a:p>
+          <a:p>
+            <a:pPr marL="383271" indent="-383271" defTabSz="735934">
+              <a:buFont typeface="Arial"/>
+              <a:buChar char="•"/>
+            </a:pPr>
+            <a:r>
+              <a:rPr lang="en-US" sz="3600" dirty="0" smtClean="0">
+                <a:latin typeface="Garamond Premr Pro Med"/>
+                <a:cs typeface="Garamond Premr Pro Med"/>
+              </a:rPr>
+              <a:t>C is an imperative, statically, weakly, typed language with manual memory management  </a:t>
+            </a:r>
+          </a:p>
+          <a:p>
+            <a:pPr marL="383271" indent="-383271" defTabSz="735934">
+              <a:buFont typeface="Arial"/>
+              <a:buChar char="•"/>
+            </a:pPr>
+            <a:r>
+              <a:rPr lang="en-US" sz="3600" dirty="0" smtClean="0">
+                <a:latin typeface="Garamond Premr Pro Med"/>
+                <a:cs typeface="Garamond Premr Pro Med"/>
+              </a:rPr>
+              <a:t>Software commonly implemented in C:</a:t>
+            </a:r>
+          </a:p>
+          <a:p>
+            <a:pPr marL="766542" lvl="1" indent="-383271" defTabSz="735934">
+              <a:buFont typeface="Arial"/>
+              <a:buChar char="•"/>
+            </a:pPr>
+            <a:r>
+              <a:rPr lang="en-US" sz="3600" dirty="0" smtClean="0">
+                <a:latin typeface="Garamond Premr Pro Med"/>
+                <a:cs typeface="Garamond Premr Pro Med"/>
+              </a:rPr>
+              <a:t>Operating systems</a:t>
+            </a:r>
+          </a:p>
+          <a:p>
+            <a:pPr marL="766542" lvl="1" indent="-383271" defTabSz="735934">
+              <a:buFont typeface="Arial"/>
+              <a:buChar char="•"/>
+            </a:pPr>
+            <a:r>
+              <a:rPr lang="en-US" sz="3600" dirty="0" smtClean="0">
+                <a:latin typeface="Garamond Premr Pro Med"/>
+                <a:cs typeface="Garamond Premr Pro Med"/>
+              </a:rPr>
+              <a:t>High performance scientific applications</a:t>
+            </a:r>
+          </a:p>
+          <a:p>
+            <a:pPr marL="766542" lvl="1" indent="-383271" defTabSz="735934">
+              <a:buFont typeface="Arial"/>
+              <a:buChar char="•"/>
+            </a:pPr>
+            <a:r>
+              <a:rPr lang="en-US" sz="3600" dirty="0" smtClean="0">
+                <a:latin typeface="Garamond Premr Pro Med"/>
+                <a:cs typeface="Garamond Premr Pro Med"/>
+              </a:rPr>
+              <a:t>Embedded systems </a:t>
+            </a:r>
+            <a:endParaRPr lang="en-US" sz="3600" dirty="0">
+              <a:latin typeface="Garamond Premr Pro Med"/>
+              <a:cs typeface="Garamond Premr Pro Med"/>
+            </a:endParaRPr>
+          </a:p>
+        </p:txBody>
+      </p:sp>
+      <p:sp>
+        <p:nvSpPr>
+          <p:cNvPr id="46097" name="Text Box 17"/>
+          <p:cNvSpPr txBox="1">
+            <a:spLocks noChangeArrowheads="1"/>
+          </p:cNvSpPr>
+          <p:nvPr/>
+        </p:nvSpPr>
+        <p:spPr bwMode="auto">
+          <a:xfrm>
+            <a:off x="1045986" y="7366003"/>
+            <a:ext cx="8783814" cy="692247"/>
+          </a:xfrm>
+          <a:prstGeom prst="rect">
+            <a:avLst/>
+          </a:prstGeom>
+          <a:solidFill>
+            <a:schemeClr val="accent2">
+              <a:lumMod val="75000"/>
+            </a:schemeClr>
+          </a:solidFill>
+          <a:ln w="38100">
+            <a:solidFill>
+              <a:schemeClr val="tx1"/>
+            </a:solidFill>
+            <a:miter lim="800000"/>
+            <a:headEnd/>
+            <a:tailEnd/>
+          </a:ln>
+          <a:effectLst>
+            <a:outerShdw blurRad="127000" dist="101600" dir="2700000" algn="tl" rotWithShape="0">
+              <a:schemeClr val="accent2">
+                <a:alpha val="46000"/>
+              </a:schemeClr>
+            </a:outerShdw>
+          </a:effectLst>
+        </p:spPr>
+        <p:txBody>
+          <a:bodyPr wrap="square" lIns="75956" tIns="37976" rIns="75956" bIns="37976">
+            <a:spAutoFit/>
+          </a:bodyPr>
+          <a:lstStyle/>
+          <a:p>
+            <a:pPr defTabSz="754565" eaLnBrk="0" hangingPunct="0">
+              <a:defRPr/>
+            </a:pPr>
+            <a:r>
+              <a:rPr lang="en-US" sz="4000" dirty="0" smtClean="0">
+                <a:solidFill>
+                  <a:schemeClr val="bg1"/>
+                </a:solidFill>
+                <a:latin typeface="Myriad Pro Semibold"/>
+                <a:cs typeface="Myriad Pro Semibold"/>
+              </a:rPr>
+              <a:t>Language Overview</a:t>
+            </a:r>
+            <a:endParaRPr lang="en-US" sz="4000" dirty="0">
+              <a:solidFill>
+                <a:schemeClr val="bg1"/>
+              </a:solidFill>
+              <a:latin typeface="Myriad Pro Semibold"/>
+              <a:cs typeface="Myriad Pro Semibold"/>
+            </a:endParaRPr>
+          </a:p>
+        </p:txBody>
+      </p:sp>
+      <p:sp>
+        <p:nvSpPr>
+          <p:cNvPr id="46099" name="Text Box 19"/>
+          <p:cNvSpPr txBox="1">
+            <a:spLocks noChangeArrowheads="1"/>
+          </p:cNvSpPr>
+          <p:nvPr/>
+        </p:nvSpPr>
+        <p:spPr bwMode="auto">
+          <a:xfrm>
+            <a:off x="11277600" y="13335000"/>
+            <a:ext cx="9296400" cy="692247"/>
+          </a:xfrm>
+          <a:prstGeom prst="rect">
+            <a:avLst/>
+          </a:prstGeom>
+          <a:solidFill>
+            <a:schemeClr val="accent2">
+              <a:lumMod val="75000"/>
+            </a:schemeClr>
+          </a:solidFill>
+          <a:ln w="38100">
+            <a:solidFill>
+              <a:schemeClr val="tx1"/>
+            </a:solidFill>
+            <a:miter lim="800000"/>
+            <a:headEnd/>
+            <a:tailEnd/>
+          </a:ln>
+          <a:effectLst>
+            <a:outerShdw blurRad="127000" dist="101600" dir="2700000" algn="tl" rotWithShape="0">
+              <a:schemeClr val="accent2">
+                <a:alpha val="46000"/>
+              </a:schemeClr>
+            </a:outerShdw>
+          </a:effectLst>
+        </p:spPr>
+        <p:txBody>
+          <a:bodyPr wrap="square" lIns="75956" tIns="37976" rIns="75956" bIns="37976">
+            <a:spAutoFit/>
+          </a:bodyPr>
+          <a:lstStyle/>
+          <a:p>
+            <a:pPr defTabSz="754565" eaLnBrk="0" hangingPunct="0">
+              <a:defRPr/>
+            </a:pPr>
+            <a:r>
+              <a:rPr lang="en-US" sz="4000" dirty="0" smtClean="0">
+                <a:solidFill>
+                  <a:schemeClr val="bg1"/>
+                </a:solidFill>
+                <a:latin typeface="Myriad Pro Semibold"/>
+                <a:cs typeface="Myriad Pro Semibold"/>
+              </a:rPr>
+              <a:t>Language Implementation Proces</a:t>
+            </a:r>
+            <a:r>
+              <a:rPr lang="en-US" sz="4000" dirty="0">
+                <a:solidFill>
+                  <a:schemeClr val="bg1"/>
+                </a:solidFill>
+                <a:latin typeface="Myriad Pro Semibold"/>
+                <a:cs typeface="Myriad Pro Semibold"/>
+              </a:rPr>
+              <a:t>s</a:t>
+            </a:r>
+          </a:p>
+        </p:txBody>
+      </p:sp>
+      <p:sp>
+        <p:nvSpPr>
+          <p:cNvPr id="46100" name="Text Box 20"/>
+          <p:cNvSpPr txBox="1">
+            <a:spLocks noChangeArrowheads="1"/>
+          </p:cNvSpPr>
+          <p:nvPr/>
+        </p:nvSpPr>
+        <p:spPr bwMode="auto">
+          <a:xfrm>
+            <a:off x="19431000" y="25374600"/>
+            <a:ext cx="5469308" cy="692247"/>
+          </a:xfrm>
+          <a:prstGeom prst="rect">
+            <a:avLst/>
+          </a:prstGeom>
+          <a:solidFill>
+            <a:schemeClr val="accent2">
+              <a:lumMod val="75000"/>
+            </a:schemeClr>
+          </a:solidFill>
+          <a:ln w="38100">
+            <a:solidFill>
+              <a:schemeClr val="tx1"/>
+            </a:solidFill>
+            <a:miter lim="800000"/>
+            <a:headEnd/>
+            <a:tailEnd/>
+          </a:ln>
+          <a:effectLst>
+            <a:outerShdw blurRad="127000" dist="101600" dir="2700000" algn="tl" rotWithShape="0">
+              <a:schemeClr val="accent2">
+                <a:alpha val="46000"/>
+              </a:schemeClr>
+            </a:outerShdw>
+          </a:effectLst>
+        </p:spPr>
+        <p:txBody>
+          <a:bodyPr wrap="square" lIns="75956" tIns="37976" rIns="75956" bIns="37976">
+            <a:spAutoFit/>
+          </a:bodyPr>
+          <a:lstStyle/>
+          <a:p>
+            <a:pPr defTabSz="754565" eaLnBrk="0" hangingPunct="0">
+              <a:defRPr/>
+            </a:pPr>
+            <a:r>
+              <a:rPr lang="en-US" sz="4000" dirty="0" smtClean="0">
+                <a:solidFill>
+                  <a:schemeClr val="bg1"/>
+                </a:solidFill>
+                <a:latin typeface="Myriad Pro Semibold"/>
+                <a:cs typeface="Myriad Pro Semibold"/>
+              </a:rPr>
+              <a:t>Challenges</a:t>
+            </a:r>
+            <a:endParaRPr lang="en-US" sz="4000" dirty="0">
+              <a:solidFill>
+                <a:schemeClr val="bg1"/>
+              </a:solidFill>
+              <a:latin typeface="Myriad Pro Semibold"/>
+              <a:cs typeface="Myriad Pro Semibold"/>
+            </a:endParaRPr>
+          </a:p>
+        </p:txBody>
+      </p:sp>
+      <p:sp>
+        <p:nvSpPr>
+          <p:cNvPr id="46101" name="Text Box 21"/>
+          <p:cNvSpPr txBox="1">
+            <a:spLocks noChangeArrowheads="1"/>
+          </p:cNvSpPr>
+          <p:nvPr/>
+        </p:nvSpPr>
+        <p:spPr bwMode="auto">
+          <a:xfrm>
+            <a:off x="1828800" y="25603200"/>
+            <a:ext cx="8839200" cy="692247"/>
+          </a:xfrm>
+          <a:prstGeom prst="rect">
+            <a:avLst/>
+          </a:prstGeom>
+          <a:solidFill>
+            <a:schemeClr val="accent2">
+              <a:lumMod val="75000"/>
+            </a:schemeClr>
+          </a:solidFill>
+          <a:ln w="38100">
+            <a:solidFill>
+              <a:schemeClr val="tx1"/>
+            </a:solidFill>
+            <a:miter lim="800000"/>
+            <a:headEnd/>
+            <a:tailEnd/>
+          </a:ln>
+          <a:effectLst>
+            <a:outerShdw blurRad="127000" dist="101600" dir="2700000" algn="tl" rotWithShape="0">
+              <a:schemeClr val="accent2">
+                <a:alpha val="46000"/>
+              </a:schemeClr>
+            </a:outerShdw>
+          </a:effectLst>
+        </p:spPr>
+        <p:txBody>
+          <a:bodyPr wrap="square" lIns="75956" tIns="37976" rIns="75956" bIns="37976">
+            <a:spAutoFit/>
+          </a:bodyPr>
+          <a:lstStyle/>
+          <a:p>
+            <a:pPr defTabSz="754565" eaLnBrk="0" hangingPunct="0">
+              <a:defRPr/>
+            </a:pPr>
+            <a:r>
+              <a:rPr lang="en-US" sz="4000" dirty="0" smtClean="0">
+                <a:solidFill>
+                  <a:schemeClr val="bg1"/>
+                </a:solidFill>
+                <a:latin typeface="Myriad Pro Light"/>
+                <a:cs typeface="Myriad Pro Light"/>
+              </a:rPr>
+              <a:t>Intermediate Representation Example</a:t>
+            </a:r>
+            <a:endParaRPr lang="en-US" sz="4000" dirty="0">
+              <a:solidFill>
+                <a:schemeClr val="bg1"/>
+              </a:solidFill>
+              <a:latin typeface="Myriad Pro Light"/>
+              <a:cs typeface="Myriad Pro Light"/>
+            </a:endParaRPr>
+          </a:p>
+        </p:txBody>
+      </p:sp>
+      <p:sp>
+        <p:nvSpPr>
+          <p:cNvPr id="2064" name="Text Box 68"/>
+          <p:cNvSpPr txBox="1">
+            <a:spLocks noChangeArrowheads="1"/>
+          </p:cNvSpPr>
+          <p:nvPr/>
+        </p:nvSpPr>
+        <p:spPr bwMode="auto">
+          <a:xfrm>
+            <a:off x="16475605" y="26890385"/>
+            <a:ext cx="1344965" cy="381813"/>
+          </a:xfrm>
+          <a:prstGeom prst="rect">
+            <a:avLst/>
+          </a:prstGeom>
+          <a:noFill/>
+          <a:ln w="9525">
+            <a:noFill/>
+            <a:miter lim="800000"/>
+            <a:headEnd/>
+            <a:tailEnd/>
+          </a:ln>
+        </p:spPr>
+        <p:txBody>
+          <a:bodyPr lIns="73319" tIns="36660" rIns="73319" bIns="36660">
+            <a:spAutoFit/>
+          </a:bodyPr>
+          <a:lstStyle/>
+          <a:p>
+            <a:pPr algn="ctr" defTabSz="733272">
+              <a:spcBef>
+                <a:spcPct val="50000"/>
+              </a:spcBef>
+            </a:pPr>
+            <a:endParaRPr lang="en-US" sz="3000" b="1" baseline="30000"/>
+          </a:p>
+        </p:txBody>
+      </p:sp>
+      <p:sp>
+        <p:nvSpPr>
+          <p:cNvPr id="2065" name="Text Box 151"/>
+          <p:cNvSpPr txBox="1">
+            <a:spLocks noChangeArrowheads="1"/>
+          </p:cNvSpPr>
+          <p:nvPr/>
+        </p:nvSpPr>
+        <p:spPr bwMode="auto">
+          <a:xfrm>
+            <a:off x="14266333" y="27839150"/>
+            <a:ext cx="5545667" cy="427979"/>
+          </a:xfrm>
+          <a:prstGeom prst="rect">
+            <a:avLst/>
+          </a:prstGeom>
+          <a:noFill/>
+          <a:ln w="9525">
+            <a:noFill/>
+            <a:miter lim="800000"/>
+            <a:headEnd/>
+            <a:tailEnd/>
+          </a:ln>
+        </p:spPr>
+        <p:txBody>
+          <a:bodyPr lIns="73319" tIns="36660" rIns="73319" bIns="36660">
+            <a:spAutoFit/>
+          </a:bodyPr>
+          <a:lstStyle/>
+          <a:p>
+            <a:pPr algn="just" defTabSz="733272">
+              <a:spcBef>
+                <a:spcPct val="50000"/>
+              </a:spcBef>
+            </a:pPr>
+            <a:endParaRPr lang="en-US" sz="2300"/>
+          </a:p>
+        </p:txBody>
+      </p:sp>
+      <p:sp>
+        <p:nvSpPr>
+          <p:cNvPr id="22" name="Rectangle 21"/>
+          <p:cNvSpPr/>
+          <p:nvPr/>
+        </p:nvSpPr>
+        <p:spPr bwMode="auto">
+          <a:xfrm>
+            <a:off x="0" y="6544236"/>
+            <a:ext cx="27432000" cy="268941"/>
+          </a:xfrm>
+          <a:prstGeom prst="rect">
+            <a:avLst/>
+          </a:prstGeom>
+          <a:solidFill>
+            <a:schemeClr val="accent3"/>
+          </a:solidFill>
+          <a:ln w="9525" cap="flat" cmpd="sng" algn="ctr">
+            <a:noFill/>
+            <a:prstDash val="solid"/>
+            <a:miter lim="800000"/>
+            <a:headEnd type="none" w="med" len="med"/>
+            <a:tailEnd type="none" w="med" len="med"/>
+          </a:ln>
+          <a:effectLst/>
+        </p:spPr>
+        <p:txBody>
+          <a:bodyPr vert="horz" wrap="none" lIns="76654" tIns="38327" rIns="76654" bIns="38327" numCol="1" rtlCol="0" anchor="t" anchorCtr="0" compatLnSpc="1">
+            <a:prstTxWarp prst="textNoShape">
+              <a:avLst/>
+            </a:prstTxWarp>
+          </a:bodyPr>
+          <a:lstStyle/>
+          <a:p>
+            <a:pPr defTabSz="733272"/>
+            <a:endParaRPr lang="en-US"/>
+          </a:p>
+        </p:txBody>
+      </p:sp>
+      <p:sp>
+        <p:nvSpPr>
+          <p:cNvPr id="23" name="TextBox 22"/>
+          <p:cNvSpPr txBox="1"/>
+          <p:nvPr/>
+        </p:nvSpPr>
+        <p:spPr bwMode="auto">
+          <a:xfrm>
+            <a:off x="640935" y="1255060"/>
+            <a:ext cx="19361566" cy="1477328"/>
+          </a:xfrm>
+          <a:prstGeom prst="rect">
+            <a:avLst/>
+          </a:prstGeom>
+          <a:noFill/>
+          <a:ln w="38100">
+            <a:noFill/>
+            <a:miter lim="800000"/>
+            <a:headEnd/>
+            <a:tailEnd/>
+          </a:ln>
+        </p:spPr>
+        <p:txBody>
+          <a:bodyPr wrap="square" lIns="0" tIns="0" rIns="0" bIns="0" rtlCol="0" anchor="t" anchorCtr="0">
+            <a:spAutoFit/>
+          </a:bodyPr>
+          <a:lstStyle/>
+          <a:p>
+            <a:pPr marL="365971" indent="-365971" defTabSz="735934" eaLnBrk="0" hangingPunct="0">
+              <a:defRPr/>
+            </a:pPr>
+            <a:r>
+              <a:rPr lang="en-US" sz="9600" dirty="0" smtClean="0">
+                <a:solidFill>
+                  <a:srgbClr val="FFCC00"/>
+                </a:solidFill>
+                <a:latin typeface="Myriad Pro"/>
+                <a:cs typeface="Myriad Pro"/>
+              </a:rPr>
+              <a:t>Compiling C / Placeholder Title</a:t>
+            </a:r>
+            <a:r>
+              <a:rPr lang="en-US" sz="9600" b="1" dirty="0" smtClean="0">
+                <a:solidFill>
+                  <a:srgbClr val="FFCC00"/>
+                </a:solidFill>
+                <a:latin typeface="Myriad Pro"/>
+                <a:cs typeface="Myriad Pro"/>
+              </a:rPr>
+              <a:t> </a:t>
+            </a:r>
+            <a:endParaRPr lang="en-US" sz="9600" b="1" dirty="0">
+              <a:solidFill>
+                <a:srgbClr val="FFCC00"/>
+              </a:solidFill>
+              <a:latin typeface="Myriad Pro"/>
+              <a:cs typeface="Myriad Pro"/>
+            </a:endParaRPr>
+          </a:p>
+        </p:txBody>
+      </p:sp>
+      <p:sp>
+        <p:nvSpPr>
+          <p:cNvPr id="25" name="Rectangle 24"/>
+          <p:cNvSpPr/>
+          <p:nvPr/>
+        </p:nvSpPr>
+        <p:spPr>
+          <a:xfrm>
+            <a:off x="685800" y="3657601"/>
+            <a:ext cx="19296824" cy="908399"/>
+          </a:xfrm>
+          <a:prstGeom prst="rect">
+            <a:avLst/>
+          </a:prstGeom>
+        </p:spPr>
+        <p:txBody>
+          <a:bodyPr wrap="square" lIns="76654" tIns="38327" rIns="76654" bIns="38327">
+            <a:spAutoFit/>
+          </a:bodyPr>
+          <a:lstStyle/>
+          <a:p>
+            <a:pPr marL="365971" indent="-365971" defTabSz="735934" eaLnBrk="0" hangingPunct="0">
+              <a:defRPr/>
+            </a:pPr>
+            <a:r>
+              <a:rPr lang="en-US" sz="5400" dirty="0">
+                <a:solidFill>
+                  <a:schemeClr val="bg1"/>
+                </a:solidFill>
+              </a:rPr>
+              <a:t>Abdulrahman </a:t>
+            </a:r>
+            <a:r>
+              <a:rPr lang="en-US" sz="5400" dirty="0" err="1" smtClean="0">
+                <a:solidFill>
+                  <a:schemeClr val="bg1"/>
+                </a:solidFill>
+              </a:rPr>
+              <a:t>Alshammari</a:t>
+            </a:r>
+            <a:r>
+              <a:rPr lang="en-US" sz="5400" dirty="0" smtClean="0">
+                <a:solidFill>
+                  <a:schemeClr val="bg1"/>
+                </a:solidFill>
+              </a:rPr>
+              <a:t>, Dylan Chapp, </a:t>
+            </a:r>
+            <a:r>
+              <a:rPr lang="en-US" sz="5400" dirty="0" err="1">
+                <a:solidFill>
+                  <a:schemeClr val="bg1"/>
+                </a:solidFill>
+              </a:rPr>
+              <a:t>Jaewoong</a:t>
+            </a:r>
+            <a:r>
+              <a:rPr lang="en-US" sz="5400" dirty="0">
+                <a:solidFill>
+                  <a:schemeClr val="bg1"/>
+                </a:solidFill>
+              </a:rPr>
+              <a:t> </a:t>
+            </a:r>
+            <a:r>
+              <a:rPr lang="en-US" sz="5400" dirty="0" err="1">
+                <a:solidFill>
+                  <a:schemeClr val="bg1"/>
+                </a:solidFill>
+              </a:rPr>
+              <a:t>Yoo</a:t>
+            </a:r>
+            <a:endParaRPr lang="en-US" sz="5000" dirty="0">
+              <a:solidFill>
+                <a:schemeClr val="bg1"/>
+              </a:solidFill>
+              <a:latin typeface="Myriad Pro Light"/>
+              <a:cs typeface="Myriad Pro Light"/>
+            </a:endParaRPr>
+          </a:p>
+        </p:txBody>
+      </p:sp>
+      <p:pic>
+        <p:nvPicPr>
+          <p:cNvPr id="2" name="Picture 1"/>
+          <p:cNvPicPr>
+            <a:picLocks noChangeAspect="1"/>
+          </p:cNvPicPr>
+          <p:nvPr/>
+        </p:nvPicPr>
+        <p:blipFill>
+          <a:blip r:embed="rId3"/>
+          <a:stretch>
+            <a:fillRect/>
+          </a:stretch>
+        </p:blipFill>
+        <p:spPr>
+          <a:xfrm>
+            <a:off x="16764000" y="1803043"/>
+            <a:ext cx="8810625" cy="3557651"/>
+          </a:xfrm>
+          <a:prstGeom prst="rect">
+            <a:avLst/>
+          </a:prstGeom>
+        </p:spPr>
+      </p:pic>
+      <p:sp>
+        <p:nvSpPr>
+          <p:cNvPr id="24" name="Rectangle 23"/>
+          <p:cNvSpPr/>
+          <p:nvPr/>
+        </p:nvSpPr>
+        <p:spPr>
+          <a:xfrm>
+            <a:off x="685800" y="4978401"/>
+            <a:ext cx="19296824" cy="754511"/>
+          </a:xfrm>
+          <a:prstGeom prst="rect">
+            <a:avLst/>
+          </a:prstGeom>
+        </p:spPr>
+        <p:txBody>
+          <a:bodyPr wrap="square" lIns="76654" tIns="38327" rIns="76654" bIns="38327">
+            <a:spAutoFit/>
+          </a:bodyPr>
+          <a:lstStyle/>
+          <a:p>
+            <a:pPr marL="365971" indent="-365971" defTabSz="735934" eaLnBrk="0" hangingPunct="0">
+              <a:defRPr/>
+            </a:pPr>
+            <a:r>
+              <a:rPr lang="en-US" sz="4400" dirty="0" smtClean="0">
+                <a:solidFill>
+                  <a:schemeClr val="bg1"/>
+                </a:solidFill>
+                <a:latin typeface="Myriad Pro Light"/>
+                <a:cs typeface="Myriad Pro Light"/>
+              </a:rPr>
+              <a:t>CISC 471/672 Compiler Construction, Fall 2016</a:t>
+            </a:r>
+            <a:endParaRPr lang="en-US" sz="4400" dirty="0">
+              <a:solidFill>
+                <a:schemeClr val="bg1"/>
+              </a:solidFill>
+              <a:latin typeface="Myriad Pro Light"/>
+              <a:cs typeface="Myriad Pro Light"/>
+            </a:endParaRPr>
+          </a:p>
+        </p:txBody>
+      </p:sp>
+      <p:sp>
+        <p:nvSpPr>
+          <p:cNvPr id="26" name="Text Box 16"/>
+          <p:cNvSpPr txBox="1">
+            <a:spLocks noChangeArrowheads="1"/>
+          </p:cNvSpPr>
+          <p:nvPr/>
+        </p:nvSpPr>
+        <p:spPr bwMode="auto">
+          <a:xfrm>
+            <a:off x="13868400" y="8001000"/>
+            <a:ext cx="12681478" cy="5141259"/>
+          </a:xfrm>
+          <a:prstGeom prst="rect">
+            <a:avLst/>
+          </a:prstGeom>
+          <a:solidFill>
+            <a:schemeClr val="bg1"/>
+          </a:solidFill>
+          <a:ln w="38100">
+            <a:solidFill>
+              <a:schemeClr val="tx1"/>
+            </a:solidFill>
+            <a:miter lim="800000"/>
+            <a:headEnd/>
+            <a:tailEnd/>
+          </a:ln>
+        </p:spPr>
+        <p:txBody>
+          <a:bodyPr lIns="586140" tIns="586140" rIns="586140" bIns="586140"/>
+          <a:lstStyle/>
+          <a:p>
+            <a:pPr marL="383271" indent="-383271" defTabSz="735934"/>
+            <a:endParaRPr lang="en-US" sz="2000" dirty="0"/>
+          </a:p>
+          <a:p>
+            <a:pPr marL="383271" indent="-383271" defTabSz="735934">
+              <a:buFont typeface="Arial"/>
+              <a:buChar char="•"/>
+            </a:pPr>
+            <a:r>
+              <a:rPr lang="en-US" sz="3600" dirty="0" smtClean="0">
+                <a:latin typeface="Garamond Premr Pro Med"/>
+                <a:cs typeface="Garamond Premr Pro Med"/>
+              </a:rPr>
+              <a:t>Built-in types: pointers, char, </a:t>
+            </a:r>
+            <a:r>
+              <a:rPr lang="en-US" sz="3600" dirty="0" err="1" smtClean="0">
+                <a:latin typeface="Garamond Premr Pro Med"/>
+                <a:cs typeface="Garamond Premr Pro Med"/>
+              </a:rPr>
+              <a:t>int</a:t>
+            </a:r>
+            <a:r>
+              <a:rPr lang="en-US" sz="3600" dirty="0" smtClean="0">
+                <a:latin typeface="Garamond Premr Pro Med"/>
+                <a:cs typeface="Garamond Premr Pro Med"/>
+              </a:rPr>
+              <a:t>/</a:t>
+            </a:r>
+            <a:r>
+              <a:rPr lang="en-US" sz="3600" dirty="0" err="1" smtClean="0">
+                <a:latin typeface="Garamond Premr Pro Med"/>
+                <a:cs typeface="Garamond Premr Pro Med"/>
+              </a:rPr>
+              <a:t>uint</a:t>
+            </a:r>
+            <a:r>
+              <a:rPr lang="en-US" sz="3600" dirty="0" smtClean="0">
+                <a:latin typeface="Garamond Premr Pro Med"/>
+                <a:cs typeface="Garamond Premr Pro Med"/>
+              </a:rPr>
+              <a:t> of various sizes, float/double, </a:t>
+            </a:r>
+            <a:r>
+              <a:rPr lang="en-US" sz="3600" dirty="0" err="1" smtClean="0">
+                <a:latin typeface="Garamond Premr Pro Med"/>
+                <a:cs typeface="Garamond Premr Pro Med"/>
+              </a:rPr>
+              <a:t>enums</a:t>
+            </a:r>
+            <a:r>
+              <a:rPr lang="en-US" sz="3600" dirty="0" smtClean="0">
+                <a:latin typeface="Garamond Premr Pro Med"/>
+                <a:cs typeface="Garamond Premr Pro Med"/>
+              </a:rPr>
+              <a:t>, bool (as of C99) </a:t>
+            </a:r>
+          </a:p>
+          <a:p>
+            <a:pPr marL="383271" indent="-383271" defTabSz="735934">
+              <a:buFont typeface="Arial"/>
+              <a:buChar char="•"/>
+            </a:pPr>
+            <a:r>
+              <a:rPr lang="en-US" sz="3600" dirty="0" smtClean="0">
+                <a:latin typeface="Garamond Premr Pro Med"/>
+                <a:cs typeface="Garamond Premr Pro Med"/>
+              </a:rPr>
+              <a:t>Derived types: arrays, </a:t>
+            </a:r>
+            <a:r>
+              <a:rPr lang="en-US" sz="3600" dirty="0" err="1" smtClean="0">
+                <a:latin typeface="Garamond Premr Pro Med"/>
+                <a:cs typeface="Garamond Premr Pro Med"/>
+              </a:rPr>
+              <a:t>structs</a:t>
+            </a:r>
+            <a:r>
+              <a:rPr lang="en-US" sz="3600" dirty="0" smtClean="0">
+                <a:latin typeface="Garamond Premr Pro Med"/>
+                <a:cs typeface="Garamond Premr Pro Med"/>
+              </a:rPr>
+              <a:t>, unions</a:t>
+            </a:r>
+          </a:p>
+          <a:p>
+            <a:pPr marL="383271" indent="-383271" defTabSz="735934">
+              <a:buFont typeface="Arial"/>
+              <a:buChar char="•"/>
+            </a:pPr>
+            <a:r>
+              <a:rPr lang="en-US" sz="3600" dirty="0" smtClean="0">
+                <a:latin typeface="Garamond Premr Pro Med"/>
+                <a:cs typeface="Garamond Premr Pro Med"/>
+              </a:rPr>
+              <a:t>Loops, control flow</a:t>
+            </a:r>
+          </a:p>
+          <a:p>
+            <a:pPr marL="383271" indent="-383271" defTabSz="735934">
+              <a:buFont typeface="Arial"/>
+              <a:buChar char="•"/>
+            </a:pPr>
+            <a:r>
+              <a:rPr lang="en-US" sz="3600" dirty="0" smtClean="0">
+                <a:latin typeface="Garamond Premr Pro Med"/>
+                <a:cs typeface="Garamond Premr Pro Med"/>
+              </a:rPr>
+              <a:t>Function pointers</a:t>
+            </a:r>
+          </a:p>
+          <a:p>
+            <a:pPr marL="383271" indent="-383271" defTabSz="735934">
+              <a:buFont typeface="Arial"/>
+              <a:buChar char="•"/>
+            </a:pPr>
+            <a:r>
+              <a:rPr lang="en-US" sz="3600" dirty="0" smtClean="0">
+                <a:latin typeface="Garamond Premr Pro Med"/>
+                <a:cs typeface="Garamond Premr Pro Med"/>
+              </a:rPr>
+              <a:t>Dynamic memory allocation</a:t>
+            </a:r>
+            <a:endParaRPr lang="en-US" sz="3600" dirty="0">
+              <a:latin typeface="Garamond Premr Pro Med"/>
+              <a:cs typeface="Garamond Premr Pro Med"/>
+            </a:endParaRPr>
+          </a:p>
+        </p:txBody>
+      </p:sp>
+      <p:sp>
+        <p:nvSpPr>
+          <p:cNvPr id="3" name="Rectangle 2"/>
+          <p:cNvSpPr/>
+          <p:nvPr/>
+        </p:nvSpPr>
+        <p:spPr bwMode="auto">
+          <a:xfrm>
+            <a:off x="1825303" y="18416304"/>
+            <a:ext cx="2160949" cy="1524000"/>
+          </a:xfrm>
+          <a:prstGeom prst="rect">
+            <a:avLst/>
+          </a:prstGeom>
+          <a:solidFill>
+            <a:schemeClr val="accent1"/>
+          </a:solidFill>
+          <a:ln w="9525" cap="flat" cmpd="sng" algn="ctr">
+            <a:solidFill>
+              <a:schemeClr val="tx1"/>
+            </a:solidFill>
+            <a:prstDash val="solid"/>
+            <a:miter lim="800000"/>
+            <a:headEnd type="none" w="med" len="med"/>
+            <a:tailEnd type="none" w="med" len="med"/>
+          </a:ln>
+          <a:effectLst/>
+        </p:spPr>
+        <p:txBody>
+          <a:bodyPr vert="horz" wrap="none" lIns="91440" tIns="45720" rIns="91440" bIns="45720" numCol="1" rtlCol="0" anchor="ctr" anchorCtr="0" compatLnSpc="1">
+            <a:prstTxWarp prst="textNoShape">
+              <a:avLst/>
+            </a:prstTxWarp>
+          </a:bodyPr>
+          <a:lstStyle/>
+          <a:p>
+            <a:pPr marL="0" marR="0" indent="0" algn="ctr" defTabSz="874713" rtl="0" eaLnBrk="1" fontAlgn="base" latinLnBrk="0" hangingPunct="1">
+              <a:lnSpc>
+                <a:spcPct val="100000"/>
+              </a:lnSpc>
+              <a:spcBef>
+                <a:spcPct val="0"/>
+              </a:spcBef>
+              <a:spcAft>
+                <a:spcPct val="0"/>
+              </a:spcAft>
+              <a:buClrTx/>
+              <a:buSzTx/>
+              <a:buFontTx/>
+              <a:buNone/>
+              <a:tabLst/>
+            </a:pPr>
+            <a:r>
+              <a:rPr kumimoji="0" lang="en-US" sz="3600" b="0" i="0" u="none" strike="noStrike" cap="none" normalizeH="0" baseline="0" dirty="0" smtClean="0">
+                <a:ln>
+                  <a:noFill/>
+                </a:ln>
+                <a:solidFill>
+                  <a:schemeClr val="tx1"/>
+                </a:solidFill>
+                <a:effectLst/>
+                <a:latin typeface="Times New Roman" pitchFamily="18" charset="0"/>
+              </a:rPr>
+              <a:t>Pre-</a:t>
+            </a:r>
+            <a:br>
+              <a:rPr kumimoji="0" lang="en-US" sz="3600" b="0" i="0" u="none" strike="noStrike" cap="none" normalizeH="0" baseline="0" dirty="0" smtClean="0">
+                <a:ln>
+                  <a:noFill/>
+                </a:ln>
+                <a:solidFill>
+                  <a:schemeClr val="tx1"/>
+                </a:solidFill>
+                <a:effectLst/>
+                <a:latin typeface="Times New Roman" pitchFamily="18" charset="0"/>
+              </a:rPr>
+            </a:br>
+            <a:r>
+              <a:rPr kumimoji="0" lang="en-US" sz="3600" b="0" i="0" u="none" strike="noStrike" cap="none" normalizeH="0" baseline="0" dirty="0" smtClean="0">
+                <a:ln>
+                  <a:noFill/>
+                </a:ln>
+                <a:solidFill>
+                  <a:schemeClr val="tx1"/>
+                </a:solidFill>
+                <a:effectLst/>
+                <a:latin typeface="Times New Roman" pitchFamily="18" charset="0"/>
+              </a:rPr>
+              <a:t>Processor</a:t>
+            </a:r>
+            <a:endParaRPr kumimoji="0" lang="en-US" sz="3600" b="0" i="0" u="none" strike="noStrike" cap="none" normalizeH="0" baseline="0" dirty="0" smtClean="0">
+              <a:ln>
+                <a:noFill/>
+              </a:ln>
+              <a:solidFill>
+                <a:schemeClr val="tx1"/>
+              </a:solidFill>
+              <a:effectLst/>
+              <a:latin typeface="Times New Roman" pitchFamily="18" charset="0"/>
+            </a:endParaRPr>
+          </a:p>
+        </p:txBody>
+      </p:sp>
+      <p:sp>
+        <p:nvSpPr>
+          <p:cNvPr id="4" name="Snip Single Corner Rectangle 3"/>
+          <p:cNvSpPr/>
+          <p:nvPr/>
+        </p:nvSpPr>
+        <p:spPr bwMode="auto">
+          <a:xfrm>
+            <a:off x="3657600" y="21138180"/>
+            <a:ext cx="2133600" cy="2467461"/>
+          </a:xfrm>
+          <a:prstGeom prst="snip1Rect">
+            <a:avLst/>
+          </a:prstGeom>
+          <a:solidFill>
+            <a:schemeClr val="tx1">
+              <a:lumMod val="10000"/>
+              <a:lumOff val="90000"/>
+            </a:schemeClr>
+          </a:solidFill>
+          <a:ln w="9525" cap="flat" cmpd="sng" algn="ctr">
+            <a:solidFill>
+              <a:schemeClr val="tx1"/>
+            </a:solidFill>
+            <a:prstDash val="solid"/>
+            <a:miter lim="800000"/>
+            <a:headEnd type="none" w="med" len="med"/>
+            <a:tailEnd type="none" w="med" len="med"/>
+          </a:ln>
+          <a:effectLst/>
+        </p:spPr>
+        <p:txBody>
+          <a:bodyPr vert="horz" wrap="none" lIns="91440" tIns="45720" rIns="91440" bIns="45720" numCol="1" rtlCol="0" anchor="t" anchorCtr="0" compatLnSpc="1">
+            <a:prstTxWarp prst="textNoShape">
+              <a:avLst/>
+            </a:prstTxWarp>
+          </a:bodyPr>
+          <a:lstStyle/>
+          <a:p>
+            <a:pPr marL="0" marR="0" indent="0" algn="l" defTabSz="874713" rtl="0" eaLnBrk="1" fontAlgn="base" latinLnBrk="0" hangingPunct="1">
+              <a:lnSpc>
+                <a:spcPct val="100000"/>
+              </a:lnSpc>
+              <a:spcBef>
+                <a:spcPct val="0"/>
+              </a:spcBef>
+              <a:spcAft>
+                <a:spcPct val="0"/>
+              </a:spcAft>
+              <a:buClrTx/>
+              <a:buSzTx/>
+              <a:buFontTx/>
+              <a:buNone/>
+              <a:tabLst/>
+            </a:pPr>
+            <a:r>
+              <a:rPr lang="en-US" sz="3600" dirty="0" smtClean="0"/>
+              <a:t>Pre-</a:t>
+            </a:r>
+            <a:br>
+              <a:rPr lang="en-US" sz="3600" dirty="0" smtClean="0"/>
+            </a:br>
+            <a:r>
+              <a:rPr lang="en-US" sz="3600" dirty="0" smtClean="0"/>
+              <a:t>processor-</a:t>
+            </a:r>
+            <a:br>
+              <a:rPr lang="en-US" sz="3600" dirty="0" smtClean="0"/>
+            </a:br>
+            <a:r>
+              <a:rPr lang="en-US" sz="3600" dirty="0" smtClean="0"/>
+              <a:t>directive-</a:t>
+            </a:r>
+            <a:br>
+              <a:rPr lang="en-US" sz="3600" dirty="0" smtClean="0"/>
+            </a:br>
+            <a:r>
+              <a:rPr lang="en-US" sz="3600" dirty="0" smtClean="0"/>
+              <a:t>free code</a:t>
+            </a:r>
+            <a:endParaRPr kumimoji="0" lang="en-US" sz="3600" b="0" i="0" u="none" strike="noStrike" cap="none" normalizeH="0" baseline="0" dirty="0" smtClean="0">
+              <a:ln>
+                <a:noFill/>
+              </a:ln>
+              <a:solidFill>
+                <a:schemeClr val="tx1"/>
+              </a:solidFill>
+              <a:effectLst/>
+            </a:endParaRPr>
+          </a:p>
+        </p:txBody>
+      </p:sp>
+      <p:sp>
+        <p:nvSpPr>
+          <p:cNvPr id="9" name="Rectangle 8"/>
+          <p:cNvSpPr/>
+          <p:nvPr/>
+        </p:nvSpPr>
+        <p:spPr bwMode="auto">
+          <a:xfrm>
+            <a:off x="17373600" y="11181042"/>
+            <a:ext cx="914400" cy="751539"/>
+          </a:xfrm>
+          <a:prstGeom prst="rect">
+            <a:avLst/>
+          </a:prstGeom>
+          <a:solidFill>
+            <a:schemeClr val="accent1"/>
+          </a:solidFill>
+          <a:ln w="9525" cap="flat" cmpd="sng" algn="ctr">
+            <a:solidFill>
+              <a:schemeClr val="tx1"/>
+            </a:solidFill>
+            <a:prstDash val="solid"/>
+            <a:miter lim="800000"/>
+            <a:headEnd type="none" w="med" len="med"/>
+            <a:tailEnd type="none" w="med" len="med"/>
+          </a:ln>
+          <a:effectLst/>
+        </p:spPr>
+        <p:txBody>
+          <a:bodyPr vert="horz" wrap="none" lIns="91440" tIns="45720" rIns="91440" bIns="45720" numCol="1" rtlCol="0" anchor="t" anchorCtr="0" compatLnSpc="1">
+            <a:prstTxWarp prst="textNoShape">
+              <a:avLst/>
+            </a:prstTxWarp>
+          </a:bodyPr>
+          <a:lstStyle/>
+          <a:p>
+            <a:pPr marL="0" marR="0" indent="0" algn="l" defTabSz="874713" rtl="0" eaLnBrk="1" fontAlgn="base" latinLnBrk="0" hangingPunct="1">
+              <a:lnSpc>
+                <a:spcPct val="100000"/>
+              </a:lnSpc>
+              <a:spcBef>
+                <a:spcPct val="0"/>
+              </a:spcBef>
+              <a:spcAft>
+                <a:spcPct val="0"/>
+              </a:spcAft>
+              <a:buClrTx/>
+              <a:buSzTx/>
+              <a:buFontTx/>
+              <a:buNone/>
+              <a:tabLst/>
+            </a:pPr>
+            <a:endParaRPr kumimoji="0" lang="en-US" sz="2300" b="0" i="0" u="none" strike="noStrike" cap="none" normalizeH="0" baseline="0" smtClean="0">
+              <a:ln>
+                <a:noFill/>
+              </a:ln>
+              <a:solidFill>
+                <a:schemeClr val="tx1"/>
+              </a:solidFill>
+              <a:effectLst/>
+              <a:latin typeface="Times New Roman" pitchFamily="18" charset="0"/>
+            </a:endParaRPr>
+          </a:p>
+        </p:txBody>
+      </p:sp>
+      <p:sp>
+        <p:nvSpPr>
+          <p:cNvPr id="30" name="TextBox 29"/>
+          <p:cNvSpPr txBox="1"/>
+          <p:nvPr/>
+        </p:nvSpPr>
+        <p:spPr bwMode="auto">
+          <a:xfrm>
+            <a:off x="766621" y="13437953"/>
+            <a:ext cx="5572124" cy="4366713"/>
+          </a:xfrm>
+          <a:prstGeom prst="rect">
+            <a:avLst/>
+          </a:prstGeom>
+          <a:solidFill>
+            <a:schemeClr val="bg1"/>
+          </a:solidFill>
+          <a:ln w="38100">
+            <a:solidFill>
+              <a:srgbClr val="000000"/>
+            </a:solidFill>
+            <a:miter lim="800000"/>
+            <a:headEnd/>
+            <a:tailEnd/>
+          </a:ln>
+        </p:spPr>
+        <p:txBody>
+          <a:bodyPr wrap="square" lIns="699201" tIns="699201" rIns="699201" bIns="699201" rtlCol="0">
+            <a:spAutoFit/>
+          </a:bodyPr>
+          <a:lstStyle/>
+          <a:p>
+            <a:pPr eaLnBrk="1" hangingPunct="1">
+              <a:buFontTx/>
+              <a:buChar char="•"/>
+            </a:pPr>
+            <a:r>
+              <a:rPr lang="en-US" sz="2400" dirty="0" smtClean="0"/>
+              <a:t>Until 2006, GCC used parser generated by Bison</a:t>
+            </a:r>
+          </a:p>
+          <a:p>
+            <a:pPr eaLnBrk="1" hangingPunct="1">
+              <a:buFontTx/>
+              <a:buChar char="•"/>
+            </a:pPr>
+            <a:r>
+              <a:rPr lang="en-US" sz="2400" dirty="0" smtClean="0"/>
+              <a:t>Now GCC uses </a:t>
+            </a:r>
+            <a:r>
+              <a:rPr lang="en-US" sz="2400" dirty="0" smtClean="0"/>
+              <a:t>a hand-written </a:t>
+            </a:r>
+            <a:r>
+              <a:rPr lang="en-US" sz="2400" dirty="0" smtClean="0"/>
+              <a:t>recursive-descent </a:t>
+            </a:r>
+            <a:r>
+              <a:rPr lang="en-US" sz="2400" dirty="0" smtClean="0"/>
+              <a:t>parser</a:t>
+            </a:r>
+          </a:p>
+          <a:p>
+            <a:pPr eaLnBrk="1" hangingPunct="1">
+              <a:buFontTx/>
+              <a:buChar char="•"/>
+            </a:pPr>
+            <a:r>
+              <a:rPr lang="en-US" sz="2400" dirty="0" smtClean="0"/>
+              <a:t>Better performance and better error messages than ones we’d get from an automatically generated parser</a:t>
+            </a:r>
+            <a:endParaRPr lang="en-US" sz="2400" dirty="0" smtClean="0"/>
+          </a:p>
+        </p:txBody>
+      </p:sp>
+      <p:sp>
+        <p:nvSpPr>
+          <p:cNvPr id="7" name="Rectangle 6"/>
+          <p:cNvSpPr/>
+          <p:nvPr/>
+        </p:nvSpPr>
+        <p:spPr bwMode="auto">
+          <a:xfrm>
+            <a:off x="12839648" y="17062473"/>
+            <a:ext cx="8534962" cy="4041099"/>
+          </a:xfrm>
+          <a:prstGeom prst="rect">
+            <a:avLst/>
+          </a:prstGeom>
+          <a:solidFill>
+            <a:schemeClr val="tx1">
+              <a:lumMod val="10000"/>
+              <a:lumOff val="90000"/>
+              <a:alpha val="50000"/>
+            </a:schemeClr>
+          </a:solidFill>
+          <a:ln w="12700" cap="flat" cmpd="sng" algn="ctr">
+            <a:solidFill>
+              <a:schemeClr val="tx1"/>
+            </a:solidFill>
+            <a:prstDash val="solid"/>
+            <a:miter lim="800000"/>
+            <a:headEnd type="none" w="med" len="med"/>
+            <a:tailEnd type="none" w="med" len="med"/>
+          </a:ln>
+          <a:effectLst/>
+        </p:spPr>
+        <p:txBody>
+          <a:bodyPr vert="horz" wrap="none" lIns="91440" tIns="45720" rIns="91440" bIns="45720" numCol="1" rtlCol="0" anchor="t" anchorCtr="0" compatLnSpc="1">
+            <a:prstTxWarp prst="textNoShape">
+              <a:avLst/>
+            </a:prstTxWarp>
+          </a:bodyPr>
+          <a:lstStyle/>
+          <a:p>
+            <a:pPr marL="0" marR="0" indent="0" algn="l" defTabSz="874713" rtl="0" eaLnBrk="1" fontAlgn="base" latinLnBrk="0" hangingPunct="1">
+              <a:lnSpc>
+                <a:spcPct val="100000"/>
+              </a:lnSpc>
+              <a:spcBef>
+                <a:spcPct val="0"/>
+              </a:spcBef>
+              <a:spcAft>
+                <a:spcPct val="0"/>
+              </a:spcAft>
+              <a:buClrTx/>
+              <a:buSzTx/>
+              <a:buFontTx/>
+              <a:buNone/>
+              <a:tabLst/>
+            </a:pPr>
+            <a:endParaRPr kumimoji="0" lang="en-US" sz="2300" b="0" i="0" u="none" strike="noStrike" cap="none" normalizeH="0" baseline="0" smtClean="0">
+              <a:ln>
+                <a:noFill/>
+              </a:ln>
+              <a:solidFill>
+                <a:schemeClr val="tx1"/>
+              </a:solidFill>
+              <a:effectLst/>
+              <a:latin typeface="Times New Roman" pitchFamily="18" charset="0"/>
             </a:endParaRPr>
           </a:p>
         </p:txBody>
@@ -4564,422 +5939,25 @@
       </p:sp>
       <p:sp>
         <p:nvSpPr>
-          <p:cNvPr id="2057" name="Text Box 16"/>
-          <p:cNvSpPr txBox="1">
-            <a:spLocks noChangeArrowheads="1"/>
-          </p:cNvSpPr>
+          <p:cNvPr id="67" name="Rectangle 66"/>
+          <p:cNvSpPr/>
           <p:nvPr/>
         </p:nvSpPr>
         <p:spPr bwMode="auto">
           <a:xfrm>
-            <a:off x="653522" y="7888941"/>
-            <a:ext cx="12681478" cy="5141259"/>
+            <a:off x="22447606" y="18416304"/>
+            <a:ext cx="3000788" cy="1524000"/>
           </a:xfrm>
           <a:prstGeom prst="rect">
             <a:avLst/>
           </a:prstGeom>
           <a:solidFill>
-            <a:schemeClr val="bg1"/>
+            <a:schemeClr val="accent1"/>
           </a:solidFill>
-          <a:ln w="38100">
+          <a:ln w="9525" cap="flat" cmpd="sng" algn="ctr">
             <a:solidFill>
               <a:schemeClr val="tx1"/>
             </a:solidFill>
-            <a:miter lim="800000"/>
-            <a:headEnd/>
-            <a:tailEnd/>
-          </a:ln>
-        </p:spPr>
-        <p:txBody>
-          <a:bodyPr lIns="586140" tIns="586140" rIns="586140" bIns="586140"/>
-          <a:lstStyle/>
-          <a:p>
-            <a:pPr marL="383271" indent="-383271" defTabSz="735934"/>
-            <a:endParaRPr lang="en-US" sz="2000" dirty="0"/>
-          </a:p>
-          <a:p>
-            <a:pPr marL="383271" indent="-383271" defTabSz="735934">
-              <a:buFont typeface="Arial"/>
-              <a:buChar char="•"/>
-            </a:pPr>
-            <a:r>
-              <a:rPr lang="en-US" sz="2400" dirty="0" smtClean="0">
-                <a:latin typeface="Garamond Premr Pro Med"/>
-                <a:cs typeface="Garamond Premr Pro Med"/>
-              </a:rPr>
-              <a:t>Goals, Uses, History  - use 24 or 28 point font</a:t>
-            </a:r>
-            <a:endParaRPr lang="en-US" sz="2400" dirty="0">
-              <a:latin typeface="Garamond Premr Pro Med"/>
-              <a:cs typeface="Garamond Premr Pro Med"/>
-            </a:endParaRPr>
-          </a:p>
-        </p:txBody>
-      </p:sp>
-      <p:sp>
-        <p:nvSpPr>
-          <p:cNvPr id="46097" name="Text Box 17"/>
-          <p:cNvSpPr txBox="1">
-            <a:spLocks noChangeArrowheads="1"/>
-          </p:cNvSpPr>
-          <p:nvPr/>
-        </p:nvSpPr>
-        <p:spPr bwMode="auto">
-          <a:xfrm>
-            <a:off x="1045986" y="7366003"/>
-            <a:ext cx="8783814" cy="692247"/>
-          </a:xfrm>
-          <a:prstGeom prst="rect">
-            <a:avLst/>
-          </a:prstGeom>
-          <a:solidFill>
-            <a:schemeClr val="accent2">
-              <a:lumMod val="75000"/>
-            </a:schemeClr>
-          </a:solidFill>
-          <a:ln w="38100">
-            <a:solidFill>
-              <a:schemeClr val="tx1"/>
-            </a:solidFill>
-            <a:miter lim="800000"/>
-            <a:headEnd/>
-            <a:tailEnd/>
-          </a:ln>
-          <a:effectLst>
-            <a:outerShdw blurRad="127000" dist="101600" dir="2700000" algn="tl" rotWithShape="0">
-              <a:schemeClr val="accent2">
-                <a:alpha val="46000"/>
-              </a:schemeClr>
-            </a:outerShdw>
-          </a:effectLst>
-        </p:spPr>
-        <p:txBody>
-          <a:bodyPr wrap="square" lIns="75956" tIns="37976" rIns="75956" bIns="37976">
-            <a:spAutoFit/>
-          </a:bodyPr>
-          <a:lstStyle/>
-          <a:p>
-            <a:pPr defTabSz="754565" eaLnBrk="0" hangingPunct="0">
-              <a:defRPr/>
-            </a:pPr>
-            <a:r>
-              <a:rPr lang="en-US" sz="4000" dirty="0" smtClean="0">
-                <a:solidFill>
-                  <a:schemeClr val="bg1"/>
-                </a:solidFill>
-                <a:latin typeface="Myriad Pro Semibold"/>
-                <a:cs typeface="Myriad Pro Semibold"/>
-              </a:rPr>
-              <a:t>Language Overview</a:t>
-            </a:r>
-            <a:endParaRPr lang="en-US" sz="4000" dirty="0">
-              <a:solidFill>
-                <a:schemeClr val="bg1"/>
-              </a:solidFill>
-              <a:latin typeface="Myriad Pro Semibold"/>
-              <a:cs typeface="Myriad Pro Semibold"/>
-            </a:endParaRPr>
-          </a:p>
-        </p:txBody>
-      </p:sp>
-      <p:sp>
-        <p:nvSpPr>
-          <p:cNvPr id="46099" name="Text Box 19"/>
-          <p:cNvSpPr txBox="1">
-            <a:spLocks noChangeArrowheads="1"/>
-          </p:cNvSpPr>
-          <p:nvPr/>
-        </p:nvSpPr>
-        <p:spPr bwMode="auto">
-          <a:xfrm>
-            <a:off x="11277600" y="13335000"/>
-            <a:ext cx="9296400" cy="692247"/>
-          </a:xfrm>
-          <a:prstGeom prst="rect">
-            <a:avLst/>
-          </a:prstGeom>
-          <a:solidFill>
-            <a:schemeClr val="accent2">
-              <a:lumMod val="75000"/>
-            </a:schemeClr>
-          </a:solidFill>
-          <a:ln w="38100">
-            <a:solidFill>
-              <a:schemeClr val="tx1"/>
-            </a:solidFill>
-            <a:miter lim="800000"/>
-            <a:headEnd/>
-            <a:tailEnd/>
-          </a:ln>
-          <a:effectLst>
-            <a:outerShdw blurRad="127000" dist="101600" dir="2700000" algn="tl" rotWithShape="0">
-              <a:schemeClr val="accent2">
-                <a:alpha val="46000"/>
-              </a:schemeClr>
-            </a:outerShdw>
-          </a:effectLst>
-        </p:spPr>
-        <p:txBody>
-          <a:bodyPr wrap="square" lIns="75956" tIns="37976" rIns="75956" bIns="37976">
-            <a:spAutoFit/>
-          </a:bodyPr>
-          <a:lstStyle/>
-          <a:p>
-            <a:pPr defTabSz="754565" eaLnBrk="0" hangingPunct="0">
-              <a:defRPr/>
-            </a:pPr>
-            <a:r>
-              <a:rPr lang="en-US" sz="4000" dirty="0" smtClean="0">
-                <a:solidFill>
-                  <a:schemeClr val="bg1"/>
-                </a:solidFill>
-                <a:latin typeface="Myriad Pro Semibold"/>
-                <a:cs typeface="Myriad Pro Semibold"/>
-              </a:rPr>
-              <a:t>Language Implementation Proces</a:t>
-            </a:r>
-            <a:r>
-              <a:rPr lang="en-US" sz="4000" dirty="0">
-                <a:solidFill>
-                  <a:schemeClr val="bg1"/>
-                </a:solidFill>
-                <a:latin typeface="Myriad Pro Semibold"/>
-                <a:cs typeface="Myriad Pro Semibold"/>
-              </a:rPr>
-              <a:t>s</a:t>
-            </a:r>
-          </a:p>
-        </p:txBody>
-      </p:sp>
-      <p:sp>
-        <p:nvSpPr>
-          <p:cNvPr id="46100" name="Text Box 20"/>
-          <p:cNvSpPr txBox="1">
-            <a:spLocks noChangeArrowheads="1"/>
-          </p:cNvSpPr>
-          <p:nvPr/>
-        </p:nvSpPr>
-        <p:spPr bwMode="auto">
-          <a:xfrm>
-            <a:off x="19431000" y="25374600"/>
-            <a:ext cx="5469308" cy="692247"/>
-          </a:xfrm>
-          <a:prstGeom prst="rect">
-            <a:avLst/>
-          </a:prstGeom>
-          <a:solidFill>
-            <a:schemeClr val="accent2">
-              <a:lumMod val="75000"/>
-            </a:schemeClr>
-          </a:solidFill>
-          <a:ln w="38100">
-            <a:solidFill>
-              <a:schemeClr val="tx1"/>
-            </a:solidFill>
-            <a:miter lim="800000"/>
-            <a:headEnd/>
-            <a:tailEnd/>
-          </a:ln>
-          <a:effectLst>
-            <a:outerShdw blurRad="127000" dist="101600" dir="2700000" algn="tl" rotWithShape="0">
-              <a:schemeClr val="accent2">
-                <a:alpha val="46000"/>
-              </a:schemeClr>
-            </a:outerShdw>
-          </a:effectLst>
-        </p:spPr>
-        <p:txBody>
-          <a:bodyPr wrap="square" lIns="75956" tIns="37976" rIns="75956" bIns="37976">
-            <a:spAutoFit/>
-          </a:bodyPr>
-          <a:lstStyle/>
-          <a:p>
-            <a:pPr defTabSz="754565" eaLnBrk="0" hangingPunct="0">
-              <a:defRPr/>
-            </a:pPr>
-            <a:r>
-              <a:rPr lang="en-US" sz="4000" dirty="0" smtClean="0">
-                <a:solidFill>
-                  <a:schemeClr val="bg1"/>
-                </a:solidFill>
-                <a:latin typeface="Myriad Pro Semibold"/>
-                <a:cs typeface="Myriad Pro Semibold"/>
-              </a:rPr>
-              <a:t>Challenges</a:t>
-            </a:r>
-            <a:endParaRPr lang="en-US" sz="4000" dirty="0">
-              <a:solidFill>
-                <a:schemeClr val="bg1"/>
-              </a:solidFill>
-              <a:latin typeface="Myriad Pro Semibold"/>
-              <a:cs typeface="Myriad Pro Semibold"/>
-            </a:endParaRPr>
-          </a:p>
-        </p:txBody>
-      </p:sp>
-      <p:sp>
-        <p:nvSpPr>
-          <p:cNvPr id="46101" name="Text Box 21"/>
-          <p:cNvSpPr txBox="1">
-            <a:spLocks noChangeArrowheads="1"/>
-          </p:cNvSpPr>
-          <p:nvPr/>
-        </p:nvSpPr>
-        <p:spPr bwMode="auto">
-          <a:xfrm>
-            <a:off x="1828800" y="25603200"/>
-            <a:ext cx="8839200" cy="692247"/>
-          </a:xfrm>
-          <a:prstGeom prst="rect">
-            <a:avLst/>
-          </a:prstGeom>
-          <a:solidFill>
-            <a:schemeClr val="accent2">
-              <a:lumMod val="75000"/>
-            </a:schemeClr>
-          </a:solidFill>
-          <a:ln w="38100">
-            <a:solidFill>
-              <a:schemeClr val="tx1"/>
-            </a:solidFill>
-            <a:miter lim="800000"/>
-            <a:headEnd/>
-            <a:tailEnd/>
-          </a:ln>
-          <a:effectLst>
-            <a:outerShdw blurRad="127000" dist="101600" dir="2700000" algn="tl" rotWithShape="0">
-              <a:schemeClr val="accent2">
-                <a:alpha val="46000"/>
-              </a:schemeClr>
-            </a:outerShdw>
-          </a:effectLst>
-        </p:spPr>
-        <p:txBody>
-          <a:bodyPr wrap="square" lIns="75956" tIns="37976" rIns="75956" bIns="37976">
-            <a:spAutoFit/>
-          </a:bodyPr>
-          <a:lstStyle/>
-          <a:p>
-            <a:pPr defTabSz="754565" eaLnBrk="0" hangingPunct="0">
-              <a:defRPr/>
-            </a:pPr>
-            <a:r>
-              <a:rPr lang="en-US" sz="4000" dirty="0" smtClean="0">
-                <a:solidFill>
-                  <a:schemeClr val="bg1"/>
-                </a:solidFill>
-                <a:latin typeface="Myriad Pro Light"/>
-                <a:cs typeface="Myriad Pro Light"/>
-              </a:rPr>
-              <a:t>Intermediate Representation Example</a:t>
-            </a:r>
-            <a:endParaRPr lang="en-US" sz="4000" dirty="0">
-              <a:solidFill>
-                <a:schemeClr val="bg1"/>
-              </a:solidFill>
-              <a:latin typeface="Myriad Pro Light"/>
-              <a:cs typeface="Myriad Pro Light"/>
-            </a:endParaRPr>
-          </a:p>
-        </p:txBody>
-      </p:sp>
-      <p:sp>
-        <p:nvSpPr>
-          <p:cNvPr id="2064" name="Text Box 68"/>
-          <p:cNvSpPr txBox="1">
-            <a:spLocks noChangeArrowheads="1"/>
-          </p:cNvSpPr>
-          <p:nvPr/>
-        </p:nvSpPr>
-        <p:spPr bwMode="auto">
-          <a:xfrm>
-            <a:off x="16475605" y="26890385"/>
-            <a:ext cx="1344965" cy="381813"/>
-          </a:xfrm>
-          <a:prstGeom prst="rect">
-            <a:avLst/>
-          </a:prstGeom>
-          <a:noFill/>
-          <a:ln w="9525">
-            <a:noFill/>
-            <a:miter lim="800000"/>
-            <a:headEnd/>
-            <a:tailEnd/>
-          </a:ln>
-        </p:spPr>
-        <p:txBody>
-          <a:bodyPr lIns="73319" tIns="36660" rIns="73319" bIns="36660">
-            <a:spAutoFit/>
-          </a:bodyPr>
-          <a:lstStyle/>
-          <a:p>
-            <a:pPr algn="ctr" defTabSz="733272">
-              <a:spcBef>
-                <a:spcPct val="50000"/>
-              </a:spcBef>
-            </a:pPr>
-            <a:endParaRPr lang="en-US" sz="3000" b="1" baseline="30000"/>
-          </a:p>
-        </p:txBody>
-      </p:sp>
-      <p:sp>
-        <p:nvSpPr>
-          <p:cNvPr id="2065" name="Text Box 151"/>
-          <p:cNvSpPr txBox="1">
-            <a:spLocks noChangeArrowheads="1"/>
-          </p:cNvSpPr>
-          <p:nvPr/>
-        </p:nvSpPr>
-        <p:spPr bwMode="auto">
-          <a:xfrm>
-            <a:off x="14266333" y="27839150"/>
-            <a:ext cx="5545667" cy="427979"/>
-          </a:xfrm>
-          <a:prstGeom prst="rect">
-            <a:avLst/>
-          </a:prstGeom>
-          <a:noFill/>
-          <a:ln w="9525">
-            <a:noFill/>
-            <a:miter lim="800000"/>
-            <a:headEnd/>
-            <a:tailEnd/>
-          </a:ln>
-        </p:spPr>
-        <p:txBody>
-          <a:bodyPr lIns="73319" tIns="36660" rIns="73319" bIns="36660">
-            <a:spAutoFit/>
-          </a:bodyPr>
-          <a:lstStyle/>
-          <a:p>
-            <a:pPr algn="just" defTabSz="733272">
-              <a:spcBef>
-                <a:spcPct val="50000"/>
-              </a:spcBef>
-            </a:pPr>
-            <a:endParaRPr lang="en-US" sz="2300"/>
-          </a:p>
-        </p:txBody>
-      </p:sp>
-      <p:sp>
-        <p:nvSpPr>
-          <p:cNvPr id="22" name="Rectangle 21"/>
-          <p:cNvSpPr/>
-          <p:nvPr/>
-        </p:nvSpPr>
-        <p:spPr bwMode="auto">
-          <a:xfrm>
-            <a:off x="0" y="6544236"/>
-            <a:ext cx="27432000" cy="268941"/>
-          </a:xfrm>
-          <a:prstGeom prst="rect">
-            <a:avLst/>
-          </a:prstGeom>
-          <a:solidFill>
-            <a:schemeClr val="accent3"/>
-          </a:solidFill>
-          <a:ln w="9525" cap="flat" cmpd="sng" algn="ctr">
-            <a:noFill/>
             <a:prstDash val="solid"/>
             <a:miter lim="800000"/>
             <a:headEnd type="none" w="med" len="med"/>
@@ -4988,28 +5966,96 @@
           <a:effectLst/>
         </p:spPr>
         <p:txBody>
-          <a:bodyPr vert="horz" wrap="none" lIns="76654" tIns="38327" rIns="76654" bIns="38327" numCol="1" rtlCol="0" anchor="t" anchorCtr="0" compatLnSpc="1">
+          <a:bodyPr vert="horz" wrap="none" lIns="91440" tIns="45720" rIns="91440" bIns="45720" numCol="1" rtlCol="0" anchor="ctr" anchorCtr="0" compatLnSpc="1">
             <a:prstTxWarp prst="textNoShape">
               <a:avLst/>
             </a:prstTxWarp>
           </a:bodyPr>
           <a:lstStyle/>
           <a:p>
-            <a:pPr defTabSz="733272"/>
-            <a:endParaRPr lang="en-US"/>
-          </a:p>
-        </p:txBody>
-      </p:sp>
-      <p:sp>
-        <p:nvSpPr>
-          <p:cNvPr id="23" name="TextBox 22"/>
+            <a:pPr marL="0" marR="0" indent="0" algn="ctr" defTabSz="874713" rtl="0" eaLnBrk="1" fontAlgn="base" latinLnBrk="0" hangingPunct="1">
+              <a:lnSpc>
+                <a:spcPct val="100000"/>
+              </a:lnSpc>
+              <a:spcBef>
+                <a:spcPct val="0"/>
+              </a:spcBef>
+              <a:spcAft>
+                <a:spcPct val="0"/>
+              </a:spcAft>
+              <a:buClrTx/>
+              <a:buSzTx/>
+              <a:buFontTx/>
+              <a:buNone/>
+              <a:tabLst/>
+            </a:pPr>
+            <a:r>
+              <a:rPr lang="en-US" sz="3600" dirty="0" smtClean="0"/>
+              <a:t>Target </a:t>
+            </a:r>
+            <a:r>
+              <a:rPr lang="en-US" sz="3600" smtClean="0"/>
+              <a:t>Code </a:t>
+            </a:r>
+            <a:br>
+              <a:rPr lang="en-US" sz="3600" smtClean="0"/>
+            </a:br>
+            <a:r>
+              <a:rPr lang="en-US" sz="3600" smtClean="0"/>
+              <a:t>Generation</a:t>
+            </a:r>
+            <a:endParaRPr kumimoji="0" lang="en-US" sz="3600" b="0" i="0" u="none" strike="noStrike" cap="none" normalizeH="0" baseline="0" dirty="0" smtClean="0">
+              <a:ln>
+                <a:noFill/>
+              </a:ln>
+              <a:solidFill>
+                <a:schemeClr val="tx1"/>
+              </a:solidFill>
+              <a:effectLst/>
+              <a:latin typeface="Times New Roman" pitchFamily="18" charset="0"/>
+            </a:endParaRPr>
+          </a:p>
+        </p:txBody>
+      </p:sp>
+      <p:cxnSp>
+        <p:nvCxnSpPr>
+          <p:cNvPr id="68" name="Straight Arrow Connector 67"/>
+          <p:cNvCxnSpPr/>
+          <p:nvPr/>
+        </p:nvCxnSpPr>
+        <p:spPr bwMode="auto">
+          <a:xfrm>
+            <a:off x="3986253" y="19297563"/>
+            <a:ext cx="1035315" cy="0"/>
+          </a:xfrm>
+          <a:prstGeom prst="straightConnector1">
+            <a:avLst/>
+          </a:prstGeom>
+          <a:solidFill>
+            <a:schemeClr val="accent1"/>
+          </a:solidFill>
+          <a:ln w="127000" cap="flat" cmpd="sng" algn="ctr">
+            <a:solidFill>
+              <a:schemeClr val="tx1"/>
+            </a:solidFill>
+            <a:prstDash val="solid"/>
+            <a:miter lim="800000"/>
+            <a:headEnd type="none" w="med" len="med"/>
+            <a:tailEnd type="triangle"/>
+          </a:ln>
+          <a:effectLst/>
+        </p:spPr>
+      </p:cxnSp>
+      <p:sp>
+        <p:nvSpPr>
+          <p:cNvPr id="70" name="TextBox 69"/>
           <p:cNvSpPr txBox="1"/>
           <p:nvPr/>
         </p:nvSpPr>
         <p:spPr bwMode="auto">
           <a:xfrm>
-            <a:off x="640935" y="1255060"/>
-            <a:ext cx="19361566" cy="1477328"/>
+            <a:off x="12839794" y="16276189"/>
+            <a:ext cx="8729172" cy="914400"/>
           </a:xfrm>
           <a:prstGeom prst="rect">
             <a:avLst/>
@@ -5023,200 +6069,1644 @@
           </a:ln>
         </p:spPr>
         <p:txBody>
-          <a:bodyPr wrap="square" lIns="0" tIns="0" rIns="0" bIns="0" rtlCol="0" anchor="t" anchorCtr="0">
+          <a:bodyPr wrap="square" lIns="699201" tIns="699201" rIns="699201" bIns="699201" rtlCol="0" anchor="ctr">
             <a:spAutoFit/>
           </a:bodyPr>
           <a:lstStyle/>
           <a:p>
-            <a:pPr marL="365971" indent="-365971" defTabSz="735934" eaLnBrk="0" hangingPunct="0">
-              <a:defRPr/>
-            </a:pPr>
-            <a:r>
-              <a:rPr lang="en-US" sz="9600" b="1" dirty="0" smtClean="0">
+            <a:pPr algn="ctr" eaLnBrk="1" hangingPunct="1"/>
+            <a:r>
+              <a:rPr lang="en-US" sz="3600" smtClean="0"/>
+              <a:t>Intermediate Representations</a:t>
+            </a:r>
+            <a:endParaRPr lang="en-US" sz="3600" dirty="0" smtClean="0"/>
+          </a:p>
+        </p:txBody>
+      </p:sp>
+      <p:grpSp>
+        <p:nvGrpSpPr>
+          <p:cNvPr id="5" name="Group 4"/>
+          <p:cNvGrpSpPr/>
+          <p:nvPr/>
+        </p:nvGrpSpPr>
+        <p:grpSpPr>
+          <a:xfrm>
+            <a:off x="5057435" y="15693545"/>
+            <a:ext cx="8474339" cy="5410028"/>
+            <a:chOff x="11734800" y="18752940"/>
+            <a:chExt cx="8474339" cy="5410028"/>
+          </a:xfrm>
+        </p:grpSpPr>
+        <p:sp>
+          <p:nvSpPr>
+            <p:cNvPr id="21" name="Rectangle 20"/>
+            <p:cNvSpPr/>
+            <p:nvPr/>
+          </p:nvSpPr>
+          <p:spPr bwMode="auto">
+            <a:xfrm>
+              <a:off x="11734800" y="21450299"/>
+              <a:ext cx="2590800" cy="1524000"/>
+            </a:xfrm>
+            <a:prstGeom prst="rect">
+              <a:avLst/>
+            </a:prstGeom>
+            <a:solidFill>
+              <a:schemeClr val="accent1"/>
+            </a:solidFill>
+            <a:ln w="9525" cap="flat" cmpd="sng" algn="ctr">
+              <a:solidFill>
+                <a:schemeClr val="tx1"/>
+              </a:solidFill>
+              <a:prstDash val="solid"/>
+              <a:miter lim="800000"/>
+              <a:headEnd type="none" w="med" len="med"/>
+              <a:tailEnd type="none" w="med" len="med"/>
+            </a:ln>
+            <a:effectLst/>
+          </p:spPr>
+          <p:txBody>
+            <a:bodyPr vert="horz" wrap="none" lIns="91440" tIns="45720" rIns="91440" bIns="45720" numCol="1" rtlCol="0" anchor="ctr" anchorCtr="0" compatLnSpc="1">
+              <a:prstTxWarp prst="textNoShape">
+                <a:avLst/>
+              </a:prstTxWarp>
+            </a:bodyPr>
+            <a:lstStyle/>
+            <a:p>
+              <a:pPr marL="0" marR="0" indent="0" algn="ctr" defTabSz="874713" rtl="0" eaLnBrk="1" fontAlgn="base" latinLnBrk="0" hangingPunct="1">
+                <a:lnSpc>
+                  <a:spcPct val="100000"/>
+                </a:lnSpc>
+                <a:spcBef>
+                  <a:spcPct val="0"/>
+                </a:spcBef>
+                <a:spcAft>
+                  <a:spcPct val="0"/>
+                </a:spcAft>
+                <a:buClrTx/>
+                <a:buSzTx/>
+                <a:buFontTx/>
+                <a:buNone/>
+                <a:tabLst/>
+              </a:pPr>
+              <a:r>
+                <a:rPr lang="en-US" sz="3600" dirty="0" err="1" smtClean="0"/>
+                <a:t>Lexer</a:t>
+              </a:r>
+              <a:endParaRPr kumimoji="0" lang="en-US" sz="3600" b="0" i="0" u="none" strike="noStrike" cap="none" normalizeH="0" baseline="0" dirty="0" smtClean="0">
+                <a:ln>
+                  <a:noFill/>
+                </a:ln>
                 <a:solidFill>
-                  <a:srgbClr val="FFCC00"/>
+                  <a:schemeClr val="tx1"/>
                 </a:solidFill>
-                <a:latin typeface="Myriad Pro"/>
-                <a:cs typeface="Myriad Pro"/>
-              </a:rPr>
-              <a:t>Compiling C </a:t>
-            </a:r>
-            <a:endParaRPr lang="en-US" sz="9600" b="1" dirty="0">
+                <a:effectLst/>
+                <a:latin typeface="Times New Roman" pitchFamily="18" charset="0"/>
+              </a:endParaRPr>
+            </a:p>
+          </p:txBody>
+        </p:sp>
+        <p:sp>
+          <p:nvSpPr>
+            <p:cNvPr id="8" name="Left Bracket 7"/>
+            <p:cNvSpPr/>
+            <p:nvPr/>
+          </p:nvSpPr>
+          <p:spPr bwMode="auto">
+            <a:xfrm rot="5400000">
+              <a:off x="14932959" y="18673107"/>
+              <a:ext cx="842682" cy="4648200"/>
+            </a:xfrm>
+            <a:prstGeom prst="leftBracket">
+              <a:avLst/>
+            </a:prstGeom>
+            <a:noFill/>
+            <a:ln w="127000" cap="flat" cmpd="sng" algn="ctr">
               <a:solidFill>
-                <a:srgbClr val="FFCC00"/>
+                <a:schemeClr val="tx1"/>
               </a:solidFill>
-              <a:latin typeface="Myriad Pro"/>
-              <a:cs typeface="Myriad Pro"/>
-            </a:endParaRPr>
-          </a:p>
-        </p:txBody>
-      </p:sp>
-      <p:sp>
-        <p:nvSpPr>
-          <p:cNvPr id="25" name="Rectangle 24"/>
-          <p:cNvSpPr/>
+              <a:prstDash val="solid"/>
+              <a:miter lim="800000"/>
+              <a:headEnd type="none" w="med" len="med"/>
+              <a:tailEnd type="none" w="med" len="med"/>
+            </a:ln>
+            <a:effectLst/>
+          </p:spPr>
+          <p:txBody>
+            <a:bodyPr vert="horz" wrap="none" lIns="91440" tIns="45720" rIns="91440" bIns="45720" numCol="1" rtlCol="0" anchor="t" anchorCtr="0" compatLnSpc="1">
+              <a:prstTxWarp prst="textNoShape">
+                <a:avLst/>
+              </a:prstTxWarp>
+            </a:bodyPr>
+            <a:lstStyle/>
+            <a:p>
+              <a:pPr marL="0" marR="0" indent="0" algn="l" defTabSz="874713" rtl="0" eaLnBrk="1" fontAlgn="base" latinLnBrk="0" hangingPunct="1">
+                <a:lnSpc>
+                  <a:spcPct val="100000"/>
+                </a:lnSpc>
+                <a:spcBef>
+                  <a:spcPct val="0"/>
+                </a:spcBef>
+                <a:spcAft>
+                  <a:spcPct val="0"/>
+                </a:spcAft>
+                <a:buClrTx/>
+                <a:buSzTx/>
+                <a:buFontTx/>
+                <a:buNone/>
+                <a:tabLst/>
+              </a:pPr>
+              <a:endParaRPr kumimoji="0" lang="en-US" sz="2300" b="0" i="0" u="none" strike="noStrike" cap="none" normalizeH="0" baseline="0" smtClean="0">
+                <a:ln>
+                  <a:noFill/>
+                </a:ln>
+                <a:solidFill>
+                  <a:schemeClr val="tx1"/>
+                </a:solidFill>
+                <a:effectLst/>
+                <a:latin typeface="Times New Roman" pitchFamily="18" charset="0"/>
+              </a:endParaRPr>
+            </a:p>
+          </p:txBody>
+        </p:sp>
+        <p:sp>
+          <p:nvSpPr>
+            <p:cNvPr id="32" name="Rectangle 31"/>
+            <p:cNvSpPr/>
+            <p:nvPr/>
+          </p:nvSpPr>
+          <p:spPr bwMode="auto">
+            <a:xfrm>
+              <a:off x="14897100" y="20121868"/>
+              <a:ext cx="914400" cy="751539"/>
+            </a:xfrm>
+            <a:prstGeom prst="rect">
+              <a:avLst/>
+            </a:prstGeom>
+            <a:solidFill>
+              <a:schemeClr val="accent1"/>
+            </a:solidFill>
+            <a:ln w="9525" cap="flat" cmpd="sng" algn="ctr">
+              <a:solidFill>
+                <a:schemeClr val="tx1"/>
+              </a:solidFill>
+              <a:prstDash val="solid"/>
+              <a:miter lim="800000"/>
+              <a:headEnd type="none" w="med" len="med"/>
+              <a:tailEnd type="none" w="med" len="med"/>
+            </a:ln>
+            <a:effectLst/>
+          </p:spPr>
+          <p:txBody>
+            <a:bodyPr vert="horz" wrap="none" lIns="91440" tIns="45720" rIns="91440" bIns="45720" numCol="1" rtlCol="0" anchor="ctr" anchorCtr="0" compatLnSpc="1">
+              <a:prstTxWarp prst="textNoShape">
+                <a:avLst/>
+              </a:prstTxWarp>
+            </a:bodyPr>
+            <a:lstStyle/>
+            <a:p>
+              <a:pPr marL="0" marR="0" indent="0" algn="ctr" defTabSz="874713" rtl="0" eaLnBrk="1" fontAlgn="base" latinLnBrk="0" hangingPunct="1">
+                <a:lnSpc>
+                  <a:spcPct val="100000"/>
+                </a:lnSpc>
+                <a:spcBef>
+                  <a:spcPct val="0"/>
+                </a:spcBef>
+                <a:spcAft>
+                  <a:spcPct val="0"/>
+                </a:spcAft>
+                <a:buClrTx/>
+                <a:buSzTx/>
+                <a:buFontTx/>
+                <a:buNone/>
+                <a:tabLst/>
+              </a:pPr>
+              <a:r>
+                <a:rPr kumimoji="0" lang="en-US" sz="3600" b="0" i="0" u="none" strike="noStrike" cap="none" normalizeH="0" baseline="0" dirty="0" err="1" smtClean="0">
+                  <a:ln>
+                    <a:noFill/>
+                  </a:ln>
+                  <a:solidFill>
+                    <a:schemeClr val="tx1"/>
+                  </a:solidFill>
+                  <a:effectLst/>
+                  <a:latin typeface="Times New Roman" pitchFamily="18" charset="0"/>
+                </a:rPr>
+                <a:t>T</a:t>
+              </a:r>
+              <a:r>
+                <a:rPr kumimoji="0" lang="en-US" sz="3600" b="0" i="0" u="none" strike="noStrike" cap="none" normalizeH="0" baseline="-25000" dirty="0" err="1" smtClean="0">
+                  <a:ln>
+                    <a:noFill/>
+                  </a:ln>
+                  <a:solidFill>
+                    <a:schemeClr val="tx1"/>
+                  </a:solidFill>
+                  <a:effectLst/>
+                  <a:latin typeface="Times New Roman" pitchFamily="18" charset="0"/>
+                </a:rPr>
+                <a:t>i</a:t>
+              </a:r>
+              <a:endParaRPr kumimoji="0" lang="en-US" sz="3600" b="0" i="0" u="none" strike="noStrike" cap="none" normalizeH="0" baseline="0" dirty="0" smtClean="0">
+                <a:ln>
+                  <a:noFill/>
+                </a:ln>
+                <a:solidFill>
+                  <a:schemeClr val="tx1"/>
+                </a:solidFill>
+                <a:effectLst/>
+                <a:latin typeface="Times New Roman" pitchFamily="18" charset="0"/>
+              </a:endParaRPr>
+            </a:p>
+          </p:txBody>
+        </p:sp>
+        <p:sp>
+          <p:nvSpPr>
+            <p:cNvPr id="10" name="Triangle 9"/>
+            <p:cNvSpPr/>
+            <p:nvPr/>
+          </p:nvSpPr>
+          <p:spPr bwMode="auto">
+            <a:xfrm rot="5400000">
+              <a:off x="13724151" y="20173899"/>
+              <a:ext cx="669661" cy="729353"/>
+            </a:xfrm>
+            <a:prstGeom prst="triangle">
+              <a:avLst/>
+            </a:prstGeom>
+            <a:solidFill>
+              <a:schemeClr val="tx1"/>
+            </a:solidFill>
+            <a:ln w="9525" cap="flat" cmpd="sng" algn="ctr">
+              <a:solidFill>
+                <a:schemeClr val="tx1"/>
+              </a:solidFill>
+              <a:prstDash val="solid"/>
+              <a:miter lim="800000"/>
+              <a:headEnd type="none" w="med" len="med"/>
+              <a:tailEnd type="none" w="med" len="med"/>
+            </a:ln>
+            <a:effectLst/>
+          </p:spPr>
+          <p:txBody>
+            <a:bodyPr vert="horz" wrap="none" lIns="91440" tIns="45720" rIns="91440" bIns="45720" numCol="1" rtlCol="0" anchor="t" anchorCtr="0" compatLnSpc="1">
+              <a:prstTxWarp prst="textNoShape">
+                <a:avLst/>
+              </a:prstTxWarp>
+            </a:bodyPr>
+            <a:lstStyle/>
+            <a:p>
+              <a:pPr marL="0" marR="0" indent="0" algn="l" defTabSz="874713" rtl="0" eaLnBrk="1" fontAlgn="base" latinLnBrk="0" hangingPunct="1">
+                <a:lnSpc>
+                  <a:spcPct val="100000"/>
+                </a:lnSpc>
+                <a:spcBef>
+                  <a:spcPct val="0"/>
+                </a:spcBef>
+                <a:spcAft>
+                  <a:spcPct val="0"/>
+                </a:spcAft>
+                <a:buClrTx/>
+                <a:buSzTx/>
+                <a:buFontTx/>
+                <a:buNone/>
+                <a:tabLst/>
+              </a:pPr>
+              <a:endParaRPr kumimoji="0" lang="en-US" sz="2300" b="0" i="0" u="none" strike="noStrike" cap="none" normalizeH="0" baseline="0" smtClean="0">
+                <a:ln>
+                  <a:noFill/>
+                </a:ln>
+                <a:solidFill>
+                  <a:schemeClr val="tx1"/>
+                </a:solidFill>
+                <a:effectLst/>
+                <a:latin typeface="Times New Roman" pitchFamily="18" charset="0"/>
+              </a:endParaRPr>
+            </a:p>
+          </p:txBody>
+        </p:sp>
+        <p:sp>
+          <p:nvSpPr>
+            <p:cNvPr id="34" name="Triangle 33"/>
+            <p:cNvSpPr/>
+            <p:nvPr/>
+          </p:nvSpPr>
+          <p:spPr bwMode="auto">
+            <a:xfrm rot="5400000">
+              <a:off x="16505451" y="20173900"/>
+              <a:ext cx="669661" cy="729353"/>
+            </a:xfrm>
+            <a:prstGeom prst="triangle">
+              <a:avLst/>
+            </a:prstGeom>
+            <a:solidFill>
+              <a:schemeClr val="tx1"/>
+            </a:solidFill>
+            <a:ln w="9525" cap="flat" cmpd="sng" algn="ctr">
+              <a:solidFill>
+                <a:schemeClr val="tx1"/>
+              </a:solidFill>
+              <a:prstDash val="solid"/>
+              <a:miter lim="800000"/>
+              <a:headEnd type="none" w="med" len="med"/>
+              <a:tailEnd type="none" w="med" len="med"/>
+            </a:ln>
+            <a:effectLst/>
+          </p:spPr>
+          <p:txBody>
+            <a:bodyPr vert="horz" wrap="none" lIns="91440" tIns="45720" rIns="91440" bIns="45720" numCol="1" rtlCol="0" anchor="t" anchorCtr="0" compatLnSpc="1">
+              <a:prstTxWarp prst="textNoShape">
+                <a:avLst/>
+              </a:prstTxWarp>
+            </a:bodyPr>
+            <a:lstStyle/>
+            <a:p>
+              <a:pPr marL="0" marR="0" indent="0" algn="l" defTabSz="874713" rtl="0" eaLnBrk="1" fontAlgn="base" latinLnBrk="0" hangingPunct="1">
+                <a:lnSpc>
+                  <a:spcPct val="100000"/>
+                </a:lnSpc>
+                <a:spcBef>
+                  <a:spcPct val="0"/>
+                </a:spcBef>
+                <a:spcAft>
+                  <a:spcPct val="0"/>
+                </a:spcAft>
+                <a:buClrTx/>
+                <a:buSzTx/>
+                <a:buFontTx/>
+                <a:buNone/>
+                <a:tabLst/>
+              </a:pPr>
+              <a:endParaRPr kumimoji="0" lang="en-US" sz="2300" b="0" i="0" u="none" strike="noStrike" cap="none" normalizeH="0" baseline="0" smtClean="0">
+                <a:ln>
+                  <a:noFill/>
+                </a:ln>
+                <a:solidFill>
+                  <a:schemeClr val="tx1"/>
+                </a:solidFill>
+                <a:effectLst/>
+                <a:latin typeface="Times New Roman" pitchFamily="18" charset="0"/>
+              </a:endParaRPr>
+            </a:p>
+          </p:txBody>
+        </p:sp>
+        <p:sp>
+          <p:nvSpPr>
+            <p:cNvPr id="11" name="TextBox 10"/>
+            <p:cNvSpPr txBox="1"/>
+            <p:nvPr/>
+          </p:nvSpPr>
+          <p:spPr bwMode="auto">
+            <a:xfrm>
+              <a:off x="13443558" y="18752940"/>
+              <a:ext cx="4021508" cy="1966056"/>
+            </a:xfrm>
+            <a:prstGeom prst="rect">
+              <a:avLst/>
+            </a:prstGeom>
+            <a:noFill/>
+            <a:ln w="38100">
+              <a:noFill/>
+              <a:miter lim="800000"/>
+              <a:headEnd/>
+              <a:tailEnd/>
+            </a:ln>
+          </p:spPr>
+          <p:txBody>
+            <a:bodyPr wrap="square" lIns="699201" tIns="699201" rIns="699201" bIns="699201" rtlCol="0" anchor="ctr">
+              <a:spAutoFit/>
+            </a:bodyPr>
+            <a:lstStyle/>
+            <a:p>
+              <a:pPr algn="ctr" eaLnBrk="1" hangingPunct="1"/>
+              <a:r>
+                <a:rPr lang="en-US" sz="3600" dirty="0" smtClean="0"/>
+                <a:t>Token Stream</a:t>
+              </a:r>
+            </a:p>
+          </p:txBody>
+        </p:sp>
+        <p:sp>
+          <p:nvSpPr>
+            <p:cNvPr id="36" name="Left Bracket 35"/>
+            <p:cNvSpPr/>
+            <p:nvPr/>
+          </p:nvSpPr>
+          <p:spPr bwMode="auto">
+            <a:xfrm rot="16200000">
+              <a:off x="14932959" y="21082697"/>
+              <a:ext cx="842682" cy="4648200"/>
+            </a:xfrm>
+            <a:prstGeom prst="leftBracket">
+              <a:avLst/>
+            </a:prstGeom>
+            <a:noFill/>
+            <a:ln w="127000" cap="flat" cmpd="sng" algn="ctr">
+              <a:solidFill>
+                <a:schemeClr val="tx1"/>
+              </a:solidFill>
+              <a:prstDash val="solid"/>
+              <a:miter lim="800000"/>
+              <a:headEnd type="none" w="med" len="med"/>
+              <a:tailEnd type="none" w="med" len="med"/>
+            </a:ln>
+            <a:effectLst/>
+          </p:spPr>
+          <p:txBody>
+            <a:bodyPr vert="horz" wrap="none" lIns="91440" tIns="45720" rIns="91440" bIns="45720" numCol="1" rtlCol="0" anchor="t" anchorCtr="0" compatLnSpc="1">
+              <a:prstTxWarp prst="textNoShape">
+                <a:avLst/>
+              </a:prstTxWarp>
+            </a:bodyPr>
+            <a:lstStyle/>
+            <a:p>
+              <a:pPr marL="0" marR="0" indent="0" algn="l" defTabSz="874713" rtl="0" eaLnBrk="1" fontAlgn="base" latinLnBrk="0" hangingPunct="1">
+                <a:lnSpc>
+                  <a:spcPct val="100000"/>
+                </a:lnSpc>
+                <a:spcBef>
+                  <a:spcPct val="0"/>
+                </a:spcBef>
+                <a:spcAft>
+                  <a:spcPct val="0"/>
+                </a:spcAft>
+                <a:buClrTx/>
+                <a:buSzTx/>
+                <a:buFontTx/>
+                <a:buNone/>
+                <a:tabLst/>
+              </a:pPr>
+              <a:endParaRPr kumimoji="0" lang="en-US" sz="2300" b="0" i="0" u="none" strike="noStrike" cap="none" normalizeH="0" baseline="0" smtClean="0">
+                <a:ln>
+                  <a:noFill/>
+                </a:ln>
+                <a:solidFill>
+                  <a:schemeClr val="tx1"/>
+                </a:solidFill>
+                <a:effectLst/>
+                <a:latin typeface="Times New Roman" pitchFamily="18" charset="0"/>
+              </a:endParaRPr>
+            </a:p>
+          </p:txBody>
+        </p:sp>
+        <p:sp>
+          <p:nvSpPr>
+            <p:cNvPr id="37" name="Triangle 36"/>
+            <p:cNvSpPr/>
+            <p:nvPr/>
+          </p:nvSpPr>
+          <p:spPr bwMode="auto">
+            <a:xfrm rot="16200000">
+              <a:off x="13724151" y="23463460"/>
+              <a:ext cx="669661" cy="729353"/>
+            </a:xfrm>
+            <a:prstGeom prst="triangle">
+              <a:avLst/>
+            </a:prstGeom>
+            <a:solidFill>
+              <a:schemeClr val="tx1"/>
+            </a:solidFill>
+            <a:ln w="9525" cap="flat" cmpd="sng" algn="ctr">
+              <a:solidFill>
+                <a:schemeClr val="tx1"/>
+              </a:solidFill>
+              <a:prstDash val="solid"/>
+              <a:miter lim="800000"/>
+              <a:headEnd type="none" w="med" len="med"/>
+              <a:tailEnd type="none" w="med" len="med"/>
+            </a:ln>
+            <a:effectLst/>
+          </p:spPr>
+          <p:txBody>
+            <a:bodyPr vert="horz" wrap="none" lIns="91440" tIns="45720" rIns="91440" bIns="45720" numCol="1" rtlCol="0" anchor="t" anchorCtr="0" compatLnSpc="1">
+              <a:prstTxWarp prst="textNoShape">
+                <a:avLst/>
+              </a:prstTxWarp>
+            </a:bodyPr>
+            <a:lstStyle/>
+            <a:p>
+              <a:pPr marL="0" marR="0" indent="0" algn="l" defTabSz="874713" rtl="0" eaLnBrk="1" fontAlgn="base" latinLnBrk="0" hangingPunct="1">
+                <a:lnSpc>
+                  <a:spcPct val="100000"/>
+                </a:lnSpc>
+                <a:spcBef>
+                  <a:spcPct val="0"/>
+                </a:spcBef>
+                <a:spcAft>
+                  <a:spcPct val="0"/>
+                </a:spcAft>
+                <a:buClrTx/>
+                <a:buSzTx/>
+                <a:buFontTx/>
+                <a:buNone/>
+                <a:tabLst/>
+              </a:pPr>
+              <a:endParaRPr kumimoji="0" lang="en-US" sz="2300" b="0" i="0" u="none" strike="noStrike" cap="none" normalizeH="0" baseline="0" smtClean="0">
+                <a:ln>
+                  <a:noFill/>
+                </a:ln>
+                <a:solidFill>
+                  <a:schemeClr val="tx1"/>
+                </a:solidFill>
+                <a:effectLst/>
+                <a:latin typeface="Times New Roman" pitchFamily="18" charset="0"/>
+              </a:endParaRPr>
+            </a:p>
+          </p:txBody>
+        </p:sp>
+        <p:sp>
+          <p:nvSpPr>
+            <p:cNvPr id="38" name="Triangle 37"/>
+            <p:cNvSpPr/>
+            <p:nvPr/>
+          </p:nvSpPr>
+          <p:spPr bwMode="auto">
+            <a:xfrm rot="16200000">
+              <a:off x="16505451" y="23463461"/>
+              <a:ext cx="669661" cy="729353"/>
+            </a:xfrm>
+            <a:prstGeom prst="triangle">
+              <a:avLst/>
+            </a:prstGeom>
+            <a:solidFill>
+              <a:schemeClr val="tx1"/>
+            </a:solidFill>
+            <a:ln w="9525" cap="flat" cmpd="sng" algn="ctr">
+              <a:solidFill>
+                <a:schemeClr val="tx1"/>
+              </a:solidFill>
+              <a:prstDash val="solid"/>
+              <a:miter lim="800000"/>
+              <a:headEnd type="none" w="med" len="med"/>
+              <a:tailEnd type="none" w="med" len="med"/>
+            </a:ln>
+            <a:effectLst/>
+          </p:spPr>
+          <p:txBody>
+            <a:bodyPr vert="horz" wrap="none" lIns="91440" tIns="45720" rIns="91440" bIns="45720" numCol="1" rtlCol="0" anchor="t" anchorCtr="0" compatLnSpc="1">
+              <a:prstTxWarp prst="textNoShape">
+                <a:avLst/>
+              </a:prstTxWarp>
+            </a:bodyPr>
+            <a:lstStyle/>
+            <a:p>
+              <a:pPr marL="0" marR="0" indent="0" algn="l" defTabSz="874713" rtl="0" eaLnBrk="1" fontAlgn="base" latinLnBrk="0" hangingPunct="1">
+                <a:lnSpc>
+                  <a:spcPct val="100000"/>
+                </a:lnSpc>
+                <a:spcBef>
+                  <a:spcPct val="0"/>
+                </a:spcBef>
+                <a:spcAft>
+                  <a:spcPct val="0"/>
+                </a:spcAft>
+                <a:buClrTx/>
+                <a:buSzTx/>
+                <a:buFontTx/>
+                <a:buNone/>
+                <a:tabLst/>
+              </a:pPr>
+              <a:endParaRPr kumimoji="0" lang="en-US" sz="2300" b="0" i="0" u="none" strike="noStrike" cap="none" normalizeH="0" baseline="0" smtClean="0">
+                <a:ln>
+                  <a:noFill/>
+                </a:ln>
+                <a:solidFill>
+                  <a:schemeClr val="tx1"/>
+                </a:solidFill>
+                <a:effectLst/>
+                <a:latin typeface="Times New Roman" pitchFamily="18" charset="0"/>
+              </a:endParaRPr>
+            </a:p>
+          </p:txBody>
+        </p:sp>
+        <p:sp>
+          <p:nvSpPr>
+            <p:cNvPr id="39" name="TextBox 38"/>
+            <p:cNvSpPr txBox="1"/>
+            <p:nvPr/>
+          </p:nvSpPr>
+          <p:spPr bwMode="auto">
+            <a:xfrm>
+              <a:off x="13986965" y="22388815"/>
+              <a:ext cx="3131568" cy="1371600"/>
+            </a:xfrm>
+            <a:prstGeom prst="rect">
+              <a:avLst/>
+            </a:prstGeom>
+            <a:noFill/>
+            <a:ln w="38100">
+              <a:noFill/>
+              <a:miter lim="800000"/>
+              <a:headEnd/>
+              <a:tailEnd/>
+            </a:ln>
+          </p:spPr>
+          <p:txBody>
+            <a:bodyPr wrap="square" lIns="699201" tIns="699201" rIns="699201" bIns="699201" rtlCol="0" anchor="ctr">
+              <a:spAutoFit/>
+            </a:bodyPr>
+            <a:lstStyle/>
+            <a:p>
+              <a:pPr algn="ctr" eaLnBrk="1" hangingPunct="1"/>
+              <a:r>
+                <a:rPr lang="en-US" sz="3600" dirty="0" smtClean="0"/>
+                <a:t>Token Requests</a:t>
+              </a:r>
+            </a:p>
+          </p:txBody>
+        </p:sp>
+        <p:sp>
+          <p:nvSpPr>
+            <p:cNvPr id="28" name="Rectangle 27"/>
+            <p:cNvSpPr/>
+            <p:nvPr/>
+          </p:nvSpPr>
+          <p:spPr bwMode="auto">
+            <a:xfrm>
+              <a:off x="16764000" y="21450299"/>
+              <a:ext cx="2409824" cy="1524000"/>
+            </a:xfrm>
+            <a:prstGeom prst="rect">
+              <a:avLst/>
+            </a:prstGeom>
+            <a:solidFill>
+              <a:schemeClr val="accent1"/>
+            </a:solidFill>
+            <a:ln w="9525" cap="flat" cmpd="sng" algn="ctr">
+              <a:solidFill>
+                <a:schemeClr val="tx1"/>
+              </a:solidFill>
+              <a:prstDash val="solid"/>
+              <a:miter lim="800000"/>
+              <a:headEnd type="none" w="med" len="med"/>
+              <a:tailEnd type="none" w="med" len="med"/>
+            </a:ln>
+            <a:effectLst/>
+          </p:spPr>
+          <p:txBody>
+            <a:bodyPr vert="horz" wrap="none" lIns="91440" tIns="45720" rIns="91440" bIns="45720" numCol="1" rtlCol="0" anchor="ctr" anchorCtr="0" compatLnSpc="1">
+              <a:prstTxWarp prst="textNoShape">
+                <a:avLst/>
+              </a:prstTxWarp>
+            </a:bodyPr>
+            <a:lstStyle/>
+            <a:p>
+              <a:pPr marL="0" marR="0" indent="0" algn="ctr" defTabSz="874713" rtl="0" eaLnBrk="1" fontAlgn="base" latinLnBrk="0" hangingPunct="1">
+                <a:lnSpc>
+                  <a:spcPct val="100000"/>
+                </a:lnSpc>
+                <a:spcBef>
+                  <a:spcPct val="0"/>
+                </a:spcBef>
+                <a:spcAft>
+                  <a:spcPct val="0"/>
+                </a:spcAft>
+                <a:buClrTx/>
+                <a:buSzTx/>
+                <a:buFontTx/>
+                <a:buNone/>
+                <a:tabLst/>
+              </a:pPr>
+              <a:r>
+                <a:rPr lang="en-US" sz="3600" smtClean="0"/>
+                <a:t>Parser</a:t>
+              </a:r>
+              <a:endParaRPr kumimoji="0" lang="en-US" sz="3600" b="0" i="0" u="none" strike="noStrike" cap="none" normalizeH="0" baseline="0" dirty="0" smtClean="0">
+                <a:ln>
+                  <a:noFill/>
+                </a:ln>
+                <a:solidFill>
+                  <a:schemeClr val="tx1"/>
+                </a:solidFill>
+                <a:effectLst/>
+                <a:latin typeface="Times New Roman" pitchFamily="18" charset="0"/>
+              </a:endParaRPr>
+            </a:p>
+          </p:txBody>
+        </p:sp>
+        <p:cxnSp>
+          <p:nvCxnSpPr>
+            <p:cNvPr id="13" name="Straight Arrow Connector 12"/>
+            <p:cNvCxnSpPr>
+              <a:stCxn id="28" idx="3"/>
+            </p:cNvCxnSpPr>
+            <p:nvPr/>
+          </p:nvCxnSpPr>
+          <p:spPr bwMode="auto">
+            <a:xfrm>
+              <a:off x="19173824" y="22212299"/>
+              <a:ext cx="1035315" cy="0"/>
+            </a:xfrm>
+            <a:prstGeom prst="straightConnector1">
+              <a:avLst/>
+            </a:prstGeom>
+            <a:solidFill>
+              <a:schemeClr val="accent1"/>
+            </a:solidFill>
+            <a:ln w="127000" cap="flat" cmpd="sng" algn="ctr">
+              <a:solidFill>
+                <a:schemeClr val="tx1"/>
+              </a:solidFill>
+              <a:prstDash val="solid"/>
+              <a:miter lim="800000"/>
+              <a:headEnd type="none" w="med" len="med"/>
+              <a:tailEnd type="triangle"/>
+            </a:ln>
+            <a:effectLst/>
+          </p:spPr>
+        </p:cxnSp>
+      </p:grpSp>
+      <p:grpSp>
+        <p:nvGrpSpPr>
+          <p:cNvPr id="19" name="Group 18"/>
+          <p:cNvGrpSpPr>
+            <a:grpSpLocks noChangeAspect="1"/>
+          </p:cNvGrpSpPr>
           <p:nvPr/>
-        </p:nvSpPr>
-        <p:spPr>
+        </p:nvGrpSpPr>
+        <p:grpSpPr>
           <a:xfrm>
-            <a:off x="685800" y="3657601"/>
-            <a:ext cx="19296824" cy="846844"/>
+            <a:off x="13707526" y="17841076"/>
+            <a:ext cx="1906729" cy="2073828"/>
+            <a:chOff x="23006142" y="16758535"/>
+            <a:chExt cx="3140217" cy="3415415"/>
           </a:xfrm>
-          <a:prstGeom prst="rect">
-            <a:avLst/>
-          </a:prstGeom>
-        </p:spPr>
-        <p:txBody>
-          <a:bodyPr wrap="square" lIns="76654" tIns="38327" rIns="76654" bIns="38327">
-            <a:spAutoFit/>
-          </a:bodyPr>
-          <a:lstStyle/>
-          <a:p>
-            <a:pPr marL="365971" indent="-365971" defTabSz="735934" eaLnBrk="0" hangingPunct="0">
-              <a:defRPr/>
-            </a:pPr>
-            <a:r>
-              <a:rPr lang="en-US" sz="5000" b="1" dirty="0" smtClean="0">
+        </p:grpSpPr>
+        <p:sp>
+          <p:nvSpPr>
+            <p:cNvPr id="14" name="Rectangle 13"/>
+            <p:cNvSpPr/>
+            <p:nvPr/>
+          </p:nvSpPr>
+          <p:spPr bwMode="auto">
+            <a:xfrm>
+              <a:off x="24155400" y="16758535"/>
+              <a:ext cx="838200" cy="762000"/>
+            </a:xfrm>
+            <a:prstGeom prst="rect">
+              <a:avLst/>
+            </a:prstGeom>
+            <a:noFill/>
+            <a:ln w="38100" cap="flat" cmpd="sng" algn="ctr">
+              <a:solidFill>
+                <a:schemeClr val="tx1"/>
+              </a:solidFill>
+              <a:prstDash val="solid"/>
+              <a:miter lim="800000"/>
+              <a:headEnd type="none" w="med" len="med"/>
+              <a:tailEnd type="none" w="med" len="med"/>
+            </a:ln>
+            <a:effectLst/>
+          </p:spPr>
+          <p:txBody>
+            <a:bodyPr vert="horz" wrap="none" lIns="91440" tIns="45720" rIns="91440" bIns="45720" numCol="1" rtlCol="0" anchor="ctr" anchorCtr="0" compatLnSpc="1">
+              <a:prstTxWarp prst="textNoShape">
+                <a:avLst/>
+              </a:prstTxWarp>
+            </a:bodyPr>
+            <a:lstStyle/>
+            <a:p>
+              <a:pPr marL="0" marR="0" indent="0" algn="ctr" defTabSz="874713" rtl="0" eaLnBrk="1" fontAlgn="base" latinLnBrk="0" hangingPunct="1">
+                <a:lnSpc>
+                  <a:spcPct val="100000"/>
+                </a:lnSpc>
+                <a:spcBef>
+                  <a:spcPct val="0"/>
+                </a:spcBef>
+                <a:spcAft>
+                  <a:spcPct val="0"/>
+                </a:spcAft>
+                <a:buClrTx/>
+                <a:buSzTx/>
+                <a:buFontTx/>
+                <a:buNone/>
+                <a:tabLst/>
+              </a:pPr>
+              <a:r>
+                <a:rPr kumimoji="0" lang="en-US" sz="3600" b="0" i="0" u="none" strike="noStrike" cap="none" normalizeH="0" baseline="0" dirty="0" smtClean="0">
+                  <a:ln>
+                    <a:noFill/>
+                  </a:ln>
+                  <a:solidFill>
+                    <a:schemeClr val="tx1"/>
+                  </a:solidFill>
+                  <a:effectLst/>
+                  <a:latin typeface="Times New Roman" pitchFamily="18" charset="0"/>
+                </a:rPr>
+                <a:t>E</a:t>
+              </a:r>
+            </a:p>
+          </p:txBody>
+        </p:sp>
+        <p:sp>
+          <p:nvSpPr>
+            <p:cNvPr id="43" name="Rectangle 42"/>
+            <p:cNvSpPr/>
+            <p:nvPr/>
+          </p:nvSpPr>
+          <p:spPr bwMode="auto">
+            <a:xfrm>
+              <a:off x="25304658" y="18078450"/>
+              <a:ext cx="838200" cy="762000"/>
+            </a:xfrm>
+            <a:prstGeom prst="rect">
+              <a:avLst/>
+            </a:prstGeom>
+            <a:noFill/>
+            <a:ln w="38100" cap="flat" cmpd="sng" algn="ctr">
+              <a:solidFill>
+                <a:schemeClr val="tx1"/>
+              </a:solidFill>
+              <a:prstDash val="solid"/>
+              <a:miter lim="800000"/>
+              <a:headEnd type="none" w="med" len="med"/>
+              <a:tailEnd type="none" w="med" len="med"/>
+            </a:ln>
+            <a:effectLst/>
+          </p:spPr>
+          <p:txBody>
+            <a:bodyPr vert="horz" wrap="none" lIns="91440" tIns="45720" rIns="91440" bIns="45720" numCol="1" rtlCol="0" anchor="ctr" anchorCtr="0" compatLnSpc="1">
+              <a:prstTxWarp prst="textNoShape">
+                <a:avLst/>
+              </a:prstTxWarp>
+            </a:bodyPr>
+            <a:lstStyle/>
+            <a:p>
+              <a:pPr marL="0" marR="0" indent="0" algn="ctr" defTabSz="874713" rtl="0" eaLnBrk="1" fontAlgn="base" latinLnBrk="0" hangingPunct="1">
+                <a:lnSpc>
+                  <a:spcPct val="100000"/>
+                </a:lnSpc>
+                <a:spcBef>
+                  <a:spcPct val="0"/>
+                </a:spcBef>
+                <a:spcAft>
+                  <a:spcPct val="0"/>
+                </a:spcAft>
+                <a:buClrTx/>
+                <a:buSzTx/>
+                <a:buFontTx/>
+                <a:buNone/>
+                <a:tabLst/>
+              </a:pPr>
+              <a:r>
+                <a:rPr kumimoji="0" lang="en-US" sz="3600" b="0" i="0" u="none" strike="noStrike" cap="none" normalizeH="0" baseline="0" dirty="0" smtClean="0">
+                  <a:ln>
+                    <a:noFill/>
+                  </a:ln>
+                  <a:solidFill>
+                    <a:schemeClr val="tx1"/>
+                  </a:solidFill>
+                  <a:effectLst/>
+                  <a:latin typeface="Times New Roman" pitchFamily="18" charset="0"/>
+                </a:rPr>
+                <a:t>E</a:t>
+              </a:r>
+            </a:p>
+          </p:txBody>
+        </p:sp>
+        <p:sp>
+          <p:nvSpPr>
+            <p:cNvPr id="44" name="Rectangle 43"/>
+            <p:cNvSpPr/>
+            <p:nvPr/>
+          </p:nvSpPr>
+          <p:spPr bwMode="auto">
+            <a:xfrm>
+              <a:off x="23006142" y="18094886"/>
+              <a:ext cx="838200" cy="762000"/>
+            </a:xfrm>
+            <a:prstGeom prst="rect">
+              <a:avLst/>
+            </a:prstGeom>
+            <a:noFill/>
+            <a:ln w="38100" cap="flat" cmpd="sng" algn="ctr">
+              <a:solidFill>
+                <a:schemeClr val="tx1"/>
+              </a:solidFill>
+              <a:prstDash val="solid"/>
+              <a:miter lim="800000"/>
+              <a:headEnd type="none" w="med" len="med"/>
+              <a:tailEnd type="none" w="med" len="med"/>
+            </a:ln>
+            <a:effectLst/>
+          </p:spPr>
+          <p:txBody>
+            <a:bodyPr vert="horz" wrap="none" lIns="91440" tIns="45720" rIns="91440" bIns="45720" numCol="1" rtlCol="0" anchor="ctr" anchorCtr="0" compatLnSpc="1">
+              <a:prstTxWarp prst="textNoShape">
+                <a:avLst/>
+              </a:prstTxWarp>
+            </a:bodyPr>
+            <a:lstStyle/>
+            <a:p>
+              <a:pPr marL="0" marR="0" indent="0" algn="ctr" defTabSz="874713" rtl="0" eaLnBrk="1" fontAlgn="base" latinLnBrk="0" hangingPunct="1">
+                <a:lnSpc>
+                  <a:spcPct val="100000"/>
+                </a:lnSpc>
+                <a:spcBef>
+                  <a:spcPct val="0"/>
+                </a:spcBef>
+                <a:spcAft>
+                  <a:spcPct val="0"/>
+                </a:spcAft>
+                <a:buClrTx/>
+                <a:buSzTx/>
+                <a:buFontTx/>
+                <a:buNone/>
+                <a:tabLst/>
+              </a:pPr>
+              <a:r>
+                <a:rPr kumimoji="0" lang="en-US" sz="3600" b="0" i="0" u="none" strike="noStrike" cap="none" normalizeH="0" baseline="0" dirty="0" smtClean="0">
+                  <a:ln>
+                    <a:noFill/>
+                  </a:ln>
+                  <a:solidFill>
+                    <a:schemeClr val="tx1"/>
+                  </a:solidFill>
+                  <a:effectLst/>
+                  <a:latin typeface="Times New Roman" pitchFamily="18" charset="0"/>
+                </a:rPr>
+                <a:t>E</a:t>
+              </a:r>
+            </a:p>
+          </p:txBody>
+        </p:sp>
+        <p:sp>
+          <p:nvSpPr>
+            <p:cNvPr id="45" name="Rectangle 44"/>
+            <p:cNvSpPr/>
+            <p:nvPr/>
+          </p:nvSpPr>
+          <p:spPr bwMode="auto">
+            <a:xfrm>
+              <a:off x="24155400" y="18083680"/>
+              <a:ext cx="838200" cy="762000"/>
+            </a:xfrm>
+            <a:prstGeom prst="rect">
+              <a:avLst/>
+            </a:prstGeom>
+            <a:noFill/>
+            <a:ln w="38100" cap="flat" cmpd="sng" algn="ctr">
+              <a:solidFill>
+                <a:schemeClr val="tx1"/>
+              </a:solidFill>
+              <a:prstDash val="solid"/>
+              <a:miter lim="800000"/>
+              <a:headEnd type="none" w="med" len="med"/>
+              <a:tailEnd type="none" w="med" len="med"/>
+            </a:ln>
+            <a:effectLst/>
+          </p:spPr>
+          <p:txBody>
+            <a:bodyPr vert="horz" wrap="none" lIns="91440" tIns="45720" rIns="91440" bIns="45720" numCol="1" rtlCol="0" anchor="ctr" anchorCtr="0" compatLnSpc="1">
+              <a:prstTxWarp prst="textNoShape">
+                <a:avLst/>
+              </a:prstTxWarp>
+            </a:bodyPr>
+            <a:lstStyle/>
+            <a:p>
+              <a:pPr marL="0" marR="0" indent="0" algn="ctr" defTabSz="874713" rtl="0" eaLnBrk="1" fontAlgn="base" latinLnBrk="0" hangingPunct="1">
+                <a:lnSpc>
+                  <a:spcPct val="100000"/>
+                </a:lnSpc>
+                <a:spcBef>
+                  <a:spcPct val="0"/>
+                </a:spcBef>
+                <a:spcAft>
+                  <a:spcPct val="0"/>
+                </a:spcAft>
+                <a:buClrTx/>
+                <a:buSzTx/>
+                <a:buFontTx/>
+                <a:buNone/>
+                <a:tabLst/>
+              </a:pPr>
+              <a:r>
+                <a:rPr kumimoji="0" lang="en-US" sz="3600" b="1" i="0" u="none" strike="noStrike" cap="none" normalizeH="0" baseline="0" dirty="0" smtClean="0">
+                  <a:ln>
+                    <a:noFill/>
+                  </a:ln>
+                  <a:solidFill>
+                    <a:schemeClr val="tx1"/>
+                  </a:solidFill>
+                  <a:effectLst/>
+                  <a:latin typeface="Times New Roman" pitchFamily="18" charset="0"/>
+                </a:rPr>
+                <a:t>+</a:t>
+              </a:r>
+            </a:p>
+          </p:txBody>
+        </p:sp>
+        <p:sp>
+          <p:nvSpPr>
+            <p:cNvPr id="46" name="Rectangle 45"/>
+            <p:cNvSpPr/>
+            <p:nvPr/>
+          </p:nvSpPr>
+          <p:spPr bwMode="auto">
+            <a:xfrm>
+              <a:off x="23006142" y="19385716"/>
+              <a:ext cx="838200" cy="762000"/>
+            </a:xfrm>
+            <a:prstGeom prst="rect">
+              <a:avLst/>
+            </a:prstGeom>
+            <a:noFill/>
+            <a:ln w="38100" cap="flat" cmpd="sng" algn="ctr">
+              <a:solidFill>
+                <a:schemeClr val="tx1"/>
+              </a:solidFill>
+              <a:prstDash val="solid"/>
+              <a:miter lim="800000"/>
+              <a:headEnd type="none" w="med" len="med"/>
+              <a:tailEnd type="none" w="med" len="med"/>
+            </a:ln>
+            <a:effectLst/>
+          </p:spPr>
+          <p:txBody>
+            <a:bodyPr vert="horz" wrap="none" lIns="91440" tIns="45720" rIns="91440" bIns="45720" numCol="1" rtlCol="0" anchor="ctr" anchorCtr="0" compatLnSpc="1">
+              <a:prstTxWarp prst="textNoShape">
+                <a:avLst/>
+              </a:prstTxWarp>
+            </a:bodyPr>
+            <a:lstStyle/>
+            <a:p>
+              <a:pPr marL="0" marR="0" indent="0" algn="ctr" defTabSz="874713" rtl="0" eaLnBrk="1" fontAlgn="base" latinLnBrk="0" hangingPunct="1">
+                <a:lnSpc>
+                  <a:spcPct val="100000"/>
+                </a:lnSpc>
+                <a:spcBef>
+                  <a:spcPct val="0"/>
+                </a:spcBef>
+                <a:spcAft>
+                  <a:spcPct val="0"/>
+                </a:spcAft>
+                <a:buClrTx/>
+                <a:buSzTx/>
+                <a:buFontTx/>
+                <a:buNone/>
+                <a:tabLst/>
+              </a:pPr>
+              <a:r>
+                <a:rPr lang="en-US" sz="3600" dirty="0" smtClean="0"/>
+                <a:t>id</a:t>
+              </a:r>
+              <a:endParaRPr kumimoji="0" lang="en-US" sz="3600" b="0" i="0" u="none" strike="noStrike" cap="none" normalizeH="0" baseline="0" dirty="0" smtClean="0">
+                <a:ln>
+                  <a:noFill/>
+                </a:ln>
                 <a:solidFill>
-                  <a:schemeClr val="bg1"/>
+                  <a:schemeClr val="tx1"/>
                 </a:solidFill>
-                <a:latin typeface="Myriad Pro Light"/>
-                <a:cs typeface="Myriad Pro Light"/>
-              </a:rPr>
-              <a:t>Author names go here separated by commas</a:t>
-            </a:r>
-            <a:endParaRPr lang="en-US" sz="5000" b="1" dirty="0">
+                <a:effectLst/>
+                <a:latin typeface="Times New Roman" pitchFamily="18" charset="0"/>
+              </a:endParaRPr>
+            </a:p>
+          </p:txBody>
+        </p:sp>
+        <p:sp>
+          <p:nvSpPr>
+            <p:cNvPr id="47" name="Rectangle 46"/>
+            <p:cNvSpPr/>
+            <p:nvPr/>
+          </p:nvSpPr>
+          <p:spPr bwMode="auto">
+            <a:xfrm>
+              <a:off x="25308159" y="19411950"/>
+              <a:ext cx="838200" cy="762000"/>
+            </a:xfrm>
+            <a:prstGeom prst="rect">
+              <a:avLst/>
+            </a:prstGeom>
+            <a:noFill/>
+            <a:ln w="38100" cap="flat" cmpd="sng" algn="ctr">
               <a:solidFill>
-                <a:schemeClr val="bg1"/>
+                <a:schemeClr val="tx1"/>
               </a:solidFill>
-              <a:latin typeface="Myriad Pro Light"/>
-              <a:cs typeface="Myriad Pro Light"/>
-            </a:endParaRPr>
-          </a:p>
-        </p:txBody>
-      </p:sp>
-      <p:pic>
-        <p:nvPicPr>
-          <p:cNvPr id="2" name="Picture 1"/>
-          <p:cNvPicPr>
-            <a:picLocks noChangeAspect="1"/>
-          </p:cNvPicPr>
+              <a:prstDash val="solid"/>
+              <a:miter lim="800000"/>
+              <a:headEnd type="none" w="med" len="med"/>
+              <a:tailEnd type="none" w="med" len="med"/>
+            </a:ln>
+            <a:effectLst/>
+          </p:spPr>
+          <p:txBody>
+            <a:bodyPr vert="horz" wrap="none" lIns="91440" tIns="45720" rIns="91440" bIns="45720" numCol="1" rtlCol="0" anchor="ctr" anchorCtr="0" compatLnSpc="1">
+              <a:prstTxWarp prst="textNoShape">
+                <a:avLst/>
+              </a:prstTxWarp>
+            </a:bodyPr>
+            <a:lstStyle/>
+            <a:p>
+              <a:pPr marL="0" marR="0" indent="0" algn="ctr" defTabSz="874713" rtl="0" eaLnBrk="1" fontAlgn="base" latinLnBrk="0" hangingPunct="1">
+                <a:lnSpc>
+                  <a:spcPct val="100000"/>
+                </a:lnSpc>
+                <a:spcBef>
+                  <a:spcPct val="0"/>
+                </a:spcBef>
+                <a:spcAft>
+                  <a:spcPct val="0"/>
+                </a:spcAft>
+                <a:buClrTx/>
+                <a:buSzTx/>
+                <a:buFontTx/>
+                <a:buNone/>
+                <a:tabLst/>
+              </a:pPr>
+              <a:r>
+                <a:rPr lang="en-US" sz="3600" smtClean="0"/>
+                <a:t>id</a:t>
+              </a:r>
+              <a:endParaRPr kumimoji="0" lang="en-US" sz="3600" b="0" i="0" u="none" strike="noStrike" cap="none" normalizeH="0" baseline="0" dirty="0" smtClean="0">
+                <a:ln>
+                  <a:noFill/>
+                </a:ln>
+                <a:solidFill>
+                  <a:schemeClr val="tx1"/>
+                </a:solidFill>
+                <a:effectLst/>
+                <a:latin typeface="Times New Roman" pitchFamily="18" charset="0"/>
+              </a:endParaRPr>
+            </a:p>
+          </p:txBody>
+        </p:sp>
+        <p:cxnSp>
+          <p:nvCxnSpPr>
+            <p:cNvPr id="53" name="Straight Arrow Connector 52"/>
+            <p:cNvCxnSpPr/>
+            <p:nvPr/>
+          </p:nvCxnSpPr>
+          <p:spPr bwMode="auto">
+            <a:xfrm>
+              <a:off x="24574500" y="17533982"/>
+              <a:ext cx="0" cy="549698"/>
+            </a:xfrm>
+            <a:prstGeom prst="straightConnector1">
+              <a:avLst/>
+            </a:prstGeom>
+            <a:solidFill>
+              <a:schemeClr val="accent1"/>
+            </a:solidFill>
+            <a:ln w="38100" cap="flat" cmpd="sng" algn="ctr">
+              <a:solidFill>
+                <a:schemeClr val="tx1"/>
+              </a:solidFill>
+              <a:prstDash val="solid"/>
+              <a:miter lim="800000"/>
+              <a:headEnd type="none" w="med" len="med"/>
+              <a:tailEnd type="triangle"/>
+            </a:ln>
+            <a:effectLst/>
+          </p:spPr>
+        </p:cxnSp>
+        <p:cxnSp>
+          <p:nvCxnSpPr>
+            <p:cNvPr id="55" name="Straight Arrow Connector 54"/>
+            <p:cNvCxnSpPr/>
+            <p:nvPr/>
+          </p:nvCxnSpPr>
+          <p:spPr bwMode="auto">
+            <a:xfrm flipH="1">
+              <a:off x="23619618" y="17533982"/>
+              <a:ext cx="688182" cy="549698"/>
+            </a:xfrm>
+            <a:prstGeom prst="straightConnector1">
+              <a:avLst/>
+            </a:prstGeom>
+            <a:solidFill>
+              <a:schemeClr val="accent1"/>
+            </a:solidFill>
+            <a:ln w="38100" cap="flat" cmpd="sng" algn="ctr">
+              <a:solidFill>
+                <a:schemeClr val="tx1"/>
+              </a:solidFill>
+              <a:prstDash val="solid"/>
+              <a:miter lim="800000"/>
+              <a:headEnd type="none" w="med" len="med"/>
+              <a:tailEnd type="triangle"/>
+            </a:ln>
+            <a:effectLst/>
+          </p:spPr>
+        </p:cxnSp>
+        <p:cxnSp>
+          <p:nvCxnSpPr>
+            <p:cNvPr id="57" name="Straight Arrow Connector 56"/>
+            <p:cNvCxnSpPr/>
+            <p:nvPr/>
+          </p:nvCxnSpPr>
+          <p:spPr bwMode="auto">
+            <a:xfrm>
+              <a:off x="24848483" y="17538561"/>
+              <a:ext cx="690701" cy="545119"/>
+            </a:xfrm>
+            <a:prstGeom prst="straightConnector1">
+              <a:avLst/>
+            </a:prstGeom>
+            <a:solidFill>
+              <a:schemeClr val="accent1"/>
+            </a:solidFill>
+            <a:ln w="38100" cap="flat" cmpd="sng" algn="ctr">
+              <a:solidFill>
+                <a:schemeClr val="tx1"/>
+              </a:solidFill>
+              <a:prstDash val="solid"/>
+              <a:miter lim="800000"/>
+              <a:headEnd type="none" w="med" len="med"/>
+              <a:tailEnd type="triangle"/>
+            </a:ln>
+            <a:effectLst/>
+          </p:spPr>
+        </p:cxnSp>
+        <p:cxnSp>
+          <p:nvCxnSpPr>
+            <p:cNvPr id="59" name="Straight Arrow Connector 58"/>
+            <p:cNvCxnSpPr/>
+            <p:nvPr/>
+          </p:nvCxnSpPr>
+          <p:spPr bwMode="auto">
+            <a:xfrm>
+              <a:off x="23436448" y="18856886"/>
+              <a:ext cx="0" cy="549698"/>
+            </a:xfrm>
+            <a:prstGeom prst="straightConnector1">
+              <a:avLst/>
+            </a:prstGeom>
+            <a:solidFill>
+              <a:schemeClr val="accent1"/>
+            </a:solidFill>
+            <a:ln w="38100" cap="flat" cmpd="sng" algn="ctr">
+              <a:solidFill>
+                <a:schemeClr val="tx1"/>
+              </a:solidFill>
+              <a:prstDash val="solid"/>
+              <a:miter lim="800000"/>
+              <a:headEnd type="none" w="med" len="med"/>
+              <a:tailEnd type="triangle"/>
+            </a:ln>
+            <a:effectLst/>
+          </p:spPr>
+        </p:cxnSp>
+        <p:cxnSp>
+          <p:nvCxnSpPr>
+            <p:cNvPr id="60" name="Straight Arrow Connector 59"/>
+            <p:cNvCxnSpPr/>
+            <p:nvPr/>
+          </p:nvCxnSpPr>
+          <p:spPr bwMode="auto">
+            <a:xfrm>
+              <a:off x="25723758" y="18851351"/>
+              <a:ext cx="0" cy="549698"/>
+            </a:xfrm>
+            <a:prstGeom prst="straightConnector1">
+              <a:avLst/>
+            </a:prstGeom>
+            <a:solidFill>
+              <a:schemeClr val="accent1"/>
+            </a:solidFill>
+            <a:ln w="38100" cap="flat" cmpd="sng" algn="ctr">
+              <a:solidFill>
+                <a:schemeClr val="tx1"/>
+              </a:solidFill>
+              <a:prstDash val="solid"/>
+              <a:miter lim="800000"/>
+              <a:headEnd type="none" w="med" len="med"/>
+              <a:tailEnd type="triangle"/>
+            </a:ln>
+            <a:effectLst/>
+          </p:spPr>
+        </p:cxnSp>
+      </p:grpSp>
+      <p:grpSp>
+        <p:nvGrpSpPr>
+          <p:cNvPr id="6" name="Group 5"/>
+          <p:cNvGrpSpPr/>
           <p:nvPr/>
-        </p:nvPicPr>
-        <p:blipFill>
-          <a:blip r:embed="rId3"/>
-          <a:stretch>
-            <a:fillRect/>
-          </a:stretch>
-        </p:blipFill>
-        <p:spPr>
+        </p:nvGrpSpPr>
+        <p:grpSpPr>
           <a:xfrm>
-            <a:off x="16764000" y="1803043"/>
-            <a:ext cx="8810625" cy="3557651"/>
+            <a:off x="16949904" y="18240515"/>
+            <a:ext cx="1904603" cy="1274112"/>
+            <a:chOff x="19418864" y="20580189"/>
+            <a:chExt cx="1904603" cy="1274112"/>
           </a:xfrm>
-          <a:prstGeom prst="rect">
-            <a:avLst/>
-          </a:prstGeom>
-        </p:spPr>
-      </p:pic>
-      <p:sp>
-        <p:nvSpPr>
-          <p:cNvPr id="24" name="Rectangle 23"/>
-          <p:cNvSpPr/>
+        </p:grpSpPr>
+        <p:sp>
+          <p:nvSpPr>
+            <p:cNvPr id="50" name="Rectangle 49"/>
+            <p:cNvSpPr/>
+            <p:nvPr/>
+          </p:nvSpPr>
+          <p:spPr bwMode="auto">
+            <a:xfrm>
+              <a:off x="20116690" y="20580189"/>
+              <a:ext cx="508952" cy="462684"/>
+            </a:xfrm>
+            <a:prstGeom prst="rect">
+              <a:avLst/>
+            </a:prstGeom>
+            <a:noFill/>
+            <a:ln w="38100" cap="flat" cmpd="sng" algn="ctr">
+              <a:solidFill>
+                <a:schemeClr val="tx1"/>
+              </a:solidFill>
+              <a:prstDash val="solid"/>
+              <a:miter lim="800000"/>
+              <a:headEnd type="none" w="med" len="med"/>
+              <a:tailEnd type="none" w="med" len="med"/>
+            </a:ln>
+            <a:effectLst/>
+          </p:spPr>
+          <p:txBody>
+            <a:bodyPr vert="horz" wrap="none" lIns="91440" tIns="45720" rIns="91440" bIns="45720" numCol="1" rtlCol="0" anchor="ctr" anchorCtr="0" compatLnSpc="1">
+              <a:prstTxWarp prst="textNoShape">
+                <a:avLst/>
+              </a:prstTxWarp>
+            </a:bodyPr>
+            <a:lstStyle/>
+            <a:p>
+              <a:pPr marL="0" marR="0" indent="0" algn="ctr" defTabSz="874713" rtl="0" eaLnBrk="1" fontAlgn="base" latinLnBrk="0" hangingPunct="1">
+                <a:lnSpc>
+                  <a:spcPct val="100000"/>
+                </a:lnSpc>
+                <a:spcBef>
+                  <a:spcPct val="0"/>
+                </a:spcBef>
+                <a:spcAft>
+                  <a:spcPct val="0"/>
+                </a:spcAft>
+                <a:buClrTx/>
+                <a:buSzTx/>
+                <a:buFontTx/>
+                <a:buNone/>
+                <a:tabLst/>
+              </a:pPr>
+              <a:r>
+                <a:rPr lang="en-US" sz="3600" b="1" dirty="0"/>
+                <a:t>+</a:t>
+              </a:r>
+              <a:endParaRPr kumimoji="0" lang="en-US" sz="3600" b="1" i="0" u="none" strike="noStrike" cap="none" normalizeH="0" baseline="0" dirty="0" smtClean="0">
+                <a:ln>
+                  <a:noFill/>
+                </a:ln>
+                <a:solidFill>
+                  <a:schemeClr val="tx1"/>
+                </a:solidFill>
+                <a:effectLst/>
+              </a:endParaRPr>
+            </a:p>
+          </p:txBody>
+        </p:sp>
+        <p:sp>
+          <p:nvSpPr>
+            <p:cNvPr id="51" name="Rectangle 50"/>
+            <p:cNvSpPr/>
+            <p:nvPr/>
+          </p:nvSpPr>
+          <p:spPr bwMode="auto">
+            <a:xfrm>
+              <a:off x="20814515" y="21381637"/>
+              <a:ext cx="508952" cy="462684"/>
+            </a:xfrm>
+            <a:prstGeom prst="rect">
+              <a:avLst/>
+            </a:prstGeom>
+            <a:noFill/>
+            <a:ln w="38100" cap="flat" cmpd="sng" algn="ctr">
+              <a:solidFill>
+                <a:schemeClr val="tx1"/>
+              </a:solidFill>
+              <a:prstDash val="solid"/>
+              <a:miter lim="800000"/>
+              <a:headEnd type="none" w="med" len="med"/>
+              <a:tailEnd type="none" w="med" len="med"/>
+            </a:ln>
+            <a:effectLst/>
+          </p:spPr>
+          <p:txBody>
+            <a:bodyPr vert="horz" wrap="none" lIns="91440" tIns="45720" rIns="91440" bIns="45720" numCol="1" rtlCol="0" anchor="ctr" anchorCtr="0" compatLnSpc="1">
+              <a:prstTxWarp prst="textNoShape">
+                <a:avLst/>
+              </a:prstTxWarp>
+            </a:bodyPr>
+            <a:lstStyle/>
+            <a:p>
+              <a:pPr marL="0" marR="0" indent="0" algn="ctr" defTabSz="874713" rtl="0" eaLnBrk="1" fontAlgn="base" latinLnBrk="0" hangingPunct="1">
+                <a:lnSpc>
+                  <a:spcPct val="100000"/>
+                </a:lnSpc>
+                <a:spcBef>
+                  <a:spcPct val="0"/>
+                </a:spcBef>
+                <a:spcAft>
+                  <a:spcPct val="0"/>
+                </a:spcAft>
+                <a:buClrTx/>
+                <a:buSzTx/>
+                <a:buFontTx/>
+                <a:buNone/>
+                <a:tabLst/>
+              </a:pPr>
+              <a:r>
+                <a:rPr lang="en-US" sz="3600" dirty="0" smtClean="0"/>
+                <a:t>id</a:t>
+              </a:r>
+              <a:endParaRPr kumimoji="0" lang="en-US" sz="3600" b="0" i="0" u="none" strike="noStrike" cap="none" normalizeH="0" baseline="0" dirty="0" smtClean="0">
+                <a:ln>
+                  <a:noFill/>
+                </a:ln>
+                <a:solidFill>
+                  <a:schemeClr val="tx1"/>
+                </a:solidFill>
+                <a:effectLst/>
+                <a:latin typeface="Times New Roman" pitchFamily="18" charset="0"/>
+              </a:endParaRPr>
+            </a:p>
+          </p:txBody>
+        </p:sp>
+        <p:sp>
+          <p:nvSpPr>
+            <p:cNvPr id="52" name="Rectangle 51"/>
+            <p:cNvSpPr/>
+            <p:nvPr/>
+          </p:nvSpPr>
+          <p:spPr bwMode="auto">
+            <a:xfrm>
+              <a:off x="19418864" y="21391617"/>
+              <a:ext cx="508952" cy="462684"/>
+            </a:xfrm>
+            <a:prstGeom prst="rect">
+              <a:avLst/>
+            </a:prstGeom>
+            <a:noFill/>
+            <a:ln w="38100" cap="flat" cmpd="sng" algn="ctr">
+              <a:solidFill>
+                <a:schemeClr val="tx1"/>
+              </a:solidFill>
+              <a:prstDash val="solid"/>
+              <a:miter lim="800000"/>
+              <a:headEnd type="none" w="med" len="med"/>
+              <a:tailEnd type="none" w="med" len="med"/>
+            </a:ln>
+            <a:effectLst/>
+          </p:spPr>
+          <p:txBody>
+            <a:bodyPr vert="horz" wrap="none" lIns="91440" tIns="45720" rIns="91440" bIns="45720" numCol="1" rtlCol="0" anchor="ctr" anchorCtr="0" compatLnSpc="1">
+              <a:prstTxWarp prst="textNoShape">
+                <a:avLst/>
+              </a:prstTxWarp>
+            </a:bodyPr>
+            <a:lstStyle/>
+            <a:p>
+              <a:pPr marL="0" marR="0" indent="0" algn="ctr" defTabSz="874713" rtl="0" eaLnBrk="1" fontAlgn="base" latinLnBrk="0" hangingPunct="1">
+                <a:lnSpc>
+                  <a:spcPct val="100000"/>
+                </a:lnSpc>
+                <a:spcBef>
+                  <a:spcPct val="0"/>
+                </a:spcBef>
+                <a:spcAft>
+                  <a:spcPct val="0"/>
+                </a:spcAft>
+                <a:buClrTx/>
+                <a:buSzTx/>
+                <a:buFontTx/>
+                <a:buNone/>
+                <a:tabLst/>
+              </a:pPr>
+              <a:r>
+                <a:rPr lang="en-US" sz="3600" dirty="0" smtClean="0"/>
+                <a:t>id</a:t>
+              </a:r>
+              <a:endParaRPr kumimoji="0" lang="en-US" sz="3600" b="0" i="0" u="none" strike="noStrike" cap="none" normalizeH="0" baseline="0" dirty="0" smtClean="0">
+                <a:ln>
+                  <a:noFill/>
+                </a:ln>
+                <a:solidFill>
+                  <a:schemeClr val="tx1"/>
+                </a:solidFill>
+                <a:effectLst/>
+                <a:latin typeface="Times New Roman" pitchFamily="18" charset="0"/>
+              </a:endParaRPr>
+            </a:p>
+          </p:txBody>
+        </p:sp>
+        <p:cxnSp>
+          <p:nvCxnSpPr>
+            <p:cNvPr id="62" name="Straight Arrow Connector 61"/>
+            <p:cNvCxnSpPr/>
+            <p:nvPr/>
+          </p:nvCxnSpPr>
+          <p:spPr bwMode="auto">
+            <a:xfrm flipH="1">
+              <a:off x="19791365" y="21051038"/>
+              <a:ext cx="417862" cy="333775"/>
+            </a:xfrm>
+            <a:prstGeom prst="straightConnector1">
+              <a:avLst/>
+            </a:prstGeom>
+            <a:solidFill>
+              <a:schemeClr val="accent1"/>
+            </a:solidFill>
+            <a:ln w="38100" cap="flat" cmpd="sng" algn="ctr">
+              <a:solidFill>
+                <a:schemeClr val="tx1"/>
+              </a:solidFill>
+              <a:prstDash val="solid"/>
+              <a:miter lim="800000"/>
+              <a:headEnd type="none" w="med" len="med"/>
+              <a:tailEnd type="triangle"/>
+            </a:ln>
+            <a:effectLst/>
+          </p:spPr>
+        </p:cxnSp>
+        <p:cxnSp>
+          <p:nvCxnSpPr>
+            <p:cNvPr id="63" name="Straight Arrow Connector 62"/>
+            <p:cNvCxnSpPr/>
+            <p:nvPr/>
+          </p:nvCxnSpPr>
+          <p:spPr bwMode="auto">
+            <a:xfrm>
+              <a:off x="20537527" y="21053818"/>
+              <a:ext cx="419391" cy="330994"/>
+            </a:xfrm>
+            <a:prstGeom prst="straightConnector1">
+              <a:avLst/>
+            </a:prstGeom>
+            <a:solidFill>
+              <a:schemeClr val="accent1"/>
+            </a:solidFill>
+            <a:ln w="38100" cap="flat" cmpd="sng" algn="ctr">
+              <a:solidFill>
+                <a:schemeClr val="tx1"/>
+              </a:solidFill>
+              <a:prstDash val="solid"/>
+              <a:miter lim="800000"/>
+              <a:headEnd type="none" w="med" len="med"/>
+              <a:tailEnd type="triangle"/>
+            </a:ln>
+            <a:effectLst/>
+          </p:spPr>
+        </p:cxnSp>
+      </p:grpSp>
+      <p:cxnSp>
+        <p:nvCxnSpPr>
+          <p:cNvPr id="66" name="Straight Arrow Connector 65"/>
+          <p:cNvCxnSpPr/>
           <p:nvPr/>
-        </p:nvSpPr>
-        <p:spPr>
-          <a:xfrm>
-            <a:off x="685800" y="4978401"/>
-            <a:ext cx="19296824" cy="754511"/>
-          </a:xfrm>
-          <a:prstGeom prst="rect">
-            <a:avLst/>
-          </a:prstGeom>
-        </p:spPr>
-        <p:txBody>
-          <a:bodyPr wrap="square" lIns="76654" tIns="38327" rIns="76654" bIns="38327">
-            <a:spAutoFit/>
-          </a:bodyPr>
-          <a:lstStyle/>
-          <a:p>
-            <a:pPr marL="365971" indent="-365971" defTabSz="735934" eaLnBrk="0" hangingPunct="0">
-              <a:defRPr/>
-            </a:pPr>
-            <a:r>
-              <a:rPr lang="en-US" sz="4400" dirty="0" smtClean="0">
-                <a:solidFill>
-                  <a:schemeClr val="bg1"/>
-                </a:solidFill>
-                <a:latin typeface="Myriad Pro Light"/>
-                <a:cs typeface="Myriad Pro Light"/>
-              </a:rPr>
-              <a:t>CISC 471/672 Compiler Construction, Fall 2016</a:t>
-            </a:r>
-            <a:endParaRPr lang="en-US" sz="4400" dirty="0">
-              <a:solidFill>
-                <a:schemeClr val="bg1"/>
-              </a:solidFill>
-              <a:latin typeface="Myriad Pro Light"/>
-              <a:cs typeface="Myriad Pro Light"/>
-            </a:endParaRPr>
-          </a:p>
-        </p:txBody>
-      </p:sp>
-      <p:sp>
-        <p:nvSpPr>
-          <p:cNvPr id="26" name="Text Box 16"/>
-          <p:cNvSpPr txBox="1">
-            <a:spLocks noChangeArrowheads="1"/>
-          </p:cNvSpPr>
-          <p:nvPr/>
-        </p:nvSpPr>
+        </p:nvCxnSpPr>
         <p:spPr bwMode="auto">
           <a:xfrm>
-            <a:off x="13868400" y="8001000"/>
-            <a:ext cx="12681478" cy="5141259"/>
+            <a:off x="15727371" y="19152904"/>
+            <a:ext cx="1035315" cy="0"/>
           </a:xfrm>
-          <a:prstGeom prst="rect">
+          <a:prstGeom prst="straightConnector1">
             <a:avLst/>
           </a:prstGeom>
           <a:solidFill>
-            <a:schemeClr val="bg1"/>
+            <a:schemeClr val="accent1"/>
           </a:solidFill>
-          <a:ln w="38100">
+          <a:ln w="127000" cap="flat" cmpd="sng" algn="ctr">
             <a:solidFill>
               <a:schemeClr val="tx1"/>
             </a:solidFill>
+            <a:prstDash val="solid"/>
             <a:miter lim="800000"/>
-            <a:headEnd/>
-            <a:tailEnd/>
+            <a:headEnd type="none" w="med" len="med"/>
+            <a:tailEnd type="triangle"/>
           </a:ln>
-        </p:spPr>
-        <p:txBody>
-          <a:bodyPr lIns="586140" tIns="586140" rIns="586140" bIns="586140"/>
-          <a:lstStyle/>
-          <a:p>
-            <a:pPr marL="383271" indent="-383271" defTabSz="735934"/>
-            <a:endParaRPr lang="en-US" sz="2000" dirty="0"/>
-          </a:p>
-          <a:p>
-            <a:pPr marL="383271" indent="-383271" defTabSz="735934">
-              <a:buFont typeface="Arial"/>
-              <a:buChar char="•"/>
-            </a:pPr>
-            <a:r>
-              <a:rPr lang="en-US" sz="2400" dirty="0" smtClean="0">
-                <a:latin typeface="Garamond Premr Pro Med"/>
-                <a:cs typeface="Garamond Premr Pro Med"/>
-              </a:rPr>
-              <a:t>List/Examples of main features</a:t>
-            </a:r>
-            <a:endParaRPr lang="en-US" sz="2400" dirty="0">
-              <a:latin typeface="Garamond Premr Pro Med"/>
-              <a:cs typeface="Garamond Premr Pro Med"/>
-            </a:endParaRPr>
-          </a:p>
-        </p:txBody>
-      </p:sp>
+          <a:effectLst/>
+        </p:spPr>
+      </p:cxnSp>
+      <p:cxnSp>
+        <p:nvCxnSpPr>
+          <p:cNvPr id="71" name="Straight Arrow Connector 70"/>
+          <p:cNvCxnSpPr/>
+          <p:nvPr/>
+        </p:nvCxnSpPr>
+        <p:spPr bwMode="auto">
+          <a:xfrm rot="16200000">
+            <a:off x="3986253" y="20457961"/>
+            <a:ext cx="1035315" cy="0"/>
+          </a:xfrm>
+          <a:prstGeom prst="straightConnector1">
+            <a:avLst/>
+          </a:prstGeom>
+          <a:solidFill>
+            <a:schemeClr val="accent1"/>
+          </a:solidFill>
+          <a:ln w="127000" cap="flat" cmpd="sng" algn="ctr">
+            <a:solidFill>
+              <a:schemeClr val="tx1"/>
+            </a:solidFill>
+            <a:prstDash val="solid"/>
+            <a:miter lim="800000"/>
+            <a:headEnd type="none" w="med" len="med"/>
+            <a:tailEnd type="triangle"/>
+          </a:ln>
+          <a:effectLst/>
+        </p:spPr>
+      </p:cxnSp>
     </p:spTree>
   </p:cSld>
   <p:clrMapOvr>

--- a/Poster.pptx
+++ b/Poster.pptx
@@ -480,7 +480,7 @@
               <a:pPr>
                 <a:defRPr/>
               </a:pPr>
-              <a:t>11/29/16</a:t>
+              <a:t>11/30/16</a:t>
             </a:fld>
             <a:endParaRPr lang="en-US" dirty="0"/>
           </a:p>
@@ -4212,7 +4212,7 @@
         </p:nvSpPr>
         <p:spPr bwMode="auto">
           <a:xfrm>
-            <a:off x="533400" y="13296900"/>
+            <a:off x="545432" y="13397395"/>
             <a:ext cx="26212800" cy="11658599"/>
           </a:xfrm>
           <a:prstGeom prst="rect">
@@ -4316,7 +4316,7 @@
                 <a:latin typeface="Garamond Premr Pro Med"/>
                 <a:cs typeface="Garamond Premr Pro Med"/>
               </a:rPr>
-              <a:t>Dealing with undefined behavior</a:t>
+              <a:t>System calls:</a:t>
             </a:r>
           </a:p>
           <a:p>
@@ -4336,7 +4336,51 @@
                 <a:latin typeface="Garamond Premr Pro Med"/>
                 <a:cs typeface="Garamond Premr Pro Med"/>
               </a:rPr>
-              <a:t>Detect it at compile time when possible?</a:t>
+              <a:t>C’s ability to interface with the OS depends on wrappers around actual OS system calls implemented in the C Runtime Library</a:t>
+            </a:r>
+            <a:endParaRPr lang="en-US" sz="3200" dirty="0" smtClean="0">
+              <a:latin typeface="Garamond Premr Pro Med"/>
+              <a:cs typeface="Garamond Premr Pro Med"/>
+            </a:endParaRPr>
+          </a:p>
+          <a:p>
+            <a:pPr algn="just">
+              <a:buFontTx/>
+              <a:buChar char="•"/>
+            </a:pPr>
+            <a:endParaRPr lang="en-US" sz="3200" dirty="0">
+              <a:latin typeface="Garamond Premr Pro Med"/>
+              <a:cs typeface="Garamond Premr Pro Med"/>
+            </a:endParaRPr>
+          </a:p>
+          <a:p>
+            <a:pPr algn="just">
+              <a:buFontTx/>
+              <a:buChar char="•"/>
+            </a:pPr>
+            <a:endParaRPr lang="en-US" sz="3200" dirty="0" smtClean="0">
+              <a:latin typeface="Garamond Premr Pro Med"/>
+              <a:cs typeface="Garamond Premr Pro Med"/>
+            </a:endParaRPr>
+          </a:p>
+          <a:p>
+            <a:pPr algn="just">
+              <a:buFontTx/>
+              <a:buChar char="•"/>
+            </a:pPr>
+            <a:r>
+              <a:rPr lang="en-US" sz="3200" dirty="0" smtClean="0">
+                <a:latin typeface="Garamond Premr Pro Med"/>
+                <a:cs typeface="Garamond Premr Pro Med"/>
+              </a:rPr>
+              <a:t>Dealing </a:t>
+            </a:r>
+            <a:r>
+              <a:rPr lang="en-US" sz="3200" dirty="0" smtClean="0">
+                <a:latin typeface="Garamond Premr Pro Med"/>
+                <a:cs typeface="Garamond Premr Pro Med"/>
+              </a:rPr>
+              <a:t>with undefined behavior</a:t>
             </a:r>
           </a:p>
           <a:p>
@@ -4356,7 +4400,172 @@
                 <a:latin typeface="Garamond Premr Pro Med"/>
                 <a:cs typeface="Garamond Premr Pro Med"/>
               </a:rPr>
-              <a:t>Or leave it up to the programmer? </a:t>
+              <a:t>Detect it at compile time when possible?</a:t>
+            </a:r>
+          </a:p>
+          <a:p>
+            <a:pPr lvl="1" algn="just">
+              <a:buFontTx/>
+              <a:buChar char="•"/>
+            </a:pPr>
+            <a:r>
+              <a:rPr lang="en-US" sz="3200" dirty="0">
+                <a:latin typeface="Garamond Premr Pro Med"/>
+                <a:cs typeface="Garamond Premr Pro Med"/>
+              </a:rPr>
+              <a:t> </a:t>
+            </a:r>
+            <a:r>
+              <a:rPr lang="en-US" sz="3200" dirty="0" smtClean="0">
+                <a:latin typeface="Garamond Premr Pro Med"/>
+                <a:cs typeface="Garamond Premr Pro Med"/>
+              </a:rPr>
+              <a:t>Or leave it up to the programmer?</a:t>
+            </a:r>
+          </a:p>
+          <a:p>
+            <a:pPr algn="just">
+              <a:buFontTx/>
+              <a:buChar char="•"/>
+            </a:pPr>
+            <a:r>
+              <a:rPr lang="en-US" sz="3200" dirty="0">
+                <a:latin typeface="Garamond Premr Pro Med"/>
+                <a:cs typeface="Garamond Premr Pro Med"/>
+              </a:rPr>
+              <a:t> </a:t>
+            </a:r>
+            <a:r>
+              <a:rPr lang="en-US" sz="3200" dirty="0" smtClean="0">
+                <a:latin typeface="Garamond Premr Pro Med"/>
+                <a:cs typeface="Garamond Premr Pro Med"/>
+              </a:rPr>
+              <a:t> Function pointers  </a:t>
+            </a:r>
+            <a:endParaRPr lang="en-US" sz="3200" dirty="0" smtClean="0">
+              <a:latin typeface="Garamond Premr Pro Med"/>
+              <a:cs typeface="Garamond Premr Pro Med"/>
+            </a:endParaRPr>
+          </a:p>
+          <a:p>
+            <a:pPr algn="just">
+              <a:buFontTx/>
+              <a:buChar char="•"/>
+            </a:pPr>
+            <a:r>
+              <a:rPr lang="en-US" sz="3200" dirty="0" smtClean="0">
+                <a:latin typeface="Garamond Premr Pro Med"/>
+                <a:cs typeface="Garamond Premr Pro Med"/>
+              </a:rPr>
+              <a:t>Global </a:t>
+            </a:r>
+            <a:r>
+              <a:rPr lang="en-US" sz="3200" dirty="0" err="1" smtClean="0">
+                <a:latin typeface="Garamond Premr Pro Med"/>
+                <a:cs typeface="Garamond Premr Pro Med"/>
+              </a:rPr>
+              <a:t>vars</a:t>
+            </a:r>
+            <a:r>
+              <a:rPr lang="en-US" sz="3200" dirty="0" smtClean="0">
+                <a:latin typeface="Garamond Premr Pro Med"/>
+                <a:cs typeface="Garamond Premr Pro Med"/>
+              </a:rPr>
+              <a:t> over multiple files</a:t>
+            </a:r>
+          </a:p>
+          <a:p>
+            <a:pPr algn="just">
+              <a:buFontTx/>
+              <a:buChar char="•"/>
+            </a:pPr>
+            <a:r>
+              <a:rPr lang="en-US" sz="3200" dirty="0" smtClean="0">
+                <a:latin typeface="Garamond Premr Pro Med"/>
+                <a:cs typeface="Garamond Premr Pro Med"/>
+              </a:rPr>
+              <a:t>Lots of system calls (they’re not technically C, they’re part of the C runtime that we call Unix)</a:t>
+            </a:r>
+          </a:p>
+          <a:p>
+            <a:pPr algn="just">
+              <a:buFontTx/>
+              <a:buChar char="•"/>
+            </a:pPr>
+            <a:r>
+              <a:rPr lang="en-US" sz="3200" dirty="0" smtClean="0">
+                <a:latin typeface="Garamond Premr Pro Med"/>
+                <a:cs typeface="Garamond Premr Pro Med"/>
+              </a:rPr>
+              <a:t>Static </a:t>
+            </a:r>
+            <a:r>
+              <a:rPr lang="en-US" sz="3200" dirty="0" err="1" smtClean="0">
+                <a:latin typeface="Garamond Premr Pro Med"/>
+                <a:cs typeface="Garamond Premr Pro Med"/>
+              </a:rPr>
+              <a:t>vars</a:t>
+            </a:r>
+            <a:r>
+              <a:rPr lang="en-US" sz="3200" dirty="0" smtClean="0">
+                <a:latin typeface="Garamond Premr Pro Med"/>
+                <a:cs typeface="Garamond Premr Pro Med"/>
+              </a:rPr>
+              <a:t> </a:t>
+            </a:r>
+          </a:p>
+          <a:p>
+            <a:pPr algn="just">
+              <a:buFontTx/>
+              <a:buChar char="•"/>
+            </a:pPr>
+            <a:r>
+              <a:rPr lang="en-US" sz="3200" dirty="0" smtClean="0">
+                <a:latin typeface="Garamond Premr Pro Med"/>
+                <a:cs typeface="Garamond Premr Pro Med"/>
+              </a:rPr>
+              <a:t>Call by value </a:t>
+            </a:r>
+            <a:r>
+              <a:rPr lang="en-US" sz="3200" dirty="0" err="1" smtClean="0">
+                <a:latin typeface="Garamond Premr Pro Med"/>
+                <a:cs typeface="Garamond Premr Pro Med"/>
+              </a:rPr>
+              <a:t>param</a:t>
+            </a:r>
+            <a:r>
+              <a:rPr lang="en-US" sz="3200" dirty="0" smtClean="0">
+                <a:latin typeface="Garamond Premr Pro Med"/>
+                <a:cs typeface="Garamond Premr Pro Med"/>
+              </a:rPr>
+              <a:t> passing</a:t>
+            </a:r>
+          </a:p>
+          <a:p>
+            <a:pPr algn="just">
+              <a:buFontTx/>
+              <a:buChar char="•"/>
+            </a:pPr>
+            <a:r>
+              <a:rPr lang="en-US" sz="3200" dirty="0" smtClean="0">
+                <a:latin typeface="Garamond Premr Pro Med"/>
+                <a:cs typeface="Garamond Premr Pro Med"/>
+              </a:rPr>
+              <a:t>Storage allocation diagram (</a:t>
+            </a:r>
+            <a:r>
+              <a:rPr lang="en-US" sz="3200" dirty="0" err="1" smtClean="0">
+                <a:latin typeface="Garamond Premr Pro Med"/>
+                <a:cs typeface="Garamond Premr Pro Med"/>
+              </a:rPr>
+              <a:t>satck</a:t>
+            </a:r>
+            <a:r>
+              <a:rPr lang="en-US" sz="3200" dirty="0" smtClean="0">
+                <a:latin typeface="Garamond Premr Pro Med"/>
+                <a:cs typeface="Garamond Premr Pro Med"/>
+              </a:rPr>
+              <a:t>, static, heap) </a:t>
             </a:r>
             <a:endParaRPr lang="en-US" sz="3200" dirty="0">
               <a:latin typeface="Garamond Premr Pro Med"/>
@@ -4478,7 +4687,7 @@
         </p:nvSpPr>
         <p:spPr bwMode="auto">
           <a:xfrm>
-            <a:off x="762000" y="25984200"/>
+            <a:off x="745951" y="26010177"/>
             <a:ext cx="16383000" cy="9296400"/>
           </a:xfrm>
           <a:prstGeom prst="rect">
@@ -4500,103 +4709,24 @@
           <a:bodyPr lIns="586140" tIns="586140" rIns="586140" bIns="586140"/>
           <a:lstStyle/>
           <a:p>
-            <a:pPr>
-              <a:buFontTx/>
-              <a:buChar char="•"/>
-            </a:pPr>
-            <a:endParaRPr lang="en-US" sz="2000" dirty="0"/>
-          </a:p>
-          <a:p>
-            <a:pPr marL="287453" indent="-287453">
+            <a:pPr marL="287453" marR="0" lvl="0" indent="-287453" defTabSz="914400" eaLnBrk="1" fontAlgn="auto" latinLnBrk="0" hangingPunct="1">
+              <a:lnSpc>
+                <a:spcPct val="100000"/>
+              </a:lnSpc>
+              <a:spcBef>
+                <a:spcPts val="0"/>
+              </a:spcBef>
+              <a:spcAft>
+                <a:spcPts val="0"/>
+              </a:spcAft>
+              <a:buClrTx/>
+              <a:buSzTx/>
               <a:buFont typeface="Arial"/>
-              <a:buChar char="•"/>
-            </a:pPr>
-            <a:r>
-              <a:rPr lang="en-US" sz="3600" dirty="0" smtClean="0">
-                <a:latin typeface="Garamond Premr Pro Med"/>
-                <a:cs typeface="Garamond Premr Pro Med"/>
-              </a:rPr>
-              <a:t>Intermediate representations used depends on compiler (e.g., GCC vs. Clang) </a:t>
-            </a:r>
-          </a:p>
-          <a:p>
-            <a:pPr marL="287453" indent="-287453">
-              <a:buFont typeface="Arial"/>
-              <a:buChar char="•"/>
-            </a:pPr>
-            <a:r>
-              <a:rPr lang="en-US" sz="3600" dirty="0" smtClean="0">
-                <a:latin typeface="Garamond Premr Pro Med"/>
-                <a:cs typeface="Garamond Premr Pro Med"/>
-              </a:rPr>
-              <a:t>GCC</a:t>
-            </a:r>
-          </a:p>
-          <a:p>
-            <a:pPr marL="670724" lvl="1" indent="-287453">
-              <a:buFont typeface="Arial"/>
-              <a:buChar char="•"/>
-            </a:pPr>
-            <a:r>
-              <a:rPr lang="en-US" sz="3600" dirty="0" smtClean="0">
-                <a:latin typeface="Garamond Premr Pro Med"/>
-                <a:cs typeface="Garamond Premr Pro Med"/>
-              </a:rPr>
-              <a:t>Register Transfer Language (RTL)</a:t>
-            </a:r>
-          </a:p>
-          <a:p>
-            <a:pPr marL="670724" lvl="1" indent="-287453">
-              <a:buFont typeface="Arial"/>
-              <a:buChar char="•"/>
-            </a:pPr>
-            <a:r>
-              <a:rPr lang="en-US" sz="3600" dirty="0" smtClean="0">
-                <a:latin typeface="Garamond Premr Pro Med"/>
-                <a:cs typeface="Garamond Premr Pro Med"/>
-              </a:rPr>
-              <a:t>GNU GENERIC/GIMPLE</a:t>
-            </a:r>
-          </a:p>
-          <a:p>
-            <a:pPr marL="670724" lvl="1" indent="-287453">
-              <a:buFont typeface="Arial"/>
-              <a:buChar char="•"/>
-            </a:pPr>
-            <a:r>
-              <a:rPr lang="en-US" sz="3600" dirty="0" smtClean="0">
-                <a:latin typeface="Garamond Premr Pro Med"/>
-                <a:cs typeface="Garamond Premr Pro Med"/>
-              </a:rPr>
-              <a:t>LLVM IR</a:t>
-            </a:r>
-          </a:p>
-          <a:p>
-            <a:pPr marL="287453" indent="-287453">
-              <a:buFont typeface="Arial"/>
-              <a:buChar char="•"/>
-            </a:pPr>
-            <a:r>
-              <a:rPr lang="en-US" sz="3600" dirty="0" smtClean="0">
-                <a:latin typeface="Garamond Premr Pro Med"/>
-                <a:cs typeface="Garamond Premr Pro Med"/>
-              </a:rPr>
-              <a:t>Clang</a:t>
-            </a:r>
-          </a:p>
-          <a:p>
-            <a:pPr marL="670724" lvl="1" indent="-287453">
-              <a:buFont typeface="Arial"/>
-              <a:buChar char="•"/>
-            </a:pPr>
-            <a:r>
-              <a:rPr lang="en-US" sz="3600" dirty="0" smtClean="0">
-                <a:latin typeface="Garamond Premr Pro Med"/>
-                <a:cs typeface="Garamond Premr Pro Med"/>
-              </a:rPr>
-              <a:t>All LLVM IR  </a:t>
-            </a:r>
-            <a:endParaRPr lang="en-US" sz="3600" dirty="0">
+              <a:buNone/>
+              <a:tabLst/>
+              <a:defRPr/>
+            </a:pPr>
+            <a:endParaRPr lang="en-US" sz="3600" dirty="0" smtClean="0">
               <a:latin typeface="Garamond Premr Pro Med"/>
               <a:cs typeface="Garamond Premr Pro Med"/>
             </a:endParaRPr>
@@ -4648,24 +4778,18 @@
                 <a:latin typeface="Garamond Premr Pro Med"/>
                 <a:cs typeface="Garamond Premr Pro Med"/>
               </a:rPr>
-              <a:t>C is an imperative, statically, weakly, typed language with manual memory management  </a:t>
-            </a:r>
-          </a:p>
-          <a:p>
-            <a:pPr marL="383271" indent="-383271" defTabSz="735934">
-              <a:buFont typeface="Arial"/>
-              <a:buChar char="•"/>
-            </a:pPr>
+              <a:t>C is an imperative, statically, weakly, typed language with manual memory </a:t>
+            </a:r>
             <a:r>
               <a:rPr lang="en-US" sz="3600" dirty="0" smtClean="0">
                 <a:latin typeface="Garamond Premr Pro Med"/>
                 <a:cs typeface="Garamond Premr Pro Med"/>
               </a:rPr>
-              <a:t>Software commonly implemented in C:</a:t>
-            </a:r>
-          </a:p>
-          <a:p>
-            <a:pPr marL="766542" lvl="1" indent="-383271" defTabSz="735934">
+              <a:t>management</a:t>
+            </a:r>
+          </a:p>
+          <a:p>
+            <a:pPr marL="383271" indent="-383271" defTabSz="735934">
               <a:buFont typeface="Arial"/>
               <a:buChar char="•"/>
             </a:pPr>
@@ -4674,8 +4798,39 @@
                 <a:latin typeface="Garamond Premr Pro Med"/>
                 <a:cs typeface="Garamond Premr Pro Med"/>
               </a:rPr>
-              <a:t>Operating systems</a:t>
-            </a:r>
+              <a:t>Software </a:t>
+            </a:r>
+            <a:r>
+              <a:rPr lang="en-US" sz="3600" dirty="0" smtClean="0">
+                <a:latin typeface="Garamond Premr Pro Med"/>
+                <a:cs typeface="Garamond Premr Pro Med"/>
+              </a:rPr>
+              <a:t>commonly implemented in C:</a:t>
+            </a:r>
+          </a:p>
+          <a:p>
+            <a:pPr marL="766542" lvl="1" indent="-383271" defTabSz="735934">
+              <a:buFont typeface="Arial"/>
+              <a:buChar char="•"/>
+            </a:pPr>
+            <a:r>
+              <a:rPr lang="en-US" sz="3600" dirty="0" smtClean="0">
+                <a:latin typeface="Garamond Premr Pro Med"/>
+                <a:cs typeface="Garamond Premr Pro Med"/>
+              </a:rPr>
+              <a:t>Operating </a:t>
+            </a:r>
+            <a:r>
+              <a:rPr lang="en-US" sz="3600" dirty="0" smtClean="0">
+                <a:latin typeface="Garamond Premr Pro Med"/>
+                <a:cs typeface="Garamond Premr Pro Med"/>
+              </a:rPr>
+              <a:t>systems </a:t>
+            </a:r>
+            <a:endParaRPr lang="en-US" sz="3600" dirty="0" smtClean="0">
+              <a:latin typeface="Garamond Premr Pro Med"/>
+              <a:cs typeface="Garamond Premr Pro Med"/>
+            </a:endParaRPr>
           </a:p>
           <a:p>
             <a:pPr marL="766542" lvl="1" indent="-383271" defTabSz="735934">
@@ -5336,118 +5491,6 @@
           <a:bodyPr lIns="586140" tIns="586140" rIns="586140" bIns="586140"/>
           <a:lstStyle/>
           <a:p>
-            <a:pPr marL="383271" indent="-383271" defTabSz="735934"/>
-            <a:endParaRPr lang="en-US" sz="2000" dirty="0"/>
-          </a:p>
-          <a:p>
-            <a:pPr marL="383271" indent="-383271" defTabSz="735934">
-              <a:buFont typeface="Arial"/>
-              <a:buChar char="•"/>
-            </a:pPr>
-            <a:r>
-              <a:rPr lang="en-US" sz="3600" dirty="0" smtClean="0">
-                <a:latin typeface="Garamond Premr Pro Med"/>
-                <a:cs typeface="Garamond Premr Pro Med"/>
-              </a:rPr>
-              <a:t>Built-in types: pointers, char, </a:t>
-            </a:r>
-            <a:r>
-              <a:rPr lang="en-US" sz="3600" dirty="0" err="1" smtClean="0">
-                <a:latin typeface="Garamond Premr Pro Med"/>
-                <a:cs typeface="Garamond Premr Pro Med"/>
-              </a:rPr>
-              <a:t>int</a:t>
-            </a:r>
-            <a:r>
-              <a:rPr lang="en-US" sz="3600" dirty="0" smtClean="0">
-                <a:latin typeface="Garamond Premr Pro Med"/>
-                <a:cs typeface="Garamond Premr Pro Med"/>
-              </a:rPr>
-              <a:t>/</a:t>
-            </a:r>
-            <a:r>
-              <a:rPr lang="en-US" sz="3600" dirty="0" err="1" smtClean="0">
-                <a:latin typeface="Garamond Premr Pro Med"/>
-                <a:cs typeface="Garamond Premr Pro Med"/>
-              </a:rPr>
-              <a:t>uint</a:t>
-            </a:r>
-            <a:r>
-              <a:rPr lang="en-US" sz="3600" dirty="0" smtClean="0">
-                <a:latin typeface="Garamond Premr Pro Med"/>
-                <a:cs typeface="Garamond Premr Pro Med"/>
-              </a:rPr>
-              <a:t> of various sizes, float/double, </a:t>
-            </a:r>
-            <a:r>
-              <a:rPr lang="en-US" sz="3600" dirty="0" err="1" smtClean="0">
-                <a:latin typeface="Garamond Premr Pro Med"/>
-                <a:cs typeface="Garamond Premr Pro Med"/>
-              </a:rPr>
-              <a:t>enums</a:t>
-            </a:r>
-            <a:r>
-              <a:rPr lang="en-US" sz="3600" dirty="0" smtClean="0">
-                <a:latin typeface="Garamond Premr Pro Med"/>
-                <a:cs typeface="Garamond Premr Pro Med"/>
-              </a:rPr>
-              <a:t>, bool (as of C99) </a:t>
-            </a:r>
-          </a:p>
-          <a:p>
-            <a:pPr marL="383271" indent="-383271" defTabSz="735934">
-              <a:buFont typeface="Arial"/>
-              <a:buChar char="•"/>
-            </a:pPr>
-            <a:r>
-              <a:rPr lang="en-US" sz="3600" dirty="0" smtClean="0">
-                <a:latin typeface="Garamond Premr Pro Med"/>
-                <a:cs typeface="Garamond Premr Pro Med"/>
-              </a:rPr>
-              <a:t>Derived types: arrays, </a:t>
-            </a:r>
-            <a:r>
-              <a:rPr lang="en-US" sz="3600" dirty="0" err="1" smtClean="0">
-                <a:latin typeface="Garamond Premr Pro Med"/>
-                <a:cs typeface="Garamond Premr Pro Med"/>
-              </a:rPr>
-              <a:t>structs</a:t>
-            </a:r>
-            <a:r>
-              <a:rPr lang="en-US" sz="3600" dirty="0" smtClean="0">
-                <a:latin typeface="Garamond Premr Pro Med"/>
-                <a:cs typeface="Garamond Premr Pro Med"/>
-              </a:rPr>
-              <a:t>, unions</a:t>
-            </a:r>
-          </a:p>
-          <a:p>
-            <a:pPr marL="383271" indent="-383271" defTabSz="735934">
-              <a:buFont typeface="Arial"/>
-              <a:buChar char="•"/>
-            </a:pPr>
-            <a:r>
-              <a:rPr lang="en-US" sz="3600" dirty="0" smtClean="0">
-                <a:latin typeface="Garamond Premr Pro Med"/>
-                <a:cs typeface="Garamond Premr Pro Med"/>
-              </a:rPr>
-              <a:t>Loops, control flow</a:t>
-            </a:r>
-          </a:p>
-          <a:p>
-            <a:pPr marL="383271" indent="-383271" defTabSz="735934">
-              <a:buFont typeface="Arial"/>
-              <a:buChar char="•"/>
-            </a:pPr>
-            <a:r>
-              <a:rPr lang="en-US" sz="3600" dirty="0" smtClean="0">
-                <a:latin typeface="Garamond Premr Pro Med"/>
-                <a:cs typeface="Garamond Premr Pro Med"/>
-              </a:rPr>
-              <a:t>Function pointers</a:t>
-            </a:r>
-          </a:p>
-          <a:p>
             <a:pPr marL="383271" indent="-383271" defTabSz="735934">
               <a:buFont typeface="Arial"/>
               <a:buChar char="•"/>
@@ -5459,7 +5502,95 @@
               </a:rPr>
               <a:t>Dynamic memory allocation</a:t>
             </a:r>
-            <a:endParaRPr lang="en-US" sz="3600" dirty="0">
+          </a:p>
+          <a:p>
+            <a:pPr marL="383271" indent="-383271" defTabSz="735934">
+              <a:buFont typeface="Arial"/>
+              <a:buChar char="•"/>
+            </a:pPr>
+            <a:r>
+              <a:rPr lang="en-US" sz="3600" dirty="0" smtClean="0">
+                <a:latin typeface="Garamond Premr Pro Med"/>
+                <a:cs typeface="Garamond Premr Pro Med"/>
+              </a:rPr>
+              <a:t>All function parameters passed by value</a:t>
+            </a:r>
+          </a:p>
+          <a:p>
+            <a:pPr marL="383271" indent="-383271" defTabSz="735934">
+              <a:buFont typeface="Arial"/>
+              <a:buChar char="•"/>
+            </a:pPr>
+            <a:r>
+              <a:rPr lang="en-US" sz="3600" dirty="0" smtClean="0">
+                <a:latin typeface="Garamond Premr Pro Med"/>
+                <a:cs typeface="Garamond Premr Pro Med"/>
+              </a:rPr>
+              <a:t>Type System:</a:t>
+            </a:r>
+          </a:p>
+          <a:p>
+            <a:pPr marL="766542" lvl="1" indent="-383271" defTabSz="735934">
+              <a:buFont typeface="Arial"/>
+              <a:buChar char="•"/>
+            </a:pPr>
+            <a:r>
+              <a:rPr lang="en-US" sz="3600" b="1" dirty="0" smtClean="0">
+                <a:latin typeface="Garamond Premr Pro Med"/>
+                <a:cs typeface="Garamond Premr Pro Med"/>
+              </a:rPr>
+              <a:t>Static: </a:t>
+            </a:r>
+            <a:r>
+              <a:rPr lang="en-US" sz="3600" dirty="0" smtClean="0">
+                <a:latin typeface="Garamond Premr Pro Med"/>
+                <a:cs typeface="Garamond Premr Pro Med"/>
+              </a:rPr>
+              <a:t>Type-safety properties of C programs can be determined at compile-time. </a:t>
+            </a:r>
+            <a:endParaRPr lang="en-US" sz="3600" dirty="0" smtClean="0">
+              <a:latin typeface="Garamond Premr Pro Med"/>
+              <a:cs typeface="Garamond Premr Pro Med"/>
+              <a:sym typeface="Wingdings"/>
+            </a:endParaRPr>
+          </a:p>
+          <a:p>
+            <a:pPr marL="766542" lvl="1" indent="-383271" defTabSz="735934">
+              <a:buFont typeface="Arial"/>
+              <a:buChar char="•"/>
+            </a:pPr>
+            <a:r>
+              <a:rPr lang="en-US" sz="3600" b="1" dirty="0" smtClean="0">
+                <a:latin typeface="Garamond Premr Pro Med"/>
+                <a:cs typeface="Garamond Premr Pro Med"/>
+                <a:sym typeface="Wingdings"/>
+              </a:rPr>
+              <a:t>Weak: </a:t>
+            </a:r>
+            <a:r>
+              <a:rPr lang="en-US" sz="3600" dirty="0" smtClean="0">
+                <a:latin typeface="Garamond Premr Pro Med"/>
+                <a:cs typeface="Garamond Premr Pro Med"/>
+                <a:sym typeface="Wingdings"/>
+              </a:rPr>
+              <a:t>User can bypass the type-system </a:t>
+            </a:r>
+            <a:br>
+              <a:rPr lang="en-US" sz="3600" dirty="0" smtClean="0">
+                <a:latin typeface="Garamond Premr Pro Med"/>
+                <a:cs typeface="Garamond Premr Pro Med"/>
+                <a:sym typeface="Wingdings"/>
+              </a:rPr>
+            </a:br>
+            <a:r>
+              <a:rPr lang="en-US" sz="3600" dirty="0" smtClean="0">
+                <a:latin typeface="Garamond Premr Pro Med"/>
+                <a:cs typeface="Garamond Premr Pro Med"/>
+                <a:sym typeface="Wingdings"/>
+              </a:rPr>
+              <a:t>e.g., pointer arithmetic or implicit type conversions </a:t>
+            </a:r>
+            <a:endParaRPr lang="en-US" sz="3600" b="1" dirty="0">
               <a:latin typeface="Garamond Premr Pro Med"/>
               <a:cs typeface="Garamond Premr Pro Med"/>
             </a:endParaRPr>
@@ -5474,8 +5605,8 @@
         </p:nvSpPr>
         <p:spPr bwMode="auto">
           <a:xfrm>
-            <a:off x="1825303" y="18416304"/>
-            <a:ext cx="2160949" cy="1524000"/>
+            <a:off x="955383" y="18127233"/>
+            <a:ext cx="5457811" cy="3081255"/>
           </a:xfrm>
           <a:prstGeom prst="rect">
             <a:avLst/>
@@ -5495,14 +5626,14 @@
           <a:effectLst/>
         </p:spPr>
         <p:txBody>
-          <a:bodyPr vert="horz" wrap="none" lIns="91440" tIns="45720" rIns="91440" bIns="45720" numCol="1" rtlCol="0" anchor="ctr" anchorCtr="0" compatLnSpc="1">
+          <a:bodyPr vert="horz" wrap="none" lIns="45720" tIns="45720" rIns="45720" bIns="45720" numCol="1" rtlCol="0" anchor="ctr" anchorCtr="0" compatLnSpc="1">
             <a:prstTxWarp prst="textNoShape">
               <a:avLst/>
             </a:prstTxWarp>
           </a:bodyPr>
           <a:lstStyle/>
           <a:p>
-            <a:pPr marL="0" marR="0" indent="0" algn="ctr" defTabSz="874713" rtl="0" eaLnBrk="1" fontAlgn="base" latinLnBrk="0" hangingPunct="1">
+            <a:pPr marL="0" marR="0" indent="0" defTabSz="874713" rtl="0" eaLnBrk="1" fontAlgn="base" latinLnBrk="0" hangingPunct="1">
               <a:lnSpc>
                 <a:spcPct val="100000"/>
               </a:lnSpc>
@@ -5529,86 +5660,12 @@
                 <a:effectLst/>
                 <a:latin typeface="Times New Roman" pitchFamily="18" charset="0"/>
               </a:rPr>
-              <a:t>Pre-</a:t>
-            </a:r>
-            <a:br>
-              <a:rPr kumimoji="0" lang="en-US" sz="3600" b="0" i="0" u="none" strike="noStrike" cap="none" normalizeH="0" baseline="0" dirty="0" smtClean="0">
-                <a:ln>
-                  <a:noFill/>
-                </a:ln>
-                <a:solidFill>
-                  <a:schemeClr val="tx1"/>
-                </a:solidFill>
-                <a:effectLst/>
-                <a:latin typeface="Times New Roman" pitchFamily="18" charset="0"/>
-              </a:rPr>
-            </a:br>
-            <a:r>
-              <a:rPr kumimoji="0" lang="en-US" sz="3600" b="0" i="0" u="none" strike="noStrike" cap="none" normalizeH="0" baseline="0" dirty="0" smtClean="0">
-                <a:ln>
-                  <a:noFill/>
-                </a:ln>
-                <a:solidFill>
-                  <a:schemeClr val="tx1"/>
-                </a:solidFill>
-                <a:effectLst/>
-                <a:latin typeface="Times New Roman" pitchFamily="18" charset="0"/>
-              </a:rPr>
-              <a:t>Processor</a:t>
-            </a:r>
-            <a:endParaRPr kumimoji="0" lang="en-US" sz="3600" b="0" i="0" u="none" strike="noStrike" cap="none" normalizeH="0" baseline="0" dirty="0" smtClean="0">
-              <a:ln>
-                <a:noFill/>
-              </a:ln>
-              <a:solidFill>
-                <a:schemeClr val="tx1"/>
-              </a:solidFill>
-              <a:effectLst/>
-              <a:latin typeface="Times New Roman" pitchFamily="18" charset="0"/>
-            </a:endParaRPr>
-          </a:p>
-        </p:txBody>
-      </p:sp>
-      <p:sp>
-        <p:nvSpPr>
-          <p:cNvPr id="4" name="Snip Single Corner Rectangle 3"/>
-          <p:cNvSpPr/>
-          <p:nvPr/>
-        </p:nvSpPr>
-        <p:spPr bwMode="auto">
-          <a:xfrm>
-            <a:off x="3657600" y="21138180"/>
-            <a:ext cx="2133600" cy="2467461"/>
-          </a:xfrm>
-          <a:prstGeom prst="snip1Rect">
-            <a:avLst/>
-          </a:prstGeom>
-          <a:solidFill>
-            <a:schemeClr val="tx1">
-              <a:lumMod val="10000"/>
-              <a:lumOff val="90000"/>
-            </a:schemeClr>
-          </a:solidFill>
-          <a:ln w="9525" cap="flat" cmpd="sng" algn="ctr">
-            <a:solidFill>
-              <a:schemeClr val="tx1"/>
-            </a:solidFill>
-            <a:prstDash val="solid"/>
-            <a:miter lim="800000"/>
-            <a:headEnd type="none" w="med" len="med"/>
-            <a:tailEnd type="none" w="med" len="med"/>
-          </a:ln>
-          <a:effectLst/>
-        </p:spPr>
-        <p:txBody>
-          <a:bodyPr vert="horz" wrap="none" lIns="91440" tIns="45720" rIns="91440" bIns="45720" numCol="1" rtlCol="0" anchor="t" anchorCtr="0" compatLnSpc="1">
-            <a:prstTxWarp prst="textNoShape">
-              <a:avLst/>
-            </a:prstTxWarp>
-          </a:bodyPr>
-          <a:lstStyle/>
-          <a:p>
-            <a:pPr marL="0" marR="0" indent="0" algn="l" defTabSz="874713" rtl="0" eaLnBrk="1" fontAlgn="base" latinLnBrk="0" hangingPunct="1">
+              <a:t>Macro Preprocessor:</a:t>
+            </a:r>
+            <a:endParaRPr lang="en-US" sz="3600" dirty="0"/>
+          </a:p>
+          <a:p>
+            <a:pPr marL="571500" marR="0" indent="-571500" defTabSz="874713" rtl="0" eaLnBrk="1" fontAlgn="base" latinLnBrk="0" hangingPunct="1">
               <a:lnSpc>
                 <a:spcPct val="100000"/>
               </a:lnSpc>
@@ -5620,36 +5677,120 @@
               </a:spcAft>
               <a:buClrTx/>
               <a:buSzTx/>
-              <a:buFontTx/>
-              <a:buNone/>
+              <a:buFont typeface="Arial" charset="0"/>
+              <a:buChar char="•"/>
               <a:tabLst/>
             </a:pPr>
             <a:r>
-              <a:rPr lang="en-US" sz="3600" dirty="0" smtClean="0"/>
-              <a:t>Pre-</a:t>
+              <a:rPr kumimoji="0" lang="en-US" sz="2400" b="0" i="0" u="none" strike="noStrike" cap="none" normalizeH="0" baseline="0" dirty="0" smtClean="0">
+                <a:ln>
+                  <a:noFill/>
+                </a:ln>
+                <a:solidFill>
+                  <a:schemeClr val="tx1"/>
+                </a:solidFill>
+                <a:effectLst/>
+                <a:latin typeface="Times New Roman" pitchFamily="18" charset="0"/>
+              </a:rPr>
+              <a:t>Converts</a:t>
+            </a:r>
+            <a:r>
+              <a:rPr kumimoji="0" lang="en-US" sz="2400" b="0" i="0" u="none" strike="noStrike" cap="none" normalizeH="0" dirty="0" smtClean="0">
+                <a:ln>
+                  <a:noFill/>
+                </a:ln>
+                <a:solidFill>
+                  <a:schemeClr val="tx1"/>
+                </a:solidFill>
+                <a:effectLst/>
+                <a:latin typeface="Times New Roman" pitchFamily="18" charset="0"/>
+              </a:rPr>
+              <a:t> C source code containing</a:t>
             </a:r>
             <a:br>
-              <a:rPr lang="en-US" sz="3600" dirty="0" smtClean="0"/>
+              <a:rPr kumimoji="0" lang="en-US" sz="2400" b="0" i="0" u="none" strike="noStrike" cap="none" normalizeH="0" dirty="0" smtClean="0">
+                <a:ln>
+                  <a:noFill/>
+                </a:ln>
+                <a:solidFill>
+                  <a:schemeClr val="tx1"/>
+                </a:solidFill>
+                <a:effectLst/>
+                <a:latin typeface="Times New Roman" pitchFamily="18" charset="0"/>
+              </a:rPr>
             </a:br>
             <a:r>
-              <a:rPr lang="en-US" sz="3600" dirty="0" smtClean="0"/>
-              <a:t>processor-</a:t>
+              <a:rPr kumimoji="0" lang="en-US" sz="2400" b="0" i="0" u="none" strike="noStrike" cap="none" normalizeH="0" dirty="0" smtClean="0">
+                <a:ln>
+                  <a:noFill/>
+                </a:ln>
+                <a:solidFill>
+                  <a:schemeClr val="tx1"/>
+                </a:solidFill>
+                <a:effectLst/>
+                <a:latin typeface="Times New Roman" pitchFamily="18" charset="0"/>
+              </a:rPr>
+              <a:t>macros—e.g., #define—into pure C</a:t>
             </a:r>
             <a:br>
-              <a:rPr lang="en-US" sz="3600" dirty="0" smtClean="0"/>
+              <a:rPr kumimoji="0" lang="en-US" sz="2400" b="0" i="0" u="none" strike="noStrike" cap="none" normalizeH="0" dirty="0" smtClean="0">
+                <a:ln>
+                  <a:noFill/>
+                </a:ln>
+                <a:solidFill>
+                  <a:schemeClr val="tx1"/>
+                </a:solidFill>
+                <a:effectLst/>
+                <a:latin typeface="Times New Roman" pitchFamily="18" charset="0"/>
+              </a:rPr>
             </a:br>
             <a:r>
-              <a:rPr lang="en-US" sz="3600" dirty="0" smtClean="0"/>
-              <a:t>directive-</a:t>
+              <a:rPr kumimoji="0" lang="en-US" sz="2400" b="0" i="0" u="none" strike="noStrike" cap="none" normalizeH="0" dirty="0" smtClean="0">
+                <a:ln>
+                  <a:noFill/>
+                </a:ln>
+                <a:solidFill>
+                  <a:schemeClr val="tx1"/>
+                </a:solidFill>
+                <a:effectLst/>
+                <a:latin typeface="Times New Roman" pitchFamily="18" charset="0"/>
+              </a:rPr>
+              <a:t>source code</a:t>
+            </a:r>
+          </a:p>
+          <a:p>
+            <a:pPr marL="571500" marR="0" indent="-571500" defTabSz="874713" rtl="0" eaLnBrk="1" fontAlgn="base" latinLnBrk="0" hangingPunct="1">
+              <a:lnSpc>
+                <a:spcPct val="100000"/>
+              </a:lnSpc>
+              <a:spcBef>
+                <a:spcPct val="0"/>
+              </a:spcBef>
+              <a:spcAft>
+                <a:spcPct val="0"/>
+              </a:spcAft>
+              <a:buClrTx/>
+              <a:buSzTx/>
+              <a:buFont typeface="Arial" charset="0"/>
+              <a:buChar char="•"/>
+              <a:tabLst/>
+            </a:pPr>
+            <a:r>
+              <a:rPr lang="en-US" sz="2400" baseline="0" dirty="0" smtClean="0"/>
+              <a:t>Often</a:t>
+            </a:r>
+            <a:r>
+              <a:rPr lang="en-US" sz="2400" dirty="0" smtClean="0"/>
+              <a:t> used for toggling platform-</a:t>
             </a:r>
             <a:br>
-              <a:rPr lang="en-US" sz="3600" dirty="0" smtClean="0"/>
+              <a:rPr lang="en-US" sz="2400" dirty="0" smtClean="0"/>
             </a:br>
             <a:r>
-              <a:rPr lang="en-US" sz="3600" dirty="0" smtClean="0"/>
-              <a:t>free code</a:t>
-            </a:r>
-            <a:endParaRPr kumimoji="0" lang="en-US" sz="3600" b="0" i="0" u="none" strike="noStrike" cap="none" normalizeH="0" baseline="0" dirty="0" smtClean="0">
+              <a:rPr lang="en-US" sz="2400" dirty="0" smtClean="0"/>
+              <a:t>specific features for portability</a:t>
+            </a:r>
+            <a:endParaRPr kumimoji="0" lang="en-US" sz="2400" b="0" i="0" u="none" strike="noStrike" cap="none" normalizeH="0" baseline="0" dirty="0" smtClean="0">
               <a:ln>
                 <a:noFill/>
               </a:ln>
@@ -5657,6 +5798,7 @@
                 <a:schemeClr val="tx1"/>
               </a:solidFill>
               <a:effectLst/>
+              <a:latin typeface="Times New Roman" pitchFamily="18" charset="0"/>
             </a:endParaRPr>
           </a:p>
         </p:txBody>
@@ -5669,7 +5811,7 @@
         </p:nvSpPr>
         <p:spPr bwMode="auto">
           <a:xfrm>
-            <a:off x="17373600" y="11181042"/>
+            <a:off x="19106389" y="15625702"/>
             <a:ext cx="914400" cy="751539"/>
           </a:xfrm>
           <a:prstGeom prst="rect">
@@ -5734,7 +5876,7 @@
         </p:nvSpPr>
         <p:spPr bwMode="auto">
           <a:xfrm>
-            <a:off x="766621" y="13437953"/>
+            <a:off x="-6086615" y="18274604"/>
             <a:ext cx="5572124" cy="4366713"/>
           </a:xfrm>
           <a:prstGeom prst="rect">
@@ -5774,19 +5916,7 @@
             </a:pPr>
             <a:r>
               <a:rPr lang="en-US" sz="2400" dirty="0" smtClean="0"/>
-              <a:t>Now GCC uses </a:t>
-            </a:r>
-            <a:r>
-              <a:rPr lang="en-US" sz="2400" dirty="0" smtClean="0"/>
-              <a:t>a hand-written </a:t>
-            </a:r>
-            <a:r>
-              <a:rPr lang="en-US" sz="2400" dirty="0" smtClean="0"/>
-              <a:t>recursive-descent </a:t>
-            </a:r>
-            <a:r>
-              <a:rPr lang="en-US" sz="2400" dirty="0" smtClean="0"/>
-              <a:t>parser</a:t>
+              <a:t>Now GCC uses a hand-written recursive-descent parser</a:t>
             </a:r>
           </a:p>
           <a:p>
@@ -5798,76 +5928,6 @@
               <a:rPr lang="en-US" sz="2400" dirty="0" smtClean="0"/>
               <a:t>Better performance and better error messages than ones we’d get from an automatically generated parser</a:t>
             </a:r>
-            <a:endParaRPr lang="en-US" sz="2400" dirty="0" smtClean="0"/>
-          </a:p>
-        </p:txBody>
-      </p:sp>
-      <p:sp>
-        <p:nvSpPr>
-          <p:cNvPr id="7" name="Rectangle 6"/>
-          <p:cNvSpPr/>
-          <p:nvPr/>
-        </p:nvSpPr>
-        <p:spPr bwMode="auto">
-          <a:xfrm>
-            <a:off x="12839648" y="17062473"/>
-            <a:ext cx="8534962" cy="4041099"/>
-          </a:xfrm>
-          <a:prstGeom prst="rect">
-            <a:avLst/>
-          </a:prstGeom>
-          <a:solidFill>
-            <a:schemeClr val="tx1">
-              <a:lumMod val="10000"/>
-              <a:lumOff val="90000"/>
-              <a:alpha val="50000"/>
-            </a:schemeClr>
-          </a:solidFill>
-          <a:ln w="12700" cap="flat" cmpd="sng" algn="ctr">
-            <a:solidFill>
-              <a:schemeClr val="tx1"/>
-            </a:solidFill>
-            <a:prstDash val="solid"/>
-            <a:miter lim="800000"/>
-            <a:headEnd type="none" w="med" len="med"/>
-            <a:tailEnd type="none" w="med" len="med"/>
-          </a:ln>
-          <a:effectLst/>
-        </p:spPr>
-        <p:txBody>
-          <a:bodyPr vert="horz" wrap="none" lIns="91440" tIns="45720" rIns="91440" bIns="45720" numCol="1" rtlCol="0" anchor="t" anchorCtr="0" compatLnSpc="1">
-            <a:prstTxWarp prst="textNoShape">
-              <a:avLst/>
-            </a:prstTxWarp>
-          </a:bodyPr>
-          <a:lstStyle/>
-          <a:p>
-            <a:pPr marL="0" marR="0" indent="0" algn="l" defTabSz="874713" rtl="0" eaLnBrk="1" fontAlgn="base" latinLnBrk="0" hangingPunct="1">
-              <a:lnSpc>
-                <a:spcPct val="100000"/>
-              </a:lnSpc>
-              <a:spcBef>
-                <a:spcPct val="0"/>
-              </a:spcBef>
-              <a:spcAft>
-                <a:spcPct val="0"/>
-              </a:spcAft>
-              <a:buClrTx/>
-              <a:buSzTx/>
-              <a:buFontTx/>
-              <a:buNone/>
-              <a:tabLst/>
-            </a:pPr>
-            <a:endParaRPr kumimoji="0" lang="en-US" sz="2300" b="0" i="0" u="none" strike="noStrike" cap="none" normalizeH="0" baseline="0" smtClean="0">
-              <a:ln>
-                <a:noFill/>
-              </a:ln>
-              <a:solidFill>
-                <a:schemeClr val="tx1"/>
-              </a:solidFill>
-              <a:effectLst/>
-              <a:latin typeface="Times New Roman" pitchFamily="18" charset="0"/>
-            </a:endParaRPr>
           </a:p>
         </p:txBody>
       </p:sp>
@@ -5945,8 +6005,8 @@
         </p:nvSpPr>
         <p:spPr bwMode="auto">
           <a:xfrm>
-            <a:off x="22447606" y="18416304"/>
-            <a:ext cx="3000788" cy="1524000"/>
+            <a:off x="20696606" y="16628717"/>
+            <a:ext cx="5104705" cy="2291223"/>
           </a:xfrm>
           <a:prstGeom prst="rect">
             <a:avLst/>
@@ -5966,14 +6026,14 @@
           <a:effectLst/>
         </p:spPr>
         <p:txBody>
-          <a:bodyPr vert="horz" wrap="none" lIns="91440" tIns="45720" rIns="91440" bIns="45720" numCol="1" rtlCol="0" anchor="ctr" anchorCtr="0" compatLnSpc="1">
+          <a:bodyPr vert="horz" wrap="none" lIns="91440" tIns="91440" rIns="91440" bIns="45720" numCol="1" rtlCol="0" anchor="t" anchorCtr="0" compatLnSpc="1">
             <a:prstTxWarp prst="textNoShape">
               <a:avLst/>
             </a:prstTxWarp>
           </a:bodyPr>
           <a:lstStyle/>
           <a:p>
-            <a:pPr marL="0" marR="0" indent="0" algn="ctr" defTabSz="874713" rtl="0" eaLnBrk="1" fontAlgn="base" latinLnBrk="0" hangingPunct="1">
+            <a:pPr marL="0" marR="0" indent="0" defTabSz="874713" rtl="0" eaLnBrk="1" fontAlgn="base" latinLnBrk="0" hangingPunct="1">
               <a:lnSpc>
                 <a:spcPct val="100000"/>
               </a:lnSpc>
@@ -5991,20 +6051,111 @@
             </a:pPr>
             <a:r>
               <a:rPr lang="en-US" sz="3600" dirty="0" smtClean="0"/>
-              <a:t>Target </a:t>
-            </a:r>
-            <a:r>
-              <a:rPr lang="en-US" sz="3600" smtClean="0"/>
-              <a:t>Code </a:t>
+              <a:t>Code Generation:</a:t>
+            </a:r>
+          </a:p>
+          <a:p>
+            <a:pPr marL="571500" marR="0" indent="-571500" defTabSz="874713" rtl="0" eaLnBrk="1" fontAlgn="base" latinLnBrk="0" hangingPunct="1">
+              <a:lnSpc>
+                <a:spcPct val="100000"/>
+              </a:lnSpc>
+              <a:spcBef>
+                <a:spcPct val="0"/>
+              </a:spcBef>
+              <a:spcAft>
+                <a:spcPct val="0"/>
+              </a:spcAft>
+              <a:buClrTx/>
+              <a:buSzTx/>
+              <a:buFont typeface="Arial" charset="0"/>
+              <a:buChar char="•"/>
+              <a:tabLst/>
+            </a:pPr>
+            <a:r>
+              <a:rPr kumimoji="0" lang="en-US" sz="2400" b="0" i="0" u="none" strike="noStrike" cap="none" normalizeH="0" baseline="0" dirty="0" smtClean="0">
+                <a:ln>
+                  <a:noFill/>
+                </a:ln>
+                <a:solidFill>
+                  <a:schemeClr val="tx1"/>
+                </a:solidFill>
+                <a:effectLst/>
+                <a:latin typeface="Times New Roman" pitchFamily="18" charset="0"/>
+              </a:rPr>
+              <a:t>Generate from IR and</a:t>
+            </a:r>
+            <a:r>
+              <a:rPr kumimoji="0" lang="en-US" sz="2400" b="0" i="0" u="none" strike="noStrike" cap="none" normalizeH="0" dirty="0" smtClean="0">
+                <a:ln>
+                  <a:noFill/>
+                </a:ln>
+                <a:solidFill>
+                  <a:schemeClr val="tx1"/>
+                </a:solidFill>
+                <a:effectLst/>
+                <a:latin typeface="Times New Roman" pitchFamily="18" charset="0"/>
+              </a:rPr>
+              <a:t> from </a:t>
             </a:r>
             <a:br>
-              <a:rPr lang="en-US" sz="3600" smtClean="0"/>
+              <a:rPr kumimoji="0" lang="en-US" sz="2400" b="0" i="0" u="none" strike="noStrike" cap="none" normalizeH="0" dirty="0" smtClean="0">
+                <a:ln>
+                  <a:noFill/>
+                </a:ln>
+                <a:solidFill>
+                  <a:schemeClr val="tx1"/>
+                </a:solidFill>
+                <a:effectLst/>
+                <a:latin typeface="Times New Roman" pitchFamily="18" charset="0"/>
+              </a:rPr>
             </a:br>
             <a:r>
-              <a:rPr lang="en-US" sz="3600" smtClean="0"/>
-              <a:t>Generation</a:t>
-            </a:r>
-            <a:endParaRPr kumimoji="0" lang="en-US" sz="3600" b="0" i="0" u="none" strike="noStrike" cap="none" normalizeH="0" baseline="0" dirty="0" smtClean="0">
+              <a:rPr kumimoji="0" lang="en-US" sz="2400" b="0" i="0" u="none" strike="noStrike" cap="none" normalizeH="0" dirty="0" smtClean="0">
+                <a:ln>
+                  <a:noFill/>
+                </a:ln>
+                <a:solidFill>
+                  <a:schemeClr val="tx1"/>
+                </a:solidFill>
+                <a:effectLst/>
+                <a:latin typeface="Times New Roman" pitchFamily="18" charset="0"/>
+              </a:rPr>
+              <a:t>any blocks of inline assembly</a:t>
+            </a:r>
+          </a:p>
+          <a:p>
+            <a:pPr marL="571500" marR="0" indent="-571500" defTabSz="874713" rtl="0" eaLnBrk="1" fontAlgn="base" latinLnBrk="0" hangingPunct="1">
+              <a:lnSpc>
+                <a:spcPct val="100000"/>
+              </a:lnSpc>
+              <a:spcBef>
+                <a:spcPct val="0"/>
+              </a:spcBef>
+              <a:spcAft>
+                <a:spcPct val="0"/>
+              </a:spcAft>
+              <a:buClrTx/>
+              <a:buSzTx/>
+              <a:buFont typeface="Arial" charset="0"/>
+              <a:buChar char="•"/>
+              <a:tabLst/>
+            </a:pPr>
+            <a:r>
+              <a:rPr lang="en-US" sz="2400" baseline="0" dirty="0" smtClean="0"/>
+              <a:t>Rely</a:t>
+            </a:r>
+            <a:r>
+              <a:rPr lang="en-US" sz="2400" dirty="0" smtClean="0"/>
+              <a:t> on C Runtime Library to </a:t>
+            </a:r>
+            <a:br>
+              <a:rPr lang="en-US" sz="2400" dirty="0" smtClean="0"/>
+            </a:br>
+            <a:r>
+              <a:rPr lang="en-US" sz="2400" dirty="0" smtClean="0"/>
+              <a:t>reduce code size</a:t>
+            </a:r>
+            <a:endParaRPr kumimoji="0" lang="en-US" sz="2400" b="0" i="0" u="none" strike="noStrike" cap="none" normalizeH="0" baseline="0" dirty="0" smtClean="0">
               <a:ln>
                 <a:noFill/>
               </a:ln>
@@ -6024,9 +6175,9 @@
           <p:nvPr/>
         </p:nvCxnSpPr>
         <p:spPr bwMode="auto">
-          <a:xfrm>
-            <a:off x="3986253" y="19297563"/>
-            <a:ext cx="1035315" cy="0"/>
+          <a:xfrm flipH="1">
+            <a:off x="29560725" y="16463648"/>
+            <a:ext cx="233338" cy="1"/>
           </a:xfrm>
           <a:prstGeom prst="straightConnector1">
             <a:avLst/>
@@ -6054,7 +6205,7 @@
         </p:nvSpPr>
         <p:spPr bwMode="auto">
           <a:xfrm>
-            <a:off x="12839794" y="16276189"/>
+            <a:off x="26914162" y="20590068"/>
             <a:ext cx="8729172" cy="914400"/>
           </a:xfrm>
           <a:prstGeom prst="rect">
@@ -6083,36 +6234,1924 @@
           </a:p>
         </p:txBody>
       </p:sp>
+      <p:sp>
+        <p:nvSpPr>
+          <p:cNvPr id="8" name="Left Bracket 7"/>
+          <p:cNvSpPr/>
+          <p:nvPr/>
+        </p:nvSpPr>
+        <p:spPr bwMode="auto">
+          <a:xfrm rot="5400000">
+            <a:off x="31772310" y="13505065"/>
+            <a:ext cx="1117286" cy="6162905"/>
+          </a:xfrm>
+          <a:prstGeom prst="leftBracket">
+            <a:avLst/>
+          </a:prstGeom>
+          <a:noFill/>
+          <a:ln w="127000" cap="flat" cmpd="sng" algn="ctr">
+            <a:solidFill>
+              <a:schemeClr val="tx1"/>
+            </a:solidFill>
+            <a:prstDash val="solid"/>
+            <a:miter lim="800000"/>
+            <a:headEnd type="none" w="med" len="med"/>
+            <a:tailEnd type="none" w="med" len="med"/>
+          </a:ln>
+          <a:effectLst/>
+        </p:spPr>
+        <p:txBody>
+          <a:bodyPr vert="horz" wrap="none" lIns="91440" tIns="45720" rIns="91440" bIns="45720" numCol="1" rtlCol="0" anchor="t" anchorCtr="0" compatLnSpc="1">
+            <a:prstTxWarp prst="textNoShape">
+              <a:avLst/>
+            </a:prstTxWarp>
+          </a:bodyPr>
+          <a:lstStyle/>
+          <a:p>
+            <a:pPr marL="0" marR="0" indent="0" algn="l" defTabSz="874713" rtl="0" eaLnBrk="1" fontAlgn="base" latinLnBrk="0" hangingPunct="1">
+              <a:lnSpc>
+                <a:spcPct val="100000"/>
+              </a:lnSpc>
+              <a:spcBef>
+                <a:spcPct val="0"/>
+              </a:spcBef>
+              <a:spcAft>
+                <a:spcPct val="0"/>
+              </a:spcAft>
+              <a:buClrTx/>
+              <a:buSzTx/>
+              <a:buFontTx/>
+              <a:buNone/>
+              <a:tabLst/>
+            </a:pPr>
+            <a:endParaRPr kumimoji="0" lang="en-US" sz="2300" b="0" i="0" u="none" strike="noStrike" cap="none" normalizeH="0" baseline="0" smtClean="0">
+              <a:ln>
+                <a:noFill/>
+              </a:ln>
+              <a:solidFill>
+                <a:schemeClr val="tx1"/>
+              </a:solidFill>
+              <a:effectLst/>
+              <a:latin typeface="Times New Roman" pitchFamily="18" charset="0"/>
+            </a:endParaRPr>
+          </a:p>
+        </p:txBody>
+      </p:sp>
+      <p:sp>
+        <p:nvSpPr>
+          <p:cNvPr id="32" name="Rectangle 31"/>
+          <p:cNvSpPr/>
+          <p:nvPr/>
+        </p:nvSpPr>
+        <p:spPr bwMode="auto">
+          <a:xfrm>
+            <a:off x="19280981" y="22128302"/>
+            <a:ext cx="914400" cy="751539"/>
+          </a:xfrm>
+          <a:prstGeom prst="rect">
+            <a:avLst/>
+          </a:prstGeom>
+          <a:solidFill>
+            <a:schemeClr val="accent1"/>
+          </a:solidFill>
+          <a:ln w="9525" cap="flat" cmpd="sng" algn="ctr">
+            <a:solidFill>
+              <a:schemeClr val="tx1"/>
+            </a:solidFill>
+            <a:prstDash val="solid"/>
+            <a:miter lim="800000"/>
+            <a:headEnd type="none" w="med" len="med"/>
+            <a:tailEnd type="none" w="med" len="med"/>
+          </a:ln>
+          <a:effectLst/>
+        </p:spPr>
+        <p:txBody>
+          <a:bodyPr vert="horz" wrap="none" lIns="91440" tIns="45720" rIns="91440" bIns="45720" numCol="1" rtlCol="0" anchor="ctr" anchorCtr="0" compatLnSpc="1">
+            <a:prstTxWarp prst="textNoShape">
+              <a:avLst/>
+            </a:prstTxWarp>
+          </a:bodyPr>
+          <a:lstStyle/>
+          <a:p>
+            <a:pPr marL="0" marR="0" indent="0" algn="ctr" defTabSz="874713" rtl="0" eaLnBrk="1" fontAlgn="base" latinLnBrk="0" hangingPunct="1">
+              <a:lnSpc>
+                <a:spcPct val="100000"/>
+              </a:lnSpc>
+              <a:spcBef>
+                <a:spcPct val="0"/>
+              </a:spcBef>
+              <a:spcAft>
+                <a:spcPct val="0"/>
+              </a:spcAft>
+              <a:buClrTx/>
+              <a:buSzTx/>
+              <a:buFontTx/>
+              <a:buNone/>
+              <a:tabLst/>
+            </a:pPr>
+            <a:r>
+              <a:rPr kumimoji="0" lang="en-US" sz="3600" b="0" i="0" u="none" strike="noStrike" cap="none" normalizeH="0" baseline="0" dirty="0" err="1" smtClean="0">
+                <a:ln>
+                  <a:noFill/>
+                </a:ln>
+                <a:solidFill>
+                  <a:schemeClr val="tx1"/>
+                </a:solidFill>
+                <a:effectLst/>
+                <a:latin typeface="Times New Roman" pitchFamily="18" charset="0"/>
+              </a:rPr>
+              <a:t>T</a:t>
+            </a:r>
+            <a:r>
+              <a:rPr kumimoji="0" lang="en-US" sz="3600" b="0" i="0" u="none" strike="noStrike" cap="none" normalizeH="0" baseline="-25000" dirty="0" err="1" smtClean="0">
+                <a:ln>
+                  <a:noFill/>
+                </a:ln>
+                <a:solidFill>
+                  <a:schemeClr val="tx1"/>
+                </a:solidFill>
+                <a:effectLst/>
+                <a:latin typeface="Times New Roman" pitchFamily="18" charset="0"/>
+              </a:rPr>
+              <a:t>i</a:t>
+            </a:r>
+            <a:endParaRPr kumimoji="0" lang="en-US" sz="3600" b="0" i="0" u="none" strike="noStrike" cap="none" normalizeH="0" baseline="0" dirty="0" smtClean="0">
+              <a:ln>
+                <a:noFill/>
+              </a:ln>
+              <a:solidFill>
+                <a:schemeClr val="tx1"/>
+              </a:solidFill>
+              <a:effectLst/>
+              <a:latin typeface="Times New Roman" pitchFamily="18" charset="0"/>
+            </a:endParaRPr>
+          </a:p>
+        </p:txBody>
+      </p:sp>
+      <p:sp>
+        <p:nvSpPr>
+          <p:cNvPr id="34" name="Triangle 33"/>
+          <p:cNvSpPr/>
+          <p:nvPr/>
+        </p:nvSpPr>
+        <p:spPr bwMode="auto">
+          <a:xfrm rot="5400000">
+            <a:off x="33463651" y="17825458"/>
+            <a:ext cx="887883" cy="967027"/>
+          </a:xfrm>
+          <a:prstGeom prst="triangle">
+            <a:avLst/>
+          </a:prstGeom>
+          <a:solidFill>
+            <a:schemeClr val="tx1"/>
+          </a:solidFill>
+          <a:ln w="9525" cap="flat" cmpd="sng" algn="ctr">
+            <a:solidFill>
+              <a:schemeClr val="tx1"/>
+            </a:solidFill>
+            <a:prstDash val="solid"/>
+            <a:miter lim="800000"/>
+            <a:headEnd type="none" w="med" len="med"/>
+            <a:tailEnd type="none" w="med" len="med"/>
+          </a:ln>
+          <a:effectLst/>
+        </p:spPr>
+        <p:txBody>
+          <a:bodyPr vert="horz" wrap="none" lIns="91440" tIns="45720" rIns="91440" bIns="45720" numCol="1" rtlCol="0" anchor="t" anchorCtr="0" compatLnSpc="1">
+            <a:prstTxWarp prst="textNoShape">
+              <a:avLst/>
+            </a:prstTxWarp>
+          </a:bodyPr>
+          <a:lstStyle/>
+          <a:p>
+            <a:pPr marL="0" marR="0" indent="0" algn="l" defTabSz="874713" rtl="0" eaLnBrk="1" fontAlgn="base" latinLnBrk="0" hangingPunct="1">
+              <a:lnSpc>
+                <a:spcPct val="100000"/>
+              </a:lnSpc>
+              <a:spcBef>
+                <a:spcPct val="0"/>
+              </a:spcBef>
+              <a:spcAft>
+                <a:spcPct val="0"/>
+              </a:spcAft>
+              <a:buClrTx/>
+              <a:buSzTx/>
+              <a:buFontTx/>
+              <a:buNone/>
+              <a:tabLst/>
+            </a:pPr>
+            <a:endParaRPr kumimoji="0" lang="en-US" sz="2300" b="0" i="0" u="none" strike="noStrike" cap="none" normalizeH="0" baseline="0" smtClean="0">
+              <a:ln>
+                <a:noFill/>
+              </a:ln>
+              <a:solidFill>
+                <a:schemeClr val="tx1"/>
+              </a:solidFill>
+              <a:effectLst/>
+              <a:latin typeface="Times New Roman" pitchFamily="18" charset="0"/>
+            </a:endParaRPr>
+          </a:p>
+        </p:txBody>
+      </p:sp>
+      <p:sp>
+        <p:nvSpPr>
+          <p:cNvPr id="11" name="TextBox 10"/>
+          <p:cNvSpPr txBox="1"/>
+          <p:nvPr/>
+        </p:nvSpPr>
+        <p:spPr bwMode="auto">
+          <a:xfrm>
+            <a:off x="29115539" y="22891262"/>
+            <a:ext cx="4021508" cy="1966056"/>
+          </a:xfrm>
+          <a:prstGeom prst="rect">
+            <a:avLst/>
+          </a:prstGeom>
+          <a:noFill/>
+          <a:ln w="38100">
+            <a:noFill/>
+            <a:miter lim="800000"/>
+            <a:headEnd/>
+            <a:tailEnd/>
+          </a:ln>
+        </p:spPr>
+        <p:txBody>
+          <a:bodyPr wrap="square" lIns="699201" tIns="699201" rIns="699201" bIns="699201" rtlCol="0" anchor="ctr">
+            <a:spAutoFit/>
+          </a:bodyPr>
+          <a:lstStyle/>
+          <a:p>
+            <a:pPr algn="ctr" eaLnBrk="1" hangingPunct="1"/>
+            <a:r>
+              <a:rPr lang="en-US" sz="3600" dirty="0" smtClean="0"/>
+              <a:t>Token Stream</a:t>
+            </a:r>
+          </a:p>
+        </p:txBody>
+      </p:sp>
+      <p:sp>
+        <p:nvSpPr>
+          <p:cNvPr id="36" name="Left Bracket 35"/>
+          <p:cNvSpPr/>
+          <p:nvPr/>
+        </p:nvSpPr>
+        <p:spPr bwMode="auto">
+          <a:xfrm rot="16200000">
+            <a:off x="31783610" y="15786162"/>
+            <a:ext cx="1117286" cy="6162905"/>
+          </a:xfrm>
+          <a:prstGeom prst="leftBracket">
+            <a:avLst/>
+          </a:prstGeom>
+          <a:noFill/>
+          <a:ln w="127000" cap="flat" cmpd="sng" algn="ctr">
+            <a:solidFill>
+              <a:schemeClr val="tx1"/>
+            </a:solidFill>
+            <a:prstDash val="solid"/>
+            <a:miter lim="800000"/>
+            <a:headEnd type="none" w="med" len="med"/>
+            <a:tailEnd type="none" w="med" len="med"/>
+          </a:ln>
+          <a:effectLst/>
+        </p:spPr>
+        <p:txBody>
+          <a:bodyPr vert="horz" wrap="none" lIns="91440" tIns="45720" rIns="91440" bIns="45720" numCol="1" rtlCol="0" anchor="t" anchorCtr="0" compatLnSpc="1">
+            <a:prstTxWarp prst="textNoShape">
+              <a:avLst/>
+            </a:prstTxWarp>
+          </a:bodyPr>
+          <a:lstStyle/>
+          <a:p>
+            <a:pPr marL="0" marR="0" indent="0" algn="l" defTabSz="874713" rtl="0" eaLnBrk="1" fontAlgn="base" latinLnBrk="0" hangingPunct="1">
+              <a:lnSpc>
+                <a:spcPct val="100000"/>
+              </a:lnSpc>
+              <a:spcBef>
+                <a:spcPct val="0"/>
+              </a:spcBef>
+              <a:spcAft>
+                <a:spcPct val="0"/>
+              </a:spcAft>
+              <a:buClrTx/>
+              <a:buSzTx/>
+              <a:buFontTx/>
+              <a:buNone/>
+              <a:tabLst/>
+            </a:pPr>
+            <a:endParaRPr kumimoji="0" lang="en-US" sz="2300" b="0" i="0" u="none" strike="noStrike" cap="none" normalizeH="0" baseline="0" smtClean="0">
+              <a:ln>
+                <a:noFill/>
+              </a:ln>
+              <a:solidFill>
+                <a:schemeClr val="tx1"/>
+              </a:solidFill>
+              <a:effectLst/>
+              <a:latin typeface="Times New Roman" pitchFamily="18" charset="0"/>
+            </a:endParaRPr>
+          </a:p>
+        </p:txBody>
+      </p:sp>
+      <p:sp>
+        <p:nvSpPr>
+          <p:cNvPr id="37" name="Triangle 36"/>
+          <p:cNvSpPr/>
+          <p:nvPr/>
+        </p:nvSpPr>
+        <p:spPr bwMode="auto">
+          <a:xfrm rot="16200000">
+            <a:off x="30351293" y="16130985"/>
+            <a:ext cx="887883" cy="967027"/>
+          </a:xfrm>
+          <a:prstGeom prst="triangle">
+            <a:avLst/>
+          </a:prstGeom>
+          <a:solidFill>
+            <a:schemeClr val="tx1"/>
+          </a:solidFill>
+          <a:ln w="9525" cap="flat" cmpd="sng" algn="ctr">
+            <a:solidFill>
+              <a:schemeClr val="tx1"/>
+            </a:solidFill>
+            <a:prstDash val="solid"/>
+            <a:miter lim="800000"/>
+            <a:headEnd type="none" w="med" len="med"/>
+            <a:tailEnd type="none" w="med" len="med"/>
+          </a:ln>
+          <a:effectLst/>
+        </p:spPr>
+        <p:txBody>
+          <a:bodyPr vert="horz" wrap="none" lIns="91440" tIns="45720" rIns="91440" bIns="45720" numCol="1" rtlCol="0" anchor="t" anchorCtr="0" compatLnSpc="1">
+            <a:prstTxWarp prst="textNoShape">
+              <a:avLst/>
+            </a:prstTxWarp>
+          </a:bodyPr>
+          <a:lstStyle/>
+          <a:p>
+            <a:pPr marL="0" marR="0" indent="0" algn="l" defTabSz="874713" rtl="0" eaLnBrk="1" fontAlgn="base" latinLnBrk="0" hangingPunct="1">
+              <a:lnSpc>
+                <a:spcPct val="100000"/>
+              </a:lnSpc>
+              <a:spcBef>
+                <a:spcPct val="0"/>
+              </a:spcBef>
+              <a:spcAft>
+                <a:spcPct val="0"/>
+              </a:spcAft>
+              <a:buClrTx/>
+              <a:buSzTx/>
+              <a:buFontTx/>
+              <a:buNone/>
+              <a:tabLst/>
+            </a:pPr>
+            <a:endParaRPr kumimoji="0" lang="en-US" sz="2300" b="0" i="0" u="none" strike="noStrike" cap="none" normalizeH="0" baseline="0" smtClean="0">
+              <a:ln>
+                <a:noFill/>
+              </a:ln>
+              <a:solidFill>
+                <a:schemeClr val="tx1"/>
+              </a:solidFill>
+              <a:effectLst/>
+              <a:latin typeface="Times New Roman" pitchFamily="18" charset="0"/>
+            </a:endParaRPr>
+          </a:p>
+        </p:txBody>
+      </p:sp>
+      <p:sp>
+        <p:nvSpPr>
+          <p:cNvPr id="38" name="Triangle 37"/>
+          <p:cNvSpPr/>
+          <p:nvPr/>
+        </p:nvSpPr>
+        <p:spPr bwMode="auto">
+          <a:xfrm rot="16200000">
+            <a:off x="33132593" y="16130986"/>
+            <a:ext cx="887883" cy="967027"/>
+          </a:xfrm>
+          <a:prstGeom prst="triangle">
+            <a:avLst/>
+          </a:prstGeom>
+          <a:solidFill>
+            <a:schemeClr val="tx1"/>
+          </a:solidFill>
+          <a:ln w="9525" cap="flat" cmpd="sng" algn="ctr">
+            <a:solidFill>
+              <a:schemeClr val="tx1"/>
+            </a:solidFill>
+            <a:prstDash val="solid"/>
+            <a:miter lim="800000"/>
+            <a:headEnd type="none" w="med" len="med"/>
+            <a:tailEnd type="none" w="med" len="med"/>
+          </a:ln>
+          <a:effectLst/>
+        </p:spPr>
+        <p:txBody>
+          <a:bodyPr vert="horz" wrap="none" lIns="91440" tIns="45720" rIns="91440" bIns="45720" numCol="1" rtlCol="0" anchor="t" anchorCtr="0" compatLnSpc="1">
+            <a:prstTxWarp prst="textNoShape">
+              <a:avLst/>
+            </a:prstTxWarp>
+          </a:bodyPr>
+          <a:lstStyle/>
+          <a:p>
+            <a:pPr marL="0" marR="0" indent="0" algn="l" defTabSz="874713" rtl="0" eaLnBrk="1" fontAlgn="base" latinLnBrk="0" hangingPunct="1">
+              <a:lnSpc>
+                <a:spcPct val="100000"/>
+              </a:lnSpc>
+              <a:spcBef>
+                <a:spcPct val="0"/>
+              </a:spcBef>
+              <a:spcAft>
+                <a:spcPct val="0"/>
+              </a:spcAft>
+              <a:buClrTx/>
+              <a:buSzTx/>
+              <a:buFontTx/>
+              <a:buNone/>
+              <a:tabLst/>
+            </a:pPr>
+            <a:endParaRPr kumimoji="0" lang="en-US" sz="2300" b="0" i="0" u="none" strike="noStrike" cap="none" normalizeH="0" baseline="0" smtClean="0">
+              <a:ln>
+                <a:noFill/>
+              </a:ln>
+              <a:solidFill>
+                <a:schemeClr val="tx1"/>
+              </a:solidFill>
+              <a:effectLst/>
+              <a:latin typeface="Times New Roman" pitchFamily="18" charset="0"/>
+            </a:endParaRPr>
+          </a:p>
+        </p:txBody>
+      </p:sp>
+      <p:sp>
+        <p:nvSpPr>
+          <p:cNvPr id="39" name="TextBox 38"/>
+          <p:cNvSpPr txBox="1"/>
+          <p:nvPr/>
+        </p:nvSpPr>
+        <p:spPr bwMode="auto">
+          <a:xfrm>
+            <a:off x="29513824" y="13531251"/>
+            <a:ext cx="3131568" cy="1371600"/>
+          </a:xfrm>
+          <a:prstGeom prst="rect">
+            <a:avLst/>
+          </a:prstGeom>
+          <a:noFill/>
+          <a:ln w="38100">
+            <a:noFill/>
+            <a:miter lim="800000"/>
+            <a:headEnd/>
+            <a:tailEnd/>
+          </a:ln>
+        </p:spPr>
+        <p:txBody>
+          <a:bodyPr wrap="square" lIns="699201" tIns="699201" rIns="699201" bIns="699201" rtlCol="0" anchor="ctr">
+            <a:spAutoFit/>
+          </a:bodyPr>
+          <a:lstStyle/>
+          <a:p>
+            <a:pPr algn="ctr" eaLnBrk="1" hangingPunct="1"/>
+            <a:r>
+              <a:rPr lang="en-US" sz="3600" dirty="0" smtClean="0"/>
+              <a:t>Token Requests</a:t>
+            </a:r>
+          </a:p>
+        </p:txBody>
+      </p:sp>
+      <p:cxnSp>
+        <p:nvCxnSpPr>
+          <p:cNvPr id="13" name="Straight Arrow Connector 12"/>
+          <p:cNvCxnSpPr/>
+          <p:nvPr/>
+        </p:nvCxnSpPr>
+        <p:spPr bwMode="auto">
+          <a:xfrm flipH="1">
+            <a:off x="32752895" y="19224684"/>
+            <a:ext cx="233338" cy="1"/>
+          </a:xfrm>
+          <a:prstGeom prst="straightConnector1">
+            <a:avLst/>
+          </a:prstGeom>
+          <a:solidFill>
+            <a:schemeClr val="accent1"/>
+          </a:solidFill>
+          <a:ln w="127000" cap="flat" cmpd="sng" algn="ctr">
+            <a:solidFill>
+              <a:schemeClr val="tx1"/>
+            </a:solidFill>
+            <a:prstDash val="solid"/>
+            <a:miter lim="800000"/>
+            <a:headEnd type="none" w="med" len="med"/>
+            <a:tailEnd type="triangle"/>
+          </a:ln>
+          <a:effectLst/>
+        </p:spPr>
+      </p:cxnSp>
       <p:grpSp>
         <p:nvGrpSpPr>
-          <p:cNvPr id="5" name="Group 4"/>
+          <p:cNvPr id="35" name="Group 34"/>
           <p:cNvGrpSpPr/>
           <p:nvPr/>
         </p:nvGrpSpPr>
         <p:grpSpPr>
           <a:xfrm>
-            <a:off x="5057435" y="15693545"/>
-            <a:ext cx="8474339" cy="5410028"/>
-            <a:chOff x="11734800" y="18752940"/>
-            <a:chExt cx="8474339" cy="5410028"/>
+            <a:off x="18101249" y="13872821"/>
+            <a:ext cx="8534962" cy="4041099"/>
+            <a:chOff x="17678400" y="20197515"/>
+            <a:chExt cx="8534962" cy="4041099"/>
           </a:xfrm>
         </p:grpSpPr>
         <p:sp>
           <p:nvSpPr>
-            <p:cNvPr id="21" name="Rectangle 20"/>
+            <p:cNvPr id="7" name="Rectangle 6"/>
             <p:cNvSpPr/>
             <p:nvPr/>
           </p:nvSpPr>
           <p:spPr bwMode="auto">
             <a:xfrm>
-              <a:off x="11734800" y="21450299"/>
-              <a:ext cx="2590800" cy="1524000"/>
+              <a:off x="17678400" y="20197515"/>
+              <a:ext cx="8534962" cy="4041099"/>
             </a:xfrm>
             <a:prstGeom prst="rect">
               <a:avLst/>
             </a:prstGeom>
             <a:solidFill>
+              <a:schemeClr val="tx1">
+                <a:lumMod val="10000"/>
+                <a:lumOff val="90000"/>
+                <a:alpha val="50000"/>
+              </a:schemeClr>
+            </a:solidFill>
+            <a:ln w="12700" cap="flat" cmpd="sng" algn="ctr">
+              <a:solidFill>
+                <a:schemeClr val="tx1"/>
+              </a:solidFill>
+              <a:prstDash val="solid"/>
+              <a:miter lim="800000"/>
+              <a:headEnd type="none" w="med" len="med"/>
+              <a:tailEnd type="none" w="med" len="med"/>
+            </a:ln>
+            <a:effectLst/>
+          </p:spPr>
+          <p:txBody>
+            <a:bodyPr vert="horz" wrap="none" lIns="91440" tIns="45720" rIns="91440" bIns="45720" numCol="1" rtlCol="0" anchor="t" anchorCtr="0" compatLnSpc="1">
+              <a:prstTxWarp prst="textNoShape">
+                <a:avLst/>
+              </a:prstTxWarp>
+            </a:bodyPr>
+            <a:lstStyle/>
+            <a:p>
+              <a:pPr marL="0" marR="0" indent="0" algn="l" defTabSz="874713" rtl="0" eaLnBrk="1" fontAlgn="base" latinLnBrk="0" hangingPunct="1">
+                <a:lnSpc>
+                  <a:spcPct val="100000"/>
+                </a:lnSpc>
+                <a:spcBef>
+                  <a:spcPct val="0"/>
+                </a:spcBef>
+                <a:spcAft>
+                  <a:spcPct val="0"/>
+                </a:spcAft>
+                <a:buClrTx/>
+                <a:buSzTx/>
+                <a:buFontTx/>
+                <a:buNone/>
+                <a:tabLst/>
+              </a:pPr>
+              <a:endParaRPr kumimoji="0" lang="en-US" sz="2300" b="0" i="0" u="none" strike="noStrike" cap="none" normalizeH="0" baseline="0" smtClean="0">
+                <a:ln>
+                  <a:noFill/>
+                </a:ln>
+                <a:solidFill>
+                  <a:schemeClr val="tx1"/>
+                </a:solidFill>
+                <a:effectLst/>
+                <a:latin typeface="Times New Roman" pitchFamily="18" charset="0"/>
+              </a:endParaRPr>
+            </a:p>
+          </p:txBody>
+        </p:sp>
+        <p:grpSp>
+          <p:nvGrpSpPr>
+            <p:cNvPr id="19" name="Group 18"/>
+            <p:cNvGrpSpPr>
+              <a:grpSpLocks noChangeAspect="1"/>
+            </p:cNvGrpSpPr>
+            <p:nvPr/>
+          </p:nvGrpSpPr>
+          <p:grpSpPr>
+            <a:xfrm>
+              <a:off x="18709564" y="20924832"/>
+              <a:ext cx="1906729" cy="2073828"/>
+              <a:chOff x="23006142" y="16758535"/>
+              <a:chExt cx="3140217" cy="3415415"/>
+            </a:xfrm>
+          </p:grpSpPr>
+          <p:sp>
+            <p:nvSpPr>
+              <p:cNvPr id="14" name="Rectangle 13"/>
+              <p:cNvSpPr/>
+              <p:nvPr/>
+            </p:nvSpPr>
+            <p:spPr bwMode="auto">
+              <a:xfrm>
+                <a:off x="24155400" y="16758535"/>
+                <a:ext cx="838200" cy="762000"/>
+              </a:xfrm>
+              <a:prstGeom prst="rect">
+                <a:avLst/>
+              </a:prstGeom>
+              <a:noFill/>
+              <a:ln w="38100" cap="flat" cmpd="sng" algn="ctr">
+                <a:solidFill>
+                  <a:schemeClr val="tx1"/>
+                </a:solidFill>
+                <a:prstDash val="solid"/>
+                <a:miter lim="800000"/>
+                <a:headEnd type="none" w="med" len="med"/>
+                <a:tailEnd type="none" w="med" len="med"/>
+              </a:ln>
+              <a:effectLst/>
+            </p:spPr>
+            <p:txBody>
+              <a:bodyPr vert="horz" wrap="none" lIns="91440" tIns="45720" rIns="91440" bIns="45720" numCol="1" rtlCol="0" anchor="ctr" anchorCtr="0" compatLnSpc="1">
+                <a:prstTxWarp prst="textNoShape">
+                  <a:avLst/>
+                </a:prstTxWarp>
+              </a:bodyPr>
+              <a:lstStyle/>
+              <a:p>
+                <a:pPr marL="0" marR="0" indent="0" algn="ctr" defTabSz="874713" rtl="0" eaLnBrk="1" fontAlgn="base" latinLnBrk="0" hangingPunct="1">
+                  <a:lnSpc>
+                    <a:spcPct val="100000"/>
+                  </a:lnSpc>
+                  <a:spcBef>
+                    <a:spcPct val="0"/>
+                  </a:spcBef>
+                  <a:spcAft>
+                    <a:spcPct val="0"/>
+                  </a:spcAft>
+                  <a:buClrTx/>
+                  <a:buSzTx/>
+                  <a:buFontTx/>
+                  <a:buNone/>
+                  <a:tabLst/>
+                </a:pPr>
+                <a:r>
+                  <a:rPr kumimoji="0" lang="en-US" sz="3600" b="0" i="0" u="none" strike="noStrike" cap="none" normalizeH="0" baseline="0" dirty="0" smtClean="0">
+                    <a:ln>
+                      <a:noFill/>
+                    </a:ln>
+                    <a:solidFill>
+                      <a:schemeClr val="tx1"/>
+                    </a:solidFill>
+                    <a:effectLst/>
+                    <a:latin typeface="Times New Roman" pitchFamily="18" charset="0"/>
+                  </a:rPr>
+                  <a:t>E</a:t>
+                </a:r>
+              </a:p>
+            </p:txBody>
+          </p:sp>
+          <p:sp>
+            <p:nvSpPr>
+              <p:cNvPr id="43" name="Rectangle 42"/>
+              <p:cNvSpPr/>
+              <p:nvPr/>
+            </p:nvSpPr>
+            <p:spPr bwMode="auto">
+              <a:xfrm>
+                <a:off x="25304658" y="18078450"/>
+                <a:ext cx="838200" cy="762000"/>
+              </a:xfrm>
+              <a:prstGeom prst="rect">
+                <a:avLst/>
+              </a:prstGeom>
+              <a:noFill/>
+              <a:ln w="38100" cap="flat" cmpd="sng" algn="ctr">
+                <a:solidFill>
+                  <a:schemeClr val="tx1"/>
+                </a:solidFill>
+                <a:prstDash val="solid"/>
+                <a:miter lim="800000"/>
+                <a:headEnd type="none" w="med" len="med"/>
+                <a:tailEnd type="none" w="med" len="med"/>
+              </a:ln>
+              <a:effectLst/>
+            </p:spPr>
+            <p:txBody>
+              <a:bodyPr vert="horz" wrap="none" lIns="91440" tIns="45720" rIns="91440" bIns="45720" numCol="1" rtlCol="0" anchor="ctr" anchorCtr="0" compatLnSpc="1">
+                <a:prstTxWarp prst="textNoShape">
+                  <a:avLst/>
+                </a:prstTxWarp>
+              </a:bodyPr>
+              <a:lstStyle/>
+              <a:p>
+                <a:pPr marL="0" marR="0" indent="0" algn="ctr" defTabSz="874713" rtl="0" eaLnBrk="1" fontAlgn="base" latinLnBrk="0" hangingPunct="1">
+                  <a:lnSpc>
+                    <a:spcPct val="100000"/>
+                  </a:lnSpc>
+                  <a:spcBef>
+                    <a:spcPct val="0"/>
+                  </a:spcBef>
+                  <a:spcAft>
+                    <a:spcPct val="0"/>
+                  </a:spcAft>
+                  <a:buClrTx/>
+                  <a:buSzTx/>
+                  <a:buFontTx/>
+                  <a:buNone/>
+                  <a:tabLst/>
+                </a:pPr>
+                <a:r>
+                  <a:rPr kumimoji="0" lang="en-US" sz="3600" b="0" i="0" u="none" strike="noStrike" cap="none" normalizeH="0" baseline="0" dirty="0" smtClean="0">
+                    <a:ln>
+                      <a:noFill/>
+                    </a:ln>
+                    <a:solidFill>
+                      <a:schemeClr val="tx1"/>
+                    </a:solidFill>
+                    <a:effectLst/>
+                    <a:latin typeface="Times New Roman" pitchFamily="18" charset="0"/>
+                  </a:rPr>
+                  <a:t>E</a:t>
+                </a:r>
+              </a:p>
+            </p:txBody>
+          </p:sp>
+          <p:sp>
+            <p:nvSpPr>
+              <p:cNvPr id="44" name="Rectangle 43"/>
+              <p:cNvSpPr/>
+              <p:nvPr/>
+            </p:nvSpPr>
+            <p:spPr bwMode="auto">
+              <a:xfrm>
+                <a:off x="23006142" y="18094886"/>
+                <a:ext cx="838200" cy="762000"/>
+              </a:xfrm>
+              <a:prstGeom prst="rect">
+                <a:avLst/>
+              </a:prstGeom>
+              <a:noFill/>
+              <a:ln w="38100" cap="flat" cmpd="sng" algn="ctr">
+                <a:solidFill>
+                  <a:schemeClr val="tx1"/>
+                </a:solidFill>
+                <a:prstDash val="solid"/>
+                <a:miter lim="800000"/>
+                <a:headEnd type="none" w="med" len="med"/>
+                <a:tailEnd type="none" w="med" len="med"/>
+              </a:ln>
+              <a:effectLst/>
+            </p:spPr>
+            <p:txBody>
+              <a:bodyPr vert="horz" wrap="none" lIns="91440" tIns="45720" rIns="91440" bIns="45720" numCol="1" rtlCol="0" anchor="ctr" anchorCtr="0" compatLnSpc="1">
+                <a:prstTxWarp prst="textNoShape">
+                  <a:avLst/>
+                </a:prstTxWarp>
+              </a:bodyPr>
+              <a:lstStyle/>
+              <a:p>
+                <a:pPr marL="0" marR="0" indent="0" algn="ctr" defTabSz="874713" rtl="0" eaLnBrk="1" fontAlgn="base" latinLnBrk="0" hangingPunct="1">
+                  <a:lnSpc>
+                    <a:spcPct val="100000"/>
+                  </a:lnSpc>
+                  <a:spcBef>
+                    <a:spcPct val="0"/>
+                  </a:spcBef>
+                  <a:spcAft>
+                    <a:spcPct val="0"/>
+                  </a:spcAft>
+                  <a:buClrTx/>
+                  <a:buSzTx/>
+                  <a:buFontTx/>
+                  <a:buNone/>
+                  <a:tabLst/>
+                </a:pPr>
+                <a:r>
+                  <a:rPr kumimoji="0" lang="en-US" sz="3600" b="0" i="0" u="none" strike="noStrike" cap="none" normalizeH="0" baseline="0" dirty="0" smtClean="0">
+                    <a:ln>
+                      <a:noFill/>
+                    </a:ln>
+                    <a:solidFill>
+                      <a:schemeClr val="tx1"/>
+                    </a:solidFill>
+                    <a:effectLst/>
+                    <a:latin typeface="Times New Roman" pitchFamily="18" charset="0"/>
+                  </a:rPr>
+                  <a:t>E</a:t>
+                </a:r>
+              </a:p>
+            </p:txBody>
+          </p:sp>
+          <p:sp>
+            <p:nvSpPr>
+              <p:cNvPr id="45" name="Rectangle 44"/>
+              <p:cNvSpPr/>
+              <p:nvPr/>
+            </p:nvSpPr>
+            <p:spPr bwMode="auto">
+              <a:xfrm>
+                <a:off x="24155400" y="18083680"/>
+                <a:ext cx="838200" cy="762000"/>
+              </a:xfrm>
+              <a:prstGeom prst="rect">
+                <a:avLst/>
+              </a:prstGeom>
+              <a:noFill/>
+              <a:ln w="38100" cap="flat" cmpd="sng" algn="ctr">
+                <a:solidFill>
+                  <a:schemeClr val="tx1"/>
+                </a:solidFill>
+                <a:prstDash val="solid"/>
+                <a:miter lim="800000"/>
+                <a:headEnd type="none" w="med" len="med"/>
+                <a:tailEnd type="none" w="med" len="med"/>
+              </a:ln>
+              <a:effectLst/>
+            </p:spPr>
+            <p:txBody>
+              <a:bodyPr vert="horz" wrap="none" lIns="91440" tIns="45720" rIns="91440" bIns="45720" numCol="1" rtlCol="0" anchor="ctr" anchorCtr="0" compatLnSpc="1">
+                <a:prstTxWarp prst="textNoShape">
+                  <a:avLst/>
+                </a:prstTxWarp>
+              </a:bodyPr>
+              <a:lstStyle/>
+              <a:p>
+                <a:pPr marL="0" marR="0" indent="0" algn="ctr" defTabSz="874713" rtl="0" eaLnBrk="1" fontAlgn="base" latinLnBrk="0" hangingPunct="1">
+                  <a:lnSpc>
+                    <a:spcPct val="100000"/>
+                  </a:lnSpc>
+                  <a:spcBef>
+                    <a:spcPct val="0"/>
+                  </a:spcBef>
+                  <a:spcAft>
+                    <a:spcPct val="0"/>
+                  </a:spcAft>
+                  <a:buClrTx/>
+                  <a:buSzTx/>
+                  <a:buFontTx/>
+                  <a:buNone/>
+                  <a:tabLst/>
+                </a:pPr>
+                <a:r>
+                  <a:rPr kumimoji="0" lang="en-US" sz="3600" b="1" i="0" u="none" strike="noStrike" cap="none" normalizeH="0" baseline="0" dirty="0" smtClean="0">
+                    <a:ln>
+                      <a:noFill/>
+                    </a:ln>
+                    <a:solidFill>
+                      <a:schemeClr val="tx1"/>
+                    </a:solidFill>
+                    <a:effectLst/>
+                    <a:latin typeface="Times New Roman" pitchFamily="18" charset="0"/>
+                  </a:rPr>
+                  <a:t>+</a:t>
+                </a:r>
+              </a:p>
+            </p:txBody>
+          </p:sp>
+          <p:sp>
+            <p:nvSpPr>
+              <p:cNvPr id="46" name="Rectangle 45"/>
+              <p:cNvSpPr/>
+              <p:nvPr/>
+            </p:nvSpPr>
+            <p:spPr bwMode="auto">
+              <a:xfrm>
+                <a:off x="23006142" y="19385716"/>
+                <a:ext cx="838200" cy="762000"/>
+              </a:xfrm>
+              <a:prstGeom prst="rect">
+                <a:avLst/>
+              </a:prstGeom>
+              <a:noFill/>
+              <a:ln w="38100" cap="flat" cmpd="sng" algn="ctr">
+                <a:solidFill>
+                  <a:schemeClr val="tx1"/>
+                </a:solidFill>
+                <a:prstDash val="solid"/>
+                <a:miter lim="800000"/>
+                <a:headEnd type="none" w="med" len="med"/>
+                <a:tailEnd type="none" w="med" len="med"/>
+              </a:ln>
+              <a:effectLst/>
+            </p:spPr>
+            <p:txBody>
+              <a:bodyPr vert="horz" wrap="none" lIns="91440" tIns="45720" rIns="91440" bIns="45720" numCol="1" rtlCol="0" anchor="ctr" anchorCtr="0" compatLnSpc="1">
+                <a:prstTxWarp prst="textNoShape">
+                  <a:avLst/>
+                </a:prstTxWarp>
+              </a:bodyPr>
+              <a:lstStyle/>
+              <a:p>
+                <a:pPr marL="0" marR="0" indent="0" algn="ctr" defTabSz="874713" rtl="0" eaLnBrk="1" fontAlgn="base" latinLnBrk="0" hangingPunct="1">
+                  <a:lnSpc>
+                    <a:spcPct val="100000"/>
+                  </a:lnSpc>
+                  <a:spcBef>
+                    <a:spcPct val="0"/>
+                  </a:spcBef>
+                  <a:spcAft>
+                    <a:spcPct val="0"/>
+                  </a:spcAft>
+                  <a:buClrTx/>
+                  <a:buSzTx/>
+                  <a:buFontTx/>
+                  <a:buNone/>
+                  <a:tabLst/>
+                </a:pPr>
+                <a:r>
+                  <a:rPr lang="en-US" sz="3600" dirty="0" smtClean="0"/>
+                  <a:t>id</a:t>
+                </a:r>
+                <a:endParaRPr kumimoji="0" lang="en-US" sz="3600" b="0" i="0" u="none" strike="noStrike" cap="none" normalizeH="0" baseline="0" dirty="0" smtClean="0">
+                  <a:ln>
+                    <a:noFill/>
+                  </a:ln>
+                  <a:solidFill>
+                    <a:schemeClr val="tx1"/>
+                  </a:solidFill>
+                  <a:effectLst/>
+                  <a:latin typeface="Times New Roman" pitchFamily="18" charset="0"/>
+                </a:endParaRPr>
+              </a:p>
+            </p:txBody>
+          </p:sp>
+          <p:sp>
+            <p:nvSpPr>
+              <p:cNvPr id="47" name="Rectangle 46"/>
+              <p:cNvSpPr/>
+              <p:nvPr/>
+            </p:nvSpPr>
+            <p:spPr bwMode="auto">
+              <a:xfrm>
+                <a:off x="25308159" y="19411950"/>
+                <a:ext cx="838200" cy="762000"/>
+              </a:xfrm>
+              <a:prstGeom prst="rect">
+                <a:avLst/>
+              </a:prstGeom>
+              <a:noFill/>
+              <a:ln w="38100" cap="flat" cmpd="sng" algn="ctr">
+                <a:solidFill>
+                  <a:schemeClr val="tx1"/>
+                </a:solidFill>
+                <a:prstDash val="solid"/>
+                <a:miter lim="800000"/>
+                <a:headEnd type="none" w="med" len="med"/>
+                <a:tailEnd type="none" w="med" len="med"/>
+              </a:ln>
+              <a:effectLst/>
+            </p:spPr>
+            <p:txBody>
+              <a:bodyPr vert="horz" wrap="none" lIns="91440" tIns="45720" rIns="91440" bIns="45720" numCol="1" rtlCol="0" anchor="ctr" anchorCtr="0" compatLnSpc="1">
+                <a:prstTxWarp prst="textNoShape">
+                  <a:avLst/>
+                </a:prstTxWarp>
+              </a:bodyPr>
+              <a:lstStyle/>
+              <a:p>
+                <a:pPr marL="0" marR="0" indent="0" algn="ctr" defTabSz="874713" rtl="0" eaLnBrk="1" fontAlgn="base" latinLnBrk="0" hangingPunct="1">
+                  <a:lnSpc>
+                    <a:spcPct val="100000"/>
+                  </a:lnSpc>
+                  <a:spcBef>
+                    <a:spcPct val="0"/>
+                  </a:spcBef>
+                  <a:spcAft>
+                    <a:spcPct val="0"/>
+                  </a:spcAft>
+                  <a:buClrTx/>
+                  <a:buSzTx/>
+                  <a:buFontTx/>
+                  <a:buNone/>
+                  <a:tabLst/>
+                </a:pPr>
+                <a:r>
+                  <a:rPr lang="en-US" sz="3600" smtClean="0"/>
+                  <a:t>id</a:t>
+                </a:r>
+                <a:endParaRPr kumimoji="0" lang="en-US" sz="3600" b="0" i="0" u="none" strike="noStrike" cap="none" normalizeH="0" baseline="0" dirty="0" smtClean="0">
+                  <a:ln>
+                    <a:noFill/>
+                  </a:ln>
+                  <a:solidFill>
+                    <a:schemeClr val="tx1"/>
+                  </a:solidFill>
+                  <a:effectLst/>
+                  <a:latin typeface="Times New Roman" pitchFamily="18" charset="0"/>
+                </a:endParaRPr>
+              </a:p>
+            </p:txBody>
+          </p:sp>
+          <p:cxnSp>
+            <p:nvCxnSpPr>
+              <p:cNvPr id="53" name="Straight Arrow Connector 52"/>
+              <p:cNvCxnSpPr/>
+              <p:nvPr/>
+            </p:nvCxnSpPr>
+            <p:spPr bwMode="auto">
+              <a:xfrm>
+                <a:off x="24574500" y="17533982"/>
+                <a:ext cx="0" cy="549698"/>
+              </a:xfrm>
+              <a:prstGeom prst="straightConnector1">
+                <a:avLst/>
+              </a:prstGeom>
+              <a:solidFill>
+                <a:schemeClr val="accent1"/>
+              </a:solidFill>
+              <a:ln w="38100" cap="flat" cmpd="sng" algn="ctr">
+                <a:solidFill>
+                  <a:schemeClr val="tx1"/>
+                </a:solidFill>
+                <a:prstDash val="solid"/>
+                <a:miter lim="800000"/>
+                <a:headEnd type="none" w="med" len="med"/>
+                <a:tailEnd type="triangle"/>
+              </a:ln>
+              <a:effectLst/>
+            </p:spPr>
+          </p:cxnSp>
+          <p:cxnSp>
+            <p:nvCxnSpPr>
+              <p:cNvPr id="55" name="Straight Arrow Connector 54"/>
+              <p:cNvCxnSpPr/>
+              <p:nvPr/>
+            </p:nvCxnSpPr>
+            <p:spPr bwMode="auto">
+              <a:xfrm flipH="1">
+                <a:off x="23619618" y="17533982"/>
+                <a:ext cx="688182" cy="549698"/>
+              </a:xfrm>
+              <a:prstGeom prst="straightConnector1">
+                <a:avLst/>
+              </a:prstGeom>
+              <a:solidFill>
+                <a:schemeClr val="accent1"/>
+              </a:solidFill>
+              <a:ln w="38100" cap="flat" cmpd="sng" algn="ctr">
+                <a:solidFill>
+                  <a:schemeClr val="tx1"/>
+                </a:solidFill>
+                <a:prstDash val="solid"/>
+                <a:miter lim="800000"/>
+                <a:headEnd type="none" w="med" len="med"/>
+                <a:tailEnd type="triangle"/>
+              </a:ln>
+              <a:effectLst/>
+            </p:spPr>
+          </p:cxnSp>
+          <p:cxnSp>
+            <p:nvCxnSpPr>
+              <p:cNvPr id="57" name="Straight Arrow Connector 56"/>
+              <p:cNvCxnSpPr/>
+              <p:nvPr/>
+            </p:nvCxnSpPr>
+            <p:spPr bwMode="auto">
+              <a:xfrm>
+                <a:off x="24848483" y="17538561"/>
+                <a:ext cx="690701" cy="545119"/>
+              </a:xfrm>
+              <a:prstGeom prst="straightConnector1">
+                <a:avLst/>
+              </a:prstGeom>
+              <a:solidFill>
+                <a:schemeClr val="accent1"/>
+              </a:solidFill>
+              <a:ln w="38100" cap="flat" cmpd="sng" algn="ctr">
+                <a:solidFill>
+                  <a:schemeClr val="tx1"/>
+                </a:solidFill>
+                <a:prstDash val="solid"/>
+                <a:miter lim="800000"/>
+                <a:headEnd type="none" w="med" len="med"/>
+                <a:tailEnd type="triangle"/>
+              </a:ln>
+              <a:effectLst/>
+            </p:spPr>
+          </p:cxnSp>
+          <p:cxnSp>
+            <p:nvCxnSpPr>
+              <p:cNvPr id="59" name="Straight Arrow Connector 58"/>
+              <p:cNvCxnSpPr/>
+              <p:nvPr/>
+            </p:nvCxnSpPr>
+            <p:spPr bwMode="auto">
+              <a:xfrm>
+                <a:off x="23436448" y="18856886"/>
+                <a:ext cx="0" cy="549698"/>
+              </a:xfrm>
+              <a:prstGeom prst="straightConnector1">
+                <a:avLst/>
+              </a:prstGeom>
+              <a:solidFill>
+                <a:schemeClr val="accent1"/>
+              </a:solidFill>
+              <a:ln w="38100" cap="flat" cmpd="sng" algn="ctr">
+                <a:solidFill>
+                  <a:schemeClr val="tx1"/>
+                </a:solidFill>
+                <a:prstDash val="solid"/>
+                <a:miter lim="800000"/>
+                <a:headEnd type="none" w="med" len="med"/>
+                <a:tailEnd type="triangle"/>
+              </a:ln>
+              <a:effectLst/>
+            </p:spPr>
+          </p:cxnSp>
+          <p:cxnSp>
+            <p:nvCxnSpPr>
+              <p:cNvPr id="60" name="Straight Arrow Connector 59"/>
+              <p:cNvCxnSpPr/>
+              <p:nvPr/>
+            </p:nvCxnSpPr>
+            <p:spPr bwMode="auto">
+              <a:xfrm>
+                <a:off x="25723758" y="18851351"/>
+                <a:ext cx="0" cy="549698"/>
+              </a:xfrm>
+              <a:prstGeom prst="straightConnector1">
+                <a:avLst/>
+              </a:prstGeom>
+              <a:solidFill>
+                <a:schemeClr val="accent1"/>
+              </a:solidFill>
+              <a:ln w="38100" cap="flat" cmpd="sng" algn="ctr">
+                <a:solidFill>
+                  <a:schemeClr val="tx1"/>
+                </a:solidFill>
+                <a:prstDash val="solid"/>
+                <a:miter lim="800000"/>
+                <a:headEnd type="none" w="med" len="med"/>
+                <a:tailEnd type="triangle"/>
+              </a:ln>
+              <a:effectLst/>
+            </p:spPr>
+          </p:cxnSp>
+        </p:grpSp>
+        <p:grpSp>
+          <p:nvGrpSpPr>
+            <p:cNvPr id="6" name="Group 5"/>
+            <p:cNvGrpSpPr/>
+            <p:nvPr/>
+          </p:nvGrpSpPr>
+          <p:grpSpPr>
+            <a:xfrm>
+              <a:off x="21951942" y="21324271"/>
+              <a:ext cx="1904603" cy="1274112"/>
+              <a:chOff x="19418864" y="20580189"/>
+              <a:chExt cx="1904603" cy="1274112"/>
+            </a:xfrm>
+          </p:grpSpPr>
+          <p:sp>
+            <p:nvSpPr>
+              <p:cNvPr id="50" name="Rectangle 49"/>
+              <p:cNvSpPr/>
+              <p:nvPr/>
+            </p:nvSpPr>
+            <p:spPr bwMode="auto">
+              <a:xfrm>
+                <a:off x="20116690" y="20580189"/>
+                <a:ext cx="508952" cy="462684"/>
+              </a:xfrm>
+              <a:prstGeom prst="rect">
+                <a:avLst/>
+              </a:prstGeom>
+              <a:noFill/>
+              <a:ln w="38100" cap="flat" cmpd="sng" algn="ctr">
+                <a:solidFill>
+                  <a:schemeClr val="tx1"/>
+                </a:solidFill>
+                <a:prstDash val="solid"/>
+                <a:miter lim="800000"/>
+                <a:headEnd type="none" w="med" len="med"/>
+                <a:tailEnd type="none" w="med" len="med"/>
+              </a:ln>
+              <a:effectLst/>
+            </p:spPr>
+            <p:txBody>
+              <a:bodyPr vert="horz" wrap="none" lIns="91440" tIns="45720" rIns="91440" bIns="45720" numCol="1" rtlCol="0" anchor="ctr" anchorCtr="0" compatLnSpc="1">
+                <a:prstTxWarp prst="textNoShape">
+                  <a:avLst/>
+                </a:prstTxWarp>
+              </a:bodyPr>
+              <a:lstStyle/>
+              <a:p>
+                <a:pPr marL="0" marR="0" indent="0" algn="ctr" defTabSz="874713" rtl="0" eaLnBrk="1" fontAlgn="base" latinLnBrk="0" hangingPunct="1">
+                  <a:lnSpc>
+                    <a:spcPct val="100000"/>
+                  </a:lnSpc>
+                  <a:spcBef>
+                    <a:spcPct val="0"/>
+                  </a:spcBef>
+                  <a:spcAft>
+                    <a:spcPct val="0"/>
+                  </a:spcAft>
+                  <a:buClrTx/>
+                  <a:buSzTx/>
+                  <a:buFontTx/>
+                  <a:buNone/>
+                  <a:tabLst/>
+                </a:pPr>
+                <a:r>
+                  <a:rPr lang="en-US" sz="3600" b="1" dirty="0"/>
+                  <a:t>+</a:t>
+                </a:r>
+                <a:endParaRPr kumimoji="0" lang="en-US" sz="3600" b="1" i="0" u="none" strike="noStrike" cap="none" normalizeH="0" baseline="0" dirty="0" smtClean="0">
+                  <a:ln>
+                    <a:noFill/>
+                  </a:ln>
+                  <a:solidFill>
+                    <a:schemeClr val="tx1"/>
+                  </a:solidFill>
+                  <a:effectLst/>
+                </a:endParaRPr>
+              </a:p>
+            </p:txBody>
+          </p:sp>
+          <p:sp>
+            <p:nvSpPr>
+              <p:cNvPr id="51" name="Rectangle 50"/>
+              <p:cNvSpPr/>
+              <p:nvPr/>
+            </p:nvSpPr>
+            <p:spPr bwMode="auto">
+              <a:xfrm>
+                <a:off x="20814515" y="21381637"/>
+                <a:ext cx="508952" cy="462684"/>
+              </a:xfrm>
+              <a:prstGeom prst="rect">
+                <a:avLst/>
+              </a:prstGeom>
+              <a:noFill/>
+              <a:ln w="38100" cap="flat" cmpd="sng" algn="ctr">
+                <a:solidFill>
+                  <a:schemeClr val="tx1"/>
+                </a:solidFill>
+                <a:prstDash val="solid"/>
+                <a:miter lim="800000"/>
+                <a:headEnd type="none" w="med" len="med"/>
+                <a:tailEnd type="none" w="med" len="med"/>
+              </a:ln>
+              <a:effectLst/>
+            </p:spPr>
+            <p:txBody>
+              <a:bodyPr vert="horz" wrap="none" lIns="91440" tIns="45720" rIns="91440" bIns="45720" numCol="1" rtlCol="0" anchor="ctr" anchorCtr="0" compatLnSpc="1">
+                <a:prstTxWarp prst="textNoShape">
+                  <a:avLst/>
+                </a:prstTxWarp>
+              </a:bodyPr>
+              <a:lstStyle/>
+              <a:p>
+                <a:pPr marL="0" marR="0" indent="0" algn="ctr" defTabSz="874713" rtl="0" eaLnBrk="1" fontAlgn="base" latinLnBrk="0" hangingPunct="1">
+                  <a:lnSpc>
+                    <a:spcPct val="100000"/>
+                  </a:lnSpc>
+                  <a:spcBef>
+                    <a:spcPct val="0"/>
+                  </a:spcBef>
+                  <a:spcAft>
+                    <a:spcPct val="0"/>
+                  </a:spcAft>
+                  <a:buClrTx/>
+                  <a:buSzTx/>
+                  <a:buFontTx/>
+                  <a:buNone/>
+                  <a:tabLst/>
+                </a:pPr>
+                <a:r>
+                  <a:rPr lang="en-US" sz="3600" dirty="0" smtClean="0"/>
+                  <a:t>id</a:t>
+                </a:r>
+                <a:endParaRPr kumimoji="0" lang="en-US" sz="3600" b="0" i="0" u="none" strike="noStrike" cap="none" normalizeH="0" baseline="0" dirty="0" smtClean="0">
+                  <a:ln>
+                    <a:noFill/>
+                  </a:ln>
+                  <a:solidFill>
+                    <a:schemeClr val="tx1"/>
+                  </a:solidFill>
+                  <a:effectLst/>
+                  <a:latin typeface="Times New Roman" pitchFamily="18" charset="0"/>
+                </a:endParaRPr>
+              </a:p>
+            </p:txBody>
+          </p:sp>
+          <p:sp>
+            <p:nvSpPr>
+              <p:cNvPr id="52" name="Rectangle 51"/>
+              <p:cNvSpPr/>
+              <p:nvPr/>
+            </p:nvSpPr>
+            <p:spPr bwMode="auto">
+              <a:xfrm>
+                <a:off x="19418864" y="21391617"/>
+                <a:ext cx="508952" cy="462684"/>
+              </a:xfrm>
+              <a:prstGeom prst="rect">
+                <a:avLst/>
+              </a:prstGeom>
+              <a:noFill/>
+              <a:ln w="38100" cap="flat" cmpd="sng" algn="ctr">
+                <a:solidFill>
+                  <a:schemeClr val="tx1"/>
+                </a:solidFill>
+                <a:prstDash val="solid"/>
+                <a:miter lim="800000"/>
+                <a:headEnd type="none" w="med" len="med"/>
+                <a:tailEnd type="none" w="med" len="med"/>
+              </a:ln>
+              <a:effectLst/>
+            </p:spPr>
+            <p:txBody>
+              <a:bodyPr vert="horz" wrap="none" lIns="91440" tIns="45720" rIns="91440" bIns="45720" numCol="1" rtlCol="0" anchor="ctr" anchorCtr="0" compatLnSpc="1">
+                <a:prstTxWarp prst="textNoShape">
+                  <a:avLst/>
+                </a:prstTxWarp>
+              </a:bodyPr>
+              <a:lstStyle/>
+              <a:p>
+                <a:pPr marL="0" marR="0" indent="0" algn="ctr" defTabSz="874713" rtl="0" eaLnBrk="1" fontAlgn="base" latinLnBrk="0" hangingPunct="1">
+                  <a:lnSpc>
+                    <a:spcPct val="100000"/>
+                  </a:lnSpc>
+                  <a:spcBef>
+                    <a:spcPct val="0"/>
+                  </a:spcBef>
+                  <a:spcAft>
+                    <a:spcPct val="0"/>
+                  </a:spcAft>
+                  <a:buClrTx/>
+                  <a:buSzTx/>
+                  <a:buFontTx/>
+                  <a:buNone/>
+                  <a:tabLst/>
+                </a:pPr>
+                <a:r>
+                  <a:rPr lang="en-US" sz="3600" dirty="0" smtClean="0"/>
+                  <a:t>id</a:t>
+                </a:r>
+                <a:endParaRPr kumimoji="0" lang="en-US" sz="3600" b="0" i="0" u="none" strike="noStrike" cap="none" normalizeH="0" baseline="0" dirty="0" smtClean="0">
+                  <a:ln>
+                    <a:noFill/>
+                  </a:ln>
+                  <a:solidFill>
+                    <a:schemeClr val="tx1"/>
+                  </a:solidFill>
+                  <a:effectLst/>
+                  <a:latin typeface="Times New Roman" pitchFamily="18" charset="0"/>
+                </a:endParaRPr>
+              </a:p>
+            </p:txBody>
+          </p:sp>
+          <p:cxnSp>
+            <p:nvCxnSpPr>
+              <p:cNvPr id="62" name="Straight Arrow Connector 61"/>
+              <p:cNvCxnSpPr/>
+              <p:nvPr/>
+            </p:nvCxnSpPr>
+            <p:spPr bwMode="auto">
+              <a:xfrm flipH="1">
+                <a:off x="19791365" y="21051038"/>
+                <a:ext cx="417862" cy="333775"/>
+              </a:xfrm>
+              <a:prstGeom prst="straightConnector1">
+                <a:avLst/>
+              </a:prstGeom>
+              <a:solidFill>
+                <a:schemeClr val="accent1"/>
+              </a:solidFill>
+              <a:ln w="38100" cap="flat" cmpd="sng" algn="ctr">
+                <a:solidFill>
+                  <a:schemeClr val="tx1"/>
+                </a:solidFill>
+                <a:prstDash val="solid"/>
+                <a:miter lim="800000"/>
+                <a:headEnd type="none" w="med" len="med"/>
+                <a:tailEnd type="triangle"/>
+              </a:ln>
+              <a:effectLst/>
+            </p:spPr>
+          </p:cxnSp>
+          <p:cxnSp>
+            <p:nvCxnSpPr>
+              <p:cNvPr id="63" name="Straight Arrow Connector 62"/>
+              <p:cNvCxnSpPr/>
+              <p:nvPr/>
+            </p:nvCxnSpPr>
+            <p:spPr bwMode="auto">
+              <a:xfrm>
+                <a:off x="20537527" y="21053818"/>
+                <a:ext cx="419391" cy="330994"/>
+              </a:xfrm>
+              <a:prstGeom prst="straightConnector1">
+                <a:avLst/>
+              </a:prstGeom>
+              <a:solidFill>
+                <a:schemeClr val="accent1"/>
+              </a:solidFill>
+              <a:ln w="38100" cap="flat" cmpd="sng" algn="ctr">
+                <a:solidFill>
+                  <a:schemeClr val="tx1"/>
+                </a:solidFill>
+                <a:prstDash val="solid"/>
+                <a:miter lim="800000"/>
+                <a:headEnd type="none" w="med" len="med"/>
+                <a:tailEnd type="triangle"/>
+              </a:ln>
+              <a:effectLst/>
+            </p:spPr>
+          </p:cxnSp>
+        </p:grpSp>
+        <p:cxnSp>
+          <p:nvCxnSpPr>
+            <p:cNvPr id="66" name="Straight Arrow Connector 65"/>
+            <p:cNvCxnSpPr/>
+            <p:nvPr/>
+          </p:nvCxnSpPr>
+          <p:spPr bwMode="auto">
+            <a:xfrm>
+              <a:off x="20729409" y="22236660"/>
+              <a:ext cx="1035315" cy="0"/>
+            </a:xfrm>
+            <a:prstGeom prst="straightConnector1">
+              <a:avLst/>
+            </a:prstGeom>
+            <a:solidFill>
               <a:schemeClr val="accent1"/>
+            </a:solidFill>
+            <a:ln w="127000" cap="flat" cmpd="sng" algn="ctr">
+              <a:solidFill>
+                <a:schemeClr val="tx1"/>
+              </a:solidFill>
+              <a:prstDash val="solid"/>
+              <a:miter lim="800000"/>
+              <a:headEnd type="none" w="med" len="med"/>
+              <a:tailEnd type="triangle"/>
+            </a:ln>
+            <a:effectLst/>
+          </p:spPr>
+        </p:cxnSp>
+      </p:grpSp>
+      <p:cxnSp>
+        <p:nvCxnSpPr>
+          <p:cNvPr id="71" name="Straight Arrow Connector 70"/>
+          <p:cNvCxnSpPr/>
+          <p:nvPr/>
+        </p:nvCxnSpPr>
+        <p:spPr bwMode="auto">
+          <a:xfrm>
+            <a:off x="30311721" y="18141704"/>
+            <a:ext cx="2" cy="1035315"/>
+          </a:xfrm>
+          <a:prstGeom prst="straightConnector1">
+            <a:avLst/>
+          </a:prstGeom>
+          <a:solidFill>
+            <a:schemeClr val="accent1"/>
+          </a:solidFill>
+          <a:ln w="127000" cap="flat" cmpd="sng" algn="ctr">
+            <a:solidFill>
+              <a:schemeClr val="tx1"/>
+            </a:solidFill>
+            <a:prstDash val="solid"/>
+            <a:miter lim="800000"/>
+            <a:headEnd type="none" w="med" len="med"/>
+            <a:tailEnd type="triangle"/>
+          </a:ln>
+          <a:effectLst/>
+        </p:spPr>
+      </p:cxnSp>
+      <p:sp>
+        <p:nvSpPr>
+          <p:cNvPr id="12" name="Snip Single Corner Rectangle 11"/>
+          <p:cNvSpPr/>
+          <p:nvPr/>
+        </p:nvSpPr>
+        <p:spPr bwMode="auto">
+          <a:xfrm>
+            <a:off x="-9233479" y="28211763"/>
+            <a:ext cx="2286000" cy="2446614"/>
+          </a:xfrm>
+          <a:prstGeom prst="snip1Rect">
+            <a:avLst/>
+          </a:prstGeom>
+          <a:solidFill>
+            <a:schemeClr val="tx1">
+              <a:lumMod val="10000"/>
+              <a:lumOff val="90000"/>
+            </a:schemeClr>
+          </a:solidFill>
+          <a:ln w="9525" cap="flat" cmpd="sng" algn="ctr">
+            <a:solidFill>
+              <a:schemeClr val="tx1"/>
+            </a:solidFill>
+            <a:prstDash val="solid"/>
+            <a:miter lim="800000"/>
+            <a:headEnd type="none" w="med" len="med"/>
+            <a:tailEnd type="none" w="med" len="med"/>
+          </a:ln>
+          <a:effectLst/>
+        </p:spPr>
+        <p:txBody>
+          <a:bodyPr vert="horz" wrap="none" lIns="91440" tIns="45720" rIns="91440" bIns="45720" numCol="1" rtlCol="0" anchor="t" anchorCtr="0" compatLnSpc="1">
+            <a:prstTxWarp prst="textNoShape">
+              <a:avLst/>
+            </a:prstTxWarp>
+          </a:bodyPr>
+          <a:lstStyle/>
+          <a:p>
+            <a:pPr marL="0" marR="0" indent="0" algn="l" defTabSz="874713" rtl="0" eaLnBrk="1" fontAlgn="base" latinLnBrk="0" hangingPunct="1">
+              <a:lnSpc>
+                <a:spcPct val="100000"/>
+              </a:lnSpc>
+              <a:spcBef>
+                <a:spcPct val="0"/>
+              </a:spcBef>
+              <a:spcAft>
+                <a:spcPct val="0"/>
+              </a:spcAft>
+              <a:buClrTx/>
+              <a:buSzTx/>
+              <a:buFontTx/>
+              <a:buNone/>
+              <a:tabLst/>
+            </a:pPr>
+            <a:r>
+              <a:rPr lang="en-US" sz="2300" u="sng" dirty="0" smtClean="0"/>
+              <a:t>Source code:</a:t>
+            </a:r>
+          </a:p>
+          <a:p>
+            <a:pPr marL="0" marR="0" indent="0" algn="l" defTabSz="874713" rtl="0" eaLnBrk="1" fontAlgn="base" latinLnBrk="0" hangingPunct="1">
+              <a:lnSpc>
+                <a:spcPct val="100000"/>
+              </a:lnSpc>
+              <a:spcBef>
+                <a:spcPct val="0"/>
+              </a:spcBef>
+              <a:spcAft>
+                <a:spcPct val="0"/>
+              </a:spcAft>
+              <a:buClrTx/>
+              <a:buSzTx/>
+              <a:buFontTx/>
+              <a:buNone/>
+              <a:tabLst/>
+            </a:pPr>
+            <a:endParaRPr lang="en-US" sz="2300" u="sng" dirty="0" smtClean="0"/>
+          </a:p>
+          <a:p>
+            <a:pPr marL="0" marR="0" indent="0" algn="l" defTabSz="874713" rtl="0" eaLnBrk="1" fontAlgn="base" latinLnBrk="0" hangingPunct="1">
+              <a:lnSpc>
+                <a:spcPct val="100000"/>
+              </a:lnSpc>
+              <a:spcBef>
+                <a:spcPct val="0"/>
+              </a:spcBef>
+              <a:spcAft>
+                <a:spcPct val="0"/>
+              </a:spcAft>
+              <a:buClrTx/>
+              <a:buSzTx/>
+              <a:buFontTx/>
+              <a:buNone/>
+              <a:tabLst/>
+            </a:pPr>
+            <a:r>
+              <a:rPr lang="en-US" sz="2300" dirty="0" smtClean="0"/>
+              <a:t>#include&lt;</a:t>
+            </a:r>
+            <a:r>
+              <a:rPr lang="en-US" sz="2300" dirty="0" err="1" smtClean="0"/>
+              <a:t>stdlib.h</a:t>
+            </a:r>
+            <a:r>
+              <a:rPr lang="en-US" sz="2300" dirty="0" smtClean="0"/>
+              <a:t>&gt;</a:t>
+            </a:r>
+            <a:br>
+              <a:rPr lang="en-US" sz="2300" dirty="0" smtClean="0"/>
+            </a:br>
+            <a:r>
+              <a:rPr lang="en-US" sz="2300" dirty="0" err="1" smtClean="0"/>
+              <a:t>int</a:t>
+            </a:r>
+            <a:r>
+              <a:rPr lang="en-US" sz="2300" dirty="0" smtClean="0"/>
+              <a:t> main(...) {</a:t>
+            </a:r>
+          </a:p>
+          <a:p>
+            <a:pPr marL="0" marR="0" indent="0" algn="l" defTabSz="874713" rtl="0" eaLnBrk="1" fontAlgn="base" latinLnBrk="0" hangingPunct="1">
+              <a:lnSpc>
+                <a:spcPct val="100000"/>
+              </a:lnSpc>
+              <a:spcBef>
+                <a:spcPct val="0"/>
+              </a:spcBef>
+              <a:spcAft>
+                <a:spcPct val="0"/>
+              </a:spcAft>
+              <a:buClrTx/>
+              <a:buSzTx/>
+              <a:buFontTx/>
+              <a:buNone/>
+              <a:tabLst/>
+            </a:pPr>
+            <a:r>
+              <a:rPr lang="en-US" sz="2300" dirty="0" smtClean="0"/>
+              <a:t>…</a:t>
+            </a:r>
+          </a:p>
+          <a:p>
+            <a:pPr marL="0" marR="0" indent="0" algn="l" defTabSz="874713" rtl="0" eaLnBrk="1" fontAlgn="base" latinLnBrk="0" hangingPunct="1">
+              <a:lnSpc>
+                <a:spcPct val="100000"/>
+              </a:lnSpc>
+              <a:spcBef>
+                <a:spcPct val="0"/>
+              </a:spcBef>
+              <a:spcAft>
+                <a:spcPct val="0"/>
+              </a:spcAft>
+              <a:buClrTx/>
+              <a:buSzTx/>
+              <a:buFontTx/>
+              <a:buNone/>
+              <a:tabLst/>
+            </a:pPr>
+            <a:r>
+              <a:rPr lang="en-US" sz="2300" dirty="0"/>
+              <a:t>}</a:t>
+            </a:r>
+            <a:endParaRPr lang="en-US" sz="2300" dirty="0" smtClean="0"/>
+          </a:p>
+        </p:txBody>
+      </p:sp>
+      <p:sp>
+        <p:nvSpPr>
+          <p:cNvPr id="64" name="Snip Single Corner Rectangle 63"/>
+          <p:cNvSpPr/>
+          <p:nvPr/>
+        </p:nvSpPr>
+        <p:spPr bwMode="auto">
+          <a:xfrm>
+            <a:off x="-5766379" y="28211763"/>
+            <a:ext cx="2286000" cy="2446614"/>
+          </a:xfrm>
+          <a:prstGeom prst="snip1Rect">
+            <a:avLst/>
+          </a:prstGeom>
+          <a:solidFill>
+            <a:schemeClr val="tx1">
+              <a:lumMod val="10000"/>
+              <a:lumOff val="90000"/>
+            </a:schemeClr>
+          </a:solidFill>
+          <a:ln w="9525" cap="flat" cmpd="sng" algn="ctr">
+            <a:solidFill>
+              <a:schemeClr val="tx1"/>
+            </a:solidFill>
+            <a:prstDash val="solid"/>
+            <a:miter lim="800000"/>
+            <a:headEnd type="none" w="med" len="med"/>
+            <a:tailEnd type="none" w="med" len="med"/>
+          </a:ln>
+          <a:effectLst/>
+        </p:spPr>
+        <p:txBody>
+          <a:bodyPr vert="horz" wrap="none" lIns="91440" tIns="45720" rIns="91440" bIns="45720" numCol="1" rtlCol="0" anchor="t" anchorCtr="0" compatLnSpc="1">
+            <a:prstTxWarp prst="textNoShape">
+              <a:avLst/>
+            </a:prstTxWarp>
+          </a:bodyPr>
+          <a:lstStyle/>
+          <a:p>
+            <a:pPr marL="0" marR="0" indent="0" algn="l" defTabSz="874713" rtl="0" eaLnBrk="1" fontAlgn="base" latinLnBrk="0" hangingPunct="1">
+              <a:lnSpc>
+                <a:spcPct val="100000"/>
+              </a:lnSpc>
+              <a:spcBef>
+                <a:spcPct val="0"/>
+              </a:spcBef>
+              <a:spcAft>
+                <a:spcPct val="0"/>
+              </a:spcAft>
+              <a:buClrTx/>
+              <a:buSzTx/>
+              <a:buFontTx/>
+              <a:buNone/>
+              <a:tabLst/>
+            </a:pPr>
+            <a:r>
+              <a:rPr lang="en-US" sz="2300" u="sng" dirty="0" smtClean="0"/>
+              <a:t>LLVM IR:</a:t>
+            </a:r>
+          </a:p>
+          <a:p>
+            <a:pPr marL="0" marR="0" indent="0" algn="l" defTabSz="874713" rtl="0" eaLnBrk="1" fontAlgn="base" latinLnBrk="0" hangingPunct="1">
+              <a:lnSpc>
+                <a:spcPct val="100000"/>
+              </a:lnSpc>
+              <a:spcBef>
+                <a:spcPct val="0"/>
+              </a:spcBef>
+              <a:spcAft>
+                <a:spcPct val="0"/>
+              </a:spcAft>
+              <a:buClrTx/>
+              <a:buSzTx/>
+              <a:buFontTx/>
+              <a:buNone/>
+              <a:tabLst/>
+            </a:pPr>
+            <a:endParaRPr lang="en-US" sz="2300" u="sng" dirty="0" smtClean="0"/>
+          </a:p>
+          <a:p>
+            <a:pPr marL="0" marR="0" indent="0" algn="l" defTabSz="874713" rtl="0" eaLnBrk="1" fontAlgn="base" latinLnBrk="0" hangingPunct="1">
+              <a:lnSpc>
+                <a:spcPct val="100000"/>
+              </a:lnSpc>
+              <a:spcBef>
+                <a:spcPct val="0"/>
+              </a:spcBef>
+              <a:spcAft>
+                <a:spcPct val="0"/>
+              </a:spcAft>
+              <a:buClrTx/>
+              <a:buSzTx/>
+              <a:buFontTx/>
+              <a:buNone/>
+              <a:tabLst/>
+            </a:pPr>
+            <a:endParaRPr lang="en-US" sz="2300" dirty="0" smtClean="0"/>
+          </a:p>
+        </p:txBody>
+      </p:sp>
+      <p:sp>
+        <p:nvSpPr>
+          <p:cNvPr id="65" name="Snip Single Corner Rectangle 64"/>
+          <p:cNvSpPr/>
+          <p:nvPr/>
+        </p:nvSpPr>
+        <p:spPr bwMode="auto">
+          <a:xfrm>
+            <a:off x="-2556867" y="28243835"/>
+            <a:ext cx="2286000" cy="2446614"/>
+          </a:xfrm>
+          <a:prstGeom prst="snip1Rect">
+            <a:avLst/>
+          </a:prstGeom>
+          <a:solidFill>
+            <a:schemeClr val="tx1">
+              <a:lumMod val="10000"/>
+              <a:lumOff val="90000"/>
+            </a:schemeClr>
+          </a:solidFill>
+          <a:ln w="9525" cap="flat" cmpd="sng" algn="ctr">
+            <a:solidFill>
+              <a:schemeClr val="tx1"/>
+            </a:solidFill>
+            <a:prstDash val="solid"/>
+            <a:miter lim="800000"/>
+            <a:headEnd type="none" w="med" len="med"/>
+            <a:tailEnd type="none" w="med" len="med"/>
+          </a:ln>
+          <a:effectLst/>
+        </p:spPr>
+        <p:txBody>
+          <a:bodyPr vert="horz" wrap="none" lIns="91440" tIns="45720" rIns="91440" bIns="45720" numCol="1" rtlCol="0" anchor="t" anchorCtr="0" compatLnSpc="1">
+            <a:prstTxWarp prst="textNoShape">
+              <a:avLst/>
+            </a:prstTxWarp>
+          </a:bodyPr>
+          <a:lstStyle/>
+          <a:p>
+            <a:pPr marL="0" marR="0" indent="0" algn="l" defTabSz="874713" rtl="0" eaLnBrk="1" fontAlgn="base" latinLnBrk="0" hangingPunct="1">
+              <a:lnSpc>
+                <a:spcPct val="100000"/>
+              </a:lnSpc>
+              <a:spcBef>
+                <a:spcPct val="0"/>
+              </a:spcBef>
+              <a:spcAft>
+                <a:spcPct val="0"/>
+              </a:spcAft>
+              <a:buClrTx/>
+              <a:buSzTx/>
+              <a:buFontTx/>
+              <a:buNone/>
+              <a:tabLst/>
+            </a:pPr>
+            <a:r>
+              <a:rPr lang="en-US" sz="2300" u="sng" dirty="0" smtClean="0"/>
+              <a:t>LLVM IR:</a:t>
+            </a:r>
+          </a:p>
+          <a:p>
+            <a:pPr marL="0" marR="0" indent="0" algn="l" defTabSz="874713" rtl="0" eaLnBrk="1" fontAlgn="base" latinLnBrk="0" hangingPunct="1">
+              <a:lnSpc>
+                <a:spcPct val="100000"/>
+              </a:lnSpc>
+              <a:spcBef>
+                <a:spcPct val="0"/>
+              </a:spcBef>
+              <a:spcAft>
+                <a:spcPct val="0"/>
+              </a:spcAft>
+              <a:buClrTx/>
+              <a:buSzTx/>
+              <a:buFontTx/>
+              <a:buNone/>
+              <a:tabLst/>
+            </a:pPr>
+            <a:endParaRPr lang="en-US" sz="2300" u="sng" dirty="0" smtClean="0"/>
+          </a:p>
+          <a:p>
+            <a:pPr marL="0" marR="0" indent="0" algn="l" defTabSz="874713" rtl="0" eaLnBrk="1" fontAlgn="base" latinLnBrk="0" hangingPunct="1">
+              <a:lnSpc>
+                <a:spcPct val="100000"/>
+              </a:lnSpc>
+              <a:spcBef>
+                <a:spcPct val="0"/>
+              </a:spcBef>
+              <a:spcAft>
+                <a:spcPct val="0"/>
+              </a:spcAft>
+              <a:buClrTx/>
+              <a:buSzTx/>
+              <a:buFontTx/>
+              <a:buNone/>
+              <a:tabLst/>
+            </a:pPr>
+            <a:endParaRPr lang="en-US" sz="2300" dirty="0" smtClean="0"/>
+          </a:p>
+        </p:txBody>
+      </p:sp>
+      <p:pic>
+        <p:nvPicPr>
+          <p:cNvPr id="15" name="Picture 14"/>
+          <p:cNvPicPr>
+            <a:picLocks noChangeAspect="1"/>
+          </p:cNvPicPr>
+          <p:nvPr/>
+        </p:nvPicPr>
+        <p:blipFill>
+          <a:blip r:embed="rId4">
+            <a:extLst>
+              <a:ext uri="{28A0092B-C50C-407E-A947-70E740481C1C}">
+                <a14:useLocalDpi xmlns:a14="http://schemas.microsoft.com/office/drawing/2010/main" val="0"/>
+              </a:ext>
+            </a:extLst>
+          </a:blip>
+          <a:stretch>
+            <a:fillRect/>
+          </a:stretch>
+        </p:blipFill>
+        <p:spPr>
+          <a:xfrm>
+            <a:off x="1935499" y="26771003"/>
+            <a:ext cx="8625801" cy="3063991"/>
+          </a:xfrm>
+          <a:prstGeom prst="rect">
+            <a:avLst/>
+          </a:prstGeom>
+        </p:spPr>
+      </p:pic>
+      <p:grpSp>
+        <p:nvGrpSpPr>
+          <p:cNvPr id="33" name="Group 32"/>
+          <p:cNvGrpSpPr/>
+          <p:nvPr/>
+        </p:nvGrpSpPr>
+        <p:grpSpPr>
+          <a:xfrm>
+            <a:off x="27657293" y="6813176"/>
+            <a:ext cx="3591170" cy="5455379"/>
+            <a:chOff x="22697830" y="18574569"/>
+            <a:chExt cx="3591170" cy="5455379"/>
+          </a:xfrm>
+        </p:grpSpPr>
+        <p:sp>
+          <p:nvSpPr>
+            <p:cNvPr id="17" name="Rectangle 16"/>
+            <p:cNvSpPr/>
+            <p:nvPr/>
+          </p:nvSpPr>
+          <p:spPr bwMode="auto">
+            <a:xfrm>
+              <a:off x="22707600" y="19605058"/>
+              <a:ext cx="3581400" cy="2057899"/>
+            </a:xfrm>
+            <a:prstGeom prst="rect">
+              <a:avLst/>
+            </a:prstGeom>
+            <a:solidFill>
+              <a:schemeClr val="accent5">
+                <a:lumMod val="60000"/>
+                <a:lumOff val="40000"/>
+              </a:schemeClr>
             </a:solidFill>
             <a:ln w="9525" cap="flat" cmpd="sng" algn="ctr">
               <a:solidFill>
@@ -6150,10 +8189,113 @@
                 <a:tabLst/>
               </a:pPr>
               <a:r>
-                <a:rPr lang="en-US" sz="3600" dirty="0" err="1" smtClean="0"/>
-                <a:t>Lexer</a:t>
+                <a:rPr kumimoji="0" lang="en-US" sz="2300" b="0" i="0" u="none" strike="noStrike" cap="none" normalizeH="0" baseline="0" dirty="0" smtClean="0">
+                  <a:ln>
+                    <a:noFill/>
+                  </a:ln>
+                  <a:solidFill>
+                    <a:schemeClr val="tx1"/>
+                  </a:solidFill>
+                  <a:effectLst/>
+                  <a:latin typeface="Times New Roman" pitchFamily="18" charset="0"/>
+                </a:rPr>
+                <a:t>…</a:t>
               </a:r>
-              <a:endParaRPr kumimoji="0" lang="en-US" sz="3600" b="0" i="0" u="none" strike="noStrike" cap="none" normalizeH="0" baseline="0" dirty="0" smtClean="0">
+              <a:br>
+                <a:rPr kumimoji="0" lang="en-US" sz="2300" b="0" i="0" u="none" strike="noStrike" cap="none" normalizeH="0" baseline="0" dirty="0" smtClean="0">
+                  <a:ln>
+                    <a:noFill/>
+                  </a:ln>
+                  <a:solidFill>
+                    <a:schemeClr val="tx1"/>
+                  </a:solidFill>
+                  <a:effectLst/>
+                  <a:latin typeface="Times New Roman" pitchFamily="18" charset="0"/>
+                </a:rPr>
+              </a:br>
+              <a:r>
+                <a:rPr kumimoji="0" lang="en-US" sz="2300" b="0" i="0" u="none" strike="noStrike" cap="none" normalizeH="0" baseline="0" dirty="0" smtClean="0">
+                  <a:ln>
+                    <a:noFill/>
+                  </a:ln>
+                  <a:solidFill>
+                    <a:schemeClr val="tx1"/>
+                  </a:solidFill>
+                  <a:effectLst/>
+                  <a:latin typeface="Times New Roman" pitchFamily="18" charset="0"/>
+                </a:rPr>
+                <a:t>Space for stack and </a:t>
+              </a:r>
+            </a:p>
+            <a:p>
+              <a:pPr marL="0" marR="0" indent="0" algn="ctr" defTabSz="874713" rtl="0" eaLnBrk="1" fontAlgn="base" latinLnBrk="0" hangingPunct="1">
+                <a:lnSpc>
+                  <a:spcPct val="100000"/>
+                </a:lnSpc>
+                <a:spcBef>
+                  <a:spcPct val="0"/>
+                </a:spcBef>
+                <a:spcAft>
+                  <a:spcPct val="0"/>
+                </a:spcAft>
+                <a:buClrTx/>
+                <a:buSzTx/>
+                <a:buFontTx/>
+                <a:buNone/>
+                <a:tabLst/>
+              </a:pPr>
+              <a:r>
+                <a:rPr kumimoji="0" lang="en-US" sz="2300" b="0" i="0" u="none" strike="noStrike" cap="none" normalizeH="0" baseline="0" dirty="0" smtClean="0">
+                  <a:ln>
+                    <a:noFill/>
+                  </a:ln>
+                  <a:solidFill>
+                    <a:schemeClr val="tx1"/>
+                  </a:solidFill>
+                  <a:effectLst/>
+                  <a:latin typeface="Times New Roman" pitchFamily="18" charset="0"/>
+                </a:rPr>
+                <a:t>heap</a:t>
+              </a:r>
+              <a:r>
+                <a:rPr kumimoji="0" lang="en-US" sz="2300" b="0" i="0" u="none" strike="noStrike" cap="none" normalizeH="0" dirty="0" smtClean="0">
+                  <a:ln>
+                    <a:noFill/>
+                  </a:ln>
+                  <a:solidFill>
+                    <a:schemeClr val="tx1"/>
+                  </a:solidFill>
+                  <a:effectLst/>
+                  <a:latin typeface="Times New Roman" pitchFamily="18" charset="0"/>
+                </a:rPr>
+                <a:t> to grow into</a:t>
+              </a:r>
+              <a:br>
+                <a:rPr kumimoji="0" lang="en-US" sz="2300" b="0" i="0" u="none" strike="noStrike" cap="none" normalizeH="0" dirty="0" smtClean="0">
+                  <a:ln>
+                    <a:noFill/>
+                  </a:ln>
+                  <a:solidFill>
+                    <a:schemeClr val="tx1"/>
+                  </a:solidFill>
+                  <a:effectLst/>
+                  <a:latin typeface="Times New Roman" pitchFamily="18" charset="0"/>
+                </a:rPr>
+              </a:br>
+              <a:r>
+                <a:rPr kumimoji="0" lang="en-US" sz="2300" b="0" i="0" u="none" strike="noStrike" cap="none" normalizeH="0" dirty="0" smtClean="0">
+                  <a:ln>
+                    <a:noFill/>
+                  </a:ln>
+                  <a:solidFill>
+                    <a:schemeClr val="tx1"/>
+                  </a:solidFill>
+                  <a:effectLst/>
+                  <a:latin typeface="Times New Roman" pitchFamily="18" charset="0"/>
+                </a:rPr>
+                <a:t>…</a:t>
+              </a:r>
+              <a:endParaRPr kumimoji="0" lang="en-US" sz="2300" b="0" i="0" u="none" strike="noStrike" cap="none" normalizeH="0" baseline="0" dirty="0" smtClean="0">
                 <a:ln>
                   <a:noFill/>
                 </a:ln>
@@ -6168,20 +8310,1353 @@
         </p:sp>
         <p:sp>
           <p:nvSpPr>
-            <p:cNvPr id="8" name="Left Bracket 7"/>
+            <p:cNvPr id="69" name="Rectangle 68"/>
             <p:cNvSpPr/>
             <p:nvPr/>
           </p:nvSpPr>
           <p:spPr bwMode="auto">
-            <a:xfrm rot="5400000">
-              <a:off x="14932959" y="18673107"/>
-              <a:ext cx="842682" cy="4648200"/>
+            <a:xfrm>
+              <a:off x="22707600" y="21627791"/>
+              <a:ext cx="3581400" cy="1013526"/>
             </a:xfrm>
-            <a:prstGeom prst="leftBracket">
+            <a:prstGeom prst="rect">
+              <a:avLst/>
+            </a:prstGeom>
+            <a:solidFill>
+              <a:schemeClr val="accent5">
+                <a:lumMod val="60000"/>
+                <a:lumOff val="40000"/>
+              </a:schemeClr>
+            </a:solidFill>
+            <a:ln w="9525" cap="flat" cmpd="sng" algn="ctr">
+              <a:solidFill>
+                <a:schemeClr val="tx1"/>
+              </a:solidFill>
+              <a:prstDash val="solid"/>
+              <a:miter lim="800000"/>
+              <a:headEnd type="none" w="med" len="med"/>
+              <a:tailEnd type="none" w="med" len="med"/>
+            </a:ln>
+            <a:effectLst/>
+          </p:spPr>
+          <p:txBody>
+            <a:bodyPr vert="horz" wrap="none" lIns="91440" tIns="45720" rIns="91440" bIns="45720" numCol="1" rtlCol="0" anchor="ctr" anchorCtr="0" compatLnSpc="1">
+              <a:prstTxWarp prst="textNoShape">
+                <a:avLst/>
+              </a:prstTxWarp>
+            </a:bodyPr>
+            <a:lstStyle/>
+            <a:p>
+              <a:pPr marL="0" marR="0" indent="0" algn="ctr" defTabSz="874713" rtl="0" eaLnBrk="1" fontAlgn="base" latinLnBrk="0" hangingPunct="1">
+                <a:lnSpc>
+                  <a:spcPct val="100000"/>
+                </a:lnSpc>
+                <a:spcBef>
+                  <a:spcPct val="0"/>
+                </a:spcBef>
+                <a:spcAft>
+                  <a:spcPct val="0"/>
+                </a:spcAft>
+                <a:buClrTx/>
+                <a:buSzTx/>
+                <a:buFontTx/>
+                <a:buNone/>
+                <a:tabLst/>
+              </a:pPr>
+              <a:r>
+                <a:rPr kumimoji="0" lang="en-US" sz="2300" b="0" i="0" u="none" strike="noStrike" cap="none" normalizeH="0" baseline="0" dirty="0" smtClean="0">
+                  <a:ln>
+                    <a:noFill/>
+                  </a:ln>
+                  <a:solidFill>
+                    <a:schemeClr val="tx1"/>
+                  </a:solidFill>
+                  <a:effectLst/>
+                  <a:latin typeface="Times New Roman" pitchFamily="18" charset="0"/>
+                </a:rPr>
+                <a:t>Runtime Heap</a:t>
+              </a:r>
+              <a:endParaRPr kumimoji="0" lang="en-US" sz="2300" b="0" i="0" u="none" strike="noStrike" cap="none" normalizeH="0" baseline="0" dirty="0" smtClean="0">
+                <a:ln>
+                  <a:noFill/>
+                </a:ln>
+                <a:solidFill>
+                  <a:schemeClr val="tx1"/>
+                </a:solidFill>
+                <a:effectLst/>
+                <a:latin typeface="Times New Roman" pitchFamily="18" charset="0"/>
+              </a:endParaRPr>
+            </a:p>
+          </p:txBody>
+        </p:sp>
+        <p:sp>
+          <p:nvSpPr>
+            <p:cNvPr id="72" name="Rectangle 71"/>
+            <p:cNvSpPr/>
+            <p:nvPr/>
+          </p:nvSpPr>
+          <p:spPr bwMode="auto">
+            <a:xfrm>
+              <a:off x="22707600" y="22641317"/>
+              <a:ext cx="3581400" cy="1388631"/>
+            </a:xfrm>
+            <a:prstGeom prst="rect">
+              <a:avLst/>
+            </a:prstGeom>
+            <a:solidFill>
+              <a:schemeClr val="accent5">
+                <a:lumMod val="60000"/>
+                <a:lumOff val="40000"/>
+              </a:schemeClr>
+            </a:solidFill>
+            <a:ln w="9525" cap="flat" cmpd="sng" algn="ctr">
+              <a:solidFill>
+                <a:schemeClr val="tx1"/>
+              </a:solidFill>
+              <a:prstDash val="solid"/>
+              <a:miter lim="800000"/>
+              <a:headEnd type="none" w="med" len="med"/>
+              <a:tailEnd type="none" w="med" len="med"/>
+            </a:ln>
+            <a:effectLst/>
+          </p:spPr>
+          <p:txBody>
+            <a:bodyPr vert="horz" wrap="none" lIns="91440" tIns="45720" rIns="91440" bIns="45720" numCol="1" rtlCol="0" anchor="ctr" anchorCtr="0" compatLnSpc="1">
+              <a:prstTxWarp prst="textNoShape">
+                <a:avLst/>
+              </a:prstTxWarp>
+            </a:bodyPr>
+            <a:lstStyle/>
+            <a:p>
+              <a:pPr marL="0" marR="0" indent="0" algn="ctr" defTabSz="874713" rtl="0" eaLnBrk="1" fontAlgn="base" latinLnBrk="0" hangingPunct="1">
+                <a:lnSpc>
+                  <a:spcPct val="100000"/>
+                </a:lnSpc>
+                <a:spcBef>
+                  <a:spcPct val="0"/>
+                </a:spcBef>
+                <a:spcAft>
+                  <a:spcPct val="0"/>
+                </a:spcAft>
+                <a:buClrTx/>
+                <a:buSzTx/>
+                <a:buFontTx/>
+                <a:buNone/>
+                <a:tabLst/>
+              </a:pPr>
+              <a:r>
+                <a:rPr kumimoji="0" lang="en-US" sz="2300" b="0" i="0" u="none" strike="noStrike" cap="none" normalizeH="0" baseline="0" dirty="0" smtClean="0">
+                  <a:ln>
+                    <a:noFill/>
+                  </a:ln>
+                  <a:solidFill>
+                    <a:schemeClr val="tx1"/>
+                  </a:solidFill>
+                  <a:effectLst/>
+                  <a:latin typeface="Times New Roman" pitchFamily="18" charset="0"/>
+                </a:rPr>
+                <a:t>Static </a:t>
+              </a:r>
+              <a:endParaRPr kumimoji="0" lang="en-US" sz="2300" b="0" i="0" u="none" strike="noStrike" cap="none" normalizeH="0" baseline="0" dirty="0" smtClean="0">
+                <a:ln>
+                  <a:noFill/>
+                </a:ln>
+                <a:solidFill>
+                  <a:schemeClr val="tx1"/>
+                </a:solidFill>
+                <a:effectLst/>
+                <a:latin typeface="Times New Roman" pitchFamily="18" charset="0"/>
+              </a:endParaRPr>
+            </a:p>
+          </p:txBody>
+        </p:sp>
+        <p:sp>
+          <p:nvSpPr>
+            <p:cNvPr id="73" name="Rectangle 72"/>
+            <p:cNvSpPr/>
+            <p:nvPr/>
+          </p:nvSpPr>
+          <p:spPr bwMode="auto">
+            <a:xfrm>
+              <a:off x="22697830" y="18574569"/>
+              <a:ext cx="3581400" cy="1036080"/>
+            </a:xfrm>
+            <a:prstGeom prst="rect">
+              <a:avLst/>
+            </a:prstGeom>
+            <a:solidFill>
+              <a:schemeClr val="accent5">
+                <a:lumMod val="60000"/>
+                <a:lumOff val="40000"/>
+              </a:schemeClr>
+            </a:solidFill>
+            <a:ln w="9525" cap="flat" cmpd="sng" algn="ctr">
+              <a:solidFill>
+                <a:schemeClr val="tx1"/>
+              </a:solidFill>
+              <a:prstDash val="solid"/>
+              <a:miter lim="800000"/>
+              <a:headEnd type="none" w="med" len="med"/>
+              <a:tailEnd type="none" w="med" len="med"/>
+            </a:ln>
+            <a:effectLst/>
+          </p:spPr>
+          <p:txBody>
+            <a:bodyPr vert="horz" wrap="none" lIns="91440" tIns="45720" rIns="91440" bIns="45720" numCol="1" rtlCol="0" anchor="ctr" anchorCtr="0" compatLnSpc="1">
+              <a:prstTxWarp prst="textNoShape">
+                <a:avLst/>
+              </a:prstTxWarp>
+            </a:bodyPr>
+            <a:lstStyle/>
+            <a:p>
+              <a:pPr marL="0" marR="0" indent="0" algn="ctr" defTabSz="874713" rtl="0" eaLnBrk="1" fontAlgn="base" latinLnBrk="0" hangingPunct="1">
+                <a:lnSpc>
+                  <a:spcPct val="100000"/>
+                </a:lnSpc>
+                <a:spcBef>
+                  <a:spcPct val="0"/>
+                </a:spcBef>
+                <a:spcAft>
+                  <a:spcPct val="0"/>
+                </a:spcAft>
+                <a:buClrTx/>
+                <a:buSzTx/>
+                <a:buFontTx/>
+                <a:buNone/>
+                <a:tabLst/>
+              </a:pPr>
+              <a:r>
+                <a:rPr kumimoji="0" lang="en-US" sz="2300" b="0" i="0" u="none" strike="noStrike" cap="none" normalizeH="0" baseline="0" dirty="0" smtClean="0">
+                  <a:ln>
+                    <a:noFill/>
+                  </a:ln>
+                  <a:solidFill>
+                    <a:schemeClr val="tx1"/>
+                  </a:solidFill>
+                  <a:effectLst/>
+                  <a:latin typeface="Times New Roman" pitchFamily="18" charset="0"/>
+                </a:rPr>
+                <a:t>Runtime Stack</a:t>
+              </a:r>
+              <a:endParaRPr kumimoji="0" lang="en-US" sz="2300" b="0" i="0" u="none" strike="noStrike" cap="none" normalizeH="0" baseline="0" dirty="0" smtClean="0">
+                <a:ln>
+                  <a:noFill/>
+                </a:ln>
+                <a:solidFill>
+                  <a:schemeClr val="tx1"/>
+                </a:solidFill>
+                <a:effectLst/>
+                <a:latin typeface="Times New Roman" pitchFamily="18" charset="0"/>
+              </a:endParaRPr>
+            </a:p>
+          </p:txBody>
+        </p:sp>
+      </p:grpSp>
+      <p:pic>
+        <p:nvPicPr>
+          <p:cNvPr id="18" name="Picture 17"/>
+          <p:cNvPicPr>
+            <a:picLocks noChangeAspect="1"/>
+          </p:cNvPicPr>
+          <p:nvPr/>
+        </p:nvPicPr>
+        <p:blipFill>
+          <a:blip r:embed="rId5">
+            <a:extLst>
+              <a:ext uri="{28A0092B-C50C-407E-A947-70E740481C1C}">
+                <a14:useLocalDpi xmlns:a14="http://schemas.microsoft.com/office/drawing/2010/main" val="0"/>
+              </a:ext>
+            </a:extLst>
+          </a:blip>
+          <a:stretch>
+            <a:fillRect/>
+          </a:stretch>
+        </p:blipFill>
+        <p:spPr>
+          <a:xfrm>
+            <a:off x="1339849" y="30658377"/>
+            <a:ext cx="10893145" cy="4273345"/>
+          </a:xfrm>
+          <a:prstGeom prst="rect">
+            <a:avLst/>
+          </a:prstGeom>
+        </p:spPr>
+      </p:pic>
+      <p:sp>
+        <p:nvSpPr>
+          <p:cNvPr id="20" name="TextBox 19"/>
+          <p:cNvSpPr txBox="1"/>
+          <p:nvPr/>
+        </p:nvSpPr>
+        <p:spPr bwMode="auto">
+          <a:xfrm>
+            <a:off x="12561700" y="26263536"/>
+            <a:ext cx="4266227" cy="6582705"/>
+          </a:xfrm>
+          <a:prstGeom prst="rect">
+            <a:avLst/>
+          </a:prstGeom>
+          <a:solidFill>
+            <a:schemeClr val="bg1"/>
+          </a:solidFill>
+          <a:ln w="38100">
+            <a:solidFill>
+              <a:srgbClr val="000000"/>
+            </a:solidFill>
+            <a:miter lim="800000"/>
+            <a:headEnd/>
+            <a:tailEnd/>
+          </a:ln>
+        </p:spPr>
+        <p:txBody>
+          <a:bodyPr wrap="square" lIns="699201" tIns="699201" rIns="699201" bIns="699201" rtlCol="0">
+            <a:spAutoFit/>
+          </a:bodyPr>
+          <a:lstStyle/>
+          <a:p>
+            <a:pPr marL="287453" indent="-287453">
+              <a:buFont typeface="Arial"/>
+              <a:buChar char="•"/>
+            </a:pPr>
+            <a:r>
+              <a:rPr lang="en-US" sz="2400" dirty="0">
+                <a:latin typeface="Garamond Premr Pro Med"/>
+                <a:cs typeface="Garamond Premr Pro Med"/>
+              </a:rPr>
+              <a:t>Intermediate representations </a:t>
+            </a:r>
+            <a:r>
+              <a:rPr lang="en-US" sz="2400" dirty="0" smtClean="0">
+                <a:latin typeface="Garamond Premr Pro Med"/>
+                <a:cs typeface="Garamond Premr Pro Med"/>
+              </a:rPr>
+              <a:t>(IR</a:t>
+            </a:r>
+            <a:r>
+              <a:rPr lang="en-US" sz="2400" dirty="0">
+                <a:latin typeface="Garamond Premr Pro Med"/>
+                <a:cs typeface="Garamond Premr Pro Med"/>
+              </a:rPr>
+              <a:t>) </a:t>
+            </a:r>
+            <a:r>
+              <a:rPr lang="en-US" sz="2400" dirty="0" smtClean="0">
+                <a:latin typeface="Garamond Premr Pro Med"/>
+                <a:cs typeface="Garamond Premr Pro Med"/>
+              </a:rPr>
+              <a:t>depends </a:t>
+            </a:r>
+            <a:r>
+              <a:rPr lang="en-US" sz="2400" dirty="0">
+                <a:latin typeface="Garamond Premr Pro Med"/>
+                <a:cs typeface="Garamond Premr Pro Med"/>
+              </a:rPr>
+              <a:t>on compiler (e.g., </a:t>
+            </a:r>
+            <a:r>
+              <a:rPr lang="en-US" sz="2400" dirty="0" err="1">
+                <a:latin typeface="Garamond Premr Pro Med"/>
+                <a:cs typeface="Garamond Premr Pro Med"/>
+              </a:rPr>
+              <a:t>gcc</a:t>
+            </a:r>
+            <a:r>
+              <a:rPr lang="en-US" sz="2400" dirty="0">
+                <a:latin typeface="Garamond Premr Pro Med"/>
+                <a:cs typeface="Garamond Premr Pro Med"/>
+              </a:rPr>
+              <a:t> vs. </a:t>
+            </a:r>
+            <a:r>
+              <a:rPr lang="en-US" sz="2400" dirty="0" smtClean="0">
+                <a:latin typeface="Garamond Premr Pro Med"/>
+                <a:cs typeface="Garamond Premr Pro Med"/>
+              </a:rPr>
+              <a:t>clang)</a:t>
+            </a:r>
+            <a:endParaRPr lang="en-US" sz="2400" dirty="0">
+              <a:latin typeface="Garamond Premr Pro Med"/>
+              <a:cs typeface="Garamond Premr Pro Med"/>
+            </a:endParaRPr>
+          </a:p>
+          <a:p>
+            <a:pPr marL="287453" indent="-287453">
+              <a:buFont typeface="Arial"/>
+              <a:buChar char="•"/>
+            </a:pPr>
+            <a:r>
+              <a:rPr lang="en-US" sz="2400" dirty="0">
+                <a:latin typeface="Garamond Premr Pro Med"/>
+                <a:cs typeface="Garamond Premr Pro Med"/>
+              </a:rPr>
+              <a:t>We show an example of the IR that clang generates for a hello </a:t>
+            </a:r>
+            <a:r>
+              <a:rPr lang="en-US" sz="2400" dirty="0" smtClean="0">
+                <a:latin typeface="Garamond Premr Pro Med"/>
+                <a:cs typeface="Garamond Premr Pro Med"/>
+              </a:rPr>
+              <a:t>world program</a:t>
+            </a:r>
+          </a:p>
+          <a:p>
+            <a:pPr marL="287453" indent="-287453">
+              <a:buFont typeface="Arial"/>
+              <a:buChar char="•"/>
+            </a:pPr>
+            <a:r>
+              <a:rPr lang="en-US" sz="2400" dirty="0" smtClean="0">
+                <a:latin typeface="Garamond Premr Pro Med"/>
+                <a:cs typeface="Garamond Premr Pro Med"/>
+              </a:rPr>
+              <a:t>Unlike </a:t>
+            </a:r>
+            <a:r>
+              <a:rPr lang="en-US" sz="2400" dirty="0" err="1" smtClean="0">
+                <a:latin typeface="Garamond Premr Pro Med"/>
+                <a:cs typeface="Garamond Premr Pro Med"/>
+              </a:rPr>
+              <a:t>gcc</a:t>
+            </a:r>
+            <a:r>
+              <a:rPr lang="en-US" sz="2400" dirty="0" smtClean="0">
+                <a:latin typeface="Garamond Premr Pro Med"/>
+                <a:cs typeface="Garamond Premr Pro Med"/>
+              </a:rPr>
+              <a:t>, which uses different IRs for</a:t>
+            </a:r>
+            <a:r>
+              <a:rPr lang="en-US" sz="2400" dirty="0"/>
+              <a:t> </a:t>
+            </a:r>
+            <a:r>
+              <a:rPr lang="en-US" sz="2400" dirty="0" smtClean="0"/>
+              <a:t>each of its passes, clang uses only the LLVM IR for all passes</a:t>
+            </a:r>
+            <a:endParaRPr lang="en-US" sz="2400" dirty="0">
+              <a:latin typeface="Garamond Premr Pro Med"/>
+              <a:cs typeface="Garamond Premr Pro Med"/>
+            </a:endParaRPr>
+          </a:p>
+        </p:txBody>
+      </p:sp>
+      <p:sp>
+        <p:nvSpPr>
+          <p:cNvPr id="31" name="Down Arrow 30"/>
+          <p:cNvSpPr/>
+          <p:nvPr/>
+        </p:nvSpPr>
+        <p:spPr bwMode="auto">
+          <a:xfrm>
+            <a:off x="5376534" y="30033475"/>
+            <a:ext cx="1743729" cy="426421"/>
+          </a:xfrm>
+          <a:prstGeom prst="downArrow">
+            <a:avLst/>
+          </a:prstGeom>
+          <a:solidFill>
+            <a:schemeClr val="tx1"/>
+          </a:solidFill>
+          <a:ln w="9525" cap="flat" cmpd="sng" algn="ctr">
+            <a:solidFill>
+              <a:schemeClr val="tx1"/>
+            </a:solidFill>
+            <a:prstDash val="solid"/>
+            <a:miter lim="800000"/>
+            <a:headEnd type="none" w="med" len="med"/>
+            <a:tailEnd type="none" w="med" len="med"/>
+          </a:ln>
+          <a:effectLst/>
+        </p:spPr>
+        <p:txBody>
+          <a:bodyPr vert="horz" wrap="none" lIns="91440" tIns="45720" rIns="91440" bIns="45720" numCol="1" rtlCol="0" anchor="t" anchorCtr="0" compatLnSpc="1">
+            <a:prstTxWarp prst="textNoShape">
+              <a:avLst/>
+            </a:prstTxWarp>
+          </a:bodyPr>
+          <a:lstStyle/>
+          <a:p>
+            <a:pPr marL="0" marR="0" indent="0" algn="l" defTabSz="874713" rtl="0" eaLnBrk="1" fontAlgn="base" latinLnBrk="0" hangingPunct="1">
+              <a:lnSpc>
+                <a:spcPct val="100000"/>
+              </a:lnSpc>
+              <a:spcBef>
+                <a:spcPct val="0"/>
+              </a:spcBef>
+              <a:spcAft>
+                <a:spcPct val="0"/>
+              </a:spcAft>
+              <a:buClrTx/>
+              <a:buSzTx/>
+              <a:buFontTx/>
+              <a:buNone/>
+              <a:tabLst/>
+            </a:pPr>
+            <a:endParaRPr kumimoji="0" lang="en-US" sz="2300" b="0" i="0" u="none" strike="noStrike" cap="none" normalizeH="0" baseline="0" smtClean="0">
+              <a:ln>
+                <a:noFill/>
+              </a:ln>
+              <a:solidFill>
+                <a:schemeClr val="tx1"/>
+              </a:solidFill>
+              <a:effectLst/>
+              <a:latin typeface="Times New Roman" pitchFamily="18" charset="0"/>
+            </a:endParaRPr>
+          </a:p>
+        </p:txBody>
+      </p:sp>
+      <p:sp>
+        <p:nvSpPr>
+          <p:cNvPr id="75" name="TextBox 74"/>
+          <p:cNvSpPr txBox="1">
+            <a:spLocks/>
+          </p:cNvSpPr>
+          <p:nvPr/>
+        </p:nvSpPr>
+        <p:spPr bwMode="auto">
+          <a:xfrm>
+            <a:off x="1042957" y="26437998"/>
+            <a:ext cx="2316609" cy="822960"/>
+          </a:xfrm>
+          <a:prstGeom prst="rect">
+            <a:avLst/>
+          </a:prstGeom>
+          <a:solidFill>
+            <a:schemeClr val="bg1"/>
+          </a:solidFill>
+          <a:ln w="38100">
+            <a:solidFill>
+              <a:srgbClr val="000000"/>
+            </a:solidFill>
+            <a:miter lim="800000"/>
+            <a:headEnd/>
+            <a:tailEnd/>
+          </a:ln>
+        </p:spPr>
+        <p:txBody>
+          <a:bodyPr wrap="square" lIns="45720" tIns="45720" rIns="45720" bIns="45720" rtlCol="0" anchor="ctr">
+            <a:spAutoFit/>
+          </a:bodyPr>
+          <a:lstStyle/>
+          <a:p>
+            <a:pPr marL="0" marR="0" lvl="0" indent="0" algn="ctr" defTabSz="914400" eaLnBrk="1" fontAlgn="auto" latinLnBrk="0" hangingPunct="1">
+              <a:lnSpc>
+                <a:spcPct val="100000"/>
+              </a:lnSpc>
+              <a:spcBef>
+                <a:spcPts val="0"/>
+              </a:spcBef>
+              <a:spcAft>
+                <a:spcPts val="0"/>
+              </a:spcAft>
+              <a:buClrTx/>
+              <a:buSzTx/>
+              <a:buFontTx/>
+              <a:buNone/>
+              <a:tabLst/>
+              <a:defRPr/>
+            </a:pPr>
+            <a:r>
+              <a:rPr lang="en-US" sz="2400" dirty="0" smtClean="0"/>
+              <a:t>C Source Code</a:t>
+            </a:r>
+            <a:endParaRPr lang="en-US" sz="2400" dirty="0" smtClean="0"/>
+          </a:p>
+        </p:txBody>
+      </p:sp>
+      <p:sp>
+        <p:nvSpPr>
+          <p:cNvPr id="76" name="TextBox 75"/>
+          <p:cNvSpPr txBox="1">
+            <a:spLocks/>
+          </p:cNvSpPr>
+          <p:nvPr/>
+        </p:nvSpPr>
+        <p:spPr bwMode="auto">
+          <a:xfrm>
+            <a:off x="1045986" y="30278969"/>
+            <a:ext cx="2316609" cy="822960"/>
+          </a:xfrm>
+          <a:prstGeom prst="rect">
+            <a:avLst/>
+          </a:prstGeom>
+          <a:solidFill>
+            <a:schemeClr val="bg1"/>
+          </a:solidFill>
+          <a:ln w="38100">
+            <a:solidFill>
+              <a:srgbClr val="000000"/>
+            </a:solidFill>
+            <a:miter lim="800000"/>
+            <a:headEnd/>
+            <a:tailEnd/>
+          </a:ln>
+        </p:spPr>
+        <p:txBody>
+          <a:bodyPr wrap="square" lIns="45720" tIns="45720" rIns="45720" bIns="45720" rtlCol="0" anchor="ctr">
+            <a:spAutoFit/>
+          </a:bodyPr>
+          <a:lstStyle/>
+          <a:p>
+            <a:pPr marL="0" marR="0" lvl="0" indent="0" algn="ctr" defTabSz="914400" eaLnBrk="1" fontAlgn="auto" latinLnBrk="0" hangingPunct="1">
+              <a:lnSpc>
+                <a:spcPct val="100000"/>
+              </a:lnSpc>
+              <a:spcBef>
+                <a:spcPts val="0"/>
+              </a:spcBef>
+              <a:spcAft>
+                <a:spcPts val="0"/>
+              </a:spcAft>
+              <a:buClrTx/>
+              <a:buSzTx/>
+              <a:buFontTx/>
+              <a:buNone/>
+              <a:tabLst/>
+              <a:defRPr/>
+            </a:pPr>
+            <a:r>
+              <a:rPr lang="en-US" sz="2400" smtClean="0"/>
+              <a:t>LLVM IR</a:t>
+            </a:r>
+            <a:endParaRPr lang="en-US" sz="2400" dirty="0" smtClean="0"/>
+          </a:p>
+        </p:txBody>
+      </p:sp>
+      <p:sp>
+        <p:nvSpPr>
+          <p:cNvPr id="78" name="Rectangle 77"/>
+          <p:cNvSpPr/>
+          <p:nvPr/>
+        </p:nvSpPr>
+        <p:spPr bwMode="auto">
+          <a:xfrm>
+            <a:off x="20689759" y="20789451"/>
+            <a:ext cx="5039734" cy="3141625"/>
+          </a:xfrm>
+          <a:prstGeom prst="rect">
+            <a:avLst/>
+          </a:prstGeom>
+          <a:solidFill>
+            <a:schemeClr val="accent5">
+              <a:lumMod val="60000"/>
+              <a:lumOff val="40000"/>
+            </a:schemeClr>
+          </a:solidFill>
+          <a:ln w="9525" cap="flat" cmpd="sng" algn="ctr">
+            <a:solidFill>
+              <a:schemeClr val="tx1"/>
+            </a:solidFill>
+            <a:prstDash val="solid"/>
+            <a:miter lim="800000"/>
+            <a:headEnd type="none" w="med" len="med"/>
+            <a:tailEnd type="none" w="med" len="med"/>
+          </a:ln>
+          <a:effectLst/>
+        </p:spPr>
+        <p:txBody>
+          <a:bodyPr vert="horz" wrap="none" lIns="91440" tIns="45720" rIns="91440" bIns="45720" numCol="1" rtlCol="0" anchor="ctr" anchorCtr="0" compatLnSpc="1">
+            <a:prstTxWarp prst="textNoShape">
+              <a:avLst/>
+            </a:prstTxWarp>
+          </a:bodyPr>
+          <a:lstStyle/>
+          <a:p>
+            <a:pPr marL="0" marR="0" indent="0" defTabSz="874713" rtl="0" eaLnBrk="1" fontAlgn="base" latinLnBrk="0" hangingPunct="1">
+              <a:lnSpc>
+                <a:spcPct val="100000"/>
+              </a:lnSpc>
+              <a:spcBef>
+                <a:spcPct val="0"/>
+              </a:spcBef>
+              <a:spcAft>
+                <a:spcPct val="0"/>
+              </a:spcAft>
+              <a:buClrTx/>
+              <a:buSzTx/>
+              <a:buFontTx/>
+              <a:buNone/>
+              <a:tabLst/>
+            </a:pPr>
+            <a:r>
+              <a:rPr kumimoji="0" lang="en-US" sz="2800" b="1" i="0" u="none" strike="noStrike" cap="none" normalizeH="0" baseline="0" dirty="0" smtClean="0">
+                <a:ln>
+                  <a:noFill/>
+                </a:ln>
+                <a:solidFill>
+                  <a:schemeClr val="tx1"/>
+                </a:solidFill>
+                <a:effectLst/>
+                <a:latin typeface="Times New Roman" pitchFamily="18" charset="0"/>
+              </a:rPr>
+              <a:t>C Runtime Library</a:t>
+            </a:r>
+          </a:p>
+          <a:p>
+            <a:pPr marL="457200" marR="0" indent="-457200" defTabSz="874713" rtl="0" eaLnBrk="1" fontAlgn="base" latinLnBrk="0" hangingPunct="1">
+              <a:lnSpc>
+                <a:spcPct val="100000"/>
+              </a:lnSpc>
+              <a:spcBef>
+                <a:spcPct val="0"/>
+              </a:spcBef>
+              <a:spcAft>
+                <a:spcPct val="0"/>
+              </a:spcAft>
+              <a:buClrTx/>
+              <a:buSzTx/>
+              <a:buFont typeface="Arial" charset="0"/>
+              <a:buChar char="•"/>
+              <a:tabLst/>
+            </a:pPr>
+            <a:r>
+              <a:rPr lang="en-US" sz="2800" dirty="0" smtClean="0"/>
+              <a:t>Compiler and target </a:t>
+            </a:r>
+            <a:br>
+              <a:rPr lang="en-US" sz="2800" dirty="0" smtClean="0"/>
+            </a:br>
+            <a:r>
+              <a:rPr lang="en-US" sz="2800" dirty="0" smtClean="0"/>
+              <a:t>architecture specific</a:t>
+            </a:r>
+          </a:p>
+          <a:p>
+            <a:pPr marL="457200" marR="0" indent="-457200" defTabSz="874713" rtl="0" eaLnBrk="1" fontAlgn="base" latinLnBrk="0" hangingPunct="1">
+              <a:lnSpc>
+                <a:spcPct val="100000"/>
+              </a:lnSpc>
+              <a:spcBef>
+                <a:spcPct val="0"/>
+              </a:spcBef>
+              <a:spcAft>
+                <a:spcPct val="0"/>
+              </a:spcAft>
+              <a:buClrTx/>
+              <a:buSzTx/>
+              <a:buFont typeface="Arial" charset="0"/>
+              <a:buChar char="•"/>
+              <a:tabLst/>
+            </a:pPr>
+            <a:r>
+              <a:rPr kumimoji="0" lang="en-US" sz="2800" b="0" i="0" u="none" strike="noStrike" cap="none" normalizeH="0" baseline="0" dirty="0" smtClean="0">
+                <a:ln>
+                  <a:noFill/>
+                </a:ln>
+                <a:solidFill>
+                  <a:schemeClr val="tx1"/>
+                </a:solidFill>
+                <a:effectLst/>
+                <a:latin typeface="Times New Roman" pitchFamily="18" charset="0"/>
+              </a:rPr>
+              <a:t>Contains low-level</a:t>
+            </a:r>
+            <a:r>
+              <a:rPr kumimoji="0" lang="en-US" sz="2800" b="0" i="0" u="none" strike="noStrike" cap="none" normalizeH="0" dirty="0" smtClean="0">
+                <a:ln>
+                  <a:noFill/>
+                </a:ln>
+                <a:solidFill>
+                  <a:schemeClr val="tx1"/>
+                </a:solidFill>
+                <a:effectLst/>
+                <a:latin typeface="Times New Roman" pitchFamily="18" charset="0"/>
+              </a:rPr>
+              <a:t> routines</a:t>
+            </a:r>
+            <a:br>
+              <a:rPr kumimoji="0" lang="en-US" sz="2800" b="0" i="0" u="none" strike="noStrike" cap="none" normalizeH="0" dirty="0" smtClean="0">
+                <a:ln>
+                  <a:noFill/>
+                </a:ln>
+                <a:solidFill>
+                  <a:schemeClr val="tx1"/>
+                </a:solidFill>
+                <a:effectLst/>
+                <a:latin typeface="Times New Roman" pitchFamily="18" charset="0"/>
+              </a:rPr>
+            </a:br>
+            <a:r>
+              <a:rPr kumimoji="0" lang="en-US" sz="2800" b="0" i="0" u="none" strike="noStrike" cap="none" normalizeH="0" dirty="0" smtClean="0">
+                <a:ln>
+                  <a:noFill/>
+                </a:ln>
+                <a:solidFill>
+                  <a:schemeClr val="tx1"/>
+                </a:solidFill>
+                <a:effectLst/>
+                <a:latin typeface="Times New Roman" pitchFamily="18" charset="0"/>
+              </a:rPr>
+              <a:t>used by the compiler to create</a:t>
+            </a:r>
+            <a:br>
+              <a:rPr kumimoji="0" lang="en-US" sz="2800" b="0" i="0" u="none" strike="noStrike" cap="none" normalizeH="0" dirty="0" smtClean="0">
+                <a:ln>
+                  <a:noFill/>
+                </a:ln>
+                <a:solidFill>
+                  <a:schemeClr val="tx1"/>
+                </a:solidFill>
+                <a:effectLst/>
+                <a:latin typeface="Times New Roman" pitchFamily="18" charset="0"/>
+              </a:rPr>
+            </a:br>
+            <a:r>
+              <a:rPr kumimoji="0" lang="en-US" sz="2800" b="0" i="0" u="none" strike="noStrike" cap="none" normalizeH="0" dirty="0" smtClean="0">
+                <a:ln>
+                  <a:noFill/>
+                </a:ln>
+                <a:solidFill>
+                  <a:schemeClr val="tx1"/>
+                </a:solidFill>
+                <a:effectLst/>
+                <a:latin typeface="Times New Roman" pitchFamily="18" charset="0"/>
+              </a:rPr>
+              <a:t>an executable that can interact</a:t>
+            </a:r>
+            <a:br>
+              <a:rPr kumimoji="0" lang="en-US" sz="2800" b="0" i="0" u="none" strike="noStrike" cap="none" normalizeH="0" dirty="0" smtClean="0">
+                <a:ln>
+                  <a:noFill/>
+                </a:ln>
+                <a:solidFill>
+                  <a:schemeClr val="tx1"/>
+                </a:solidFill>
+                <a:effectLst/>
+                <a:latin typeface="Times New Roman" pitchFamily="18" charset="0"/>
+              </a:rPr>
+            </a:br>
+            <a:r>
+              <a:rPr kumimoji="0" lang="en-US" sz="2800" b="0" i="0" u="none" strike="noStrike" cap="none" normalizeH="0" dirty="0" smtClean="0">
+                <a:ln>
+                  <a:noFill/>
+                </a:ln>
+                <a:solidFill>
+                  <a:schemeClr val="tx1"/>
+                </a:solidFill>
+                <a:effectLst/>
+                <a:latin typeface="Times New Roman" pitchFamily="18" charset="0"/>
+              </a:rPr>
+              <a:t>with the OS through </a:t>
+            </a:r>
+            <a:r>
+              <a:rPr kumimoji="0" lang="en-US" sz="2800" b="0" i="0" u="none" strike="noStrike" cap="none" normalizeH="0" dirty="0" err="1" smtClean="0">
+                <a:ln>
+                  <a:noFill/>
+                </a:ln>
+                <a:solidFill>
+                  <a:schemeClr val="tx1"/>
+                </a:solidFill>
+                <a:effectLst/>
+                <a:latin typeface="Times New Roman" pitchFamily="18" charset="0"/>
+              </a:rPr>
+              <a:t>syscalls</a:t>
+            </a:r>
+            <a:endParaRPr kumimoji="0" lang="en-US" sz="2800" b="0" i="0" u="none" strike="noStrike" cap="none" normalizeH="0" baseline="0" dirty="0" smtClean="0">
+              <a:ln>
+                <a:noFill/>
+              </a:ln>
+              <a:solidFill>
+                <a:schemeClr val="tx1"/>
+              </a:solidFill>
+              <a:effectLst/>
+              <a:latin typeface="Times New Roman" pitchFamily="18" charset="0"/>
+            </a:endParaRPr>
+          </a:p>
+        </p:txBody>
+      </p:sp>
+      <p:sp>
+        <p:nvSpPr>
+          <p:cNvPr id="21" name="Rectangle 20"/>
+          <p:cNvSpPr/>
+          <p:nvPr/>
+        </p:nvSpPr>
+        <p:spPr bwMode="auto">
+          <a:xfrm>
+            <a:off x="8046720" y="18123408"/>
+            <a:ext cx="3210134" cy="3081528"/>
+          </a:xfrm>
+          <a:prstGeom prst="rect">
+            <a:avLst/>
+          </a:prstGeom>
+          <a:solidFill>
+            <a:schemeClr val="accent1"/>
+          </a:solidFill>
+          <a:ln w="9525" cap="flat" cmpd="sng" algn="ctr">
+            <a:solidFill>
+              <a:schemeClr val="tx1"/>
+            </a:solidFill>
+            <a:prstDash val="solid"/>
+            <a:miter lim="800000"/>
+            <a:headEnd type="none" w="med" len="med"/>
+            <a:tailEnd type="none" w="med" len="med"/>
+          </a:ln>
+          <a:effectLst/>
+        </p:spPr>
+        <p:txBody>
+          <a:bodyPr vert="horz" wrap="none" lIns="91440" tIns="91440" rIns="91440" bIns="45720" numCol="1" rtlCol="0" anchor="t" anchorCtr="0" compatLnSpc="1">
+            <a:prstTxWarp prst="textNoShape">
+              <a:avLst/>
+            </a:prstTxWarp>
+          </a:bodyPr>
+          <a:lstStyle/>
+          <a:p>
+            <a:pPr marL="0" marR="0" indent="0" defTabSz="874713" rtl="0" eaLnBrk="1" fontAlgn="base" latinLnBrk="0" hangingPunct="1">
+              <a:lnSpc>
+                <a:spcPct val="100000"/>
+              </a:lnSpc>
+              <a:spcBef>
+                <a:spcPct val="0"/>
+              </a:spcBef>
+              <a:spcAft>
+                <a:spcPct val="0"/>
+              </a:spcAft>
+              <a:buClrTx/>
+              <a:buSzTx/>
+              <a:buFontTx/>
+              <a:buNone/>
+              <a:tabLst/>
+            </a:pPr>
+            <a:r>
+              <a:rPr lang="en-US" sz="3600" dirty="0" err="1" smtClean="0"/>
+              <a:t>Lexer</a:t>
+            </a:r>
+            <a:r>
+              <a:rPr lang="en-US" sz="3600" dirty="0" smtClean="0"/>
+              <a:t>:</a:t>
+            </a:r>
+          </a:p>
+          <a:p>
+            <a:pPr marL="571500" marR="0" indent="-571500" defTabSz="874713" rtl="0" eaLnBrk="1" fontAlgn="base" latinLnBrk="0" hangingPunct="1">
+              <a:lnSpc>
+                <a:spcPct val="100000"/>
+              </a:lnSpc>
+              <a:spcBef>
+                <a:spcPct val="0"/>
+              </a:spcBef>
+              <a:spcAft>
+                <a:spcPct val="0"/>
+              </a:spcAft>
+              <a:buClrTx/>
+              <a:buSzTx/>
+              <a:buFont typeface="Arial" charset="0"/>
+              <a:buChar char="•"/>
+              <a:tabLst/>
+            </a:pPr>
+            <a:r>
+              <a:rPr kumimoji="0" lang="en-US" sz="2400" b="0" i="0" u="none" strike="noStrike" cap="none" normalizeH="0" baseline="0" dirty="0" smtClean="0">
+                <a:ln>
+                  <a:noFill/>
+                </a:ln>
+                <a:solidFill>
+                  <a:schemeClr val="tx1"/>
+                </a:solidFill>
+                <a:effectLst/>
+                <a:latin typeface="Times New Roman" pitchFamily="18" charset="0"/>
+              </a:rPr>
+              <a:t>Scan </a:t>
+            </a:r>
+            <a:r>
+              <a:rPr kumimoji="0" lang="en-US" sz="2400" b="0" i="0" u="none" strike="noStrike" cap="none" normalizeH="0" dirty="0" smtClean="0">
+                <a:ln>
+                  <a:noFill/>
+                </a:ln>
+                <a:solidFill>
+                  <a:schemeClr val="tx1"/>
+                </a:solidFill>
+                <a:effectLst/>
+                <a:latin typeface="Times New Roman" pitchFamily="18" charset="0"/>
+              </a:rPr>
+              <a:t>for valid C </a:t>
+            </a:r>
+          </a:p>
+          <a:p>
+            <a:pPr marL="571500" marR="0" indent="-571500" defTabSz="874713" rtl="0" eaLnBrk="1" fontAlgn="base" latinLnBrk="0" hangingPunct="1">
+              <a:lnSpc>
+                <a:spcPct val="100000"/>
+              </a:lnSpc>
+              <a:spcBef>
+                <a:spcPct val="0"/>
+              </a:spcBef>
+              <a:spcAft>
+                <a:spcPct val="0"/>
+              </a:spcAft>
+              <a:buClrTx/>
+              <a:buSzTx/>
+              <a:buFont typeface="Arial" charset="0"/>
+              <a:buChar char="•"/>
+              <a:tabLst/>
+            </a:pPr>
+            <a:r>
+              <a:rPr lang="en-US" sz="2400" dirty="0" smtClean="0"/>
+              <a:t>Scan for blocks </a:t>
+            </a:r>
+            <a:br>
+              <a:rPr lang="en-US" sz="2400" dirty="0" smtClean="0"/>
+            </a:br>
+            <a:r>
+              <a:rPr lang="en-US" sz="2400" dirty="0" smtClean="0"/>
+              <a:t>of inline assembly</a:t>
+            </a:r>
+            <a:endParaRPr kumimoji="0" lang="en-US" sz="2400" b="0" i="0" u="none" strike="noStrike" cap="none" normalizeH="0" baseline="0" dirty="0" smtClean="0">
+              <a:ln>
+                <a:noFill/>
+              </a:ln>
+              <a:solidFill>
+                <a:schemeClr val="tx1"/>
+              </a:solidFill>
+              <a:effectLst/>
+              <a:latin typeface="Times New Roman" pitchFamily="18" charset="0"/>
+            </a:endParaRPr>
+          </a:p>
+        </p:txBody>
+      </p:sp>
+      <p:sp>
+        <p:nvSpPr>
+          <p:cNvPr id="28" name="Rectangle 27"/>
+          <p:cNvSpPr/>
+          <p:nvPr/>
+        </p:nvSpPr>
+        <p:spPr bwMode="auto">
+          <a:xfrm>
+            <a:off x="11662542" y="18123408"/>
+            <a:ext cx="3744135" cy="3081528"/>
+          </a:xfrm>
+          <a:prstGeom prst="rect">
+            <a:avLst/>
+          </a:prstGeom>
+          <a:solidFill>
+            <a:schemeClr val="accent1"/>
+          </a:solidFill>
+          <a:ln w="9525" cap="flat" cmpd="sng" algn="ctr">
+            <a:solidFill>
+              <a:schemeClr val="tx1"/>
+            </a:solidFill>
+            <a:prstDash val="solid"/>
+            <a:miter lim="800000"/>
+            <a:headEnd type="none" w="med" len="med"/>
+            <a:tailEnd type="none" w="med" len="med"/>
+          </a:ln>
+          <a:effectLst/>
+        </p:spPr>
+        <p:txBody>
+          <a:bodyPr vert="horz" wrap="none" lIns="91440" tIns="91440" rIns="91440" bIns="45720" numCol="1" rtlCol="0" anchor="t" anchorCtr="0" compatLnSpc="1">
+            <a:prstTxWarp prst="textNoShape">
+              <a:avLst/>
+            </a:prstTxWarp>
+          </a:bodyPr>
+          <a:lstStyle/>
+          <a:p>
+            <a:pPr marL="0" marR="0" indent="0" defTabSz="874713" rtl="0" eaLnBrk="1" fontAlgn="base" latinLnBrk="0" hangingPunct="1">
+              <a:lnSpc>
+                <a:spcPct val="100000"/>
+              </a:lnSpc>
+              <a:spcBef>
+                <a:spcPct val="0"/>
+              </a:spcBef>
+              <a:spcAft>
+                <a:spcPct val="0"/>
+              </a:spcAft>
+              <a:buClrTx/>
+              <a:buSzTx/>
+              <a:buFontTx/>
+              <a:buNone/>
+              <a:tabLst/>
+            </a:pPr>
+            <a:r>
+              <a:rPr lang="en-US" sz="3600" dirty="0" smtClean="0"/>
+              <a:t>Parser:</a:t>
+            </a:r>
+          </a:p>
+          <a:p>
+            <a:pPr marL="571500" marR="0" indent="-571500" defTabSz="874713" rtl="0" eaLnBrk="1" fontAlgn="base" latinLnBrk="0" hangingPunct="1">
+              <a:lnSpc>
+                <a:spcPct val="100000"/>
+              </a:lnSpc>
+              <a:spcBef>
+                <a:spcPct val="0"/>
+              </a:spcBef>
+              <a:spcAft>
+                <a:spcPct val="0"/>
+              </a:spcAft>
+              <a:buClrTx/>
+              <a:buSzTx/>
+              <a:buFont typeface="Arial" charset="0"/>
+              <a:buChar char="•"/>
+              <a:tabLst/>
+            </a:pPr>
+            <a:r>
+              <a:rPr lang="en-US" sz="2400" dirty="0" smtClean="0"/>
+              <a:t>Hand-tuned recursive </a:t>
+            </a:r>
+            <a:br>
+              <a:rPr lang="en-US" sz="2400" dirty="0" smtClean="0"/>
+            </a:br>
+            <a:r>
+              <a:rPr lang="en-US" sz="2400" dirty="0" smtClean="0"/>
+              <a:t>descent parser</a:t>
+            </a:r>
+          </a:p>
+          <a:p>
+            <a:pPr marL="571500" marR="0" indent="-571500" defTabSz="874713" rtl="0" eaLnBrk="1" fontAlgn="base" latinLnBrk="0" hangingPunct="1">
+              <a:lnSpc>
+                <a:spcPct val="100000"/>
+              </a:lnSpc>
+              <a:spcBef>
+                <a:spcPct val="0"/>
+              </a:spcBef>
+              <a:spcAft>
+                <a:spcPct val="0"/>
+              </a:spcAft>
+              <a:buClrTx/>
+              <a:buSzTx/>
+              <a:buFont typeface="Arial" charset="0"/>
+              <a:buChar char="•"/>
+              <a:tabLst/>
+            </a:pPr>
+            <a:r>
+              <a:rPr lang="en-US" sz="2400" dirty="0" smtClean="0"/>
+              <a:t>Does some semantic </a:t>
+            </a:r>
+            <a:br>
+              <a:rPr lang="en-US" sz="2400" dirty="0" smtClean="0"/>
+            </a:br>
+            <a:r>
+              <a:rPr lang="en-US" sz="2400" dirty="0" smtClean="0"/>
+              <a:t>analysis during </a:t>
+            </a:r>
+            <a:br>
+              <a:rPr lang="en-US" sz="2400" dirty="0" smtClean="0"/>
+            </a:br>
+            <a:r>
+              <a:rPr lang="en-US" sz="2400" dirty="0" smtClean="0"/>
+              <a:t>AST construction</a:t>
+            </a:r>
+            <a:endParaRPr kumimoji="0" lang="en-US" sz="2400" b="0" i="0" u="none" strike="noStrike" cap="none" normalizeH="0" baseline="0" dirty="0" smtClean="0">
+              <a:ln>
+                <a:noFill/>
+              </a:ln>
+              <a:solidFill>
+                <a:schemeClr val="tx1"/>
+              </a:solidFill>
+              <a:effectLst/>
+            </a:endParaRPr>
+          </a:p>
+        </p:txBody>
+      </p:sp>
+      <p:sp>
+        <p:nvSpPr>
+          <p:cNvPr id="10" name="Triangle 9"/>
+          <p:cNvSpPr/>
+          <p:nvPr/>
+        </p:nvSpPr>
+        <p:spPr bwMode="auto">
+          <a:xfrm rot="10800000">
+            <a:off x="11914167" y="17527413"/>
+            <a:ext cx="1139587" cy="544720"/>
+          </a:xfrm>
+          <a:prstGeom prst="triangle">
+            <a:avLst/>
+          </a:prstGeom>
+          <a:solidFill>
+            <a:schemeClr val="tx1"/>
+          </a:solidFill>
+          <a:ln w="9525" cap="flat" cmpd="sng" algn="ctr">
+            <a:solidFill>
+              <a:schemeClr val="tx1"/>
+            </a:solidFill>
+            <a:prstDash val="solid"/>
+            <a:miter lim="800000"/>
+            <a:headEnd type="none" w="med" len="med"/>
+            <a:tailEnd type="none" w="med" len="med"/>
+          </a:ln>
+          <a:effectLst/>
+        </p:spPr>
+        <p:txBody>
+          <a:bodyPr vert="horz" wrap="none" lIns="91440" tIns="45720" rIns="91440" bIns="45720" numCol="1" rtlCol="0" anchor="t" anchorCtr="0" compatLnSpc="1">
+            <a:prstTxWarp prst="textNoShape">
+              <a:avLst/>
+            </a:prstTxWarp>
+          </a:bodyPr>
+          <a:lstStyle/>
+          <a:p>
+            <a:pPr marL="0" marR="0" indent="0" algn="l" defTabSz="874713" rtl="0" eaLnBrk="1" fontAlgn="base" latinLnBrk="0" hangingPunct="1">
+              <a:lnSpc>
+                <a:spcPct val="100000"/>
+              </a:lnSpc>
+              <a:spcBef>
+                <a:spcPct val="0"/>
+              </a:spcBef>
+              <a:spcAft>
+                <a:spcPct val="0"/>
+              </a:spcAft>
+              <a:buClrTx/>
+              <a:buSzTx/>
+              <a:buFontTx/>
+              <a:buNone/>
+              <a:tabLst/>
+            </a:pPr>
+            <a:endParaRPr kumimoji="0" lang="en-US" sz="2300" b="0" i="0" u="none" strike="noStrike" cap="none" normalizeH="0" baseline="0" smtClean="0">
+              <a:ln>
+                <a:noFill/>
+              </a:ln>
+              <a:solidFill>
+                <a:schemeClr val="tx1"/>
+              </a:solidFill>
+              <a:effectLst/>
+              <a:latin typeface="Times New Roman" pitchFamily="18" charset="0"/>
+            </a:endParaRPr>
+          </a:p>
+        </p:txBody>
+      </p:sp>
+      <p:sp>
+        <p:nvSpPr>
+          <p:cNvPr id="80" name="Rectangle 79"/>
+          <p:cNvSpPr/>
+          <p:nvPr/>
+        </p:nvSpPr>
+        <p:spPr bwMode="auto">
+          <a:xfrm>
+            <a:off x="8741336" y="14264640"/>
+            <a:ext cx="5039734" cy="1697811"/>
+          </a:xfrm>
+          <a:prstGeom prst="rect">
+            <a:avLst/>
+          </a:prstGeom>
+          <a:solidFill>
+            <a:schemeClr val="accent5">
+              <a:lumMod val="60000"/>
+              <a:lumOff val="40000"/>
+            </a:schemeClr>
+          </a:solidFill>
+          <a:ln w="9525" cap="flat" cmpd="sng" algn="ctr">
+            <a:solidFill>
+              <a:schemeClr val="tx1"/>
+            </a:solidFill>
+            <a:prstDash val="solid"/>
+            <a:miter lim="800000"/>
+            <a:headEnd type="none" w="med" len="med"/>
+            <a:tailEnd type="none" w="med" len="med"/>
+          </a:ln>
+          <a:effectLst/>
+        </p:spPr>
+        <p:txBody>
+          <a:bodyPr vert="horz" wrap="none" lIns="91440" tIns="45720" rIns="91440" bIns="45720" numCol="1" rtlCol="0" anchor="ctr" anchorCtr="0" compatLnSpc="1">
+            <a:prstTxWarp prst="textNoShape">
+              <a:avLst/>
+            </a:prstTxWarp>
+          </a:bodyPr>
+          <a:lstStyle/>
+          <a:p>
+            <a:pPr marL="0" marR="0" indent="0" defTabSz="874713" rtl="0" eaLnBrk="1" fontAlgn="base" latinLnBrk="0" hangingPunct="1">
+              <a:lnSpc>
+                <a:spcPct val="100000"/>
+              </a:lnSpc>
+              <a:spcBef>
+                <a:spcPct val="0"/>
+              </a:spcBef>
+              <a:spcAft>
+                <a:spcPct val="0"/>
+              </a:spcAft>
+              <a:buClrTx/>
+              <a:buSzTx/>
+              <a:buFontTx/>
+              <a:buNone/>
+              <a:tabLst/>
+            </a:pPr>
+            <a:r>
+              <a:rPr kumimoji="0" lang="en-US" sz="2800" b="1" i="0" u="none" strike="noStrike" cap="none" normalizeH="0" dirty="0" smtClean="0">
+                <a:ln>
+                  <a:noFill/>
+                </a:ln>
+                <a:solidFill>
+                  <a:schemeClr val="tx1"/>
+                </a:solidFill>
+                <a:effectLst/>
+                <a:latin typeface="Times New Roman" pitchFamily="18" charset="0"/>
+              </a:rPr>
+              <a:t>User-defined types</a:t>
+            </a:r>
+          </a:p>
+          <a:p>
+            <a:pPr marL="457200" marR="0" indent="-457200" defTabSz="874713" rtl="0" eaLnBrk="1" fontAlgn="base" latinLnBrk="0" hangingPunct="1">
+              <a:lnSpc>
+                <a:spcPct val="100000"/>
+              </a:lnSpc>
+              <a:spcBef>
+                <a:spcPct val="0"/>
+              </a:spcBef>
+              <a:spcAft>
+                <a:spcPct val="0"/>
+              </a:spcAft>
+              <a:buClrTx/>
+              <a:buSzTx/>
+              <a:buFont typeface="Arial" charset="0"/>
+              <a:buChar char="•"/>
+              <a:tabLst/>
+            </a:pPr>
+            <a:r>
+              <a:rPr lang="en-US" sz="2800" dirty="0" smtClean="0"/>
+              <a:t>If a definition of a new type </a:t>
+            </a:r>
+            <a:br>
+              <a:rPr lang="en-US" sz="2800" dirty="0" smtClean="0"/>
+            </a:br>
+            <a:r>
+              <a:rPr lang="en-US" sz="2800" dirty="0" smtClean="0"/>
+              <a:t>is parsed, update </a:t>
+            </a:r>
+            <a:r>
+              <a:rPr lang="en-US" sz="2800" dirty="0" err="1" smtClean="0"/>
+              <a:t>lexer</a:t>
+            </a:r>
+            <a:r>
+              <a:rPr lang="en-US" sz="2800" dirty="0" smtClean="0"/>
+              <a:t> stage </a:t>
+            </a:r>
+            <a:endParaRPr kumimoji="0" lang="en-US" sz="2800" b="0" i="0" u="none" strike="noStrike" cap="none" normalizeH="0" baseline="0" dirty="0" smtClean="0">
+              <a:ln>
+                <a:noFill/>
+              </a:ln>
+              <a:solidFill>
+                <a:schemeClr val="tx1"/>
+              </a:solidFill>
+              <a:effectLst/>
+              <a:latin typeface="Times New Roman" pitchFamily="18" charset="0"/>
+            </a:endParaRPr>
+          </a:p>
+        </p:txBody>
+      </p:sp>
+      <p:grpSp>
+        <p:nvGrpSpPr>
+          <p:cNvPr id="49" name="Group 48"/>
+          <p:cNvGrpSpPr/>
+          <p:nvPr/>
+        </p:nvGrpSpPr>
+        <p:grpSpPr>
+          <a:xfrm>
+            <a:off x="9938363" y="16572777"/>
+            <a:ext cx="2545599" cy="2545599"/>
+            <a:chOff x="11322801" y="16227924"/>
+            <a:chExt cx="2545599" cy="2545599"/>
+          </a:xfrm>
+        </p:grpSpPr>
+        <p:sp>
+          <p:nvSpPr>
+            <p:cNvPr id="48" name="Arc 47"/>
+            <p:cNvSpPr/>
+            <p:nvPr/>
+          </p:nvSpPr>
+          <p:spPr bwMode="auto">
+            <a:xfrm>
+              <a:off x="11322801" y="16227924"/>
+              <a:ext cx="2545599" cy="2431437"/>
+            </a:xfrm>
+            <a:prstGeom prst="arc">
               <a:avLst/>
             </a:prstGeom>
             <a:noFill/>
-            <a:ln w="127000" cap="flat" cmpd="sng" algn="ctr">
+            <a:ln w="457200" cap="flat" cmpd="sng" algn="ctr">
               <a:solidFill>
                 <a:schemeClr val="tx1"/>
               </a:solidFill>
@@ -6231,22 +9706,20 @@
         </p:sp>
         <p:sp>
           <p:nvSpPr>
-            <p:cNvPr id="32" name="Rectangle 31"/>
+            <p:cNvPr id="85" name="Arc 84"/>
             <p:cNvSpPr/>
             <p:nvPr/>
           </p:nvSpPr>
           <p:spPr bwMode="auto">
-            <a:xfrm>
-              <a:off x="14897100" y="20121868"/>
-              <a:ext cx="914400" cy="751539"/>
+            <a:xfrm rot="16200000">
+              <a:off x="11322800" y="16285005"/>
+              <a:ext cx="2545599" cy="2431437"/>
             </a:xfrm>
-            <a:prstGeom prst="rect">
+            <a:prstGeom prst="arc">
               <a:avLst/>
             </a:prstGeom>
-            <a:solidFill>
-              <a:schemeClr val="accent1"/>
-            </a:solidFill>
-            <a:ln w="9525" cap="flat" cmpd="sng" algn="ctr">
+            <a:noFill/>
+            <a:ln w="457200" cap="flat" cmpd="sng" algn="ctr">
               <a:solidFill>
                 <a:schemeClr val="tx1"/>
               </a:solidFill>
@@ -6258,14 +9731,14 @@
             <a:effectLst/>
           </p:spPr>
           <p:txBody>
-            <a:bodyPr vert="horz" wrap="none" lIns="91440" tIns="45720" rIns="91440" bIns="45720" numCol="1" rtlCol="0" anchor="ctr" anchorCtr="0" compatLnSpc="1">
+            <a:bodyPr vert="horz" wrap="none" lIns="91440" tIns="45720" rIns="91440" bIns="45720" numCol="1" rtlCol="0" anchor="t" anchorCtr="0" compatLnSpc="1">
               <a:prstTxWarp prst="textNoShape">
                 <a:avLst/>
               </a:prstTxWarp>
             </a:bodyPr>
             <a:lstStyle/>
             <a:p>
-              <a:pPr marL="0" marR="0" indent="0" algn="ctr" defTabSz="874713" rtl="0" eaLnBrk="1" fontAlgn="base" latinLnBrk="0" hangingPunct="1">
+              <a:pPr marL="0" marR="0" indent="0" algn="l" defTabSz="874713" rtl="0" eaLnBrk="1" fontAlgn="base" latinLnBrk="0" hangingPunct="1">
                 <a:lnSpc>
                   <a:spcPct val="100000"/>
                 </a:lnSpc>
@@ -6281,33 +9754,7 @@
                 <a:buNone/>
                 <a:tabLst/>
               </a:pPr>
-              <a:r>
-                <a:rPr kumimoji="0" lang="en-US" sz="3600" b="0" i="0" u="none" strike="noStrike" cap="none" normalizeH="0" baseline="0" dirty="0" err="1" smtClean="0">
-                  <a:ln>
-                    <a:noFill/>
-                  </a:ln>
-                  <a:solidFill>
-                    <a:schemeClr val="tx1"/>
-                  </a:solidFill>
-                  <a:effectLst/>
-                  <a:latin typeface="Times New Roman" pitchFamily="18" charset="0"/>
-                </a:rPr>
-                <a:t>T</a:t>
-              </a:r>
-              <a:r>
-                <a:rPr kumimoji="0" lang="en-US" sz="3600" b="0" i="0" u="none" strike="noStrike" cap="none" normalizeH="0" baseline="-25000" dirty="0" err="1" smtClean="0">
-                  <a:ln>
-                    <a:noFill/>
-                  </a:ln>
-                  <a:solidFill>
-                    <a:schemeClr val="tx1"/>
-                  </a:solidFill>
-                  <a:effectLst/>
-                  <a:latin typeface="Times New Roman" pitchFamily="18" charset="0"/>
-                </a:rPr>
-                <a:t>i</a:t>
-              </a:r>
-              <a:endParaRPr kumimoji="0" lang="en-US" sz="3600" b="0" i="0" u="none" strike="noStrike" cap="none" normalizeH="0" baseline="0" dirty="0" smtClean="0">
+              <a:endParaRPr kumimoji="0" lang="en-US" sz="2300" b="0" i="0" u="none" strike="noStrike" cap="none" normalizeH="0" baseline="0" smtClean="0">
                 <a:ln>
                   <a:noFill/>
                 </a:ln>
@@ -6320,16 +9767,291 @@
             </a:p>
           </p:txBody>
         </p:sp>
+      </p:grpSp>
+      <p:sp>
+        <p:nvSpPr>
+          <p:cNvPr id="91" name="Rectangle 90"/>
+          <p:cNvSpPr/>
+          <p:nvPr/>
+        </p:nvSpPr>
+        <p:spPr bwMode="auto">
+          <a:xfrm>
+            <a:off x="10536573" y="16158254"/>
+            <a:ext cx="1424274" cy="911168"/>
+          </a:xfrm>
+          <a:prstGeom prst="rect">
+            <a:avLst/>
+          </a:prstGeom>
+          <a:solidFill>
+            <a:schemeClr val="accent5">
+              <a:lumMod val="60000"/>
+              <a:lumOff val="40000"/>
+            </a:schemeClr>
+          </a:solidFill>
+          <a:ln w="9525" cap="flat" cmpd="sng" algn="ctr">
+            <a:solidFill>
+              <a:schemeClr val="tx1"/>
+            </a:solidFill>
+            <a:prstDash val="solid"/>
+            <a:miter lim="800000"/>
+            <a:headEnd type="none" w="med" len="med"/>
+            <a:tailEnd type="none" w="med" len="med"/>
+          </a:ln>
+          <a:effectLst/>
+        </p:spPr>
+        <p:txBody>
+          <a:bodyPr vert="horz" wrap="none" lIns="91440" tIns="45720" rIns="91440" bIns="45720" numCol="1" rtlCol="0" anchor="ctr" anchorCtr="0" compatLnSpc="1">
+            <a:prstTxWarp prst="textNoShape">
+              <a:avLst/>
+            </a:prstTxWarp>
+          </a:bodyPr>
+          <a:lstStyle/>
+          <a:p>
+            <a:pPr marL="0" marR="0" indent="0" defTabSz="874713" rtl="0" eaLnBrk="1" fontAlgn="base" latinLnBrk="0" hangingPunct="1">
+              <a:lnSpc>
+                <a:spcPct val="100000"/>
+              </a:lnSpc>
+              <a:spcBef>
+                <a:spcPct val="0"/>
+              </a:spcBef>
+              <a:spcAft>
+                <a:spcPct val="0"/>
+              </a:spcAft>
+              <a:buClrTx/>
+              <a:buSzTx/>
+              <a:buFontTx/>
+              <a:buNone/>
+              <a:tabLst/>
+            </a:pPr>
+            <a:r>
+              <a:rPr kumimoji="0" lang="en-US" sz="2800" b="0" i="0" u="none" strike="noStrike" cap="none" normalizeH="0" baseline="0" dirty="0" err="1" smtClean="0">
+                <a:ln>
+                  <a:noFill/>
+                </a:ln>
+                <a:solidFill>
+                  <a:schemeClr val="tx1"/>
+                </a:solidFill>
+                <a:effectLst/>
+                <a:latin typeface="Times New Roman" pitchFamily="18" charset="0"/>
+              </a:rPr>
+              <a:t>Typedef</a:t>
+            </a:r>
+            <a:r>
+              <a:rPr kumimoji="0" lang="en-US" sz="2800" b="0" i="0" u="none" strike="noStrike" cap="none" normalizeH="0" dirty="0" smtClean="0">
+                <a:ln>
+                  <a:noFill/>
+                </a:ln>
+                <a:solidFill>
+                  <a:schemeClr val="tx1"/>
+                </a:solidFill>
+                <a:effectLst/>
+                <a:latin typeface="Times New Roman" pitchFamily="18" charset="0"/>
+              </a:rPr>
+              <a:t> </a:t>
+            </a:r>
+            <a:br>
+              <a:rPr kumimoji="0" lang="en-US" sz="2800" b="0" i="0" u="none" strike="noStrike" cap="none" normalizeH="0" dirty="0" smtClean="0">
+                <a:ln>
+                  <a:noFill/>
+                </a:ln>
+                <a:solidFill>
+                  <a:schemeClr val="tx1"/>
+                </a:solidFill>
+                <a:effectLst/>
+                <a:latin typeface="Times New Roman" pitchFamily="18" charset="0"/>
+              </a:rPr>
+            </a:br>
+            <a:r>
+              <a:rPr kumimoji="0" lang="en-US" sz="2800" b="0" i="0" u="none" strike="noStrike" cap="none" normalizeH="0" dirty="0" smtClean="0">
+                <a:ln>
+                  <a:noFill/>
+                </a:ln>
+                <a:solidFill>
+                  <a:schemeClr val="tx1"/>
+                </a:solidFill>
+                <a:effectLst/>
+                <a:latin typeface="Times New Roman" pitchFamily="18" charset="0"/>
+              </a:rPr>
+              <a:t>lexeme</a:t>
+            </a:r>
+            <a:endParaRPr kumimoji="0" lang="en-US" sz="2800" b="0" i="0" u="none" strike="noStrike" cap="none" normalizeH="0" baseline="0" dirty="0" smtClean="0">
+              <a:ln>
+                <a:noFill/>
+              </a:ln>
+              <a:solidFill>
+                <a:schemeClr val="tx1"/>
+              </a:solidFill>
+              <a:effectLst/>
+              <a:latin typeface="Times New Roman" pitchFamily="18" charset="0"/>
+            </a:endParaRPr>
+          </a:p>
+        </p:txBody>
+      </p:sp>
+      <p:grpSp>
+        <p:nvGrpSpPr>
+          <p:cNvPr id="83" name="Group 82"/>
+          <p:cNvGrpSpPr/>
+          <p:nvPr/>
+        </p:nvGrpSpPr>
+        <p:grpSpPr>
+          <a:xfrm>
+            <a:off x="9392224" y="20253960"/>
+            <a:ext cx="3091736" cy="2901471"/>
+            <a:chOff x="9745748" y="20648370"/>
+            <a:chExt cx="3091736" cy="2901471"/>
+          </a:xfrm>
+        </p:grpSpPr>
+        <p:grpSp>
+          <p:nvGrpSpPr>
+            <p:cNvPr id="54" name="Group 53"/>
+            <p:cNvGrpSpPr/>
+            <p:nvPr/>
+          </p:nvGrpSpPr>
+          <p:grpSpPr>
+            <a:xfrm rot="5400000">
+              <a:off x="10291885" y="20648370"/>
+              <a:ext cx="2545599" cy="2545599"/>
+              <a:chOff x="15533201" y="18102903"/>
+              <a:chExt cx="2545599" cy="2545599"/>
+            </a:xfrm>
+          </p:grpSpPr>
+          <p:sp>
+            <p:nvSpPr>
+              <p:cNvPr id="86" name="Arc 85"/>
+              <p:cNvSpPr/>
+              <p:nvPr/>
+            </p:nvSpPr>
+            <p:spPr bwMode="auto">
+              <a:xfrm>
+                <a:off x="15533201" y="18169751"/>
+                <a:ext cx="2545599" cy="2431437"/>
+              </a:xfrm>
+              <a:prstGeom prst="arc">
+                <a:avLst/>
+              </a:prstGeom>
+              <a:noFill/>
+              <a:ln w="457200" cap="flat" cmpd="sng" algn="ctr">
+                <a:solidFill>
+                  <a:schemeClr val="tx1"/>
+                </a:solidFill>
+                <a:prstDash val="solid"/>
+                <a:miter lim="800000"/>
+                <a:headEnd type="none" w="med" len="med"/>
+                <a:tailEnd type="none" w="med" len="med"/>
+              </a:ln>
+              <a:effectLst/>
+            </p:spPr>
+            <p:txBody>
+              <a:bodyPr vert="horz" wrap="none" lIns="91440" tIns="45720" rIns="91440" bIns="45720" numCol="1" rtlCol="0" anchor="t" anchorCtr="0" compatLnSpc="1">
+                <a:prstTxWarp prst="textNoShape">
+                  <a:avLst/>
+                </a:prstTxWarp>
+              </a:bodyPr>
+              <a:lstStyle/>
+              <a:p>
+                <a:pPr marL="0" marR="0" indent="0" algn="l" defTabSz="874713" rtl="0" eaLnBrk="1" fontAlgn="base" latinLnBrk="0" hangingPunct="1">
+                  <a:lnSpc>
+                    <a:spcPct val="100000"/>
+                  </a:lnSpc>
+                  <a:spcBef>
+                    <a:spcPct val="0"/>
+                  </a:spcBef>
+                  <a:spcAft>
+                    <a:spcPct val="0"/>
+                  </a:spcAft>
+                  <a:buClrTx/>
+                  <a:buSzTx/>
+                  <a:buFontTx/>
+                  <a:buNone/>
+                  <a:tabLst/>
+                </a:pPr>
+                <a:endParaRPr kumimoji="0" lang="en-US" sz="2300" b="0" i="0" u="none" strike="noStrike" cap="none" normalizeH="0" baseline="0" smtClean="0">
+                  <a:ln>
+                    <a:noFill/>
+                  </a:ln>
+                  <a:solidFill>
+                    <a:schemeClr val="tx1"/>
+                  </a:solidFill>
+                  <a:effectLst/>
+                  <a:latin typeface="Times New Roman" pitchFamily="18" charset="0"/>
+                </a:endParaRPr>
+              </a:p>
+            </p:txBody>
+          </p:sp>
+          <p:sp>
+            <p:nvSpPr>
+              <p:cNvPr id="87" name="Arc 86"/>
+              <p:cNvSpPr/>
+              <p:nvPr/>
+            </p:nvSpPr>
+            <p:spPr bwMode="auto">
+              <a:xfrm rot="5400000">
+                <a:off x="15590282" y="18159984"/>
+                <a:ext cx="2545599" cy="2431437"/>
+              </a:xfrm>
+              <a:prstGeom prst="arc">
+                <a:avLst/>
+              </a:prstGeom>
+              <a:noFill/>
+              <a:ln w="457200" cap="flat" cmpd="sng" algn="ctr">
+                <a:solidFill>
+                  <a:schemeClr val="tx1"/>
+                </a:solidFill>
+                <a:prstDash val="solid"/>
+                <a:miter lim="800000"/>
+                <a:headEnd type="none" w="med" len="med"/>
+                <a:tailEnd type="none" w="med" len="med"/>
+              </a:ln>
+              <a:effectLst/>
+            </p:spPr>
+            <p:txBody>
+              <a:bodyPr vert="horz" wrap="none" lIns="91440" tIns="45720" rIns="91440" bIns="45720" numCol="1" rtlCol="0" anchor="t" anchorCtr="0" compatLnSpc="1">
+                <a:prstTxWarp prst="textNoShape">
+                  <a:avLst/>
+                </a:prstTxWarp>
+              </a:bodyPr>
+              <a:lstStyle/>
+              <a:p>
+                <a:pPr marL="0" marR="0" indent="0" algn="l" defTabSz="874713" rtl="0" eaLnBrk="1" fontAlgn="base" latinLnBrk="0" hangingPunct="1">
+                  <a:lnSpc>
+                    <a:spcPct val="100000"/>
+                  </a:lnSpc>
+                  <a:spcBef>
+                    <a:spcPct val="0"/>
+                  </a:spcBef>
+                  <a:spcAft>
+                    <a:spcPct val="0"/>
+                  </a:spcAft>
+                  <a:buClrTx/>
+                  <a:buSzTx/>
+                  <a:buFontTx/>
+                  <a:buNone/>
+                  <a:tabLst/>
+                </a:pPr>
+                <a:endParaRPr kumimoji="0" lang="en-US" sz="2300" b="0" i="0" u="none" strike="noStrike" cap="none" normalizeH="0" baseline="0" smtClean="0">
+                  <a:ln>
+                    <a:noFill/>
+                  </a:ln>
+                  <a:solidFill>
+                    <a:schemeClr val="tx1"/>
+                  </a:solidFill>
+                  <a:effectLst/>
+                  <a:latin typeface="Times New Roman" pitchFamily="18" charset="0"/>
+                </a:endParaRPr>
+              </a:p>
+            </p:txBody>
+          </p:sp>
+        </p:grpSp>
         <p:sp>
           <p:nvSpPr>
-            <p:cNvPr id="10" name="Triangle 9"/>
+            <p:cNvPr id="90" name="Triangle 89"/>
             <p:cNvSpPr/>
             <p:nvPr/>
           </p:nvSpPr>
           <p:spPr bwMode="auto">
-            <a:xfrm rot="5400000">
-              <a:off x="13724151" y="20173899"/>
-              <a:ext cx="669661" cy="729353"/>
+            <a:xfrm>
+              <a:off x="9745748" y="21676628"/>
+              <a:ext cx="1139587" cy="544720"/>
             </a:xfrm>
             <a:prstGeom prst="triangle">
               <a:avLst/>
@@ -6387,14 +10109,785 @@
         </p:sp>
         <p:sp>
           <p:nvSpPr>
-            <p:cNvPr id="34" name="Triangle 33"/>
+            <p:cNvPr id="92" name="Rectangle 91"/>
+            <p:cNvSpPr/>
+            <p:nvPr/>
+          </p:nvSpPr>
+          <p:spPr bwMode="auto">
+            <a:xfrm>
+              <a:off x="10840054" y="22638673"/>
+              <a:ext cx="1424274" cy="911168"/>
+            </a:xfrm>
+            <a:prstGeom prst="rect">
+              <a:avLst/>
+            </a:prstGeom>
+            <a:solidFill>
+              <a:schemeClr val="accent5">
+                <a:lumMod val="60000"/>
+                <a:lumOff val="40000"/>
+              </a:schemeClr>
+            </a:solidFill>
+            <a:ln w="9525" cap="flat" cmpd="sng" algn="ctr">
+              <a:solidFill>
+                <a:schemeClr val="tx1"/>
+              </a:solidFill>
+              <a:prstDash val="solid"/>
+              <a:miter lim="800000"/>
+              <a:headEnd type="none" w="med" len="med"/>
+              <a:tailEnd type="none" w="med" len="med"/>
+            </a:ln>
+            <a:effectLst/>
+          </p:spPr>
+          <p:txBody>
+            <a:bodyPr vert="horz" wrap="none" lIns="91440" tIns="45720" rIns="91440" bIns="45720" numCol="1" rtlCol="0" anchor="ctr" anchorCtr="0" compatLnSpc="1">
+              <a:prstTxWarp prst="textNoShape">
+                <a:avLst/>
+              </a:prstTxWarp>
+            </a:bodyPr>
+            <a:lstStyle/>
+            <a:p>
+              <a:pPr marL="0" marR="0" indent="0" defTabSz="874713" rtl="0" eaLnBrk="1" fontAlgn="base" latinLnBrk="0" hangingPunct="1">
+                <a:lnSpc>
+                  <a:spcPct val="100000"/>
+                </a:lnSpc>
+                <a:spcBef>
+                  <a:spcPct val="0"/>
+                </a:spcBef>
+                <a:spcAft>
+                  <a:spcPct val="0"/>
+                </a:spcAft>
+                <a:buClrTx/>
+                <a:buSzTx/>
+                <a:buFontTx/>
+                <a:buNone/>
+                <a:tabLst/>
+              </a:pPr>
+              <a:r>
+                <a:rPr lang="en-US" sz="2800" dirty="0" smtClean="0"/>
+                <a:t>Update</a:t>
+              </a:r>
+              <a:br>
+                <a:rPr lang="en-US" sz="2800" dirty="0" smtClean="0"/>
+              </a:br>
+              <a:r>
+                <a:rPr lang="en-US" sz="2800" dirty="0" err="1" smtClean="0"/>
+                <a:t>Lexer</a:t>
+              </a:r>
+              <a:endParaRPr kumimoji="0" lang="en-US" sz="2800" b="0" i="0" u="none" strike="noStrike" cap="none" normalizeH="0" baseline="0" dirty="0" smtClean="0">
+                <a:ln>
+                  <a:noFill/>
+                </a:ln>
+                <a:solidFill>
+                  <a:schemeClr val="tx1"/>
+                </a:solidFill>
+                <a:effectLst/>
+                <a:latin typeface="Times New Roman" pitchFamily="18" charset="0"/>
+              </a:endParaRPr>
+            </a:p>
+          </p:txBody>
+        </p:sp>
+      </p:grpSp>
+      <p:sp>
+        <p:nvSpPr>
+          <p:cNvPr id="61" name="Down Arrow 60"/>
+          <p:cNvSpPr/>
+          <p:nvPr/>
+        </p:nvSpPr>
+        <p:spPr bwMode="auto">
+          <a:xfrm rot="10800000">
+            <a:off x="22781160" y="19132710"/>
+            <a:ext cx="997879" cy="1464000"/>
+          </a:xfrm>
+          <a:prstGeom prst="downArrow">
+            <a:avLst/>
+          </a:prstGeom>
+          <a:solidFill>
+            <a:schemeClr val="tx1"/>
+          </a:solidFill>
+          <a:ln w="9525" cap="flat" cmpd="sng" algn="ctr">
+            <a:solidFill>
+              <a:schemeClr val="tx1"/>
+            </a:solidFill>
+            <a:prstDash val="solid"/>
+            <a:miter lim="800000"/>
+            <a:headEnd type="none" w="med" len="med"/>
+            <a:tailEnd type="none" w="med" len="med"/>
+          </a:ln>
+          <a:effectLst/>
+        </p:spPr>
+        <p:txBody>
+          <a:bodyPr vert="horz" wrap="none" lIns="91440" tIns="45720" rIns="91440" bIns="45720" numCol="1" rtlCol="0" anchor="t" anchorCtr="0" compatLnSpc="1">
+            <a:prstTxWarp prst="textNoShape">
+              <a:avLst/>
+            </a:prstTxWarp>
+          </a:bodyPr>
+          <a:lstStyle/>
+          <a:p>
+            <a:pPr marL="0" marR="0" indent="0" algn="l" defTabSz="874713" rtl="0" eaLnBrk="1" fontAlgn="base" latinLnBrk="0" hangingPunct="1">
+              <a:lnSpc>
+                <a:spcPct val="100000"/>
+              </a:lnSpc>
+              <a:spcBef>
+                <a:spcPct val="0"/>
+              </a:spcBef>
+              <a:spcAft>
+                <a:spcPct val="0"/>
+              </a:spcAft>
+              <a:buClrTx/>
+              <a:buSzTx/>
+              <a:buFontTx/>
+              <a:buNone/>
+              <a:tabLst/>
+            </a:pPr>
+            <a:endParaRPr kumimoji="0" lang="en-US" sz="2300" b="0" i="0" u="none" strike="noStrike" cap="none" normalizeH="0" baseline="0" smtClean="0">
+              <a:ln>
+                <a:noFill/>
+              </a:ln>
+              <a:solidFill>
+                <a:schemeClr val="tx1"/>
+              </a:solidFill>
+              <a:effectLst/>
+              <a:latin typeface="Times New Roman" pitchFamily="18" charset="0"/>
+            </a:endParaRPr>
+          </a:p>
+        </p:txBody>
+      </p:sp>
+      <p:sp>
+        <p:nvSpPr>
+          <p:cNvPr id="96" name="Snip Single Corner Rectangle 95"/>
+          <p:cNvSpPr/>
+          <p:nvPr/>
+        </p:nvSpPr>
+        <p:spPr bwMode="auto">
+          <a:xfrm>
+            <a:off x="22010500" y="13560413"/>
+            <a:ext cx="2889808" cy="1818978"/>
+          </a:xfrm>
+          <a:prstGeom prst="snip1Rect">
+            <a:avLst/>
+          </a:prstGeom>
+          <a:solidFill>
+            <a:schemeClr val="tx1">
+              <a:lumMod val="10000"/>
+              <a:lumOff val="90000"/>
+            </a:schemeClr>
+          </a:solidFill>
+          <a:ln w="9525" cap="flat" cmpd="sng" algn="ctr">
+            <a:solidFill>
+              <a:schemeClr val="tx1"/>
+            </a:solidFill>
+            <a:prstDash val="solid"/>
+            <a:miter lim="800000"/>
+            <a:headEnd type="none" w="med" len="med"/>
+            <a:tailEnd type="none" w="med" len="med"/>
+          </a:ln>
+          <a:effectLst/>
+        </p:spPr>
+        <p:txBody>
+          <a:bodyPr vert="horz" wrap="none" lIns="91440" tIns="45720" rIns="91440" bIns="45720" numCol="1" rtlCol="0" anchor="ctr" anchorCtr="0" compatLnSpc="1">
+            <a:prstTxWarp prst="textNoShape">
+              <a:avLst/>
+            </a:prstTxWarp>
+          </a:bodyPr>
+          <a:lstStyle/>
+          <a:p>
+            <a:pPr marL="0" marR="0" indent="0" algn="ctr" defTabSz="874713" rtl="0" eaLnBrk="1" fontAlgn="base" latinLnBrk="0" hangingPunct="1">
+              <a:lnSpc>
+                <a:spcPct val="100000"/>
+              </a:lnSpc>
+              <a:spcBef>
+                <a:spcPct val="0"/>
+              </a:spcBef>
+              <a:spcAft>
+                <a:spcPct val="0"/>
+              </a:spcAft>
+              <a:buClrTx/>
+              <a:buSzTx/>
+              <a:buFontTx/>
+              <a:buNone/>
+              <a:tabLst/>
+            </a:pPr>
+            <a:r>
+              <a:rPr kumimoji="0" lang="en-US" sz="3600" b="0" i="0" u="none" strike="noStrike" cap="none" normalizeH="0" baseline="0" dirty="0" smtClean="0">
+                <a:ln>
+                  <a:noFill/>
+                </a:ln>
+                <a:solidFill>
+                  <a:schemeClr val="tx1"/>
+                </a:solidFill>
+                <a:effectLst/>
+              </a:rPr>
+              <a:t>Executable</a:t>
+            </a:r>
+            <a:endParaRPr kumimoji="0" lang="en-US" sz="3600" b="0" i="0" u="none" strike="noStrike" cap="none" normalizeH="0" baseline="0" dirty="0" smtClean="0">
+              <a:ln>
+                <a:noFill/>
+              </a:ln>
+              <a:solidFill>
+                <a:schemeClr val="tx1"/>
+              </a:solidFill>
+              <a:effectLst/>
+            </a:endParaRPr>
+          </a:p>
+        </p:txBody>
+      </p:sp>
+      <p:sp>
+        <p:nvSpPr>
+          <p:cNvPr id="97" name="Snip Single Corner Rectangle 96"/>
+          <p:cNvSpPr/>
+          <p:nvPr/>
+        </p:nvSpPr>
+        <p:spPr bwMode="auto">
+          <a:xfrm>
+            <a:off x="1042957" y="13861364"/>
+            <a:ext cx="2665591" cy="3218124"/>
+          </a:xfrm>
+          <a:prstGeom prst="snip1Rect">
+            <a:avLst/>
+          </a:prstGeom>
+          <a:solidFill>
+            <a:schemeClr val="tx1">
+              <a:lumMod val="10000"/>
+              <a:lumOff val="90000"/>
+            </a:schemeClr>
+          </a:solidFill>
+          <a:ln w="9525" cap="flat" cmpd="sng" algn="ctr">
+            <a:solidFill>
+              <a:schemeClr val="tx1"/>
+            </a:solidFill>
+            <a:prstDash val="solid"/>
+            <a:miter lim="800000"/>
+            <a:headEnd type="none" w="med" len="med"/>
+            <a:tailEnd type="none" w="med" len="med"/>
+          </a:ln>
+          <a:effectLst/>
+        </p:spPr>
+        <p:txBody>
+          <a:bodyPr vert="horz" wrap="none" lIns="91440" tIns="0" rIns="91440" bIns="45720" numCol="1" rtlCol="0" anchor="t" anchorCtr="0" compatLnSpc="1">
+            <a:prstTxWarp prst="textNoShape">
+              <a:avLst/>
+            </a:prstTxWarp>
+          </a:bodyPr>
+          <a:lstStyle/>
+          <a:p>
+            <a:pPr defTabSz="874713"/>
+            <a:r>
+              <a:rPr kumimoji="0" lang="en-US" sz="2400" b="0" i="0" u="none" strike="noStrike" cap="none" normalizeH="0" baseline="0" dirty="0" smtClean="0">
+                <a:ln>
+                  <a:noFill/>
+                </a:ln>
+                <a:solidFill>
+                  <a:schemeClr val="tx1"/>
+                </a:solidFill>
+                <a:effectLst/>
+              </a:rPr>
+              <a:t>#define DBG</a:t>
+            </a:r>
+          </a:p>
+          <a:p>
+            <a:pPr defTabSz="874713"/>
+            <a:r>
+              <a:rPr lang="en-US" sz="2400" dirty="0" smtClean="0"/>
+              <a:t>#define y 1</a:t>
+            </a:r>
+            <a:r>
+              <a:rPr kumimoji="0" lang="en-US" sz="2400" b="0" i="0" u="none" strike="noStrike" cap="none" normalizeH="0" dirty="0" smtClean="0">
+                <a:ln>
+                  <a:noFill/>
+                </a:ln>
+                <a:solidFill>
+                  <a:schemeClr val="tx1"/>
+                </a:solidFill>
+                <a:effectLst/>
+              </a:rPr>
+              <a:t> </a:t>
+            </a:r>
+            <a:endParaRPr kumimoji="0" lang="en-US" sz="2400" b="0" i="0" u="none" strike="noStrike" cap="none" normalizeH="0" baseline="0" dirty="0" smtClean="0">
+              <a:ln>
+                <a:noFill/>
+              </a:ln>
+              <a:solidFill>
+                <a:schemeClr val="tx1"/>
+              </a:solidFill>
+              <a:effectLst/>
+            </a:endParaRPr>
+          </a:p>
+          <a:p>
+            <a:pPr defTabSz="874713"/>
+            <a:r>
+              <a:rPr kumimoji="0" lang="en-US" sz="2400" b="0" i="0" u="none" strike="noStrike" cap="none" normalizeH="0" baseline="0" dirty="0" smtClean="0">
+                <a:ln>
+                  <a:noFill/>
+                </a:ln>
+                <a:solidFill>
+                  <a:schemeClr val="tx1"/>
+                </a:solidFill>
+                <a:effectLst/>
+              </a:rPr>
+              <a:t>…</a:t>
+            </a:r>
+          </a:p>
+          <a:p>
+            <a:pPr defTabSz="874713"/>
+            <a:r>
+              <a:rPr lang="en-US" sz="2400" dirty="0" err="1" smtClean="0"/>
+              <a:t>int</a:t>
+            </a:r>
+            <a:r>
+              <a:rPr lang="en-US" sz="2400" dirty="0" smtClean="0"/>
+              <a:t> res = f(</a:t>
+            </a:r>
+            <a:r>
+              <a:rPr lang="en-US" sz="2400" dirty="0" err="1" smtClean="0"/>
+              <a:t>x,y,dbg</a:t>
+            </a:r>
+            <a:r>
+              <a:rPr lang="en-US" sz="2400" dirty="0" smtClean="0"/>
+              <a:t>);</a:t>
+            </a:r>
+            <a:endParaRPr kumimoji="0" lang="en-US" sz="2400" b="0" i="0" u="none" strike="noStrike" cap="none" normalizeH="0" baseline="0" dirty="0" smtClean="0">
+              <a:ln>
+                <a:noFill/>
+              </a:ln>
+              <a:solidFill>
+                <a:schemeClr val="tx1"/>
+              </a:solidFill>
+              <a:effectLst/>
+            </a:endParaRPr>
+          </a:p>
+          <a:p>
+            <a:pPr defTabSz="874713"/>
+            <a:r>
+              <a:rPr lang="en-US" sz="2400" dirty="0" smtClean="0"/>
+              <a:t>#</a:t>
+            </a:r>
+            <a:r>
+              <a:rPr lang="en-US" sz="2400" dirty="0" err="1" smtClean="0"/>
+              <a:t>ifdef</a:t>
+            </a:r>
+            <a:r>
+              <a:rPr lang="en-US" sz="2400" dirty="0" smtClean="0"/>
+              <a:t> DBG</a:t>
+            </a:r>
+          </a:p>
+          <a:p>
+            <a:pPr defTabSz="874713"/>
+            <a:r>
+              <a:rPr lang="en-US" sz="2400" dirty="0" err="1" smtClean="0"/>
+              <a:t>p</a:t>
+            </a:r>
+            <a:r>
+              <a:rPr lang="en-US" sz="2400" dirty="0" err="1" smtClean="0"/>
+              <a:t>rintf</a:t>
+            </a:r>
+            <a:r>
+              <a:rPr lang="en-US" sz="2400" dirty="0" smtClean="0"/>
+              <a:t>(</a:t>
+            </a:r>
+            <a:r>
+              <a:rPr lang="en-US" sz="2400" dirty="0" err="1" smtClean="0"/>
+              <a:t>dbg</a:t>
+            </a:r>
+            <a:r>
+              <a:rPr lang="en-US" sz="2400" dirty="0" smtClean="0"/>
+              <a:t>);</a:t>
+            </a:r>
+            <a:endParaRPr kumimoji="0" lang="en-US" sz="2400" b="0" i="0" u="none" strike="noStrike" cap="none" normalizeH="0" baseline="0" dirty="0" smtClean="0">
+              <a:ln>
+                <a:noFill/>
+              </a:ln>
+              <a:solidFill>
+                <a:schemeClr val="tx1"/>
+              </a:solidFill>
+              <a:effectLst/>
+            </a:endParaRPr>
+          </a:p>
+          <a:p>
+            <a:pPr defTabSz="874713"/>
+            <a:r>
+              <a:rPr lang="en-US" sz="2400" dirty="0" smtClean="0"/>
+              <a:t>#</a:t>
+            </a:r>
+            <a:r>
+              <a:rPr lang="en-US" sz="2400" dirty="0" err="1" smtClean="0"/>
+              <a:t>endif</a:t>
+            </a:r>
+            <a:endParaRPr kumimoji="0" lang="en-US" sz="2400" b="0" i="0" u="none" strike="noStrike" cap="none" normalizeH="0" baseline="0" dirty="0" smtClean="0">
+              <a:ln>
+                <a:noFill/>
+              </a:ln>
+              <a:solidFill>
+                <a:schemeClr val="tx1"/>
+              </a:solidFill>
+              <a:effectLst/>
+            </a:endParaRPr>
+          </a:p>
+          <a:p>
+            <a:pPr defTabSz="874713"/>
+            <a:r>
+              <a:rPr kumimoji="0" lang="en-US" sz="2400" b="0" i="0" u="none" strike="noStrike" cap="none" normalizeH="0" baseline="0" dirty="0" smtClean="0">
+                <a:ln>
+                  <a:noFill/>
+                </a:ln>
+                <a:solidFill>
+                  <a:schemeClr val="tx1"/>
+                </a:solidFill>
+                <a:effectLst/>
+              </a:rPr>
+              <a:t> …</a:t>
+            </a:r>
+            <a:endParaRPr kumimoji="0" lang="en-US" sz="2400" b="0" i="0" u="none" strike="noStrike" cap="none" normalizeH="0" baseline="0" dirty="0" smtClean="0">
+              <a:ln>
+                <a:noFill/>
+              </a:ln>
+              <a:solidFill>
+                <a:schemeClr val="tx1"/>
+              </a:solidFill>
+              <a:effectLst/>
+            </a:endParaRPr>
+          </a:p>
+        </p:txBody>
+      </p:sp>
+      <p:sp>
+        <p:nvSpPr>
+          <p:cNvPr id="100" name="Snip Single Corner Rectangle 99"/>
+          <p:cNvSpPr/>
+          <p:nvPr/>
+        </p:nvSpPr>
+        <p:spPr bwMode="auto">
+          <a:xfrm>
+            <a:off x="3805762" y="21535187"/>
+            <a:ext cx="2665591" cy="1828800"/>
+          </a:xfrm>
+          <a:prstGeom prst="snip1Rect">
+            <a:avLst/>
+          </a:prstGeom>
+          <a:solidFill>
+            <a:schemeClr val="tx1">
+              <a:lumMod val="10000"/>
+              <a:lumOff val="90000"/>
+            </a:schemeClr>
+          </a:solidFill>
+          <a:ln w="9525" cap="flat" cmpd="sng" algn="ctr">
+            <a:solidFill>
+              <a:schemeClr val="tx1"/>
+            </a:solidFill>
+            <a:prstDash val="solid"/>
+            <a:miter lim="800000"/>
+            <a:headEnd type="none" w="med" len="med"/>
+            <a:tailEnd type="none" w="med" len="med"/>
+          </a:ln>
+          <a:effectLst/>
+        </p:spPr>
+        <p:txBody>
+          <a:bodyPr vert="horz" wrap="none" lIns="91440" tIns="0" rIns="91440" bIns="45720" numCol="1" rtlCol="0" anchor="t" anchorCtr="0" compatLnSpc="1">
+            <a:prstTxWarp prst="textNoShape">
+              <a:avLst/>
+            </a:prstTxWarp>
+          </a:bodyPr>
+          <a:lstStyle/>
+          <a:p>
+            <a:pPr defTabSz="874713"/>
+            <a:r>
+              <a:rPr kumimoji="0" lang="en-US" sz="2400" b="0" i="0" u="none" strike="noStrike" cap="none" normalizeH="0" baseline="0" dirty="0" smtClean="0">
+                <a:ln>
+                  <a:noFill/>
+                </a:ln>
+                <a:solidFill>
+                  <a:schemeClr val="tx1"/>
+                </a:solidFill>
+                <a:effectLst/>
+              </a:rPr>
+              <a:t>…</a:t>
+            </a:r>
+          </a:p>
+          <a:p>
+            <a:pPr defTabSz="874713"/>
+            <a:r>
+              <a:rPr lang="en-US" sz="2400" dirty="0" err="1" smtClean="0"/>
+              <a:t>int</a:t>
+            </a:r>
+            <a:r>
+              <a:rPr lang="en-US" sz="2400" dirty="0" smtClean="0"/>
+              <a:t> res = f(x,1,dbg);</a:t>
+            </a:r>
+            <a:endParaRPr kumimoji="0" lang="en-US" sz="2400" b="0" i="0" u="none" strike="noStrike" cap="none" normalizeH="0" baseline="0" dirty="0" smtClean="0">
+              <a:ln>
+                <a:noFill/>
+              </a:ln>
+              <a:solidFill>
+                <a:schemeClr val="tx1"/>
+              </a:solidFill>
+              <a:effectLst/>
+            </a:endParaRPr>
+          </a:p>
+          <a:p>
+            <a:pPr defTabSz="874713"/>
+            <a:r>
+              <a:rPr lang="en-US" sz="2400" dirty="0" err="1" smtClean="0"/>
+              <a:t>p</a:t>
+            </a:r>
+            <a:r>
+              <a:rPr lang="en-US" sz="2400" dirty="0" err="1" smtClean="0"/>
+              <a:t>rintf</a:t>
+            </a:r>
+            <a:r>
+              <a:rPr lang="en-US" sz="2400" dirty="0" smtClean="0"/>
+              <a:t>(</a:t>
+            </a:r>
+            <a:r>
+              <a:rPr lang="en-US" sz="2400" dirty="0" err="1" smtClean="0"/>
+              <a:t>dbg</a:t>
+            </a:r>
+            <a:r>
+              <a:rPr lang="en-US" sz="2400" dirty="0" smtClean="0"/>
+              <a:t>);</a:t>
+            </a:r>
+            <a:endParaRPr kumimoji="0" lang="en-US" sz="2400" b="0" i="0" u="none" strike="noStrike" cap="none" normalizeH="0" baseline="0" dirty="0" smtClean="0">
+              <a:ln>
+                <a:noFill/>
+              </a:ln>
+              <a:solidFill>
+                <a:schemeClr val="tx1"/>
+              </a:solidFill>
+              <a:effectLst/>
+            </a:endParaRPr>
+          </a:p>
+          <a:p>
+            <a:pPr defTabSz="874713"/>
+            <a:r>
+              <a:rPr kumimoji="0" lang="en-US" sz="2400" b="0" i="0" u="none" strike="noStrike" cap="none" normalizeH="0" baseline="0" dirty="0" smtClean="0">
+                <a:ln>
+                  <a:noFill/>
+                </a:ln>
+                <a:solidFill>
+                  <a:schemeClr val="tx1"/>
+                </a:solidFill>
+                <a:effectLst/>
+              </a:rPr>
+              <a:t>…</a:t>
+            </a:r>
+            <a:endParaRPr kumimoji="0" lang="en-US" sz="2400" b="0" i="0" u="none" strike="noStrike" cap="none" normalizeH="0" baseline="0" dirty="0" smtClean="0">
+              <a:ln>
+                <a:noFill/>
+              </a:ln>
+              <a:solidFill>
+                <a:schemeClr val="tx1"/>
+              </a:solidFill>
+              <a:effectLst/>
+            </a:endParaRPr>
+          </a:p>
+        </p:txBody>
+      </p:sp>
+      <p:sp>
+        <p:nvSpPr>
+          <p:cNvPr id="74" name="TextBox 73"/>
+          <p:cNvSpPr txBox="1"/>
+          <p:nvPr/>
+        </p:nvSpPr>
+        <p:spPr bwMode="auto">
+          <a:xfrm>
+            <a:off x="4140378" y="13872821"/>
+            <a:ext cx="2198808" cy="2234675"/>
+          </a:xfrm>
+          <a:prstGeom prst="rect">
+            <a:avLst/>
+          </a:prstGeom>
+          <a:solidFill>
+            <a:schemeClr val="bg1"/>
+          </a:solidFill>
+          <a:ln w="38100">
+            <a:solidFill>
+              <a:schemeClr val="tx1"/>
+            </a:solidFill>
+            <a:miter lim="800000"/>
+            <a:headEnd/>
+            <a:tailEnd/>
+          </a:ln>
+        </p:spPr>
+        <p:txBody>
+          <a:bodyPr wrap="square" lIns="91440" tIns="91440" rIns="91440" bIns="91440" rtlCol="0" anchor="ctr">
+            <a:noAutofit/>
+          </a:bodyPr>
+          <a:lstStyle/>
+          <a:p>
+            <a:pPr marL="0" marR="0" lvl="0" indent="0" algn="ctr" defTabSz="914400" eaLnBrk="1" fontAlgn="auto" latinLnBrk="0" hangingPunct="1">
+              <a:lnSpc>
+                <a:spcPct val="100000"/>
+              </a:lnSpc>
+              <a:spcBef>
+                <a:spcPts val="0"/>
+              </a:spcBef>
+              <a:spcAft>
+                <a:spcPts val="0"/>
+              </a:spcAft>
+              <a:buClrTx/>
+              <a:buSzTx/>
+              <a:buFontTx/>
+              <a:buNone/>
+              <a:tabLst/>
+              <a:defRPr/>
+            </a:pPr>
+            <a:r>
+              <a:rPr lang="en-US" sz="3600" dirty="0" smtClean="0"/>
+              <a:t>C Source Code with Macros</a:t>
+            </a:r>
+            <a:endParaRPr lang="en-US" sz="3600" dirty="0" smtClean="0"/>
+          </a:p>
+        </p:txBody>
+      </p:sp>
+      <p:sp>
+        <p:nvSpPr>
+          <p:cNvPr id="102" name="Down Arrow 101"/>
+          <p:cNvSpPr/>
+          <p:nvPr/>
+        </p:nvSpPr>
+        <p:spPr bwMode="auto">
+          <a:xfrm>
+            <a:off x="1227445" y="17259876"/>
+            <a:ext cx="997879" cy="758990"/>
+          </a:xfrm>
+          <a:prstGeom prst="downArrow">
+            <a:avLst/>
+          </a:prstGeom>
+          <a:solidFill>
+            <a:schemeClr val="tx1"/>
+          </a:solidFill>
+          <a:ln w="9525" cap="flat" cmpd="sng" algn="ctr">
+            <a:solidFill>
+              <a:schemeClr val="tx1"/>
+            </a:solidFill>
+            <a:prstDash val="solid"/>
+            <a:miter lim="800000"/>
+            <a:headEnd type="none" w="med" len="med"/>
+            <a:tailEnd type="none" w="med" len="med"/>
+          </a:ln>
+          <a:effectLst/>
+        </p:spPr>
+        <p:txBody>
+          <a:bodyPr vert="horz" wrap="none" lIns="91440" tIns="45720" rIns="91440" bIns="45720" numCol="1" rtlCol="0" anchor="t" anchorCtr="0" compatLnSpc="1">
+            <a:prstTxWarp prst="textNoShape">
+              <a:avLst/>
+            </a:prstTxWarp>
+          </a:bodyPr>
+          <a:lstStyle/>
+          <a:p>
+            <a:pPr marL="0" marR="0" indent="0" algn="l" defTabSz="874713" rtl="0" eaLnBrk="1" fontAlgn="base" latinLnBrk="0" hangingPunct="1">
+              <a:lnSpc>
+                <a:spcPct val="100000"/>
+              </a:lnSpc>
+              <a:spcBef>
+                <a:spcPct val="0"/>
+              </a:spcBef>
+              <a:spcAft>
+                <a:spcPct val="0"/>
+              </a:spcAft>
+              <a:buClrTx/>
+              <a:buSzTx/>
+              <a:buFontTx/>
+              <a:buNone/>
+              <a:tabLst/>
+            </a:pPr>
+            <a:endParaRPr kumimoji="0" lang="en-US" sz="2300" b="0" i="0" u="none" strike="noStrike" cap="none" normalizeH="0" baseline="0" smtClean="0">
+              <a:ln>
+                <a:noFill/>
+              </a:ln>
+              <a:solidFill>
+                <a:schemeClr val="tx1"/>
+              </a:solidFill>
+              <a:effectLst/>
+              <a:latin typeface="Times New Roman" pitchFamily="18" charset="0"/>
+            </a:endParaRPr>
+          </a:p>
+        </p:txBody>
+      </p:sp>
+      <p:grpSp>
+        <p:nvGrpSpPr>
+          <p:cNvPr id="79" name="Group 78"/>
+          <p:cNvGrpSpPr/>
+          <p:nvPr/>
+        </p:nvGrpSpPr>
+        <p:grpSpPr>
+          <a:xfrm>
+            <a:off x="1721476" y="20230644"/>
+            <a:ext cx="2563142" cy="2963891"/>
+            <a:chOff x="5952096" y="20846532"/>
+            <a:chExt cx="2545599" cy="2963891"/>
+          </a:xfrm>
+        </p:grpSpPr>
+        <p:sp>
+          <p:nvSpPr>
+            <p:cNvPr id="106" name="Arc 105"/>
+            <p:cNvSpPr/>
+            <p:nvPr/>
+          </p:nvSpPr>
+          <p:spPr bwMode="auto">
+            <a:xfrm rot="10800000">
+              <a:off x="5952096" y="20846532"/>
+              <a:ext cx="2545599" cy="2431437"/>
+            </a:xfrm>
+            <a:prstGeom prst="arc">
+              <a:avLst/>
+            </a:prstGeom>
+            <a:noFill/>
+            <a:ln w="457200" cap="flat" cmpd="sng" algn="ctr">
+              <a:solidFill>
+                <a:schemeClr val="tx1"/>
+              </a:solidFill>
+              <a:prstDash val="solid"/>
+              <a:miter lim="800000"/>
+              <a:headEnd type="none" w="med" len="med"/>
+              <a:tailEnd type="none" w="med" len="med"/>
+            </a:ln>
+            <a:effectLst/>
+          </p:spPr>
+          <p:txBody>
+            <a:bodyPr vert="horz" wrap="none" lIns="91440" tIns="45720" rIns="91440" bIns="45720" numCol="1" rtlCol="0" anchor="t" anchorCtr="0" compatLnSpc="1">
+              <a:prstTxWarp prst="textNoShape">
+                <a:avLst/>
+              </a:prstTxWarp>
+            </a:bodyPr>
+            <a:lstStyle/>
+            <a:p>
+              <a:pPr marL="0" marR="0" indent="0" algn="l" defTabSz="874713" rtl="0" eaLnBrk="1" fontAlgn="base" latinLnBrk="0" hangingPunct="1">
+                <a:lnSpc>
+                  <a:spcPct val="100000"/>
+                </a:lnSpc>
+                <a:spcBef>
+                  <a:spcPct val="0"/>
+                </a:spcBef>
+                <a:spcAft>
+                  <a:spcPct val="0"/>
+                </a:spcAft>
+                <a:buClrTx/>
+                <a:buSzTx/>
+                <a:buFontTx/>
+                <a:buNone/>
+                <a:tabLst/>
+              </a:pPr>
+              <a:endParaRPr kumimoji="0" lang="en-US" sz="2300" b="0" i="0" u="none" strike="noStrike" cap="none" normalizeH="0" baseline="0" smtClean="0">
+                <a:ln>
+                  <a:noFill/>
+                </a:ln>
+                <a:solidFill>
+                  <a:schemeClr val="tx1"/>
+                </a:solidFill>
+                <a:effectLst/>
+                <a:latin typeface="Times New Roman" pitchFamily="18" charset="0"/>
+              </a:endParaRPr>
+            </a:p>
+          </p:txBody>
+        </p:sp>
+        <p:sp>
+          <p:nvSpPr>
+            <p:cNvPr id="107" name="Triangle 106"/>
             <p:cNvSpPr/>
             <p:nvPr/>
           </p:nvSpPr>
           <p:spPr bwMode="auto">
             <a:xfrm rot="5400000">
-              <a:off x="16505451" y="20173900"/>
-              <a:ext cx="669661" cy="729353"/>
+              <a:off x="6871419" y="22968270"/>
+              <a:ext cx="1139587" cy="544720"/>
             </a:xfrm>
             <a:prstGeom prst="triangle">
               <a:avLst/>
@@ -6450,1263 +10943,259 @@
             </a:p>
           </p:txBody>
         </p:sp>
-        <p:sp>
-          <p:nvSpPr>
-            <p:cNvPr id="11" name="TextBox 10"/>
-            <p:cNvSpPr txBox="1"/>
-            <p:nvPr/>
-          </p:nvSpPr>
-          <p:spPr bwMode="auto">
-            <a:xfrm>
-              <a:off x="13443558" y="18752940"/>
-              <a:ext cx="4021508" cy="1966056"/>
-            </a:xfrm>
-            <a:prstGeom prst="rect">
-              <a:avLst/>
-            </a:prstGeom>
-            <a:noFill/>
-            <a:ln w="38100">
-              <a:noFill/>
-              <a:miter lim="800000"/>
-              <a:headEnd/>
-              <a:tailEnd/>
-            </a:ln>
-          </p:spPr>
-          <p:txBody>
-            <a:bodyPr wrap="square" lIns="699201" tIns="699201" rIns="699201" bIns="699201" rtlCol="0" anchor="ctr">
-              <a:spAutoFit/>
-            </a:bodyPr>
-            <a:lstStyle/>
-            <a:p>
-              <a:pPr algn="ctr" eaLnBrk="1" hangingPunct="1"/>
-              <a:r>
-                <a:rPr lang="en-US" sz="3600" dirty="0" smtClean="0"/>
-                <a:t>Token Stream</a:t>
-              </a:r>
-            </a:p>
-          </p:txBody>
-        </p:sp>
-        <p:sp>
-          <p:nvSpPr>
-            <p:cNvPr id="36" name="Left Bracket 35"/>
-            <p:cNvSpPr/>
-            <p:nvPr/>
-          </p:nvSpPr>
-          <p:spPr bwMode="auto">
-            <a:xfrm rot="16200000">
-              <a:off x="14932959" y="21082697"/>
-              <a:ext cx="842682" cy="4648200"/>
-            </a:xfrm>
-            <a:prstGeom prst="leftBracket">
-              <a:avLst/>
-            </a:prstGeom>
-            <a:noFill/>
-            <a:ln w="127000" cap="flat" cmpd="sng" algn="ctr">
-              <a:solidFill>
-                <a:schemeClr val="tx1"/>
-              </a:solidFill>
-              <a:prstDash val="solid"/>
-              <a:miter lim="800000"/>
-              <a:headEnd type="none" w="med" len="med"/>
-              <a:tailEnd type="none" w="med" len="med"/>
-            </a:ln>
-            <a:effectLst/>
-          </p:spPr>
-          <p:txBody>
-            <a:bodyPr vert="horz" wrap="none" lIns="91440" tIns="45720" rIns="91440" bIns="45720" numCol="1" rtlCol="0" anchor="t" anchorCtr="0" compatLnSpc="1">
-              <a:prstTxWarp prst="textNoShape">
-                <a:avLst/>
-              </a:prstTxWarp>
-            </a:bodyPr>
-            <a:lstStyle/>
-            <a:p>
-              <a:pPr marL="0" marR="0" indent="0" algn="l" defTabSz="874713" rtl="0" eaLnBrk="1" fontAlgn="base" latinLnBrk="0" hangingPunct="1">
-                <a:lnSpc>
-                  <a:spcPct val="100000"/>
-                </a:lnSpc>
-                <a:spcBef>
-                  <a:spcPct val="0"/>
-                </a:spcBef>
-                <a:spcAft>
-                  <a:spcPct val="0"/>
-                </a:spcAft>
-                <a:buClrTx/>
-                <a:buSzTx/>
-                <a:buFontTx/>
-                <a:buNone/>
-                <a:tabLst/>
-              </a:pPr>
-              <a:endParaRPr kumimoji="0" lang="en-US" sz="2300" b="0" i="0" u="none" strike="noStrike" cap="none" normalizeH="0" baseline="0" smtClean="0">
-                <a:ln>
-                  <a:noFill/>
-                </a:ln>
-                <a:solidFill>
-                  <a:schemeClr val="tx1"/>
-                </a:solidFill>
-                <a:effectLst/>
-                <a:latin typeface="Times New Roman" pitchFamily="18" charset="0"/>
-              </a:endParaRPr>
-            </a:p>
-          </p:txBody>
-        </p:sp>
-        <p:sp>
-          <p:nvSpPr>
-            <p:cNvPr id="37" name="Triangle 36"/>
-            <p:cNvSpPr/>
-            <p:nvPr/>
-          </p:nvSpPr>
-          <p:spPr bwMode="auto">
-            <a:xfrm rot="16200000">
-              <a:off x="13724151" y="23463460"/>
-              <a:ext cx="669661" cy="729353"/>
-            </a:xfrm>
-            <a:prstGeom prst="triangle">
-              <a:avLst/>
-            </a:prstGeom>
+      </p:grpSp>
+      <p:sp>
+        <p:nvSpPr>
+          <p:cNvPr id="109" name="TextBox 108"/>
+          <p:cNvSpPr txBox="1"/>
+          <p:nvPr/>
+        </p:nvSpPr>
+        <p:spPr bwMode="auto">
+          <a:xfrm>
+            <a:off x="1424466" y="23659011"/>
+            <a:ext cx="4519643" cy="1056718"/>
+          </a:xfrm>
+          <a:prstGeom prst="rect">
+            <a:avLst/>
+          </a:prstGeom>
+          <a:solidFill>
+            <a:schemeClr val="bg1"/>
+          </a:solidFill>
+          <a:ln w="38100">
             <a:solidFill>
               <a:schemeClr val="tx1"/>
             </a:solidFill>
-            <a:ln w="9525" cap="flat" cmpd="sng" algn="ctr">
-              <a:solidFill>
-                <a:schemeClr val="tx1"/>
-              </a:solidFill>
-              <a:prstDash val="solid"/>
-              <a:miter lim="800000"/>
-              <a:headEnd type="none" w="med" len="med"/>
-              <a:tailEnd type="none" w="med" len="med"/>
-            </a:ln>
-            <a:effectLst/>
-          </p:spPr>
-          <p:txBody>
-            <a:bodyPr vert="horz" wrap="none" lIns="91440" tIns="45720" rIns="91440" bIns="45720" numCol="1" rtlCol="0" anchor="t" anchorCtr="0" compatLnSpc="1">
-              <a:prstTxWarp prst="textNoShape">
-                <a:avLst/>
-              </a:prstTxWarp>
-            </a:bodyPr>
-            <a:lstStyle/>
-            <a:p>
-              <a:pPr marL="0" marR="0" indent="0" algn="l" defTabSz="874713" rtl="0" eaLnBrk="1" fontAlgn="base" latinLnBrk="0" hangingPunct="1">
-                <a:lnSpc>
-                  <a:spcPct val="100000"/>
-                </a:lnSpc>
-                <a:spcBef>
-                  <a:spcPct val="0"/>
-                </a:spcBef>
-                <a:spcAft>
-                  <a:spcPct val="0"/>
-                </a:spcAft>
-                <a:buClrTx/>
-                <a:buSzTx/>
-                <a:buFontTx/>
-                <a:buNone/>
-                <a:tabLst/>
-              </a:pPr>
-              <a:endParaRPr kumimoji="0" lang="en-US" sz="2300" b="0" i="0" u="none" strike="noStrike" cap="none" normalizeH="0" baseline="0" smtClean="0">
-                <a:ln>
-                  <a:noFill/>
-                </a:ln>
-                <a:solidFill>
-                  <a:schemeClr val="tx1"/>
-                </a:solidFill>
-                <a:effectLst/>
-                <a:latin typeface="Times New Roman" pitchFamily="18" charset="0"/>
-              </a:endParaRPr>
-            </a:p>
-          </p:txBody>
-        </p:sp>
-        <p:sp>
-          <p:nvSpPr>
-            <p:cNvPr id="38" name="Triangle 37"/>
-            <p:cNvSpPr/>
-            <p:nvPr/>
-          </p:nvSpPr>
-          <p:spPr bwMode="auto">
-            <a:xfrm rot="16200000">
-              <a:off x="16505451" y="23463461"/>
-              <a:ext cx="669661" cy="729353"/>
-            </a:xfrm>
-            <a:prstGeom prst="triangle">
-              <a:avLst/>
-            </a:prstGeom>
-            <a:solidFill>
-              <a:schemeClr val="tx1"/>
-            </a:solidFill>
-            <a:ln w="9525" cap="flat" cmpd="sng" algn="ctr">
-              <a:solidFill>
-                <a:schemeClr val="tx1"/>
-              </a:solidFill>
-              <a:prstDash val="solid"/>
-              <a:miter lim="800000"/>
-              <a:headEnd type="none" w="med" len="med"/>
-              <a:tailEnd type="none" w="med" len="med"/>
-            </a:ln>
-            <a:effectLst/>
-          </p:spPr>
-          <p:txBody>
-            <a:bodyPr vert="horz" wrap="none" lIns="91440" tIns="45720" rIns="91440" bIns="45720" numCol="1" rtlCol="0" anchor="t" anchorCtr="0" compatLnSpc="1">
-              <a:prstTxWarp prst="textNoShape">
-                <a:avLst/>
-              </a:prstTxWarp>
-            </a:bodyPr>
-            <a:lstStyle/>
-            <a:p>
-              <a:pPr marL="0" marR="0" indent="0" algn="l" defTabSz="874713" rtl="0" eaLnBrk="1" fontAlgn="base" latinLnBrk="0" hangingPunct="1">
-                <a:lnSpc>
-                  <a:spcPct val="100000"/>
-                </a:lnSpc>
-                <a:spcBef>
-                  <a:spcPct val="0"/>
-                </a:spcBef>
-                <a:spcAft>
-                  <a:spcPct val="0"/>
-                </a:spcAft>
-                <a:buClrTx/>
-                <a:buSzTx/>
-                <a:buFontTx/>
-                <a:buNone/>
-                <a:tabLst/>
-              </a:pPr>
-              <a:endParaRPr kumimoji="0" lang="en-US" sz="2300" b="0" i="0" u="none" strike="noStrike" cap="none" normalizeH="0" baseline="0" smtClean="0">
-                <a:ln>
-                  <a:noFill/>
-                </a:ln>
-                <a:solidFill>
-                  <a:schemeClr val="tx1"/>
-                </a:solidFill>
-                <a:effectLst/>
-                <a:latin typeface="Times New Roman" pitchFamily="18" charset="0"/>
-              </a:endParaRPr>
-            </a:p>
-          </p:txBody>
-        </p:sp>
-        <p:sp>
-          <p:nvSpPr>
-            <p:cNvPr id="39" name="TextBox 38"/>
-            <p:cNvSpPr txBox="1"/>
-            <p:nvPr/>
-          </p:nvSpPr>
-          <p:spPr bwMode="auto">
-            <a:xfrm>
-              <a:off x="13986965" y="22388815"/>
-              <a:ext cx="3131568" cy="1371600"/>
-            </a:xfrm>
-            <a:prstGeom prst="rect">
-              <a:avLst/>
-            </a:prstGeom>
-            <a:noFill/>
-            <a:ln w="38100">
-              <a:noFill/>
-              <a:miter lim="800000"/>
-              <a:headEnd/>
-              <a:tailEnd/>
-            </a:ln>
-          </p:spPr>
-          <p:txBody>
-            <a:bodyPr wrap="square" lIns="699201" tIns="699201" rIns="699201" bIns="699201" rtlCol="0" anchor="ctr">
-              <a:spAutoFit/>
-            </a:bodyPr>
-            <a:lstStyle/>
-            <a:p>
-              <a:pPr algn="ctr" eaLnBrk="1" hangingPunct="1"/>
-              <a:r>
-                <a:rPr lang="en-US" sz="3600" dirty="0" smtClean="0"/>
-                <a:t>Token Requests</a:t>
-              </a:r>
-            </a:p>
-          </p:txBody>
-        </p:sp>
-        <p:sp>
-          <p:nvSpPr>
-            <p:cNvPr id="28" name="Rectangle 27"/>
-            <p:cNvSpPr/>
-            <p:nvPr/>
-          </p:nvSpPr>
-          <p:spPr bwMode="auto">
-            <a:xfrm>
-              <a:off x="16764000" y="21450299"/>
-              <a:ext cx="2409824" cy="1524000"/>
-            </a:xfrm>
-            <a:prstGeom prst="rect">
-              <a:avLst/>
-            </a:prstGeom>
-            <a:solidFill>
-              <a:schemeClr val="accent1"/>
-            </a:solidFill>
-            <a:ln w="9525" cap="flat" cmpd="sng" algn="ctr">
-              <a:solidFill>
-                <a:schemeClr val="tx1"/>
-              </a:solidFill>
-              <a:prstDash val="solid"/>
-              <a:miter lim="800000"/>
-              <a:headEnd type="none" w="med" len="med"/>
-              <a:tailEnd type="none" w="med" len="med"/>
-            </a:ln>
-            <a:effectLst/>
-          </p:spPr>
-          <p:txBody>
-            <a:bodyPr vert="horz" wrap="none" lIns="91440" tIns="45720" rIns="91440" bIns="45720" numCol="1" rtlCol="0" anchor="ctr" anchorCtr="0" compatLnSpc="1">
-              <a:prstTxWarp prst="textNoShape">
-                <a:avLst/>
-              </a:prstTxWarp>
-            </a:bodyPr>
-            <a:lstStyle/>
-            <a:p>
-              <a:pPr marL="0" marR="0" indent="0" algn="ctr" defTabSz="874713" rtl="0" eaLnBrk="1" fontAlgn="base" latinLnBrk="0" hangingPunct="1">
-                <a:lnSpc>
-                  <a:spcPct val="100000"/>
-                </a:lnSpc>
-                <a:spcBef>
-                  <a:spcPct val="0"/>
-                </a:spcBef>
-                <a:spcAft>
-                  <a:spcPct val="0"/>
-                </a:spcAft>
-                <a:buClrTx/>
-                <a:buSzTx/>
-                <a:buFontTx/>
-                <a:buNone/>
-                <a:tabLst/>
-              </a:pPr>
-              <a:r>
-                <a:rPr lang="en-US" sz="3600" smtClean="0"/>
-                <a:t>Parser</a:t>
-              </a:r>
-              <a:endParaRPr kumimoji="0" lang="en-US" sz="3600" b="0" i="0" u="none" strike="noStrike" cap="none" normalizeH="0" baseline="0" dirty="0" smtClean="0">
-                <a:ln>
-                  <a:noFill/>
-                </a:ln>
-                <a:solidFill>
-                  <a:schemeClr val="tx1"/>
-                </a:solidFill>
-                <a:effectLst/>
-                <a:latin typeface="Times New Roman" pitchFamily="18" charset="0"/>
-              </a:endParaRPr>
-            </a:p>
-          </p:txBody>
-        </p:sp>
-        <p:cxnSp>
-          <p:nvCxnSpPr>
-            <p:cNvPr id="13" name="Straight Arrow Connector 12"/>
-            <p:cNvCxnSpPr>
-              <a:stCxn id="28" idx="3"/>
-            </p:cNvCxnSpPr>
-            <p:nvPr/>
-          </p:nvCxnSpPr>
-          <p:spPr bwMode="auto">
-            <a:xfrm>
-              <a:off x="19173824" y="22212299"/>
-              <a:ext cx="1035315" cy="0"/>
-            </a:xfrm>
-            <a:prstGeom prst="straightConnector1">
-              <a:avLst/>
-            </a:prstGeom>
-            <a:solidFill>
-              <a:schemeClr val="accent1"/>
-            </a:solidFill>
-            <a:ln w="127000" cap="flat" cmpd="sng" algn="ctr">
-              <a:solidFill>
-                <a:schemeClr val="tx1"/>
-              </a:solidFill>
-              <a:prstDash val="solid"/>
-              <a:miter lim="800000"/>
-              <a:headEnd type="none" w="med" len="med"/>
-              <a:tailEnd type="triangle"/>
-            </a:ln>
-            <a:effectLst/>
-          </p:spPr>
-        </p:cxnSp>
-      </p:grpSp>
-      <p:grpSp>
-        <p:nvGrpSpPr>
-          <p:cNvPr id="19" name="Group 18"/>
-          <p:cNvGrpSpPr>
-            <a:grpSpLocks noChangeAspect="1"/>
-          </p:cNvGrpSpPr>
+            <a:miter lim="800000"/>
+            <a:headEnd/>
+            <a:tailEnd/>
+          </a:ln>
+        </p:spPr>
+        <p:txBody>
+          <a:bodyPr wrap="square" lIns="91440" tIns="91440" rIns="91440" bIns="91440" rtlCol="0" anchor="ctr">
+            <a:noAutofit/>
+          </a:bodyPr>
+          <a:lstStyle/>
+          <a:p>
+            <a:pPr marL="0" marR="0" lvl="0" indent="0" algn="ctr" defTabSz="914400" eaLnBrk="1" fontAlgn="auto" latinLnBrk="0" hangingPunct="1">
+              <a:lnSpc>
+                <a:spcPct val="100000"/>
+              </a:lnSpc>
+              <a:spcBef>
+                <a:spcPts val="0"/>
+              </a:spcBef>
+              <a:spcAft>
+                <a:spcPts val="0"/>
+              </a:spcAft>
+              <a:buClrTx/>
+              <a:buSzTx/>
+              <a:buFontTx/>
+              <a:buNone/>
+              <a:tabLst/>
+              <a:defRPr/>
+            </a:pPr>
+            <a:r>
+              <a:rPr lang="en-US" sz="3600" smtClean="0"/>
+              <a:t>Pure C Source Code </a:t>
+            </a:r>
+            <a:endParaRPr lang="en-US" sz="3600" dirty="0" smtClean="0"/>
+          </a:p>
+        </p:txBody>
+      </p:sp>
+      <p:sp>
+        <p:nvSpPr>
+          <p:cNvPr id="119" name="Down Arrow 118"/>
+          <p:cNvSpPr/>
           <p:nvPr/>
-        </p:nvGrpSpPr>
-        <p:grpSpPr>
-          <a:xfrm>
-            <a:off x="13707526" y="17841076"/>
-            <a:ext cx="1906729" cy="2073828"/>
-            <a:chOff x="23006142" y="16758535"/>
-            <a:chExt cx="3140217" cy="3415415"/>
+        </p:nvSpPr>
+        <p:spPr bwMode="auto">
+          <a:xfrm rot="16200000">
+            <a:off x="7059031" y="19203701"/>
+            <a:ext cx="997879" cy="758990"/>
           </a:xfrm>
-        </p:grpSpPr>
-        <p:sp>
-          <p:nvSpPr>
-            <p:cNvPr id="14" name="Rectangle 13"/>
-            <p:cNvSpPr/>
-            <p:nvPr/>
-          </p:nvSpPr>
-          <p:spPr bwMode="auto">
-            <a:xfrm>
-              <a:off x="24155400" y="16758535"/>
-              <a:ext cx="838200" cy="762000"/>
-            </a:xfrm>
-            <a:prstGeom prst="rect">
-              <a:avLst/>
-            </a:prstGeom>
-            <a:noFill/>
-            <a:ln w="38100" cap="flat" cmpd="sng" algn="ctr">
-              <a:solidFill>
-                <a:schemeClr val="tx1"/>
-              </a:solidFill>
-              <a:prstDash val="solid"/>
-              <a:miter lim="800000"/>
-              <a:headEnd type="none" w="med" len="med"/>
-              <a:tailEnd type="none" w="med" len="med"/>
-            </a:ln>
-            <a:effectLst/>
-          </p:spPr>
-          <p:txBody>
-            <a:bodyPr vert="horz" wrap="none" lIns="91440" tIns="45720" rIns="91440" bIns="45720" numCol="1" rtlCol="0" anchor="ctr" anchorCtr="0" compatLnSpc="1">
-              <a:prstTxWarp prst="textNoShape">
-                <a:avLst/>
-              </a:prstTxWarp>
-            </a:bodyPr>
-            <a:lstStyle/>
-            <a:p>
-              <a:pPr marL="0" marR="0" indent="0" algn="ctr" defTabSz="874713" rtl="0" eaLnBrk="1" fontAlgn="base" latinLnBrk="0" hangingPunct="1">
-                <a:lnSpc>
-                  <a:spcPct val="100000"/>
-                </a:lnSpc>
-                <a:spcBef>
-                  <a:spcPct val="0"/>
-                </a:spcBef>
-                <a:spcAft>
-                  <a:spcPct val="0"/>
-                </a:spcAft>
-                <a:buClrTx/>
-                <a:buSzTx/>
-                <a:buFontTx/>
-                <a:buNone/>
-                <a:tabLst/>
-              </a:pPr>
-              <a:r>
-                <a:rPr kumimoji="0" lang="en-US" sz="3600" b="0" i="0" u="none" strike="noStrike" cap="none" normalizeH="0" baseline="0" dirty="0" smtClean="0">
-                  <a:ln>
-                    <a:noFill/>
-                  </a:ln>
-                  <a:solidFill>
-                    <a:schemeClr val="tx1"/>
-                  </a:solidFill>
-                  <a:effectLst/>
-                  <a:latin typeface="Times New Roman" pitchFamily="18" charset="0"/>
-                </a:rPr>
-                <a:t>E</a:t>
-              </a:r>
-            </a:p>
-          </p:txBody>
-        </p:sp>
-        <p:sp>
-          <p:nvSpPr>
-            <p:cNvPr id="43" name="Rectangle 42"/>
-            <p:cNvSpPr/>
-            <p:nvPr/>
-          </p:nvSpPr>
-          <p:spPr bwMode="auto">
-            <a:xfrm>
-              <a:off x="25304658" y="18078450"/>
-              <a:ext cx="838200" cy="762000"/>
-            </a:xfrm>
-            <a:prstGeom prst="rect">
-              <a:avLst/>
-            </a:prstGeom>
-            <a:noFill/>
-            <a:ln w="38100" cap="flat" cmpd="sng" algn="ctr">
-              <a:solidFill>
-                <a:schemeClr val="tx1"/>
-              </a:solidFill>
-              <a:prstDash val="solid"/>
-              <a:miter lim="800000"/>
-              <a:headEnd type="none" w="med" len="med"/>
-              <a:tailEnd type="none" w="med" len="med"/>
-            </a:ln>
-            <a:effectLst/>
-          </p:spPr>
-          <p:txBody>
-            <a:bodyPr vert="horz" wrap="none" lIns="91440" tIns="45720" rIns="91440" bIns="45720" numCol="1" rtlCol="0" anchor="ctr" anchorCtr="0" compatLnSpc="1">
-              <a:prstTxWarp prst="textNoShape">
-                <a:avLst/>
-              </a:prstTxWarp>
-            </a:bodyPr>
-            <a:lstStyle/>
-            <a:p>
-              <a:pPr marL="0" marR="0" indent="0" algn="ctr" defTabSz="874713" rtl="0" eaLnBrk="1" fontAlgn="base" latinLnBrk="0" hangingPunct="1">
-                <a:lnSpc>
-                  <a:spcPct val="100000"/>
-                </a:lnSpc>
-                <a:spcBef>
-                  <a:spcPct val="0"/>
-                </a:spcBef>
-                <a:spcAft>
-                  <a:spcPct val="0"/>
-                </a:spcAft>
-                <a:buClrTx/>
-                <a:buSzTx/>
-                <a:buFontTx/>
-                <a:buNone/>
-                <a:tabLst/>
-              </a:pPr>
-              <a:r>
-                <a:rPr kumimoji="0" lang="en-US" sz="3600" b="0" i="0" u="none" strike="noStrike" cap="none" normalizeH="0" baseline="0" dirty="0" smtClean="0">
-                  <a:ln>
-                    <a:noFill/>
-                  </a:ln>
-                  <a:solidFill>
-                    <a:schemeClr val="tx1"/>
-                  </a:solidFill>
-                  <a:effectLst/>
-                  <a:latin typeface="Times New Roman" pitchFamily="18" charset="0"/>
-                </a:rPr>
-                <a:t>E</a:t>
-              </a:r>
-            </a:p>
-          </p:txBody>
-        </p:sp>
-        <p:sp>
-          <p:nvSpPr>
-            <p:cNvPr id="44" name="Rectangle 43"/>
-            <p:cNvSpPr/>
-            <p:nvPr/>
-          </p:nvSpPr>
-          <p:spPr bwMode="auto">
-            <a:xfrm>
-              <a:off x="23006142" y="18094886"/>
-              <a:ext cx="838200" cy="762000"/>
-            </a:xfrm>
-            <a:prstGeom prst="rect">
-              <a:avLst/>
-            </a:prstGeom>
-            <a:noFill/>
-            <a:ln w="38100" cap="flat" cmpd="sng" algn="ctr">
-              <a:solidFill>
-                <a:schemeClr val="tx1"/>
-              </a:solidFill>
-              <a:prstDash val="solid"/>
-              <a:miter lim="800000"/>
-              <a:headEnd type="none" w="med" len="med"/>
-              <a:tailEnd type="none" w="med" len="med"/>
-            </a:ln>
-            <a:effectLst/>
-          </p:spPr>
-          <p:txBody>
-            <a:bodyPr vert="horz" wrap="none" lIns="91440" tIns="45720" rIns="91440" bIns="45720" numCol="1" rtlCol="0" anchor="ctr" anchorCtr="0" compatLnSpc="1">
-              <a:prstTxWarp prst="textNoShape">
-                <a:avLst/>
-              </a:prstTxWarp>
-            </a:bodyPr>
-            <a:lstStyle/>
-            <a:p>
-              <a:pPr marL="0" marR="0" indent="0" algn="ctr" defTabSz="874713" rtl="0" eaLnBrk="1" fontAlgn="base" latinLnBrk="0" hangingPunct="1">
-                <a:lnSpc>
-                  <a:spcPct val="100000"/>
-                </a:lnSpc>
-                <a:spcBef>
-                  <a:spcPct val="0"/>
-                </a:spcBef>
-                <a:spcAft>
-                  <a:spcPct val="0"/>
-                </a:spcAft>
-                <a:buClrTx/>
-                <a:buSzTx/>
-                <a:buFontTx/>
-                <a:buNone/>
-                <a:tabLst/>
-              </a:pPr>
-              <a:r>
-                <a:rPr kumimoji="0" lang="en-US" sz="3600" b="0" i="0" u="none" strike="noStrike" cap="none" normalizeH="0" baseline="0" dirty="0" smtClean="0">
-                  <a:ln>
-                    <a:noFill/>
-                  </a:ln>
-                  <a:solidFill>
-                    <a:schemeClr val="tx1"/>
-                  </a:solidFill>
-                  <a:effectLst/>
-                  <a:latin typeface="Times New Roman" pitchFamily="18" charset="0"/>
-                </a:rPr>
-                <a:t>E</a:t>
-              </a:r>
-            </a:p>
-          </p:txBody>
-        </p:sp>
-        <p:sp>
-          <p:nvSpPr>
-            <p:cNvPr id="45" name="Rectangle 44"/>
-            <p:cNvSpPr/>
-            <p:nvPr/>
-          </p:nvSpPr>
-          <p:spPr bwMode="auto">
-            <a:xfrm>
-              <a:off x="24155400" y="18083680"/>
-              <a:ext cx="838200" cy="762000"/>
-            </a:xfrm>
-            <a:prstGeom prst="rect">
-              <a:avLst/>
-            </a:prstGeom>
-            <a:noFill/>
-            <a:ln w="38100" cap="flat" cmpd="sng" algn="ctr">
-              <a:solidFill>
-                <a:schemeClr val="tx1"/>
-              </a:solidFill>
-              <a:prstDash val="solid"/>
-              <a:miter lim="800000"/>
-              <a:headEnd type="none" w="med" len="med"/>
-              <a:tailEnd type="none" w="med" len="med"/>
-            </a:ln>
-            <a:effectLst/>
-          </p:spPr>
-          <p:txBody>
-            <a:bodyPr vert="horz" wrap="none" lIns="91440" tIns="45720" rIns="91440" bIns="45720" numCol="1" rtlCol="0" anchor="ctr" anchorCtr="0" compatLnSpc="1">
-              <a:prstTxWarp prst="textNoShape">
-                <a:avLst/>
-              </a:prstTxWarp>
-            </a:bodyPr>
-            <a:lstStyle/>
-            <a:p>
-              <a:pPr marL="0" marR="0" indent="0" algn="ctr" defTabSz="874713" rtl="0" eaLnBrk="1" fontAlgn="base" latinLnBrk="0" hangingPunct="1">
-                <a:lnSpc>
-                  <a:spcPct val="100000"/>
-                </a:lnSpc>
-                <a:spcBef>
-                  <a:spcPct val="0"/>
-                </a:spcBef>
-                <a:spcAft>
-                  <a:spcPct val="0"/>
-                </a:spcAft>
-                <a:buClrTx/>
-                <a:buSzTx/>
-                <a:buFontTx/>
-                <a:buNone/>
-                <a:tabLst/>
-              </a:pPr>
-              <a:r>
-                <a:rPr kumimoji="0" lang="en-US" sz="3600" b="1" i="0" u="none" strike="noStrike" cap="none" normalizeH="0" baseline="0" dirty="0" smtClean="0">
-                  <a:ln>
-                    <a:noFill/>
-                  </a:ln>
-                  <a:solidFill>
-                    <a:schemeClr val="tx1"/>
-                  </a:solidFill>
-                  <a:effectLst/>
-                  <a:latin typeface="Times New Roman" pitchFamily="18" charset="0"/>
-                </a:rPr>
-                <a:t>+</a:t>
-              </a:r>
-            </a:p>
-          </p:txBody>
-        </p:sp>
-        <p:sp>
-          <p:nvSpPr>
-            <p:cNvPr id="46" name="Rectangle 45"/>
-            <p:cNvSpPr/>
-            <p:nvPr/>
-          </p:nvSpPr>
-          <p:spPr bwMode="auto">
-            <a:xfrm>
-              <a:off x="23006142" y="19385716"/>
-              <a:ext cx="838200" cy="762000"/>
-            </a:xfrm>
-            <a:prstGeom prst="rect">
-              <a:avLst/>
-            </a:prstGeom>
-            <a:noFill/>
-            <a:ln w="38100" cap="flat" cmpd="sng" algn="ctr">
-              <a:solidFill>
-                <a:schemeClr val="tx1"/>
-              </a:solidFill>
-              <a:prstDash val="solid"/>
-              <a:miter lim="800000"/>
-              <a:headEnd type="none" w="med" len="med"/>
-              <a:tailEnd type="none" w="med" len="med"/>
-            </a:ln>
-            <a:effectLst/>
-          </p:spPr>
-          <p:txBody>
-            <a:bodyPr vert="horz" wrap="none" lIns="91440" tIns="45720" rIns="91440" bIns="45720" numCol="1" rtlCol="0" anchor="ctr" anchorCtr="0" compatLnSpc="1">
-              <a:prstTxWarp prst="textNoShape">
-                <a:avLst/>
-              </a:prstTxWarp>
-            </a:bodyPr>
-            <a:lstStyle/>
-            <a:p>
-              <a:pPr marL="0" marR="0" indent="0" algn="ctr" defTabSz="874713" rtl="0" eaLnBrk="1" fontAlgn="base" latinLnBrk="0" hangingPunct="1">
-                <a:lnSpc>
-                  <a:spcPct val="100000"/>
-                </a:lnSpc>
-                <a:spcBef>
-                  <a:spcPct val="0"/>
-                </a:spcBef>
-                <a:spcAft>
-                  <a:spcPct val="0"/>
-                </a:spcAft>
-                <a:buClrTx/>
-                <a:buSzTx/>
-                <a:buFontTx/>
-                <a:buNone/>
-                <a:tabLst/>
-              </a:pPr>
-              <a:r>
-                <a:rPr lang="en-US" sz="3600" dirty="0" smtClean="0"/>
-                <a:t>id</a:t>
-              </a:r>
-              <a:endParaRPr kumimoji="0" lang="en-US" sz="3600" b="0" i="0" u="none" strike="noStrike" cap="none" normalizeH="0" baseline="0" dirty="0" smtClean="0">
-                <a:ln>
-                  <a:noFill/>
-                </a:ln>
-                <a:solidFill>
-                  <a:schemeClr val="tx1"/>
-                </a:solidFill>
-                <a:effectLst/>
-                <a:latin typeface="Times New Roman" pitchFamily="18" charset="0"/>
-              </a:endParaRPr>
-            </a:p>
-          </p:txBody>
-        </p:sp>
-        <p:sp>
-          <p:nvSpPr>
-            <p:cNvPr id="47" name="Rectangle 46"/>
-            <p:cNvSpPr/>
-            <p:nvPr/>
-          </p:nvSpPr>
-          <p:spPr bwMode="auto">
-            <a:xfrm>
-              <a:off x="25308159" y="19411950"/>
-              <a:ext cx="838200" cy="762000"/>
-            </a:xfrm>
-            <a:prstGeom prst="rect">
-              <a:avLst/>
-            </a:prstGeom>
-            <a:noFill/>
-            <a:ln w="38100" cap="flat" cmpd="sng" algn="ctr">
-              <a:solidFill>
-                <a:schemeClr val="tx1"/>
-              </a:solidFill>
-              <a:prstDash val="solid"/>
-              <a:miter lim="800000"/>
-              <a:headEnd type="none" w="med" len="med"/>
-              <a:tailEnd type="none" w="med" len="med"/>
-            </a:ln>
-            <a:effectLst/>
-          </p:spPr>
-          <p:txBody>
-            <a:bodyPr vert="horz" wrap="none" lIns="91440" tIns="45720" rIns="91440" bIns="45720" numCol="1" rtlCol="0" anchor="ctr" anchorCtr="0" compatLnSpc="1">
-              <a:prstTxWarp prst="textNoShape">
-                <a:avLst/>
-              </a:prstTxWarp>
-            </a:bodyPr>
-            <a:lstStyle/>
-            <a:p>
-              <a:pPr marL="0" marR="0" indent="0" algn="ctr" defTabSz="874713" rtl="0" eaLnBrk="1" fontAlgn="base" latinLnBrk="0" hangingPunct="1">
-                <a:lnSpc>
-                  <a:spcPct val="100000"/>
-                </a:lnSpc>
-                <a:spcBef>
-                  <a:spcPct val="0"/>
-                </a:spcBef>
-                <a:spcAft>
-                  <a:spcPct val="0"/>
-                </a:spcAft>
-                <a:buClrTx/>
-                <a:buSzTx/>
-                <a:buFontTx/>
-                <a:buNone/>
-                <a:tabLst/>
-              </a:pPr>
-              <a:r>
-                <a:rPr lang="en-US" sz="3600" smtClean="0"/>
-                <a:t>id</a:t>
-              </a:r>
-              <a:endParaRPr kumimoji="0" lang="en-US" sz="3600" b="0" i="0" u="none" strike="noStrike" cap="none" normalizeH="0" baseline="0" dirty="0" smtClean="0">
-                <a:ln>
-                  <a:noFill/>
-                </a:ln>
-                <a:solidFill>
-                  <a:schemeClr val="tx1"/>
-                </a:solidFill>
-                <a:effectLst/>
-                <a:latin typeface="Times New Roman" pitchFamily="18" charset="0"/>
-              </a:endParaRPr>
-            </a:p>
-          </p:txBody>
-        </p:sp>
-        <p:cxnSp>
-          <p:nvCxnSpPr>
-            <p:cNvPr id="53" name="Straight Arrow Connector 52"/>
-            <p:cNvCxnSpPr/>
-            <p:nvPr/>
-          </p:nvCxnSpPr>
-          <p:spPr bwMode="auto">
-            <a:xfrm>
-              <a:off x="24574500" y="17533982"/>
-              <a:ext cx="0" cy="549698"/>
-            </a:xfrm>
-            <a:prstGeom prst="straightConnector1">
-              <a:avLst/>
-            </a:prstGeom>
-            <a:solidFill>
-              <a:schemeClr val="accent1"/>
-            </a:solidFill>
-            <a:ln w="38100" cap="flat" cmpd="sng" algn="ctr">
-              <a:solidFill>
-                <a:schemeClr val="tx1"/>
-              </a:solidFill>
-              <a:prstDash val="solid"/>
-              <a:miter lim="800000"/>
-              <a:headEnd type="none" w="med" len="med"/>
-              <a:tailEnd type="triangle"/>
-            </a:ln>
-            <a:effectLst/>
-          </p:spPr>
-        </p:cxnSp>
-        <p:cxnSp>
-          <p:nvCxnSpPr>
-            <p:cNvPr id="55" name="Straight Arrow Connector 54"/>
-            <p:cNvCxnSpPr/>
-            <p:nvPr/>
-          </p:nvCxnSpPr>
-          <p:spPr bwMode="auto">
-            <a:xfrm flipH="1">
-              <a:off x="23619618" y="17533982"/>
-              <a:ext cx="688182" cy="549698"/>
-            </a:xfrm>
-            <a:prstGeom prst="straightConnector1">
-              <a:avLst/>
-            </a:prstGeom>
-            <a:solidFill>
-              <a:schemeClr val="accent1"/>
-            </a:solidFill>
-            <a:ln w="38100" cap="flat" cmpd="sng" algn="ctr">
-              <a:solidFill>
-                <a:schemeClr val="tx1"/>
-              </a:solidFill>
-              <a:prstDash val="solid"/>
-              <a:miter lim="800000"/>
-              <a:headEnd type="none" w="med" len="med"/>
-              <a:tailEnd type="triangle"/>
-            </a:ln>
-            <a:effectLst/>
-          </p:spPr>
-        </p:cxnSp>
-        <p:cxnSp>
-          <p:nvCxnSpPr>
-            <p:cNvPr id="57" name="Straight Arrow Connector 56"/>
-            <p:cNvCxnSpPr/>
-            <p:nvPr/>
-          </p:nvCxnSpPr>
-          <p:spPr bwMode="auto">
-            <a:xfrm>
-              <a:off x="24848483" y="17538561"/>
-              <a:ext cx="690701" cy="545119"/>
-            </a:xfrm>
-            <a:prstGeom prst="straightConnector1">
-              <a:avLst/>
-            </a:prstGeom>
-            <a:solidFill>
-              <a:schemeClr val="accent1"/>
-            </a:solidFill>
-            <a:ln w="38100" cap="flat" cmpd="sng" algn="ctr">
-              <a:solidFill>
-                <a:schemeClr val="tx1"/>
-              </a:solidFill>
-              <a:prstDash val="solid"/>
-              <a:miter lim="800000"/>
-              <a:headEnd type="none" w="med" len="med"/>
-              <a:tailEnd type="triangle"/>
-            </a:ln>
-            <a:effectLst/>
-          </p:spPr>
-        </p:cxnSp>
-        <p:cxnSp>
-          <p:nvCxnSpPr>
-            <p:cNvPr id="59" name="Straight Arrow Connector 58"/>
-            <p:cNvCxnSpPr/>
-            <p:nvPr/>
-          </p:nvCxnSpPr>
-          <p:spPr bwMode="auto">
-            <a:xfrm>
-              <a:off x="23436448" y="18856886"/>
-              <a:ext cx="0" cy="549698"/>
-            </a:xfrm>
-            <a:prstGeom prst="straightConnector1">
-              <a:avLst/>
-            </a:prstGeom>
-            <a:solidFill>
-              <a:schemeClr val="accent1"/>
-            </a:solidFill>
-            <a:ln w="38100" cap="flat" cmpd="sng" algn="ctr">
-              <a:solidFill>
-                <a:schemeClr val="tx1"/>
-              </a:solidFill>
-              <a:prstDash val="solid"/>
-              <a:miter lim="800000"/>
-              <a:headEnd type="none" w="med" len="med"/>
-              <a:tailEnd type="triangle"/>
-            </a:ln>
-            <a:effectLst/>
-          </p:spPr>
-        </p:cxnSp>
-        <p:cxnSp>
-          <p:nvCxnSpPr>
-            <p:cNvPr id="60" name="Straight Arrow Connector 59"/>
-            <p:cNvCxnSpPr/>
-            <p:nvPr/>
-          </p:nvCxnSpPr>
-          <p:spPr bwMode="auto">
-            <a:xfrm>
-              <a:off x="25723758" y="18851351"/>
-              <a:ext cx="0" cy="549698"/>
-            </a:xfrm>
-            <a:prstGeom prst="straightConnector1">
-              <a:avLst/>
-            </a:prstGeom>
-            <a:solidFill>
-              <a:schemeClr val="accent1"/>
-            </a:solidFill>
-            <a:ln w="38100" cap="flat" cmpd="sng" algn="ctr">
-              <a:solidFill>
-                <a:schemeClr val="tx1"/>
-              </a:solidFill>
-              <a:prstDash val="solid"/>
-              <a:miter lim="800000"/>
-              <a:headEnd type="none" w="med" len="med"/>
-              <a:tailEnd type="triangle"/>
-            </a:ln>
-            <a:effectLst/>
-          </p:spPr>
-        </p:cxnSp>
-      </p:grpSp>
-      <p:grpSp>
-        <p:nvGrpSpPr>
-          <p:cNvPr id="6" name="Group 5"/>
-          <p:cNvGrpSpPr/>
-          <p:nvPr/>
-        </p:nvGrpSpPr>
-        <p:grpSpPr>
-          <a:xfrm>
-            <a:off x="16949904" y="18240515"/>
-            <a:ext cx="1904603" cy="1274112"/>
-            <a:chOff x="19418864" y="20580189"/>
-            <a:chExt cx="1904603" cy="1274112"/>
-          </a:xfrm>
-        </p:grpSpPr>
-        <p:sp>
-          <p:nvSpPr>
-            <p:cNvPr id="50" name="Rectangle 49"/>
-            <p:cNvSpPr/>
-            <p:nvPr/>
-          </p:nvSpPr>
-          <p:spPr bwMode="auto">
-            <a:xfrm>
-              <a:off x="20116690" y="20580189"/>
-              <a:ext cx="508952" cy="462684"/>
-            </a:xfrm>
-            <a:prstGeom prst="rect">
-              <a:avLst/>
-            </a:prstGeom>
-            <a:noFill/>
-            <a:ln w="38100" cap="flat" cmpd="sng" algn="ctr">
-              <a:solidFill>
-                <a:schemeClr val="tx1"/>
-              </a:solidFill>
-              <a:prstDash val="solid"/>
-              <a:miter lim="800000"/>
-              <a:headEnd type="none" w="med" len="med"/>
-              <a:tailEnd type="none" w="med" len="med"/>
-            </a:ln>
-            <a:effectLst/>
-          </p:spPr>
-          <p:txBody>
-            <a:bodyPr vert="horz" wrap="none" lIns="91440" tIns="45720" rIns="91440" bIns="45720" numCol="1" rtlCol="0" anchor="ctr" anchorCtr="0" compatLnSpc="1">
-              <a:prstTxWarp prst="textNoShape">
-                <a:avLst/>
-              </a:prstTxWarp>
-            </a:bodyPr>
-            <a:lstStyle/>
-            <a:p>
-              <a:pPr marL="0" marR="0" indent="0" algn="ctr" defTabSz="874713" rtl="0" eaLnBrk="1" fontAlgn="base" latinLnBrk="0" hangingPunct="1">
-                <a:lnSpc>
-                  <a:spcPct val="100000"/>
-                </a:lnSpc>
-                <a:spcBef>
-                  <a:spcPct val="0"/>
-                </a:spcBef>
-                <a:spcAft>
-                  <a:spcPct val="0"/>
-                </a:spcAft>
-                <a:buClrTx/>
-                <a:buSzTx/>
-                <a:buFontTx/>
-                <a:buNone/>
-                <a:tabLst/>
-              </a:pPr>
-              <a:r>
-                <a:rPr lang="en-US" sz="3600" b="1" dirty="0"/>
-                <a:t>+</a:t>
-              </a:r>
-              <a:endParaRPr kumimoji="0" lang="en-US" sz="3600" b="1" i="0" u="none" strike="noStrike" cap="none" normalizeH="0" baseline="0" dirty="0" smtClean="0">
-                <a:ln>
-                  <a:noFill/>
-                </a:ln>
-                <a:solidFill>
-                  <a:schemeClr val="tx1"/>
-                </a:solidFill>
-                <a:effectLst/>
-              </a:endParaRPr>
-            </a:p>
-          </p:txBody>
-        </p:sp>
-        <p:sp>
-          <p:nvSpPr>
-            <p:cNvPr id="51" name="Rectangle 50"/>
-            <p:cNvSpPr/>
-            <p:nvPr/>
-          </p:nvSpPr>
-          <p:spPr bwMode="auto">
-            <a:xfrm>
-              <a:off x="20814515" y="21381637"/>
-              <a:ext cx="508952" cy="462684"/>
-            </a:xfrm>
-            <a:prstGeom prst="rect">
-              <a:avLst/>
-            </a:prstGeom>
-            <a:noFill/>
-            <a:ln w="38100" cap="flat" cmpd="sng" algn="ctr">
-              <a:solidFill>
-                <a:schemeClr val="tx1"/>
-              </a:solidFill>
-              <a:prstDash val="solid"/>
-              <a:miter lim="800000"/>
-              <a:headEnd type="none" w="med" len="med"/>
-              <a:tailEnd type="none" w="med" len="med"/>
-            </a:ln>
-            <a:effectLst/>
-          </p:spPr>
-          <p:txBody>
-            <a:bodyPr vert="horz" wrap="none" lIns="91440" tIns="45720" rIns="91440" bIns="45720" numCol="1" rtlCol="0" anchor="ctr" anchorCtr="0" compatLnSpc="1">
-              <a:prstTxWarp prst="textNoShape">
-                <a:avLst/>
-              </a:prstTxWarp>
-            </a:bodyPr>
-            <a:lstStyle/>
-            <a:p>
-              <a:pPr marL="0" marR="0" indent="0" algn="ctr" defTabSz="874713" rtl="0" eaLnBrk="1" fontAlgn="base" latinLnBrk="0" hangingPunct="1">
-                <a:lnSpc>
-                  <a:spcPct val="100000"/>
-                </a:lnSpc>
-                <a:spcBef>
-                  <a:spcPct val="0"/>
-                </a:spcBef>
-                <a:spcAft>
-                  <a:spcPct val="0"/>
-                </a:spcAft>
-                <a:buClrTx/>
-                <a:buSzTx/>
-                <a:buFontTx/>
-                <a:buNone/>
-                <a:tabLst/>
-              </a:pPr>
-              <a:r>
-                <a:rPr lang="en-US" sz="3600" dirty="0" smtClean="0"/>
-                <a:t>id</a:t>
-              </a:r>
-              <a:endParaRPr kumimoji="0" lang="en-US" sz="3600" b="0" i="0" u="none" strike="noStrike" cap="none" normalizeH="0" baseline="0" dirty="0" smtClean="0">
-                <a:ln>
-                  <a:noFill/>
-                </a:ln>
-                <a:solidFill>
-                  <a:schemeClr val="tx1"/>
-                </a:solidFill>
-                <a:effectLst/>
-                <a:latin typeface="Times New Roman" pitchFamily="18" charset="0"/>
-              </a:endParaRPr>
-            </a:p>
-          </p:txBody>
-        </p:sp>
-        <p:sp>
-          <p:nvSpPr>
-            <p:cNvPr id="52" name="Rectangle 51"/>
-            <p:cNvSpPr/>
-            <p:nvPr/>
-          </p:nvSpPr>
-          <p:spPr bwMode="auto">
-            <a:xfrm>
-              <a:off x="19418864" y="21391617"/>
-              <a:ext cx="508952" cy="462684"/>
-            </a:xfrm>
-            <a:prstGeom prst="rect">
-              <a:avLst/>
-            </a:prstGeom>
-            <a:noFill/>
-            <a:ln w="38100" cap="flat" cmpd="sng" algn="ctr">
-              <a:solidFill>
-                <a:schemeClr val="tx1"/>
-              </a:solidFill>
-              <a:prstDash val="solid"/>
-              <a:miter lim="800000"/>
-              <a:headEnd type="none" w="med" len="med"/>
-              <a:tailEnd type="none" w="med" len="med"/>
-            </a:ln>
-            <a:effectLst/>
-          </p:spPr>
-          <p:txBody>
-            <a:bodyPr vert="horz" wrap="none" lIns="91440" tIns="45720" rIns="91440" bIns="45720" numCol="1" rtlCol="0" anchor="ctr" anchorCtr="0" compatLnSpc="1">
-              <a:prstTxWarp prst="textNoShape">
-                <a:avLst/>
-              </a:prstTxWarp>
-            </a:bodyPr>
-            <a:lstStyle/>
-            <a:p>
-              <a:pPr marL="0" marR="0" indent="0" algn="ctr" defTabSz="874713" rtl="0" eaLnBrk="1" fontAlgn="base" latinLnBrk="0" hangingPunct="1">
-                <a:lnSpc>
-                  <a:spcPct val="100000"/>
-                </a:lnSpc>
-                <a:spcBef>
-                  <a:spcPct val="0"/>
-                </a:spcBef>
-                <a:spcAft>
-                  <a:spcPct val="0"/>
-                </a:spcAft>
-                <a:buClrTx/>
-                <a:buSzTx/>
-                <a:buFontTx/>
-                <a:buNone/>
-                <a:tabLst/>
-              </a:pPr>
-              <a:r>
-                <a:rPr lang="en-US" sz="3600" dirty="0" smtClean="0"/>
-                <a:t>id</a:t>
-              </a:r>
-              <a:endParaRPr kumimoji="0" lang="en-US" sz="3600" b="0" i="0" u="none" strike="noStrike" cap="none" normalizeH="0" baseline="0" dirty="0" smtClean="0">
-                <a:ln>
-                  <a:noFill/>
-                </a:ln>
-                <a:solidFill>
-                  <a:schemeClr val="tx1"/>
-                </a:solidFill>
-                <a:effectLst/>
-                <a:latin typeface="Times New Roman" pitchFamily="18" charset="0"/>
-              </a:endParaRPr>
-            </a:p>
-          </p:txBody>
-        </p:sp>
-        <p:cxnSp>
-          <p:nvCxnSpPr>
-            <p:cNvPr id="62" name="Straight Arrow Connector 61"/>
-            <p:cNvCxnSpPr/>
-            <p:nvPr/>
-          </p:nvCxnSpPr>
-          <p:spPr bwMode="auto">
-            <a:xfrm flipH="1">
-              <a:off x="19791365" y="21051038"/>
-              <a:ext cx="417862" cy="333775"/>
-            </a:xfrm>
-            <a:prstGeom prst="straightConnector1">
-              <a:avLst/>
-            </a:prstGeom>
-            <a:solidFill>
-              <a:schemeClr val="accent1"/>
-            </a:solidFill>
-            <a:ln w="38100" cap="flat" cmpd="sng" algn="ctr">
-              <a:solidFill>
-                <a:schemeClr val="tx1"/>
-              </a:solidFill>
-              <a:prstDash val="solid"/>
-              <a:miter lim="800000"/>
-              <a:headEnd type="none" w="med" len="med"/>
-              <a:tailEnd type="triangle"/>
-            </a:ln>
-            <a:effectLst/>
-          </p:spPr>
-        </p:cxnSp>
-        <p:cxnSp>
-          <p:nvCxnSpPr>
-            <p:cNvPr id="63" name="Straight Arrow Connector 62"/>
-            <p:cNvCxnSpPr/>
-            <p:nvPr/>
-          </p:nvCxnSpPr>
-          <p:spPr bwMode="auto">
-            <a:xfrm>
-              <a:off x="20537527" y="21053818"/>
-              <a:ext cx="419391" cy="330994"/>
-            </a:xfrm>
-            <a:prstGeom prst="straightConnector1">
-              <a:avLst/>
-            </a:prstGeom>
-            <a:solidFill>
-              <a:schemeClr val="accent1"/>
-            </a:solidFill>
-            <a:ln w="38100" cap="flat" cmpd="sng" algn="ctr">
-              <a:solidFill>
-                <a:schemeClr val="tx1"/>
-              </a:solidFill>
-              <a:prstDash val="solid"/>
-              <a:miter lim="800000"/>
-              <a:headEnd type="none" w="med" len="med"/>
-              <a:tailEnd type="triangle"/>
-            </a:ln>
-            <a:effectLst/>
-          </p:spPr>
-        </p:cxnSp>
-      </p:grpSp>
-      <p:cxnSp>
-        <p:nvCxnSpPr>
-          <p:cNvPr id="66" name="Straight Arrow Connector 65"/>
-          <p:cNvCxnSpPr/>
-          <p:nvPr/>
-        </p:nvCxnSpPr>
-        <p:spPr bwMode="auto">
-          <a:xfrm>
-            <a:off x="15727371" y="19152904"/>
-            <a:ext cx="1035315" cy="0"/>
-          </a:xfrm>
-          <a:prstGeom prst="straightConnector1">
+          <a:prstGeom prst="downArrow">
             <a:avLst/>
           </a:prstGeom>
           <a:solidFill>
-            <a:schemeClr val="accent1"/>
+            <a:schemeClr val="tx1"/>
           </a:solidFill>
-          <a:ln w="127000" cap="flat" cmpd="sng" algn="ctr">
+          <a:ln w="9525" cap="flat" cmpd="sng" algn="ctr">
             <a:solidFill>
               <a:schemeClr val="tx1"/>
             </a:solidFill>
             <a:prstDash val="solid"/>
             <a:miter lim="800000"/>
             <a:headEnd type="none" w="med" len="med"/>
-            <a:tailEnd type="triangle"/>
+            <a:tailEnd type="none" w="med" len="med"/>
           </a:ln>
           <a:effectLst/>
         </p:spPr>
-      </p:cxnSp>
-      <p:cxnSp>
-        <p:nvCxnSpPr>
-          <p:cNvPr id="71" name="Straight Arrow Connector 70"/>
-          <p:cNvCxnSpPr/>
+        <p:txBody>
+          <a:bodyPr vert="horz" wrap="none" lIns="91440" tIns="45720" rIns="91440" bIns="45720" numCol="1" rtlCol="0" anchor="t" anchorCtr="0" compatLnSpc="1">
+            <a:prstTxWarp prst="textNoShape">
+              <a:avLst/>
+            </a:prstTxWarp>
+          </a:bodyPr>
+          <a:lstStyle/>
+          <a:p>
+            <a:pPr marL="0" marR="0" indent="0" algn="l" defTabSz="874713" rtl="0" eaLnBrk="1" fontAlgn="base" latinLnBrk="0" hangingPunct="1">
+              <a:lnSpc>
+                <a:spcPct val="100000"/>
+              </a:lnSpc>
+              <a:spcBef>
+                <a:spcPct val="0"/>
+              </a:spcBef>
+              <a:spcAft>
+                <a:spcPct val="0"/>
+              </a:spcAft>
+              <a:buClrTx/>
+              <a:buSzTx/>
+              <a:buFontTx/>
+              <a:buNone/>
+              <a:tabLst/>
+            </a:pPr>
+            <a:endParaRPr kumimoji="0" lang="en-US" sz="2300" b="0" i="0" u="none" strike="noStrike" cap="none" normalizeH="0" baseline="0" smtClean="0">
+              <a:ln>
+                <a:noFill/>
+              </a:ln>
+              <a:solidFill>
+                <a:schemeClr val="tx1"/>
+              </a:solidFill>
+              <a:effectLst/>
+              <a:latin typeface="Times New Roman" pitchFamily="18" charset="0"/>
+            </a:endParaRPr>
+          </a:p>
+        </p:txBody>
+      </p:sp>
+      <p:sp>
+        <p:nvSpPr>
+          <p:cNvPr id="101" name="Rectangle 100"/>
+          <p:cNvSpPr/>
           <p:nvPr/>
-        </p:nvCxnSpPr>
+        </p:nvSpPr>
         <p:spPr bwMode="auto">
-          <a:xfrm rot="16200000">
-            <a:off x="3986253" y="20457961"/>
-            <a:ext cx="1035315" cy="0"/>
+          <a:xfrm>
+            <a:off x="6844464" y="19335307"/>
+            <a:ext cx="420317" cy="3306010"/>
           </a:xfrm>
-          <a:prstGeom prst="straightConnector1">
+          <a:prstGeom prst="rect">
             <a:avLst/>
           </a:prstGeom>
           <a:solidFill>
-            <a:schemeClr val="accent1"/>
+            <a:schemeClr val="tx1"/>
           </a:solidFill>
-          <a:ln w="127000" cap="flat" cmpd="sng" algn="ctr">
+          <a:ln w="9525" cap="flat" cmpd="sng" algn="ctr">
             <a:solidFill>
               <a:schemeClr val="tx1"/>
             </a:solidFill>
             <a:prstDash val="solid"/>
             <a:miter lim="800000"/>
             <a:headEnd type="none" w="med" len="med"/>
-            <a:tailEnd type="triangle"/>
+            <a:tailEnd type="none" w="med" len="med"/>
           </a:ln>
           <a:effectLst/>
         </p:spPr>
-      </p:cxnSp>
+        <p:txBody>
+          <a:bodyPr vert="horz" wrap="none" lIns="91440" tIns="45720" rIns="91440" bIns="45720" numCol="1" rtlCol="0" anchor="t" anchorCtr="0" compatLnSpc="1">
+            <a:prstTxWarp prst="textNoShape">
+              <a:avLst/>
+            </a:prstTxWarp>
+          </a:bodyPr>
+          <a:lstStyle/>
+          <a:p>
+            <a:pPr marL="0" marR="0" indent="0" algn="l" defTabSz="874713" rtl="0" eaLnBrk="1" fontAlgn="base" latinLnBrk="0" hangingPunct="1">
+              <a:lnSpc>
+                <a:spcPct val="100000"/>
+              </a:lnSpc>
+              <a:spcBef>
+                <a:spcPct val="0"/>
+              </a:spcBef>
+              <a:spcAft>
+                <a:spcPct val="0"/>
+              </a:spcAft>
+              <a:buClrTx/>
+              <a:buSzTx/>
+              <a:buFontTx/>
+              <a:buNone/>
+              <a:tabLst/>
+            </a:pPr>
+            <a:endParaRPr kumimoji="0" lang="en-US" sz="2300" b="0" i="0" u="none" strike="noStrike" cap="none" normalizeH="0" baseline="0" smtClean="0">
+              <a:ln>
+                <a:noFill/>
+              </a:ln>
+              <a:solidFill>
+                <a:schemeClr val="tx1"/>
+              </a:solidFill>
+              <a:effectLst/>
+              <a:latin typeface="Times New Roman" pitchFamily="18" charset="0"/>
+            </a:endParaRPr>
+          </a:p>
+        </p:txBody>
+      </p:sp>
+      <p:sp>
+        <p:nvSpPr>
+          <p:cNvPr id="121" name="Rectangle 120"/>
+          <p:cNvSpPr/>
+          <p:nvPr/>
+        </p:nvSpPr>
+        <p:spPr bwMode="auto">
+          <a:xfrm rot="5400000">
+            <a:off x="6721180" y="22328639"/>
+            <a:ext cx="420317" cy="666883"/>
+          </a:xfrm>
+          <a:prstGeom prst="rect">
+            <a:avLst/>
+          </a:prstGeom>
+          <a:solidFill>
+            <a:schemeClr val="tx1"/>
+          </a:solidFill>
+          <a:ln w="9525" cap="flat" cmpd="sng" algn="ctr">
+            <a:solidFill>
+              <a:schemeClr val="tx1"/>
+            </a:solidFill>
+            <a:prstDash val="solid"/>
+            <a:miter lim="800000"/>
+            <a:headEnd type="none" w="med" len="med"/>
+            <a:tailEnd type="none" w="med" len="med"/>
+          </a:ln>
+          <a:effectLst/>
+        </p:spPr>
+        <p:txBody>
+          <a:bodyPr vert="horz" wrap="none" lIns="91440" tIns="45720" rIns="91440" bIns="45720" numCol="1" rtlCol="0" anchor="t" anchorCtr="0" compatLnSpc="1">
+            <a:prstTxWarp prst="textNoShape">
+              <a:avLst/>
+            </a:prstTxWarp>
+          </a:bodyPr>
+          <a:lstStyle/>
+          <a:p>
+            <a:pPr marL="0" marR="0" indent="0" algn="l" defTabSz="874713" rtl="0" eaLnBrk="1" fontAlgn="base" latinLnBrk="0" hangingPunct="1">
+              <a:lnSpc>
+                <a:spcPct val="100000"/>
+              </a:lnSpc>
+              <a:spcBef>
+                <a:spcPct val="0"/>
+              </a:spcBef>
+              <a:spcAft>
+                <a:spcPct val="0"/>
+              </a:spcAft>
+              <a:buClrTx/>
+              <a:buSzTx/>
+              <a:buFontTx/>
+              <a:buNone/>
+              <a:tabLst/>
+            </a:pPr>
+            <a:endParaRPr kumimoji="0" lang="en-US" sz="2300" b="0" i="0" u="none" strike="noStrike" cap="none" normalizeH="0" baseline="0" smtClean="0">
+              <a:ln>
+                <a:noFill/>
+              </a:ln>
+              <a:solidFill>
+                <a:schemeClr val="tx1"/>
+              </a:solidFill>
+              <a:effectLst/>
+              <a:latin typeface="Times New Roman" pitchFamily="18" charset="0"/>
+            </a:endParaRPr>
+          </a:p>
+        </p:txBody>
+      </p:sp>
     </p:spTree>
   </p:cSld>
   <p:clrMapOvr>

--- a/Poster.pptx
+++ b/Poster.pptx
@@ -480,7 +480,7 @@
               <a:pPr>
                 <a:defRPr/>
               </a:pPr>
-              <a:t>11/30/16</a:t>
+              <a:t>12/1/16</a:t>
             </a:fld>
             <a:endParaRPr lang="en-US" dirty="0"/>
           </a:p>
@@ -4338,6 +4338,22 @@
               </a:rPr>
               <a:t>C’s ability to interface with the OS depends on wrappers around actual OS system calls implemented in the C Runtime Library</a:t>
             </a:r>
+          </a:p>
+          <a:p>
+            <a:pPr algn="just">
+              <a:buFontTx/>
+              <a:buChar char="•"/>
+            </a:pPr>
+            <a:endParaRPr lang="en-US" sz="3200" dirty="0">
+              <a:latin typeface="Garamond Premr Pro Med"/>
+              <a:cs typeface="Garamond Premr Pro Med"/>
+            </a:endParaRPr>
+          </a:p>
+          <a:p>
+            <a:pPr algn="just">
+              <a:buFontTx/>
+              <a:buChar char="•"/>
+            </a:pPr>
             <a:endParaRPr lang="en-US" sz="3200" dirty="0" smtClean="0">
               <a:latin typeface="Garamond Premr Pro Med"/>
               <a:cs typeface="Garamond Premr Pro Med"/>
@@ -4348,39 +4364,12 @@
               <a:buFontTx/>
               <a:buChar char="•"/>
             </a:pPr>
-            <a:endParaRPr lang="en-US" sz="3200" dirty="0">
-              <a:latin typeface="Garamond Premr Pro Med"/>
-              <a:cs typeface="Garamond Premr Pro Med"/>
-            </a:endParaRPr>
-          </a:p>
-          <a:p>
-            <a:pPr algn="just">
-              <a:buFontTx/>
-              <a:buChar char="•"/>
-            </a:pPr>
-            <a:endParaRPr lang="en-US" sz="3200" dirty="0" smtClean="0">
-              <a:latin typeface="Garamond Premr Pro Med"/>
-              <a:cs typeface="Garamond Premr Pro Med"/>
-            </a:endParaRPr>
-          </a:p>
-          <a:p>
-            <a:pPr algn="just">
-              <a:buFontTx/>
-              <a:buChar char="•"/>
-            </a:pPr>
             <a:r>
               <a:rPr lang="en-US" sz="3200" dirty="0" smtClean="0">
                 <a:latin typeface="Garamond Premr Pro Med"/>
                 <a:cs typeface="Garamond Premr Pro Med"/>
               </a:rPr>
-              <a:t>Dealing </a:t>
-            </a:r>
-            <a:r>
-              <a:rPr lang="en-US" sz="3200" dirty="0" smtClean="0">
-                <a:latin typeface="Garamond Premr Pro Med"/>
-                <a:cs typeface="Garamond Premr Pro Med"/>
-              </a:rPr>
-              <a:t>with undefined behavior</a:t>
+              <a:t>Dealing with undefined behavior</a:t>
             </a:r>
           </a:p>
           <a:p>
@@ -4442,10 +4431,6 @@
               </a:rPr>
               <a:t> Function pointers  </a:t>
             </a:r>
-            <a:endParaRPr lang="en-US" sz="3200" dirty="0" smtClean="0">
-              <a:latin typeface="Garamond Premr Pro Med"/>
-              <a:cs typeface="Garamond Premr Pro Med"/>
-            </a:endParaRPr>
           </a:p>
           <a:p>
             <a:pPr algn="just">
@@ -4778,18 +4763,24 @@
                 <a:latin typeface="Garamond Premr Pro Med"/>
                 <a:cs typeface="Garamond Premr Pro Med"/>
               </a:rPr>
-              <a:t>C is an imperative, statically, weakly, typed language with manual memory </a:t>
-            </a:r>
+              <a:t>C is an imperative, statically, weakly, typed language with manual memory management</a:t>
+            </a:r>
+          </a:p>
+          <a:p>
+            <a:pPr marL="383271" indent="-383271" defTabSz="735934">
+              <a:buFont typeface="Arial"/>
+              <a:buChar char="•"/>
+            </a:pPr>
             <a:r>
               <a:rPr lang="en-US" sz="3600" dirty="0" smtClean="0">
                 <a:latin typeface="Garamond Premr Pro Med"/>
                 <a:cs typeface="Garamond Premr Pro Med"/>
               </a:rPr>
-              <a:t>management</a:t>
-            </a:r>
-          </a:p>
-          <a:p>
-            <a:pPr marL="383271" indent="-383271" defTabSz="735934">
+              <a:t>Software commonly implemented in C:</a:t>
+            </a:r>
+          </a:p>
+          <a:p>
+            <a:pPr marL="766542" lvl="1" indent="-383271" defTabSz="735934">
               <a:buFont typeface="Arial"/>
               <a:buChar char="•"/>
             </a:pPr>
@@ -4798,39 +4789,8 @@
                 <a:latin typeface="Garamond Premr Pro Med"/>
                 <a:cs typeface="Garamond Premr Pro Med"/>
               </a:rPr>
-              <a:t>Software </a:t>
-            </a:r>
-            <a:r>
-              <a:rPr lang="en-US" sz="3600" dirty="0" smtClean="0">
-                <a:latin typeface="Garamond Premr Pro Med"/>
-                <a:cs typeface="Garamond Premr Pro Med"/>
-              </a:rPr>
-              <a:t>commonly implemented in C:</a:t>
-            </a:r>
-          </a:p>
-          <a:p>
-            <a:pPr marL="766542" lvl="1" indent="-383271" defTabSz="735934">
-              <a:buFont typeface="Arial"/>
-              <a:buChar char="•"/>
-            </a:pPr>
-            <a:r>
-              <a:rPr lang="en-US" sz="3600" dirty="0" smtClean="0">
-                <a:latin typeface="Garamond Premr Pro Med"/>
-                <a:cs typeface="Garamond Premr Pro Med"/>
-              </a:rPr>
-              <a:t>Operating </a:t>
-            </a:r>
-            <a:r>
-              <a:rPr lang="en-US" sz="3600" dirty="0" smtClean="0">
-                <a:latin typeface="Garamond Premr Pro Med"/>
-                <a:cs typeface="Garamond Premr Pro Med"/>
-              </a:rPr>
-              <a:t>systems </a:t>
-            </a:r>
-            <a:endParaRPr lang="en-US" sz="3600" dirty="0" smtClean="0">
-              <a:latin typeface="Garamond Premr Pro Med"/>
-              <a:cs typeface="Garamond Premr Pro Med"/>
-            </a:endParaRPr>
+              <a:t>Operating systems </a:t>
+            </a:r>
           </a:p>
           <a:p>
             <a:pPr marL="766542" lvl="1" indent="-383271" defTabSz="735934">
@@ -5805,71 +5765,6 @@
       </p:sp>
       <p:sp>
         <p:nvSpPr>
-          <p:cNvPr id="9" name="Rectangle 8"/>
-          <p:cNvSpPr/>
-          <p:nvPr/>
-        </p:nvSpPr>
-        <p:spPr bwMode="auto">
-          <a:xfrm>
-            <a:off x="19106389" y="15625702"/>
-            <a:ext cx="914400" cy="751539"/>
-          </a:xfrm>
-          <a:prstGeom prst="rect">
-            <a:avLst/>
-          </a:prstGeom>
-          <a:solidFill>
-            <a:schemeClr val="accent1"/>
-          </a:solidFill>
-          <a:ln w="9525" cap="flat" cmpd="sng" algn="ctr">
-            <a:solidFill>
-              <a:schemeClr val="tx1"/>
-            </a:solidFill>
-            <a:prstDash val="solid"/>
-            <a:miter lim="800000"/>
-            <a:headEnd type="none" w="med" len="med"/>
-            <a:tailEnd type="none" w="med" len="med"/>
-          </a:ln>
-          <a:effectLst/>
-        </p:spPr>
-        <p:txBody>
-          <a:bodyPr vert="horz" wrap="none" lIns="91440" tIns="45720" rIns="91440" bIns="45720" numCol="1" rtlCol="0" anchor="t" anchorCtr="0" compatLnSpc="1">
-            <a:prstTxWarp prst="textNoShape">
-              <a:avLst/>
-            </a:prstTxWarp>
-          </a:bodyPr>
-          <a:lstStyle/>
-          <a:p>
-            <a:pPr marL="0" marR="0" indent="0" algn="l" defTabSz="874713" rtl="0" eaLnBrk="1" fontAlgn="base" latinLnBrk="0" hangingPunct="1">
-              <a:lnSpc>
-                <a:spcPct val="100000"/>
-              </a:lnSpc>
-              <a:spcBef>
-                <a:spcPct val="0"/>
-              </a:spcBef>
-              <a:spcAft>
-                <a:spcPct val="0"/>
-              </a:spcAft>
-              <a:buClrTx/>
-              <a:buSzTx/>
-              <a:buFontTx/>
-              <a:buNone/>
-              <a:tabLst/>
-            </a:pPr>
-            <a:endParaRPr kumimoji="0" lang="en-US" sz="2300" b="0" i="0" u="none" strike="noStrike" cap="none" normalizeH="0" baseline="0" smtClean="0">
-              <a:ln>
-                <a:noFill/>
-              </a:ln>
-              <a:solidFill>
-                <a:schemeClr val="tx1"/>
-              </a:solidFill>
-              <a:effectLst/>
-              <a:latin typeface="Times New Roman" pitchFamily="18" charset="0"/>
-            </a:endParaRPr>
-          </a:p>
-        </p:txBody>
-      </p:sp>
-      <p:sp>
-        <p:nvSpPr>
           <p:cNvPr id="30" name="TextBox 29"/>
           <p:cNvSpPr txBox="1"/>
           <p:nvPr/>
@@ -6005,8 +5900,8 @@
         </p:nvSpPr>
         <p:spPr bwMode="auto">
           <a:xfrm>
-            <a:off x="20696606" y="16628717"/>
-            <a:ext cx="5104705" cy="2291223"/>
+            <a:off x="21214080" y="18124016"/>
+            <a:ext cx="5104705" cy="3081528"/>
           </a:xfrm>
           <a:prstGeom prst="rect">
             <a:avLst/>
@@ -6299,97 +6194,6 @@
       </p:sp>
       <p:sp>
         <p:nvSpPr>
-          <p:cNvPr id="32" name="Rectangle 31"/>
-          <p:cNvSpPr/>
-          <p:nvPr/>
-        </p:nvSpPr>
-        <p:spPr bwMode="auto">
-          <a:xfrm>
-            <a:off x="19280981" y="22128302"/>
-            <a:ext cx="914400" cy="751539"/>
-          </a:xfrm>
-          <a:prstGeom prst="rect">
-            <a:avLst/>
-          </a:prstGeom>
-          <a:solidFill>
-            <a:schemeClr val="accent1"/>
-          </a:solidFill>
-          <a:ln w="9525" cap="flat" cmpd="sng" algn="ctr">
-            <a:solidFill>
-              <a:schemeClr val="tx1"/>
-            </a:solidFill>
-            <a:prstDash val="solid"/>
-            <a:miter lim="800000"/>
-            <a:headEnd type="none" w="med" len="med"/>
-            <a:tailEnd type="none" w="med" len="med"/>
-          </a:ln>
-          <a:effectLst/>
-        </p:spPr>
-        <p:txBody>
-          <a:bodyPr vert="horz" wrap="none" lIns="91440" tIns="45720" rIns="91440" bIns="45720" numCol="1" rtlCol="0" anchor="ctr" anchorCtr="0" compatLnSpc="1">
-            <a:prstTxWarp prst="textNoShape">
-              <a:avLst/>
-            </a:prstTxWarp>
-          </a:bodyPr>
-          <a:lstStyle/>
-          <a:p>
-            <a:pPr marL="0" marR="0" indent="0" algn="ctr" defTabSz="874713" rtl="0" eaLnBrk="1" fontAlgn="base" latinLnBrk="0" hangingPunct="1">
-              <a:lnSpc>
-                <a:spcPct val="100000"/>
-              </a:lnSpc>
-              <a:spcBef>
-                <a:spcPct val="0"/>
-              </a:spcBef>
-              <a:spcAft>
-                <a:spcPct val="0"/>
-              </a:spcAft>
-              <a:buClrTx/>
-              <a:buSzTx/>
-              <a:buFontTx/>
-              <a:buNone/>
-              <a:tabLst/>
-            </a:pPr>
-            <a:r>
-              <a:rPr kumimoji="0" lang="en-US" sz="3600" b="0" i="0" u="none" strike="noStrike" cap="none" normalizeH="0" baseline="0" dirty="0" err="1" smtClean="0">
-                <a:ln>
-                  <a:noFill/>
-                </a:ln>
-                <a:solidFill>
-                  <a:schemeClr val="tx1"/>
-                </a:solidFill>
-                <a:effectLst/>
-                <a:latin typeface="Times New Roman" pitchFamily="18" charset="0"/>
-              </a:rPr>
-              <a:t>T</a:t>
-            </a:r>
-            <a:r>
-              <a:rPr kumimoji="0" lang="en-US" sz="3600" b="0" i="0" u="none" strike="noStrike" cap="none" normalizeH="0" baseline="-25000" dirty="0" err="1" smtClean="0">
-                <a:ln>
-                  <a:noFill/>
-                </a:ln>
-                <a:solidFill>
-                  <a:schemeClr val="tx1"/>
-                </a:solidFill>
-                <a:effectLst/>
-                <a:latin typeface="Times New Roman" pitchFamily="18" charset="0"/>
-              </a:rPr>
-              <a:t>i</a:t>
-            </a:r>
-            <a:endParaRPr kumimoji="0" lang="en-US" sz="3600" b="0" i="0" u="none" strike="noStrike" cap="none" normalizeH="0" baseline="0" dirty="0" smtClean="0">
-              <a:ln>
-                <a:noFill/>
-              </a:ln>
-              <a:solidFill>
-                <a:schemeClr val="tx1"/>
-              </a:solidFill>
-              <a:effectLst/>
-              <a:latin typeface="Times New Roman" pitchFamily="18" charset="0"/>
-            </a:endParaRPr>
-          </a:p>
-        </p:txBody>
-      </p:sp>
-      <p:sp>
-        <p:nvSpPr>
           <p:cNvPr id="34" name="Triangle 33"/>
           <p:cNvSpPr/>
           <p:nvPr/>
@@ -6749,16 +6553,16 @@
       </p:cxnSp>
       <p:grpSp>
         <p:nvGrpSpPr>
-          <p:cNvPr id="35" name="Group 34"/>
+          <p:cNvPr id="4" name="Group 3"/>
           <p:cNvGrpSpPr/>
           <p:nvPr/>
         </p:nvGrpSpPr>
         <p:grpSpPr>
           <a:xfrm>
-            <a:off x="18101249" y="13872821"/>
-            <a:ext cx="8534962" cy="4041099"/>
-            <a:chOff x="17678400" y="20197515"/>
-            <a:chExt cx="8534962" cy="4041099"/>
+            <a:off x="15289270" y="18123408"/>
+            <a:ext cx="5633247" cy="3081528"/>
+            <a:chOff x="15239133" y="15022049"/>
+            <a:chExt cx="5633247" cy="3081528"/>
           </a:xfrm>
         </p:grpSpPr>
         <p:sp>
@@ -6769,8 +6573,8 @@
           </p:nvSpPr>
           <p:spPr bwMode="auto">
             <a:xfrm>
-              <a:off x="17678400" y="20197515"/>
-              <a:ext cx="8534962" cy="4041099"/>
+              <a:off x="15239133" y="15022049"/>
+              <a:ext cx="5633247" cy="3081528"/>
             </a:xfrm>
             <a:prstGeom prst="rect">
               <a:avLst/>
@@ -6840,7 +6644,7 @@
           </p:nvGrpSpPr>
           <p:grpSpPr>
             <a:xfrm>
-              <a:off x="18709564" y="20924832"/>
+              <a:off x="15620456" y="15550054"/>
               <a:ext cx="1906729" cy="2073828"/>
               <a:chOff x="23006142" y="16758535"/>
               <a:chExt cx="3140217" cy="3415415"/>
@@ -7228,7 +7032,7 @@
                   <a:tabLst/>
                 </a:pPr>
                 <a:r>
-                  <a:rPr lang="en-US" sz="3600" smtClean="0"/>
+                  <a:rPr lang="en-US" sz="3600" dirty="0" smtClean="0"/>
                   <a:t>id</a:t>
                 </a:r>
                 <a:endParaRPr kumimoji="0" lang="en-US" sz="3600" b="0" i="0" u="none" strike="noStrike" cap="none" normalizeH="0" baseline="0" dirty="0" smtClean="0">
@@ -7398,7 +7202,7 @@
           </p:nvGrpSpPr>
           <p:grpSpPr>
             <a:xfrm>
-              <a:off x="21951942" y="21324271"/>
+              <a:off x="18862834" y="15949493"/>
               <a:ext cx="1904603" cy="1274112"/>
               <a:chOff x="19418864" y="20580189"/>
               <a:chExt cx="1904603" cy="1274112"/>
@@ -7671,7 +7475,7 @@
           </p:nvCxnSpPr>
           <p:spPr bwMode="auto">
             <a:xfrm>
-              <a:off x="20729409" y="22236660"/>
+              <a:off x="17640301" y="16861882"/>
               <a:ext cx="1035315" cy="0"/>
             </a:xfrm>
             <a:prstGeom prst="straightConnector1">
@@ -8127,10 +7931,10 @@
         </p:nvGrpSpPr>
         <p:grpSpPr>
           <a:xfrm>
-            <a:off x="27657293" y="6813176"/>
-            <a:ext cx="3591170" cy="5455379"/>
-            <a:chOff x="22697830" y="18574569"/>
-            <a:chExt cx="3591170" cy="5455379"/>
+            <a:off x="18936759" y="14682058"/>
+            <a:ext cx="3426117" cy="3146829"/>
+            <a:chOff x="22707600" y="18575243"/>
+            <a:chExt cx="3581400" cy="5454705"/>
           </a:xfrm>
         </p:grpSpPr>
         <p:sp>
@@ -8376,16 +8180,6 @@
                 </a:rPr>
                 <a:t>Runtime Heap</a:t>
               </a:r>
-              <a:endParaRPr kumimoji="0" lang="en-US" sz="2300" b="0" i="0" u="none" strike="noStrike" cap="none" normalizeH="0" baseline="0" dirty="0" smtClean="0">
-                <a:ln>
-                  <a:noFill/>
-                </a:ln>
-                <a:solidFill>
-                  <a:schemeClr val="tx1"/>
-                </a:solidFill>
-                <a:effectLst/>
-                <a:latin typeface="Times New Roman" pitchFamily="18" charset="0"/>
-              </a:endParaRPr>
             </a:p>
           </p:txBody>
         </p:sp>
@@ -8457,16 +8251,6 @@
                 </a:rPr>
                 <a:t>Static </a:t>
               </a:r>
-              <a:endParaRPr kumimoji="0" lang="en-US" sz="2300" b="0" i="0" u="none" strike="noStrike" cap="none" normalizeH="0" baseline="0" dirty="0" smtClean="0">
-                <a:ln>
-                  <a:noFill/>
-                </a:ln>
-                <a:solidFill>
-                  <a:schemeClr val="tx1"/>
-                </a:solidFill>
-                <a:effectLst/>
-                <a:latin typeface="Times New Roman" pitchFamily="18" charset="0"/>
-              </a:endParaRPr>
             </a:p>
           </p:txBody>
         </p:sp>
@@ -8478,8 +8262,8 @@
           </p:nvSpPr>
           <p:spPr bwMode="auto">
             <a:xfrm>
-              <a:off x="22697830" y="18574569"/>
-              <a:ext cx="3581400" cy="1036080"/>
+              <a:off x="22707600" y="18575243"/>
+              <a:ext cx="3581400" cy="1036079"/>
             </a:xfrm>
             <a:prstGeom prst="rect">
               <a:avLst/>
@@ -8538,16 +8322,6 @@
                 </a:rPr>
                 <a:t>Runtime Stack</a:t>
               </a:r>
-              <a:endParaRPr kumimoji="0" lang="en-US" sz="2300" b="0" i="0" u="none" strike="noStrike" cap="none" normalizeH="0" baseline="0" dirty="0" smtClean="0">
-                <a:ln>
-                  <a:noFill/>
-                </a:ln>
-                <a:solidFill>
-                  <a:schemeClr val="tx1"/>
-                </a:solidFill>
-                <a:effectLst/>
-                <a:latin typeface="Times New Roman" pitchFamily="18" charset="0"/>
-              </a:endParaRPr>
             </a:p>
           </p:txBody>
         </p:sp>
@@ -8860,7 +8634,6 @@
               <a:rPr lang="en-US" sz="2400" dirty="0" smtClean="0"/>
               <a:t>C Source Code</a:t>
             </a:r>
-            <a:endParaRPr lang="en-US" sz="2400" dirty="0" smtClean="0"/>
           </a:p>
         </p:txBody>
       </p:sp>
@@ -8931,7 +8704,7 @@
         </p:nvSpPr>
         <p:spPr bwMode="auto">
           <a:xfrm>
-            <a:off x="20689759" y="20789451"/>
+            <a:off x="18054133" y="21554578"/>
             <a:ext cx="5039734" cy="3141625"/>
           </a:xfrm>
           <a:prstGeom prst="rect">
@@ -9319,8 +9092,8 @@
         </p:nvSpPr>
         <p:spPr bwMode="auto">
           <a:xfrm>
-            <a:off x="11662542" y="18123408"/>
-            <a:ext cx="3744135" cy="3081528"/>
+            <a:off x="11662543" y="18123408"/>
+            <a:ext cx="3323986" cy="3081528"/>
           </a:xfrm>
           <a:prstGeom prst="rect">
             <a:avLst/>
@@ -10195,7 +9968,7 @@
         </p:nvSpPr>
         <p:spPr bwMode="auto">
           <a:xfrm rot="10800000">
-            <a:off x="22781160" y="19132710"/>
+            <a:off x="24046296" y="16500713"/>
             <a:ext cx="997879" cy="1464000"/>
           </a:xfrm>
           <a:prstGeom prst="downArrow">
@@ -10260,7 +10033,7 @@
         </p:nvSpPr>
         <p:spPr bwMode="auto">
           <a:xfrm>
-            <a:off x="22010500" y="13560413"/>
+            <a:off x="23093867" y="14282312"/>
             <a:ext cx="2889808" cy="1818978"/>
           </a:xfrm>
           <a:prstGeom prst="snip1Rect">
@@ -10319,15 +10092,6 @@
               </a:rPr>
               <a:t>Executable</a:t>
             </a:r>
-            <a:endParaRPr kumimoji="0" lang="en-US" sz="3600" b="0" i="0" u="none" strike="noStrike" cap="none" normalizeH="0" baseline="0" dirty="0" smtClean="0">
-              <a:ln>
-                <a:noFill/>
-              </a:ln>
-              <a:solidFill>
-                <a:schemeClr val="tx1"/>
-              </a:solidFill>
-              <a:effectLst/>
-            </a:endParaRPr>
           </a:p>
         </p:txBody>
       </p:sp>
@@ -10474,11 +10238,7 @@
             <a:pPr defTabSz="874713"/>
             <a:r>
               <a:rPr lang="en-US" sz="2400" dirty="0" err="1" smtClean="0"/>
-              <a:t>p</a:t>
-            </a:r>
-            <a:r>
-              <a:rPr lang="en-US" sz="2400" dirty="0" err="1" smtClean="0"/>
-              <a:t>rintf</a:t>
+              <a:t>printf</a:t>
             </a:r>
             <a:r>
               <a:rPr lang="en-US" sz="2400" dirty="0" smtClean="0"/>
@@ -10536,15 +10296,6 @@
               </a:rPr>
               <a:t> …</a:t>
             </a:r>
-            <a:endParaRPr kumimoji="0" lang="en-US" sz="2400" b="0" i="0" u="none" strike="noStrike" cap="none" normalizeH="0" baseline="0" dirty="0" smtClean="0">
-              <a:ln>
-                <a:noFill/>
-              </a:ln>
-              <a:solidFill>
-                <a:schemeClr val="tx1"/>
-              </a:solidFill>
-              <a:effectLst/>
-            </a:endParaRPr>
           </a:p>
         </p:txBody>
       </p:sp>
@@ -10625,11 +10376,7 @@
             <a:pPr defTabSz="874713"/>
             <a:r>
               <a:rPr lang="en-US" sz="2400" dirty="0" err="1" smtClean="0"/>
-              <a:t>p</a:t>
-            </a:r>
-            <a:r>
-              <a:rPr lang="en-US" sz="2400" dirty="0" err="1" smtClean="0"/>
-              <a:t>rintf</a:t>
+              <a:t>printf</a:t>
             </a:r>
             <a:r>
               <a:rPr lang="en-US" sz="2400" dirty="0" smtClean="0"/>
@@ -10667,15 +10414,6 @@
               </a:rPr>
               <a:t>…</a:t>
             </a:r>
-            <a:endParaRPr kumimoji="0" lang="en-US" sz="2400" b="0" i="0" u="none" strike="noStrike" cap="none" normalizeH="0" baseline="0" dirty="0" smtClean="0">
-              <a:ln>
-                <a:noFill/>
-              </a:ln>
-              <a:solidFill>
-                <a:schemeClr val="tx1"/>
-              </a:solidFill>
-              <a:effectLst/>
-            </a:endParaRPr>
           </a:p>
         </p:txBody>
       </p:sp>
@@ -10732,7 +10470,6 @@
               <a:rPr lang="en-US" sz="3600" dirty="0" smtClean="0"/>
               <a:t>C Source Code with Macros</a:t>
             </a:r>
-            <a:endParaRPr lang="en-US" sz="3600" dirty="0" smtClean="0"/>
           </a:p>
         </p:txBody>
       </p:sp>
@@ -11196,6 +10933,149 @@
           </a:p>
         </p:txBody>
       </p:sp>
+      <p:grpSp>
+        <p:nvGrpSpPr>
+          <p:cNvPr id="103" name="Group 102"/>
+          <p:cNvGrpSpPr/>
+          <p:nvPr/>
+        </p:nvGrpSpPr>
+        <p:grpSpPr>
+          <a:xfrm rot="16200000">
+            <a:off x="22351513" y="20367570"/>
+            <a:ext cx="2563142" cy="2963891"/>
+            <a:chOff x="5952096" y="20846532"/>
+            <a:chExt cx="2545599" cy="2963891"/>
+          </a:xfrm>
+        </p:grpSpPr>
+        <p:sp>
+          <p:nvSpPr>
+            <p:cNvPr id="104" name="Arc 103"/>
+            <p:cNvSpPr/>
+            <p:nvPr/>
+          </p:nvSpPr>
+          <p:spPr bwMode="auto">
+            <a:xfrm rot="10800000">
+              <a:off x="5952096" y="20846532"/>
+              <a:ext cx="2545599" cy="2431437"/>
+            </a:xfrm>
+            <a:prstGeom prst="arc">
+              <a:avLst/>
+            </a:prstGeom>
+            <a:noFill/>
+            <a:ln w="457200" cap="flat" cmpd="sng" algn="ctr">
+              <a:solidFill>
+                <a:schemeClr val="tx1"/>
+              </a:solidFill>
+              <a:prstDash val="solid"/>
+              <a:miter lim="800000"/>
+              <a:headEnd type="none" w="med" len="med"/>
+              <a:tailEnd type="none" w="med" len="med"/>
+            </a:ln>
+            <a:effectLst/>
+          </p:spPr>
+          <p:txBody>
+            <a:bodyPr vert="horz" wrap="none" lIns="91440" tIns="45720" rIns="91440" bIns="45720" numCol="1" rtlCol="0" anchor="t" anchorCtr="0" compatLnSpc="1">
+              <a:prstTxWarp prst="textNoShape">
+                <a:avLst/>
+              </a:prstTxWarp>
+            </a:bodyPr>
+            <a:lstStyle/>
+            <a:p>
+              <a:pPr marL="0" marR="0" indent="0" algn="l" defTabSz="874713" rtl="0" eaLnBrk="1" fontAlgn="base" latinLnBrk="0" hangingPunct="1">
+                <a:lnSpc>
+                  <a:spcPct val="100000"/>
+                </a:lnSpc>
+                <a:spcBef>
+                  <a:spcPct val="0"/>
+                </a:spcBef>
+                <a:spcAft>
+                  <a:spcPct val="0"/>
+                </a:spcAft>
+                <a:buClrTx/>
+                <a:buSzTx/>
+                <a:buFontTx/>
+                <a:buNone/>
+                <a:tabLst/>
+              </a:pPr>
+              <a:endParaRPr kumimoji="0" lang="en-US" sz="2300" b="0" i="0" u="none" strike="noStrike" cap="none" normalizeH="0" baseline="0" smtClean="0">
+                <a:ln>
+                  <a:noFill/>
+                </a:ln>
+                <a:solidFill>
+                  <a:schemeClr val="tx1"/>
+                </a:solidFill>
+                <a:effectLst/>
+                <a:latin typeface="Times New Roman" pitchFamily="18" charset="0"/>
+              </a:endParaRPr>
+            </a:p>
+          </p:txBody>
+        </p:sp>
+        <p:sp>
+          <p:nvSpPr>
+            <p:cNvPr id="105" name="Triangle 104"/>
+            <p:cNvSpPr/>
+            <p:nvPr/>
+          </p:nvSpPr>
+          <p:spPr bwMode="auto">
+            <a:xfrm rot="5400000">
+              <a:off x="6871419" y="22968270"/>
+              <a:ext cx="1139587" cy="544720"/>
+            </a:xfrm>
+            <a:prstGeom prst="triangle">
+              <a:avLst/>
+            </a:prstGeom>
+            <a:solidFill>
+              <a:schemeClr val="tx1"/>
+            </a:solidFill>
+            <a:ln w="9525" cap="flat" cmpd="sng" algn="ctr">
+              <a:solidFill>
+                <a:schemeClr val="tx1"/>
+              </a:solidFill>
+              <a:prstDash val="solid"/>
+              <a:miter lim="800000"/>
+              <a:headEnd type="none" w="med" len="med"/>
+              <a:tailEnd type="none" w="med" len="med"/>
+            </a:ln>
+            <a:effectLst/>
+          </p:spPr>
+          <p:txBody>
+            <a:bodyPr vert="horz" wrap="none" lIns="91440" tIns="45720" rIns="91440" bIns="45720" numCol="1" rtlCol="0" anchor="t" anchorCtr="0" compatLnSpc="1">
+              <a:prstTxWarp prst="textNoShape">
+                <a:avLst/>
+              </a:prstTxWarp>
+            </a:bodyPr>
+            <a:lstStyle/>
+            <a:p>
+              <a:pPr marL="0" marR="0" indent="0" algn="l" defTabSz="874713" rtl="0" eaLnBrk="1" fontAlgn="base" latinLnBrk="0" hangingPunct="1">
+                <a:lnSpc>
+                  <a:spcPct val="100000"/>
+                </a:lnSpc>
+                <a:spcBef>
+                  <a:spcPct val="0"/>
+                </a:spcBef>
+                <a:spcAft>
+                  <a:spcPct val="0"/>
+                </a:spcAft>
+                <a:buClrTx/>
+                <a:buSzTx/>
+                <a:buFontTx/>
+                <a:buNone/>
+                <a:tabLst/>
+              </a:pPr>
+              <a:endParaRPr kumimoji="0" lang="en-US" sz="2300" b="0" i="0" u="none" strike="noStrike" cap="none" normalizeH="0" baseline="0" smtClean="0">
+                <a:ln>
+                  <a:noFill/>
+                </a:ln>
+                <a:solidFill>
+                  <a:schemeClr val="tx1"/>
+                </a:solidFill>
+                <a:effectLst/>
+                <a:latin typeface="Times New Roman" pitchFamily="18" charset="0"/>
+              </a:endParaRPr>
+            </a:p>
+          </p:txBody>
+        </p:sp>
+      </p:grpSp>
     </p:spTree>
   </p:cSld>
   <p:clrMapOvr>
